--- a/ALY6160GroupFINAL.pptx
+++ b/ALY6160GroupFINAL.pptx
@@ -5,18 +5,18 @@
     <p:sldMasterId id="2147483648" r:id="rId1"/>
   </p:sldMasterIdLst>
   <p:notesMasterIdLst>
-    <p:notesMasterId r:id="rId20"/>
+    <p:notesMasterId r:id="rId21"/>
   </p:notesMasterIdLst>
   <p:sldIdLst>
     <p:sldId id="264" r:id="rId2"/>
     <p:sldId id="257" r:id="rId3"/>
     <p:sldId id="270" r:id="rId4"/>
     <p:sldId id="258" r:id="rId5"/>
-    <p:sldId id="256" r:id="rId6"/>
-    <p:sldId id="271" r:id="rId7"/>
-    <p:sldId id="272" r:id="rId8"/>
-    <p:sldId id="267" r:id="rId9"/>
-    <p:sldId id="260" r:id="rId10"/>
+    <p:sldId id="260" r:id="rId6"/>
+    <p:sldId id="256" r:id="rId7"/>
+    <p:sldId id="271" r:id="rId8"/>
+    <p:sldId id="272" r:id="rId9"/>
+    <p:sldId id="267" r:id="rId10"/>
     <p:sldId id="259" r:id="rId11"/>
     <p:sldId id="268" r:id="rId12"/>
     <p:sldId id="273" r:id="rId13"/>
@@ -24,8 +24,9 @@
     <p:sldId id="269" r:id="rId15"/>
     <p:sldId id="274" r:id="rId16"/>
     <p:sldId id="261" r:id="rId17"/>
-    <p:sldId id="262" r:id="rId18"/>
-    <p:sldId id="263" r:id="rId19"/>
+    <p:sldId id="275" r:id="rId18"/>
+    <p:sldId id="262" r:id="rId19"/>
+    <p:sldId id="263" r:id="rId20"/>
   </p:sldIdLst>
   <p:sldSz cx="12192000" cy="6858000"/>
   <p:notesSz cx="6858000" cy="9144000"/>
@@ -133,6 +134,7 @@
             <p14:sldId id="257"/>
             <p14:sldId id="270"/>
             <p14:sldId id="258"/>
+            <p14:sldId id="260"/>
             <p14:sldId id="256"/>
             <p14:sldId id="271"/>
             <p14:sldId id="272"/>
@@ -141,7 +143,6 @@
         <p14:section name="EDA" id="{661D1B6F-E724-B143-ABDC-9F33F988C310}">
           <p14:sldIdLst>
             <p14:sldId id="267"/>
-            <p14:sldId id="260"/>
             <p14:sldId id="259"/>
           </p14:sldIdLst>
         </p14:section>
@@ -157,6 +158,7 @@
         <p14:section name="Conclusion &amp; References" id="{4094C507-BE86-5E4C-9872-DF17B9B8ACE9}">
           <p14:sldIdLst>
             <p14:sldId id="261"/>
+            <p14:sldId id="275"/>
             <p14:sldId id="262"/>
             <p14:sldId id="263"/>
           </p14:sldIdLst>
@@ -518,7 +520,7 @@
             <a:fld id="{80180EA8-2363-6546-9295-3AB8E8213896}" type="datetimeFigureOut">
               <a:rPr lang="en-US" smtClean="0"/>
               <a:pPr/>
-              <a:t>2/21/21</a:t>
+              <a:t>2/23/21</a:t>
             </a:fld>
             <a:endParaRPr lang="en-US"/>
           </a:p>
@@ -1184,15 +1186,9 @@
           <a:lstStyle/>
           <a:p>
             <a:r>
-              <a:rPr lang="en-US">
-                <a:latin typeface="Avenir Book"/>
-              </a:rPr>
-              <a:t>References :</a:t>
+              <a:rPr lang="en-US"/>
+              <a:t>As noted earlier, to protect beneficiary privacy, variables, such as those related to geography and costs for example, were removed. Limiting our </a:t>
             </a:r>
-            <a:endParaRPr lang="en-US"/>
-          </a:p>
-          <a:p>
-            <a:endParaRPr lang="en-US"/>
           </a:p>
         </p:txBody>
       </p:sp>
@@ -1223,7 +1219,7 @@
     </p:spTree>
     <p:extLst>
       <p:ext uri="{BB962C8B-B14F-4D97-AF65-F5344CB8AC3E}">
-        <p14:creationId xmlns:p14="http://schemas.microsoft.com/office/powerpoint/2010/main" val="2693704567"/>
+        <p14:creationId xmlns:p14="http://schemas.microsoft.com/office/powerpoint/2010/main" val="2455496933"/>
       </p:ext>
     </p:extLst>
   </p:cSld>
@@ -1277,6 +1273,100 @@
           <a:bodyPr/>
           <a:lstStyle/>
           <a:p>
+            <a:r>
+              <a:rPr lang="en-US">
+                <a:latin typeface="Avenir Book"/>
+              </a:rPr>
+              <a:t>References :</a:t>
+            </a:r>
+            <a:endParaRPr lang="en-US"/>
+          </a:p>
+          <a:p>
+            <a:endParaRPr lang="en-US"/>
+          </a:p>
+        </p:txBody>
+      </p:sp>
+      <p:sp>
+        <p:nvSpPr>
+          <p:cNvPr id="4" name="Slide Number Placeholder 3"/>
+          <p:cNvSpPr>
+            <a:spLocks noGrp="1"/>
+          </p:cNvSpPr>
+          <p:nvPr>
+            <p:ph type="sldNum" sz="quarter" idx="5"/>
+          </p:nvPr>
+        </p:nvSpPr>
+        <p:spPr/>
+        <p:txBody>
+          <a:bodyPr/>
+          <a:lstStyle/>
+          <a:p>
+            <a:fld id="{05D96418-AAE0-0248-8664-955F16523268}" type="slidenum">
+              <a:rPr lang="en-US" smtClean="0"/>
+              <a:pPr/>
+              <a:t>18</a:t>
+            </a:fld>
+            <a:endParaRPr lang="en-US"/>
+          </a:p>
+        </p:txBody>
+      </p:sp>
+    </p:spTree>
+    <p:extLst>
+      <p:ext uri="{BB962C8B-B14F-4D97-AF65-F5344CB8AC3E}">
+        <p14:creationId xmlns:p14="http://schemas.microsoft.com/office/powerpoint/2010/main" val="2693704567"/>
+      </p:ext>
+    </p:extLst>
+  </p:cSld>
+  <p:clrMapOvr>
+    <a:masterClrMapping/>
+  </p:clrMapOvr>
+</p:notes>
+</file>
+
+<file path=ppt/notesSlides/notesSlide14.xml><?xml version="1.0" encoding="utf-8"?>
+<p:notes xmlns:a="http://schemas.openxmlformats.org/drawingml/2006/main" xmlns:r="http://schemas.openxmlformats.org/officeDocument/2006/relationships" xmlns:p="http://schemas.openxmlformats.org/presentationml/2006/main">
+  <p:cSld>
+    <p:spTree>
+      <p:nvGrpSpPr>
+        <p:cNvPr id="1" name=""/>
+        <p:cNvGrpSpPr/>
+        <p:nvPr/>
+      </p:nvGrpSpPr>
+      <p:grpSpPr>
+        <a:xfrm>
+          <a:off x="0" y="0"/>
+          <a:ext cx="0" cy="0"/>
+          <a:chOff x="0" y="0"/>
+          <a:chExt cx="0" cy="0"/>
+        </a:xfrm>
+      </p:grpSpPr>
+      <p:sp>
+        <p:nvSpPr>
+          <p:cNvPr id="2" name="Slide Image Placeholder 1"/>
+          <p:cNvSpPr>
+            <a:spLocks noGrp="1" noRot="1" noChangeAspect="1"/>
+          </p:cNvSpPr>
+          <p:nvPr>
+            <p:ph type="sldImg"/>
+          </p:nvPr>
+        </p:nvSpPr>
+        <p:spPr/>
+      </p:sp>
+      <p:sp>
+        <p:nvSpPr>
+          <p:cNvPr id="3" name="Notes Placeholder 2"/>
+          <p:cNvSpPr>
+            <a:spLocks noGrp="1"/>
+          </p:cNvSpPr>
+          <p:nvPr>
+            <p:ph type="body" idx="1"/>
+          </p:nvPr>
+        </p:nvSpPr>
+        <p:spPr/>
+        <p:txBody>
+          <a:bodyPr/>
+          <a:lstStyle/>
+          <a:p>
             <a:pPr marL="0" marR="0" lvl="0" indent="0" algn="l" defTabSz="914400" rtl="0" eaLnBrk="1" fontAlgn="auto" latinLnBrk="0" hangingPunct="1">
               <a:lnSpc>
                 <a:spcPct val="100000"/>
@@ -1316,7 +1406,7 @@
             <a:fld id="{05D96418-AAE0-0248-8664-955F16523268}" type="slidenum">
               <a:rPr lang="en-US" smtClean="0"/>
               <a:pPr/>
-              <a:t>18</a:t>
+              <a:t>19</a:t>
             </a:fld>
             <a:endParaRPr lang="en-US"/>
           </a:p>
@@ -1381,31 +1471,25 @@
           <a:p>
             <a:r>
               <a:rPr lang="en-US"/>
-              <a:t>MCBS PUF (public use file) variables : </a:t>
+              <a:t>Specifically: Medicaid and health insurance coverage</a:t>
             </a:r>
           </a:p>
           <a:p>
             <a:r>
               <a:rPr lang="en-US"/>
-              <a:t>Total 673  - Although not all available for Fall, Winter and Summer = 239 variables</a:t>
+              <a:t>Years enrolled in Medicaid</a:t>
             </a:r>
           </a:p>
           <a:p>
             <a:r>
               <a:rPr lang="en-US"/>
-              <a:t>Randomly generated IDs to protect identity of patients - but also prevent multi-year time series analyses</a:t>
+              <a:t>Chronic Conditions -&gt; Severity</a:t>
             </a:r>
           </a:p>
           <a:p>
             <a:r>
               <a:rPr lang="en-US"/>
-              <a:t>No Geographic identifiers</a:t>
-            </a:r>
-          </a:p>
-          <a:p>
-            <a:r>
-              <a:rPr lang="en-US"/>
-              <a:t>Populations Weights</a:t>
+              <a:t>Cost burden - impact of socio-economic situation on Health Status and Functioning</a:t>
             </a:r>
           </a:p>
         </p:txBody>
@@ -1427,6 +1511,7 @@
           <a:p>
             <a:fld id="{05D96418-AAE0-0248-8664-955F16523268}" type="slidenum">
               <a:rPr lang="en-US" smtClean="0"/>
+              <a:pPr/>
               <a:t>5</a:t>
             </a:fld>
             <a:endParaRPr lang="en-US"/>
@@ -1436,7 +1521,7 @@
     </p:spTree>
     <p:extLst>
       <p:ext uri="{BB962C8B-B14F-4D97-AF65-F5344CB8AC3E}">
-        <p14:creationId xmlns:p14="http://schemas.microsoft.com/office/powerpoint/2010/main" val="772893232"/>
+        <p14:creationId xmlns:p14="http://schemas.microsoft.com/office/powerpoint/2010/main" val="1708585824"/>
       </p:ext>
     </p:extLst>
   </p:cSld>
@@ -1547,7 +1632,7 @@
     </p:spTree>
     <p:extLst>
       <p:ext uri="{BB962C8B-B14F-4D97-AF65-F5344CB8AC3E}">
-        <p14:creationId xmlns:p14="http://schemas.microsoft.com/office/powerpoint/2010/main" val="2408517661"/>
+        <p14:creationId xmlns:p14="http://schemas.microsoft.com/office/powerpoint/2010/main" val="772893232"/>
       </p:ext>
     </p:extLst>
   </p:cSld>
@@ -1658,7 +1743,7 @@
     </p:spTree>
     <p:extLst>
       <p:ext uri="{BB962C8B-B14F-4D97-AF65-F5344CB8AC3E}">
-        <p14:creationId xmlns:p14="http://schemas.microsoft.com/office/powerpoint/2010/main" val="3127244014"/>
+        <p14:creationId xmlns:p14="http://schemas.microsoft.com/office/powerpoint/2010/main" val="2408517661"/>
       </p:ext>
     </p:extLst>
   </p:cSld>
@@ -1712,28 +1797,7 @@
           <a:bodyPr/>
           <a:lstStyle/>
           <a:p>
-            <a:r>
-              <a:rPr lang="en-US"/>
-              <a:t>Specifically: Medicaid and health insurance coverage</a:t>
-            </a:r>
-          </a:p>
-          <a:p>
-            <a:r>
-              <a:rPr lang="en-US"/>
-              <a:t>Years enrolled in Medicaid</a:t>
-            </a:r>
-          </a:p>
-          <a:p>
-            <a:r>
-              <a:rPr lang="en-US"/>
-              <a:t>Chronic Conditions -&gt; Severity</a:t>
-            </a:r>
-          </a:p>
-          <a:p>
-            <a:r>
-              <a:rPr lang="en-US"/>
-              <a:t>Cost burden - impact of socio-economic situation on Health Status and Functioning</a:t>
-            </a:r>
+            <a:endParaRPr lang="en-US" dirty="0"/>
           </a:p>
         </p:txBody>
       </p:sp>
@@ -1754,8 +1818,7 @@
           <a:p>
             <a:fld id="{05D96418-AAE0-0248-8664-955F16523268}" type="slidenum">
               <a:rPr lang="en-US" smtClean="0"/>
-              <a:pPr/>
-              <a:t>9</a:t>
+              <a:t>8</a:t>
             </a:fld>
             <a:endParaRPr lang="en-US"/>
           </a:p>
@@ -1764,7 +1827,7 @@
     </p:spTree>
     <p:extLst>
       <p:ext uri="{BB962C8B-B14F-4D97-AF65-F5344CB8AC3E}">
-        <p14:creationId xmlns:p14="http://schemas.microsoft.com/office/powerpoint/2010/main" val="1708585824"/>
+        <p14:creationId xmlns:p14="http://schemas.microsoft.com/office/powerpoint/2010/main" val="3127244014"/>
       </p:ext>
     </p:extLst>
   </p:cSld>
@@ -2285,7 +2348,7 @@
           <a:p>
             <a:fld id="{013BFEAD-1BEF-244B-B3CC-6137F4E9A449}" type="datetimeFigureOut">
               <a:rPr lang="en-US" smtClean="0"/>
-              <a:t>2/21/21</a:t>
+              <a:t>2/23/21</a:t>
             </a:fld>
             <a:endParaRPr lang="en-US"/>
           </a:p>
@@ -2483,7 +2546,7 @@
           <a:p>
             <a:fld id="{013BFEAD-1BEF-244B-B3CC-6137F4E9A449}" type="datetimeFigureOut">
               <a:rPr lang="en-US" smtClean="0"/>
-              <a:t>2/21/21</a:t>
+              <a:t>2/23/21</a:t>
             </a:fld>
             <a:endParaRPr lang="en-US"/>
           </a:p>
@@ -2691,7 +2754,7 @@
           <a:p>
             <a:fld id="{013BFEAD-1BEF-244B-B3CC-6137F4E9A449}" type="datetimeFigureOut">
               <a:rPr lang="en-US" smtClean="0"/>
-              <a:t>2/21/21</a:t>
+              <a:t>2/23/21</a:t>
             </a:fld>
             <a:endParaRPr lang="en-US"/>
           </a:p>
@@ -2889,7 +2952,7 @@
           <a:p>
             <a:fld id="{013BFEAD-1BEF-244B-B3CC-6137F4E9A449}" type="datetimeFigureOut">
               <a:rPr lang="en-US" smtClean="0"/>
-              <a:t>2/21/21</a:t>
+              <a:t>2/23/21</a:t>
             </a:fld>
             <a:endParaRPr lang="en-US"/>
           </a:p>
@@ -3164,7 +3227,7 @@
           <a:p>
             <a:fld id="{013BFEAD-1BEF-244B-B3CC-6137F4E9A449}" type="datetimeFigureOut">
               <a:rPr lang="en-US" smtClean="0"/>
-              <a:t>2/21/21</a:t>
+              <a:t>2/23/21</a:t>
             </a:fld>
             <a:endParaRPr lang="en-US"/>
           </a:p>
@@ -3429,7 +3492,7 @@
           <a:p>
             <a:fld id="{013BFEAD-1BEF-244B-B3CC-6137F4E9A449}" type="datetimeFigureOut">
               <a:rPr lang="en-US" smtClean="0"/>
-              <a:t>2/21/21</a:t>
+              <a:t>2/23/21</a:t>
             </a:fld>
             <a:endParaRPr lang="en-US"/>
           </a:p>
@@ -3841,7 +3904,7 @@
           <a:p>
             <a:fld id="{013BFEAD-1BEF-244B-B3CC-6137F4E9A449}" type="datetimeFigureOut">
               <a:rPr lang="en-US" smtClean="0"/>
-              <a:t>2/21/21</a:t>
+              <a:t>2/23/21</a:t>
             </a:fld>
             <a:endParaRPr lang="en-US"/>
           </a:p>
@@ -3982,7 +4045,7 @@
           <a:p>
             <a:fld id="{013BFEAD-1BEF-244B-B3CC-6137F4E9A449}" type="datetimeFigureOut">
               <a:rPr lang="en-US" smtClean="0"/>
-              <a:t>2/21/21</a:t>
+              <a:t>2/23/21</a:t>
             </a:fld>
             <a:endParaRPr lang="en-US"/>
           </a:p>
@@ -4095,7 +4158,7 @@
           <a:p>
             <a:fld id="{013BFEAD-1BEF-244B-B3CC-6137F4E9A449}" type="datetimeFigureOut">
               <a:rPr lang="en-US" smtClean="0"/>
-              <a:t>2/21/21</a:t>
+              <a:t>2/23/21</a:t>
             </a:fld>
             <a:endParaRPr lang="en-US"/>
           </a:p>
@@ -4406,7 +4469,7 @@
           <a:p>
             <a:fld id="{013BFEAD-1BEF-244B-B3CC-6137F4E9A449}" type="datetimeFigureOut">
               <a:rPr lang="en-US" smtClean="0"/>
-              <a:t>2/21/21</a:t>
+              <a:t>2/23/21</a:t>
             </a:fld>
             <a:endParaRPr lang="en-US"/>
           </a:p>
@@ -4694,7 +4757,7 @@
           <a:p>
             <a:fld id="{013BFEAD-1BEF-244B-B3CC-6137F4E9A449}" type="datetimeFigureOut">
               <a:rPr lang="en-US" smtClean="0"/>
-              <a:t>2/21/21</a:t>
+              <a:t>2/23/21</a:t>
             </a:fld>
             <a:endParaRPr lang="en-US"/>
           </a:p>
@@ -4937,7 +5000,7 @@
             <a:fld id="{013BFEAD-1BEF-244B-B3CC-6137F4E9A449}" type="datetimeFigureOut">
               <a:rPr lang="en-US" smtClean="0"/>
               <a:pPr/>
-              <a:t>2/21/21</a:t>
+              <a:t>2/23/21</a:t>
             </a:fld>
             <a:endParaRPr lang="en-US"/>
           </a:p>
@@ -6600,6 +6663,14 @@
               <a:rPr lang="en-US" sz="3600" dirty="0"/>
               <a:t>Clustering</a:t>
             </a:r>
+            <a:br>
+              <a:rPr lang="en-US" sz="3600" dirty="0"/>
+            </a:br>
+            <a:r>
+              <a:rPr lang="en-US" sz="3600" dirty="0" err="1"/>
+              <a:t>kNN</a:t>
+            </a:r>
+            <a:endParaRPr lang="en-US" sz="3600" dirty="0"/>
           </a:p>
         </p:txBody>
       </p:sp>
@@ -7872,54 +7943,8 @@
           <a:p>
             <a:r>
               <a:rPr lang="en-US" dirty="0"/>
-              <a:t>Classification </a:t>
+              <a:t>SVM Classification</a:t>
             </a:r>
-          </a:p>
-        </p:txBody>
-      </p:sp>
-      <p:sp>
-        <p:nvSpPr>
-          <p:cNvPr id="6" name="TextBox 5">
-            <a:extLst>
-              <a:ext uri="{FF2B5EF4-FFF2-40B4-BE49-F238E27FC236}">
-                <a16:creationId xmlns:a16="http://schemas.microsoft.com/office/drawing/2014/main" id="{BDF88CB3-3902-5C4A-ADEE-334D76A3858B}"/>
-              </a:ext>
-            </a:extLst>
-          </p:cNvPr>
-          <p:cNvSpPr txBox="1"/>
-          <p:nvPr/>
-        </p:nvSpPr>
-        <p:spPr>
-          <a:xfrm>
-            <a:off x="5629275" y="3271838"/>
-            <a:ext cx="2845331" cy="369332"/>
-          </a:xfrm>
-          <a:prstGeom prst="rect">
-            <a:avLst/>
-          </a:prstGeom>
-          <a:noFill/>
-        </p:spPr>
-        <p:txBody>
-          <a:bodyPr wrap="none" rtlCol="0">
-            <a:spAutoFit/>
-          </a:bodyPr>
-          <a:lstStyle/>
-          <a:p>
-            <a:r>
-              <a:rPr lang="en-US" dirty="0">
-                <a:latin typeface="Avenir Book" panose="02000503020000020003" pitchFamily="2" charset="0"/>
-              </a:rPr>
-              <a:t>Logistic regression or </a:t>
-            </a:r>
-            <a:r>
-              <a:rPr lang="en-US" dirty="0" err="1">
-                <a:latin typeface="Avenir Book" panose="02000503020000020003" pitchFamily="2" charset="0"/>
-              </a:rPr>
-              <a:t>svm</a:t>
-            </a:r>
-            <a:endParaRPr lang="en-US" dirty="0">
-              <a:latin typeface="Avenir Book" panose="02000503020000020003" pitchFamily="2" charset="0"/>
-            </a:endParaRPr>
           </a:p>
         </p:txBody>
       </p:sp>
@@ -8931,7 +8956,7 @@
           <a:p>
             <a:r>
               <a:rPr lang="en-US" dirty="0"/>
-              <a:t>Conclusions &amp; Next Steps</a:t>
+              <a:t>Conclusions</a:t>
             </a:r>
           </a:p>
         </p:txBody>
@@ -8963,34 +8988,20 @@
           <a:lstStyle/>
           <a:p>
             <a:r>
-              <a:rPr lang="en-US"/>
-              <a:t>High Dimensional Dataset</a:t>
+              <a:rPr lang="en-US" dirty="0"/>
+              <a:t>Model accuracy comparison</a:t>
             </a:r>
           </a:p>
           <a:p>
             <a:r>
-              <a:rPr lang="en-US"/>
-              <a:t>Missing Data (or removed to protect privacy)</a:t>
+              <a:rPr lang="en-US" dirty="0"/>
+              <a:t>Feature importance</a:t>
             </a:r>
           </a:p>
           <a:p>
-            <a:pPr lvl="1"/>
             <a:r>
-              <a:rPr lang="en-US"/>
-              <a:t>High non-response</a:t>
-            </a:r>
-          </a:p>
-          <a:p>
-            <a:pPr lvl="1"/>
-            <a:r>
-              <a:rPr lang="en-US"/>
-              <a:t>Variable Sample each Round:  Smaller Summer Sample Size -&gt; impact on Power</a:t>
-            </a:r>
-          </a:p>
-          <a:p>
-            <a:r>
-              <a:rPr lang="en-US"/>
-              <a:t>Weighted Sampling</a:t>
+              <a:rPr lang="en-US" dirty="0"/>
+              <a:t>Cost burden expanded definition</a:t>
             </a:r>
           </a:p>
         </p:txBody>
@@ -9029,6 +9040,366 @@
     <p:extLst>
       <p:ext uri="{BB962C8B-B14F-4D97-AF65-F5344CB8AC3E}">
         <p14:creationId xmlns:p14="http://schemas.microsoft.com/office/powerpoint/2010/main" val="1789800106"/>
+      </p:ext>
+    </p:extLst>
+  </p:cSld>
+  <p:clrMapOvr>
+    <a:masterClrMapping/>
+  </p:clrMapOvr>
+  <p:timing>
+    <p:tnLst>
+      <p:par>
+        <p:cTn id="1" dur="indefinite" restart="never" nodeType="tmRoot">
+          <p:childTnLst>
+            <p:seq concurrent="1" nextAc="seek">
+              <p:cTn id="2" dur="indefinite" nodeType="mainSeq">
+                <p:childTnLst>
+                  <p:par>
+                    <p:cTn id="3" fill="hold">
+                      <p:stCondLst>
+                        <p:cond delay="indefinite"/>
+                      </p:stCondLst>
+                      <p:childTnLst>
+                        <p:par>
+                          <p:cTn id="4" fill="hold">
+                            <p:stCondLst>
+                              <p:cond delay="0"/>
+                            </p:stCondLst>
+                            <p:childTnLst>
+                              <p:par>
+                                <p:cTn id="5" presetID="9" presetClass="entr" presetSubtype="0" fill="hold" nodeType="clickEffect">
+                                  <p:stCondLst>
+                                    <p:cond delay="0"/>
+                                  </p:stCondLst>
+                                  <p:childTnLst>
+                                    <p:set>
+                                      <p:cBhvr>
+                                        <p:cTn id="6" dur="1" fill="hold">
+                                          <p:stCondLst>
+                                            <p:cond delay="0"/>
+                                          </p:stCondLst>
+                                        </p:cTn>
+                                        <p:tgtEl>
+                                          <p:spTgt spid="3">
+                                            <p:txEl>
+                                              <p:pRg st="0" end="0"/>
+                                            </p:txEl>
+                                          </p:spTgt>
+                                        </p:tgtEl>
+                                        <p:attrNameLst>
+                                          <p:attrName>style.visibility</p:attrName>
+                                        </p:attrNameLst>
+                                      </p:cBhvr>
+                                      <p:to>
+                                        <p:strVal val="visible"/>
+                                      </p:to>
+                                    </p:set>
+                                    <p:animEffect transition="in" filter="dissolve">
+                                      <p:cBhvr>
+                                        <p:cTn id="7" dur="500"/>
+                                        <p:tgtEl>
+                                          <p:spTgt spid="3">
+                                            <p:txEl>
+                                              <p:pRg st="0" end="0"/>
+                                            </p:txEl>
+                                          </p:spTgt>
+                                        </p:tgtEl>
+                                      </p:cBhvr>
+                                    </p:animEffect>
+                                  </p:childTnLst>
+                                </p:cTn>
+                              </p:par>
+                            </p:childTnLst>
+                          </p:cTn>
+                        </p:par>
+                      </p:childTnLst>
+                    </p:cTn>
+                  </p:par>
+                  <p:par>
+                    <p:cTn id="8" fill="hold">
+                      <p:stCondLst>
+                        <p:cond delay="indefinite"/>
+                      </p:stCondLst>
+                      <p:childTnLst>
+                        <p:par>
+                          <p:cTn id="9" fill="hold">
+                            <p:stCondLst>
+                              <p:cond delay="0"/>
+                            </p:stCondLst>
+                            <p:childTnLst>
+                              <p:par>
+                                <p:cTn id="10" presetID="9" presetClass="entr" presetSubtype="0" fill="hold" nodeType="clickEffect">
+                                  <p:stCondLst>
+                                    <p:cond delay="0"/>
+                                  </p:stCondLst>
+                                  <p:childTnLst>
+                                    <p:set>
+                                      <p:cBhvr>
+                                        <p:cTn id="11" dur="1" fill="hold">
+                                          <p:stCondLst>
+                                            <p:cond delay="0"/>
+                                          </p:stCondLst>
+                                        </p:cTn>
+                                        <p:tgtEl>
+                                          <p:spTgt spid="3">
+                                            <p:txEl>
+                                              <p:pRg st="1" end="1"/>
+                                            </p:txEl>
+                                          </p:spTgt>
+                                        </p:tgtEl>
+                                        <p:attrNameLst>
+                                          <p:attrName>style.visibility</p:attrName>
+                                        </p:attrNameLst>
+                                      </p:cBhvr>
+                                      <p:to>
+                                        <p:strVal val="visible"/>
+                                      </p:to>
+                                    </p:set>
+                                    <p:animEffect transition="in" filter="dissolve">
+                                      <p:cBhvr>
+                                        <p:cTn id="12" dur="500"/>
+                                        <p:tgtEl>
+                                          <p:spTgt spid="3">
+                                            <p:txEl>
+                                              <p:pRg st="1" end="1"/>
+                                            </p:txEl>
+                                          </p:spTgt>
+                                        </p:tgtEl>
+                                      </p:cBhvr>
+                                    </p:animEffect>
+                                  </p:childTnLst>
+                                </p:cTn>
+                              </p:par>
+                            </p:childTnLst>
+                          </p:cTn>
+                        </p:par>
+                      </p:childTnLst>
+                    </p:cTn>
+                  </p:par>
+                  <p:par>
+                    <p:cTn id="13" fill="hold">
+                      <p:stCondLst>
+                        <p:cond delay="indefinite"/>
+                      </p:stCondLst>
+                      <p:childTnLst>
+                        <p:par>
+                          <p:cTn id="14" fill="hold">
+                            <p:stCondLst>
+                              <p:cond delay="0"/>
+                            </p:stCondLst>
+                            <p:childTnLst>
+                              <p:par>
+                                <p:cTn id="15" presetID="9" presetClass="entr" presetSubtype="0" fill="hold" nodeType="clickEffect">
+                                  <p:stCondLst>
+                                    <p:cond delay="0"/>
+                                  </p:stCondLst>
+                                  <p:childTnLst>
+                                    <p:set>
+                                      <p:cBhvr>
+                                        <p:cTn id="16" dur="1" fill="hold">
+                                          <p:stCondLst>
+                                            <p:cond delay="0"/>
+                                          </p:stCondLst>
+                                        </p:cTn>
+                                        <p:tgtEl>
+                                          <p:spTgt spid="3">
+                                            <p:txEl>
+                                              <p:pRg st="2" end="2"/>
+                                            </p:txEl>
+                                          </p:spTgt>
+                                        </p:tgtEl>
+                                        <p:attrNameLst>
+                                          <p:attrName>style.visibility</p:attrName>
+                                        </p:attrNameLst>
+                                      </p:cBhvr>
+                                      <p:to>
+                                        <p:strVal val="visible"/>
+                                      </p:to>
+                                    </p:set>
+                                    <p:animEffect transition="in" filter="dissolve">
+                                      <p:cBhvr>
+                                        <p:cTn id="17" dur="500"/>
+                                        <p:tgtEl>
+                                          <p:spTgt spid="3">
+                                            <p:txEl>
+                                              <p:pRg st="2" end="2"/>
+                                            </p:txEl>
+                                          </p:spTgt>
+                                        </p:tgtEl>
+                                      </p:cBhvr>
+                                    </p:animEffect>
+                                  </p:childTnLst>
+                                </p:cTn>
+                              </p:par>
+                            </p:childTnLst>
+                          </p:cTn>
+                        </p:par>
+                      </p:childTnLst>
+                    </p:cTn>
+                  </p:par>
+                </p:childTnLst>
+              </p:cTn>
+              <p:prevCondLst>
+                <p:cond evt="onPrev" delay="0">
+                  <p:tgtEl>
+                    <p:sldTgt/>
+                  </p:tgtEl>
+                </p:cond>
+              </p:prevCondLst>
+              <p:nextCondLst>
+                <p:cond evt="onNext" delay="0">
+                  <p:tgtEl>
+                    <p:sldTgt/>
+                  </p:tgtEl>
+                </p:cond>
+              </p:nextCondLst>
+            </p:seq>
+          </p:childTnLst>
+        </p:cTn>
+      </p:par>
+    </p:tnLst>
+  </p:timing>
+</p:sld>
+</file>
+
+<file path=ppt/slides/slide17.xml><?xml version="1.0" encoding="utf-8"?>
+<p:sld xmlns:a="http://schemas.openxmlformats.org/drawingml/2006/main" xmlns:r="http://schemas.openxmlformats.org/officeDocument/2006/relationships" xmlns:p="http://schemas.openxmlformats.org/presentationml/2006/main">
+  <p:cSld>
+    <p:spTree>
+      <p:nvGrpSpPr>
+        <p:cNvPr id="1" name=""/>
+        <p:cNvGrpSpPr/>
+        <p:nvPr/>
+      </p:nvGrpSpPr>
+      <p:grpSpPr>
+        <a:xfrm>
+          <a:off x="0" y="0"/>
+          <a:ext cx="0" cy="0"/>
+          <a:chOff x="0" y="0"/>
+          <a:chExt cx="0" cy="0"/>
+        </a:xfrm>
+      </p:grpSpPr>
+      <p:sp>
+        <p:nvSpPr>
+          <p:cNvPr id="2" name="Title 1">
+            <a:extLst>
+              <a:ext uri="{FF2B5EF4-FFF2-40B4-BE49-F238E27FC236}">
+                <a16:creationId xmlns:a16="http://schemas.microsoft.com/office/drawing/2014/main" id="{ECE1B72A-5359-EE4F-B35F-49CD401BDD6C}"/>
+              </a:ext>
+            </a:extLst>
+          </p:cNvPr>
+          <p:cNvSpPr>
+            <a:spLocks noGrp="1"/>
+          </p:cNvSpPr>
+          <p:nvPr>
+            <p:ph type="title"/>
+          </p:nvPr>
+        </p:nvSpPr>
+        <p:spPr/>
+        <p:txBody>
+          <a:bodyPr/>
+          <a:lstStyle/>
+          <a:p>
+            <a:r>
+              <a:rPr lang="en-US" dirty="0"/>
+              <a:t>Conclusions &amp; Next Steps</a:t>
+            </a:r>
+          </a:p>
+        </p:txBody>
+      </p:sp>
+      <p:sp>
+        <p:nvSpPr>
+          <p:cNvPr id="3" name="Content Placeholder 2">
+            <a:extLst>
+              <a:ext uri="{FF2B5EF4-FFF2-40B4-BE49-F238E27FC236}">
+                <a16:creationId xmlns:a16="http://schemas.microsoft.com/office/drawing/2014/main" id="{9E71AAA9-F014-E649-9FAB-42BF9B5931F8}"/>
+              </a:ext>
+            </a:extLst>
+          </p:cNvPr>
+          <p:cNvSpPr>
+            <a:spLocks noGrp="1"/>
+          </p:cNvSpPr>
+          <p:nvPr>
+            <p:ph idx="1"/>
+          </p:nvPr>
+        </p:nvSpPr>
+        <p:spPr>
+          <a:xfrm>
+            <a:off x="838200" y="1901825"/>
+            <a:ext cx="9977438" cy="4351338"/>
+          </a:xfrm>
+        </p:spPr>
+        <p:txBody>
+          <a:bodyPr/>
+          <a:lstStyle/>
+          <a:p>
+            <a:r>
+              <a:rPr lang="en-US"/>
+              <a:t>High Dimensional Dataset</a:t>
+            </a:r>
+          </a:p>
+          <a:p>
+            <a:r>
+              <a:rPr lang="en-US"/>
+              <a:t>Missing Data (or removed to protect privacy)</a:t>
+            </a:r>
+          </a:p>
+          <a:p>
+            <a:pPr lvl="1"/>
+            <a:r>
+              <a:rPr lang="en-US"/>
+              <a:t>High non-response</a:t>
+            </a:r>
+          </a:p>
+          <a:p>
+            <a:pPr lvl="1"/>
+            <a:r>
+              <a:rPr lang="en-US"/>
+              <a:t>Variable Sample each Round:  Smaller Summer Sample Size -&gt; impact on Power</a:t>
+            </a:r>
+          </a:p>
+          <a:p>
+            <a:r>
+              <a:rPr lang="en-US"/>
+              <a:t>Weighted Sampling</a:t>
+            </a:r>
+          </a:p>
+        </p:txBody>
+      </p:sp>
+      <p:pic>
+        <p:nvPicPr>
+          <p:cNvPr id="4" name="Picture 3" descr="Logo, company name&#10;&#10;Description automatically generated">
+            <a:extLst>
+              <a:ext uri="{FF2B5EF4-FFF2-40B4-BE49-F238E27FC236}">
+                <a16:creationId xmlns:a16="http://schemas.microsoft.com/office/drawing/2014/main" id="{FFACA3F5-80A8-274A-A7F0-CB30CEA4E4E9}"/>
+              </a:ext>
+            </a:extLst>
+          </p:cNvPr>
+          <p:cNvPicPr>
+            <a:picLocks noChangeAspect="1"/>
+          </p:cNvPicPr>
+          <p:nvPr/>
+        </p:nvPicPr>
+        <p:blipFill>
+          <a:blip r:embed="rId3"/>
+          <a:stretch>
+            <a:fillRect/>
+          </a:stretch>
+        </p:blipFill>
+        <p:spPr>
+          <a:xfrm>
+            <a:off x="7734300" y="5232400"/>
+            <a:ext cx="4457700" cy="1625600"/>
+          </a:xfrm>
+          <a:prstGeom prst="rect">
+            <a:avLst/>
+          </a:prstGeom>
+        </p:spPr>
+      </p:pic>
+    </p:spTree>
+    <p:extLst>
+      <p:ext uri="{BB962C8B-B14F-4D97-AF65-F5344CB8AC3E}">
+        <p14:creationId xmlns:p14="http://schemas.microsoft.com/office/powerpoint/2010/main" val="1105017676"/>
       </p:ext>
     </p:extLst>
   </p:cSld>
@@ -9373,7 +9744,7 @@
 </p:sld>
 </file>
 
-<file path=ppt/slides/slide17.xml><?xml version="1.0" encoding="utf-8"?>
+<file path=ppt/slides/slide18.xml><?xml version="1.0" encoding="utf-8"?>
 <p:sld xmlns:a="http://schemas.openxmlformats.org/drawingml/2006/main" xmlns:r="http://schemas.openxmlformats.org/officeDocument/2006/relationships" xmlns:p="http://schemas.openxmlformats.org/presentationml/2006/main">
   <p:cSld>
     <p:bg>
@@ -10072,7 +10443,7 @@
 </p:sld>
 </file>
 
-<file path=ppt/slides/slide18.xml><?xml version="1.0" encoding="utf-8"?>
+<file path=ppt/slides/slide19.xml><?xml version="1.0" encoding="utf-8"?>
 <p:sld xmlns:a="http://schemas.openxmlformats.org/drawingml/2006/main" xmlns:r="http://schemas.openxmlformats.org/officeDocument/2006/relationships" xmlns:p="http://schemas.openxmlformats.org/presentationml/2006/main">
   <p:cSld>
     <p:bg>
@@ -12998,6 +13369,653 @@
           <p:cNvPr id="8" name="Rectangle 7">
             <a:extLst>
               <a:ext uri="{FF2B5EF4-FFF2-40B4-BE49-F238E27FC236}">
+                <a16:creationId xmlns:a16="http://schemas.microsoft.com/office/drawing/2014/main" id="{081EA652-8C6A-4E69-BEB9-170809474553}"/>
+              </a:ext>
+              <a:ext uri="{C183D7F6-B498-43B3-948B-1728B52AA6E4}">
+                <adec:decorative xmlns:adec="http://schemas.microsoft.com/office/drawing/2017/decorative" val="1"/>
+              </a:ext>
+            </a:extLst>
+          </p:cNvPr>
+          <p:cNvSpPr>
+            <a:spLocks noGrp="1" noRot="1" noChangeAspect="1" noMove="1" noResize="1" noEditPoints="1" noAdjustHandles="1" noChangeArrowheads="1" noChangeShapeType="1" noTextEdit="1"/>
+          </p:cNvSpPr>
+          <p:nvPr>
+            <p:extLst>
+              <p:ext uri="{386F3935-93C4-4BCD-93E2-E3B085C9AB24}">
+                <p16:designElem xmlns:p16="http://schemas.microsoft.com/office/powerpoint/2015/main" val="1"/>
+              </p:ext>
+            </p:extLst>
+          </p:nvPr>
+        </p:nvSpPr>
+        <p:spPr>
+          <a:xfrm>
+            <a:off x="0" y="0"/>
+            <a:ext cx="12192000" cy="6858000"/>
+          </a:xfrm>
+          <a:prstGeom prst="rect">
+            <a:avLst/>
+          </a:prstGeom>
+          <a:ln>
+            <a:noFill/>
+          </a:ln>
+        </p:spPr>
+        <p:style>
+          <a:lnRef idx="2">
+            <a:schemeClr val="accent1">
+              <a:shade val="50000"/>
+            </a:schemeClr>
+          </a:lnRef>
+          <a:fillRef idx="1">
+            <a:schemeClr val="accent1"/>
+          </a:fillRef>
+          <a:effectRef idx="0">
+            <a:schemeClr val="accent1"/>
+          </a:effectRef>
+          <a:fontRef idx="minor">
+            <a:schemeClr val="lt1"/>
+          </a:fontRef>
+        </p:style>
+        <p:txBody>
+          <a:bodyPr rtlCol="0" anchor="ctr"/>
+          <a:lstStyle/>
+          <a:p>
+            <a:pPr algn="ctr"/>
+            <a:endParaRPr lang="en-US">
+              <a:latin typeface="Avenir Book" panose="02000503020000020003" pitchFamily="2" charset="0"/>
+            </a:endParaRPr>
+          </a:p>
+        </p:txBody>
+      </p:sp>
+      <p:sp>
+        <p:nvSpPr>
+          <p:cNvPr id="10" name="Right Triangle 9">
+            <a:extLst>
+              <a:ext uri="{FF2B5EF4-FFF2-40B4-BE49-F238E27FC236}">
+                <a16:creationId xmlns:a16="http://schemas.microsoft.com/office/drawing/2014/main" id="{5298780A-33B9-4EA2-8F67-DE68AD62841B}"/>
+              </a:ext>
+              <a:ext uri="{C183D7F6-B498-43B3-948B-1728B52AA6E4}">
+                <adec:decorative xmlns:adec="http://schemas.microsoft.com/office/drawing/2017/decorative" val="1"/>
+              </a:ext>
+            </a:extLst>
+          </p:cNvPr>
+          <p:cNvSpPr>
+            <a:spLocks noGrp="1" noRot="1" noChangeAspect="1" noMove="1" noResize="1" noEditPoints="1" noAdjustHandles="1" noChangeArrowheads="1" noChangeShapeType="1" noTextEdit="1"/>
+          </p:cNvSpPr>
+          <p:nvPr>
+            <p:extLst>
+              <p:ext uri="{386F3935-93C4-4BCD-93E2-E3B085C9AB24}">
+                <p16:designElem xmlns:p16="http://schemas.microsoft.com/office/powerpoint/2015/main" val="1"/>
+              </p:ext>
+            </p:extLst>
+          </p:nvPr>
+        </p:nvSpPr>
+        <p:spPr>
+          <a:xfrm flipH="1">
+            <a:off x="8576720" y="3335867"/>
+            <a:ext cx="3291840" cy="3200400"/>
+          </a:xfrm>
+          <a:prstGeom prst="rtTriangle">
+            <a:avLst/>
+          </a:prstGeom>
+          <a:solidFill>
+            <a:schemeClr val="accent4"/>
+          </a:solidFill>
+          <a:ln>
+            <a:noFill/>
+          </a:ln>
+        </p:spPr>
+        <p:style>
+          <a:lnRef idx="2">
+            <a:schemeClr val="accent1">
+              <a:shade val="50000"/>
+            </a:schemeClr>
+          </a:lnRef>
+          <a:fillRef idx="1">
+            <a:schemeClr val="accent1"/>
+          </a:fillRef>
+          <a:effectRef idx="0">
+            <a:schemeClr val="accent1"/>
+          </a:effectRef>
+          <a:fontRef idx="minor">
+            <a:schemeClr val="lt1"/>
+          </a:fontRef>
+        </p:style>
+        <p:txBody>
+          <a:bodyPr rtlCol="0" anchor="ctr"/>
+          <a:lstStyle/>
+          <a:p>
+            <a:pPr algn="ctr"/>
+            <a:endParaRPr lang="en-US">
+              <a:latin typeface="Avenir Book" panose="02000503020000020003" pitchFamily="2" charset="0"/>
+            </a:endParaRPr>
+          </a:p>
+        </p:txBody>
+      </p:sp>
+      <p:sp>
+        <p:nvSpPr>
+          <p:cNvPr id="12" name="Rectangle 11">
+            <a:extLst>
+              <a:ext uri="{FF2B5EF4-FFF2-40B4-BE49-F238E27FC236}">
+                <a16:creationId xmlns:a16="http://schemas.microsoft.com/office/drawing/2014/main" id="{7F488E8B-4E1E-4402-8935-D4E6C02615C7}"/>
+              </a:ext>
+              <a:ext uri="{C183D7F6-B498-43B3-948B-1728B52AA6E4}">
+                <adec:decorative xmlns:adec="http://schemas.microsoft.com/office/drawing/2017/decorative" val="1"/>
+              </a:ext>
+            </a:extLst>
+          </p:cNvPr>
+          <p:cNvSpPr>
+            <a:spLocks noGrp="1" noRot="1" noChangeAspect="1" noMove="1" noResize="1" noEditPoints="1" noAdjustHandles="1" noChangeArrowheads="1" noChangeShapeType="1" noTextEdit="1"/>
+          </p:cNvSpPr>
+          <p:nvPr>
+            <p:extLst>
+              <p:ext uri="{386F3935-93C4-4BCD-93E2-E3B085C9AB24}">
+                <p16:designElem xmlns:p16="http://schemas.microsoft.com/office/powerpoint/2015/main" val="1"/>
+              </p:ext>
+            </p:extLst>
+          </p:nvPr>
+        </p:nvSpPr>
+        <p:spPr>
+          <a:xfrm>
+            <a:off x="641774" y="623275"/>
+            <a:ext cx="10905053" cy="5607882"/>
+          </a:xfrm>
+          <a:prstGeom prst="rect">
+            <a:avLst/>
+          </a:prstGeom>
+          <a:noFill/>
+          <a:ln w="19050">
+            <a:solidFill>
+              <a:schemeClr val="tx1">
+                <a:lumMod val="75000"/>
+                <a:lumOff val="25000"/>
+              </a:schemeClr>
+            </a:solidFill>
+          </a:ln>
+        </p:spPr>
+        <p:style>
+          <a:lnRef idx="2">
+            <a:schemeClr val="accent1">
+              <a:shade val="50000"/>
+            </a:schemeClr>
+          </a:lnRef>
+          <a:fillRef idx="1">
+            <a:schemeClr val="accent1"/>
+          </a:fillRef>
+          <a:effectRef idx="0">
+            <a:schemeClr val="accent1"/>
+          </a:effectRef>
+          <a:fontRef idx="minor">
+            <a:schemeClr val="lt1"/>
+          </a:fontRef>
+        </p:style>
+        <p:txBody>
+          <a:bodyPr rtlCol="0" anchor="ctr"/>
+          <a:lstStyle/>
+          <a:p>
+            <a:pPr algn="ctr"/>
+            <a:endParaRPr lang="en-US">
+              <a:latin typeface="Avenir Book" panose="02000503020000020003" pitchFamily="2" charset="0"/>
+            </a:endParaRPr>
+          </a:p>
+        </p:txBody>
+      </p:sp>
+      <p:sp>
+        <p:nvSpPr>
+          <p:cNvPr id="2" name="Title 1">
+            <a:extLst>
+              <a:ext uri="{FF2B5EF4-FFF2-40B4-BE49-F238E27FC236}">
+                <a16:creationId xmlns:a16="http://schemas.microsoft.com/office/drawing/2014/main" id="{C8358615-FA08-0049-BDCE-1FA68B9E7145}"/>
+              </a:ext>
+            </a:extLst>
+          </p:cNvPr>
+          <p:cNvSpPr>
+            <a:spLocks noGrp="1"/>
+          </p:cNvSpPr>
+          <p:nvPr>
+            <p:ph type="title"/>
+          </p:nvPr>
+        </p:nvSpPr>
+        <p:spPr>
+          <a:xfrm>
+            <a:off x="752336" y="811206"/>
+            <a:ext cx="3256787" cy="1897818"/>
+          </a:xfrm>
+        </p:spPr>
+        <p:txBody>
+          <a:bodyPr>
+            <a:normAutofit/>
+          </a:bodyPr>
+          <a:lstStyle/>
+          <a:p>
+            <a:pPr algn="r"/>
+            <a:r>
+              <a:rPr lang="en-US" sz="3600" dirty="0">
+                <a:latin typeface="Avenir Book" panose="02000503020000020003" pitchFamily="2" charset="0"/>
+              </a:rPr>
+              <a:t>Area of focus</a:t>
+            </a:r>
+          </a:p>
+        </p:txBody>
+      </p:sp>
+      <p:cxnSp>
+        <p:nvCxnSpPr>
+          <p:cNvPr id="14" name="Straight Connector 13">
+            <a:extLst>
+              <a:ext uri="{FF2B5EF4-FFF2-40B4-BE49-F238E27FC236}">
+                <a16:creationId xmlns:a16="http://schemas.microsoft.com/office/drawing/2014/main" id="{23AAC9B5-8015-485C-ACF9-A750390E9A56}"/>
+              </a:ext>
+              <a:ext uri="{C183D7F6-B498-43B3-948B-1728B52AA6E4}">
+                <adec:decorative xmlns:adec="http://schemas.microsoft.com/office/drawing/2017/decorative" val="1"/>
+              </a:ext>
+            </a:extLst>
+          </p:cNvPr>
+          <p:cNvCxnSpPr>
+            <a:cxnSpLocks noGrp="1" noRot="1" noChangeAspect="1" noMove="1" noResize="1" noEditPoints="1" noAdjustHandles="1" noChangeArrowheads="1" noChangeShapeType="1"/>
+          </p:cNvCxnSpPr>
+          <p:nvPr>
+            <p:extLst>
+              <p:ext uri="{386F3935-93C4-4BCD-93E2-E3B085C9AB24}">
+                <p16:designElem xmlns:p16="http://schemas.microsoft.com/office/powerpoint/2015/main" val="1"/>
+              </p:ext>
+            </p:extLst>
+          </p:nvPr>
+        </p:nvCxnSpPr>
+        <p:spPr>
+          <a:xfrm>
+            <a:off x="4654296" y="1852863"/>
+            <a:ext cx="0" cy="3236495"/>
+          </a:xfrm>
+          <a:prstGeom prst="line">
+            <a:avLst/>
+          </a:prstGeom>
+          <a:ln w="19050" cap="sq">
+            <a:solidFill>
+              <a:schemeClr val="tx1">
+                <a:lumMod val="75000"/>
+                <a:lumOff val="25000"/>
+              </a:schemeClr>
+            </a:solidFill>
+          </a:ln>
+        </p:spPr>
+        <p:style>
+          <a:lnRef idx="1">
+            <a:schemeClr val="accent1"/>
+          </a:lnRef>
+          <a:fillRef idx="0">
+            <a:schemeClr val="accent1"/>
+          </a:fillRef>
+          <a:effectRef idx="0">
+            <a:schemeClr val="accent1"/>
+          </a:effectRef>
+          <a:fontRef idx="minor">
+            <a:schemeClr val="tx1"/>
+          </a:fontRef>
+        </p:style>
+      </p:cxnSp>
+      <p:sp>
+        <p:nvSpPr>
+          <p:cNvPr id="3" name="Content Placeholder 2">
+            <a:extLst>
+              <a:ext uri="{FF2B5EF4-FFF2-40B4-BE49-F238E27FC236}">
+                <a16:creationId xmlns:a16="http://schemas.microsoft.com/office/drawing/2014/main" id="{18E74065-2018-E747-9CDA-4A1EE37E24E2}"/>
+              </a:ext>
+            </a:extLst>
+          </p:cNvPr>
+          <p:cNvSpPr>
+            <a:spLocks noGrp="1"/>
+          </p:cNvSpPr>
+          <p:nvPr>
+            <p:ph idx="1"/>
+          </p:nvPr>
+        </p:nvSpPr>
+        <p:spPr>
+          <a:xfrm>
+            <a:off x="1171380" y="2730623"/>
+            <a:ext cx="3256787" cy="1698502"/>
+          </a:xfrm>
+        </p:spPr>
+        <p:txBody>
+          <a:bodyPr anchor="ctr">
+            <a:normAutofit/>
+          </a:bodyPr>
+          <a:lstStyle/>
+          <a:p>
+            <a:pPr algn="ctr"/>
+            <a:endParaRPr lang="en-US" sz="2400" dirty="0"/>
+          </a:p>
+          <a:p>
+            <a:pPr marL="0" indent="0" algn="ctr">
+              <a:buNone/>
+            </a:pPr>
+            <a:r>
+              <a:rPr lang="en-US" sz="2600" dirty="0"/>
+              <a:t>Cost-Burden</a:t>
+            </a:r>
+          </a:p>
+          <a:p>
+            <a:endParaRPr lang="en-US" sz="2400" dirty="0"/>
+          </a:p>
+        </p:txBody>
+      </p:sp>
+      <p:sp>
+        <p:nvSpPr>
+          <p:cNvPr id="11" name="Rectangle 10">
+            <a:extLst>
+              <a:ext uri="{FF2B5EF4-FFF2-40B4-BE49-F238E27FC236}">
+                <a16:creationId xmlns:a16="http://schemas.microsoft.com/office/drawing/2014/main" id="{D690F9F6-77FB-5648-B40E-8CAC91D92D87}"/>
+              </a:ext>
+            </a:extLst>
+          </p:cNvPr>
+          <p:cNvSpPr/>
+          <p:nvPr/>
+        </p:nvSpPr>
+        <p:spPr>
+          <a:xfrm>
+            <a:off x="1259822" y="2664309"/>
+            <a:ext cx="3168340" cy="1764816"/>
+          </a:xfrm>
+          <a:prstGeom prst="rect">
+            <a:avLst/>
+          </a:prstGeom>
+          <a:noFill/>
+          <a:ln w="57150">
+            <a:solidFill>
+              <a:srgbClr val="FFC001"/>
+            </a:solidFill>
+          </a:ln>
+        </p:spPr>
+        <p:style>
+          <a:lnRef idx="2">
+            <a:schemeClr val="accent1">
+              <a:shade val="50000"/>
+            </a:schemeClr>
+          </a:lnRef>
+          <a:fillRef idx="1">
+            <a:schemeClr val="accent1"/>
+          </a:fillRef>
+          <a:effectRef idx="0">
+            <a:schemeClr val="accent1"/>
+          </a:effectRef>
+          <a:fontRef idx="minor">
+            <a:schemeClr val="lt1"/>
+          </a:fontRef>
+        </p:style>
+        <p:txBody>
+          <a:bodyPr rtlCol="0" anchor="ctr"/>
+          <a:lstStyle/>
+          <a:p>
+            <a:pPr algn="ctr"/>
+            <a:endParaRPr lang="en-US" dirty="0">
+              <a:noFill/>
+              <a:latin typeface="Avenir Book" panose="02000503020000020003" pitchFamily="2" charset="0"/>
+            </a:endParaRPr>
+          </a:p>
+        </p:txBody>
+      </p:sp>
+      <p:sp>
+        <p:nvSpPr>
+          <p:cNvPr id="17" name="TextBox 16">
+            <a:extLst>
+              <a:ext uri="{FF2B5EF4-FFF2-40B4-BE49-F238E27FC236}">
+                <a16:creationId xmlns:a16="http://schemas.microsoft.com/office/drawing/2014/main" id="{15C716DF-7597-E648-A058-A2D7945E936D}"/>
+              </a:ext>
+            </a:extLst>
+          </p:cNvPr>
+          <p:cNvSpPr txBox="1"/>
+          <p:nvPr/>
+        </p:nvSpPr>
+        <p:spPr>
+          <a:xfrm>
+            <a:off x="5003953" y="2103780"/>
+            <a:ext cx="1417376" cy="369332"/>
+          </a:xfrm>
+          <a:prstGeom prst="rect">
+            <a:avLst/>
+          </a:prstGeom>
+          <a:noFill/>
+        </p:spPr>
+        <p:txBody>
+          <a:bodyPr wrap="none" rtlCol="0">
+            <a:spAutoFit/>
+          </a:bodyPr>
+          <a:lstStyle/>
+          <a:p>
+            <a:r>
+              <a:rPr lang="en-US" dirty="0">
+                <a:latin typeface="Avenir Book" panose="02000503020000020003" pitchFamily="2" charset="0"/>
+              </a:rPr>
+              <a:t>Defined as: </a:t>
+            </a:r>
+          </a:p>
+        </p:txBody>
+      </p:sp>
+    </p:spTree>
+    <p:extLst>
+      <p:ext uri="{BB962C8B-B14F-4D97-AF65-F5344CB8AC3E}">
+        <p14:creationId xmlns:p14="http://schemas.microsoft.com/office/powerpoint/2010/main" val="2443526348"/>
+      </p:ext>
+    </p:extLst>
+  </p:cSld>
+  <p:clrMapOvr>
+    <a:masterClrMapping/>
+  </p:clrMapOvr>
+  <p:timing>
+    <p:tnLst>
+      <p:par>
+        <p:cTn id="1" dur="indefinite" restart="never" nodeType="tmRoot">
+          <p:childTnLst>
+            <p:seq concurrent="1" nextAc="seek">
+              <p:cTn id="2" dur="indefinite" nodeType="mainSeq">
+                <p:childTnLst>
+                  <p:par>
+                    <p:cTn id="3" fill="hold">
+                      <p:stCondLst>
+                        <p:cond delay="indefinite"/>
+                      </p:stCondLst>
+                      <p:childTnLst>
+                        <p:par>
+                          <p:cTn id="4" fill="hold">
+                            <p:stCondLst>
+                              <p:cond delay="0"/>
+                            </p:stCondLst>
+                            <p:childTnLst>
+                              <p:par>
+                                <p:cTn id="5" presetID="9" presetClass="entr" presetSubtype="0" fill="hold" grpId="0" nodeType="clickEffect">
+                                  <p:stCondLst>
+                                    <p:cond delay="0"/>
+                                  </p:stCondLst>
+                                  <p:childTnLst>
+                                    <p:set>
+                                      <p:cBhvr>
+                                        <p:cTn id="6" dur="1" fill="hold">
+                                          <p:stCondLst>
+                                            <p:cond delay="0"/>
+                                          </p:stCondLst>
+                                        </p:cTn>
+                                        <p:tgtEl>
+                                          <p:spTgt spid="2"/>
+                                        </p:tgtEl>
+                                        <p:attrNameLst>
+                                          <p:attrName>style.visibility</p:attrName>
+                                        </p:attrNameLst>
+                                      </p:cBhvr>
+                                      <p:to>
+                                        <p:strVal val="visible"/>
+                                      </p:to>
+                                    </p:set>
+                                    <p:animEffect transition="in" filter="dissolve">
+                                      <p:cBhvr>
+                                        <p:cTn id="7" dur="500"/>
+                                        <p:tgtEl>
+                                          <p:spTgt spid="2"/>
+                                        </p:tgtEl>
+                                      </p:cBhvr>
+                                    </p:animEffect>
+                                  </p:childTnLst>
+                                </p:cTn>
+                              </p:par>
+                              <p:par>
+                                <p:cTn id="8" presetID="9" presetClass="entr" presetSubtype="0" fill="hold" grpId="0" nodeType="withEffect">
+                                  <p:stCondLst>
+                                    <p:cond delay="0"/>
+                                  </p:stCondLst>
+                                  <p:childTnLst>
+                                    <p:set>
+                                      <p:cBhvr>
+                                        <p:cTn id="9" dur="1" fill="hold">
+                                          <p:stCondLst>
+                                            <p:cond delay="0"/>
+                                          </p:stCondLst>
+                                        </p:cTn>
+                                        <p:tgtEl>
+                                          <p:spTgt spid="3">
+                                            <p:txEl>
+                                              <p:pRg st="1" end="1"/>
+                                            </p:txEl>
+                                          </p:spTgt>
+                                        </p:tgtEl>
+                                        <p:attrNameLst>
+                                          <p:attrName>style.visibility</p:attrName>
+                                        </p:attrNameLst>
+                                      </p:cBhvr>
+                                      <p:to>
+                                        <p:strVal val="visible"/>
+                                      </p:to>
+                                    </p:set>
+                                    <p:animEffect transition="in" filter="dissolve">
+                                      <p:cBhvr>
+                                        <p:cTn id="10" dur="500"/>
+                                        <p:tgtEl>
+                                          <p:spTgt spid="3">
+                                            <p:txEl>
+                                              <p:pRg st="1" end="1"/>
+                                            </p:txEl>
+                                          </p:spTgt>
+                                        </p:tgtEl>
+                                      </p:cBhvr>
+                                    </p:animEffect>
+                                  </p:childTnLst>
+                                </p:cTn>
+                              </p:par>
+                            </p:childTnLst>
+                          </p:cTn>
+                        </p:par>
+                      </p:childTnLst>
+                    </p:cTn>
+                  </p:par>
+                  <p:par>
+                    <p:cTn id="11" fill="hold">
+                      <p:stCondLst>
+                        <p:cond delay="indefinite"/>
+                      </p:stCondLst>
+                      <p:childTnLst>
+                        <p:par>
+                          <p:cTn id="12" fill="hold">
+                            <p:stCondLst>
+                              <p:cond delay="0"/>
+                            </p:stCondLst>
+                            <p:childTnLst>
+                              <p:par>
+                                <p:cTn id="13" presetID="9" presetClass="entr" presetSubtype="0" fill="hold" grpId="0" nodeType="clickEffect">
+                                  <p:stCondLst>
+                                    <p:cond delay="0"/>
+                                  </p:stCondLst>
+                                  <p:childTnLst>
+                                    <p:set>
+                                      <p:cBhvr>
+                                        <p:cTn id="14" dur="1" fill="hold">
+                                          <p:stCondLst>
+                                            <p:cond delay="0"/>
+                                          </p:stCondLst>
+                                        </p:cTn>
+                                        <p:tgtEl>
+                                          <p:spTgt spid="11"/>
+                                        </p:tgtEl>
+                                        <p:attrNameLst>
+                                          <p:attrName>style.visibility</p:attrName>
+                                        </p:attrNameLst>
+                                      </p:cBhvr>
+                                      <p:to>
+                                        <p:strVal val="visible"/>
+                                      </p:to>
+                                    </p:set>
+                                    <p:animEffect transition="in" filter="dissolve">
+                                      <p:cBhvr>
+                                        <p:cTn id="15" dur="500"/>
+                                        <p:tgtEl>
+                                          <p:spTgt spid="11"/>
+                                        </p:tgtEl>
+                                      </p:cBhvr>
+                                    </p:animEffect>
+                                  </p:childTnLst>
+                                </p:cTn>
+                              </p:par>
+                            </p:childTnLst>
+                          </p:cTn>
+                        </p:par>
+                      </p:childTnLst>
+                    </p:cTn>
+                  </p:par>
+                </p:childTnLst>
+              </p:cTn>
+              <p:prevCondLst>
+                <p:cond evt="onPrev" delay="0">
+                  <p:tgtEl>
+                    <p:sldTgt/>
+                  </p:tgtEl>
+                </p:cond>
+              </p:prevCondLst>
+              <p:nextCondLst>
+                <p:cond evt="onNext" delay="0">
+                  <p:tgtEl>
+                    <p:sldTgt/>
+                  </p:tgtEl>
+                </p:cond>
+              </p:nextCondLst>
+            </p:seq>
+          </p:childTnLst>
+        </p:cTn>
+      </p:par>
+    </p:tnLst>
+    <p:bldLst>
+      <p:bldP spid="2" grpId="0"/>
+      <p:bldP spid="3" grpId="0" build="p"/>
+      <p:bldP spid="11" grpId="0" animBg="1"/>
+    </p:bldLst>
+  </p:timing>
+</p:sld>
+</file>
+
+<file path=ppt/slides/slide6.xml><?xml version="1.0" encoding="utf-8"?>
+<p:sld xmlns:a="http://schemas.openxmlformats.org/drawingml/2006/main" xmlns:r="http://schemas.openxmlformats.org/officeDocument/2006/relationships" xmlns:p="http://schemas.openxmlformats.org/presentationml/2006/main">
+  <p:cSld>
+    <p:bg>
+      <p:bgPr>
+        <a:solidFill>
+          <a:schemeClr val="bg1"/>
+        </a:solidFill>
+        <a:effectLst/>
+      </p:bgPr>
+    </p:bg>
+    <p:spTree>
+      <p:nvGrpSpPr>
+        <p:cNvPr id="1" name=""/>
+        <p:cNvGrpSpPr/>
+        <p:nvPr/>
+      </p:nvGrpSpPr>
+      <p:grpSpPr>
+        <a:xfrm>
+          <a:off x="0" y="0"/>
+          <a:ext cx="0" cy="0"/>
+          <a:chOff x="0" y="0"/>
+          <a:chExt cx="0" cy="0"/>
+        </a:xfrm>
+      </p:grpSpPr>
+      <p:sp useBgFill="1">
+        <p:nvSpPr>
+          <p:cNvPr id="8" name="Rectangle 7">
+            <a:extLst>
+              <a:ext uri="{FF2B5EF4-FFF2-40B4-BE49-F238E27FC236}">
                 <a16:creationId xmlns:a16="http://schemas.microsoft.com/office/drawing/2014/main" id="{879EECFE-814E-4B68-96A7-86A795BD22F7}"/>
               </a:ext>
               <a:ext uri="{C183D7F6-B498-43B3-948B-1728B52AA6E4}">
@@ -13344,7 +14362,7 @@
         </p:nvSpPr>
         <p:spPr>
           <a:xfrm>
-            <a:off x="1096819" y="1005477"/>
+            <a:off x="1288638" y="1192950"/>
             <a:ext cx="6256023" cy="588148"/>
           </a:xfrm>
         </p:spPr>
@@ -13357,7 +14375,7 @@
             <a:pPr algn="r"/>
             <a:r>
               <a:rPr lang="en-US" sz="4000" dirty="0"/>
-              <a:t>Target Variables:</a:t>
+              <a:t>Target Variables for </a:t>
             </a:r>
             <a:br>
               <a:rPr lang="en-US" sz="4000" dirty="0"/>
@@ -13396,64 +14414,308 @@
           </a:prstGeom>
         </p:spPr>
       </p:pic>
-      <p:pic>
-        <p:nvPicPr>
-          <p:cNvPr id="5" name="Picture 4" descr="Icon&#10;&#10;Description automatically generated">
-            <a:extLst>
-              <a:ext uri="{FF2B5EF4-FFF2-40B4-BE49-F238E27FC236}">
-                <a16:creationId xmlns:a16="http://schemas.microsoft.com/office/drawing/2014/main" id="{279AE6F7-3F30-2645-9AAA-C3D002B64460}"/>
-              </a:ext>
-            </a:extLst>
-          </p:cNvPr>
-          <p:cNvPicPr>
-            <a:picLocks noChangeAspect="1"/>
-          </p:cNvPicPr>
+      <p:sp>
+        <p:nvSpPr>
+          <p:cNvPr id="6" name="TextBox 5">
+            <a:extLst>
+              <a:ext uri="{FF2B5EF4-FFF2-40B4-BE49-F238E27FC236}">
+                <a16:creationId xmlns:a16="http://schemas.microsoft.com/office/drawing/2014/main" id="{88C8CB1F-E7EB-D945-ABE5-0ECF6C20A2B2}"/>
+              </a:ext>
+            </a:extLst>
+          </p:cNvPr>
+          <p:cNvSpPr txBox="1"/>
           <p:nvPr/>
-        </p:nvPicPr>
-        <p:blipFill rotWithShape="1">
-          <a:blip r:embed="rId4"/>
-          <a:srcRect l="7377" t="2699" r="27387" b="4051"/>
-          <a:stretch/>
-        </p:blipFill>
+        </p:nvSpPr>
         <p:spPr>
           <a:xfrm>
-            <a:off x="800100" y="1398112"/>
-            <a:ext cx="1400176" cy="3848873"/>
+            <a:off x="1087287" y="3587883"/>
+            <a:ext cx="3113314" cy="369332"/>
+          </a:xfrm>
+          <a:prstGeom prst="rect">
+            <a:avLst/>
+          </a:prstGeom>
+          <a:noFill/>
+        </p:spPr>
+        <p:txBody>
+          <a:bodyPr wrap="square" rtlCol="0">
+            <a:spAutoFit/>
+          </a:bodyPr>
+          <a:lstStyle/>
+          <a:p>
+            <a:r>
+              <a:rPr lang="en-US" dirty="0">
+                <a:latin typeface="Avenir Book" panose="02000503020000020003" pitchFamily="2" charset="0"/>
+              </a:rPr>
+              <a:t>Composite variable : </a:t>
+            </a:r>
+          </a:p>
+        </p:txBody>
+      </p:sp>
+      <p:sp>
+        <p:nvSpPr>
+          <p:cNvPr id="13" name="Subtitle 12">
+            <a:extLst>
+              <a:ext uri="{FF2B5EF4-FFF2-40B4-BE49-F238E27FC236}">
+                <a16:creationId xmlns:a16="http://schemas.microsoft.com/office/drawing/2014/main" id="{6A713AF3-82D6-0C44-AE59-C084B12E3975}"/>
+              </a:ext>
+            </a:extLst>
+          </p:cNvPr>
+          <p:cNvSpPr>
+            <a:spLocks noGrp="1"/>
+          </p:cNvSpPr>
+          <p:nvPr>
+            <p:ph type="subTitle" idx="1"/>
+          </p:nvPr>
+        </p:nvSpPr>
+        <p:spPr>
+          <a:xfrm>
+            <a:off x="4842374" y="3214688"/>
+            <a:ext cx="5825625" cy="2043112"/>
+          </a:xfrm>
+        </p:spPr>
+        <p:txBody>
+          <a:bodyPr/>
+          <a:lstStyle/>
+          <a:p>
+            <a:endParaRPr lang="en-US" dirty="0"/>
+          </a:p>
+        </p:txBody>
+      </p:sp>
+      <p:sp>
+        <p:nvSpPr>
+          <p:cNvPr id="15" name="Subtitle 6">
+            <a:extLst>
+              <a:ext uri="{FF2B5EF4-FFF2-40B4-BE49-F238E27FC236}">
+                <a16:creationId xmlns:a16="http://schemas.microsoft.com/office/drawing/2014/main" id="{CC38E54A-A3F8-EE40-9F30-FB701DA2DC23}"/>
+              </a:ext>
+            </a:extLst>
+          </p:cNvPr>
+          <p:cNvSpPr txBox="1">
+            <a:spLocks/>
+          </p:cNvSpPr>
+          <p:nvPr/>
+        </p:nvSpPr>
+        <p:spPr>
+          <a:xfrm>
+            <a:off x="7544663" y="858440"/>
+            <a:ext cx="4002164" cy="741760"/>
           </a:xfrm>
           <a:prstGeom prst="rect">
             <a:avLst/>
           </a:prstGeom>
         </p:spPr>
-      </p:pic>
-      <p:sp>
-        <p:nvSpPr>
-          <p:cNvPr id="7" name="Subtitle 6">
-            <a:extLst>
-              <a:ext uri="{FF2B5EF4-FFF2-40B4-BE49-F238E27FC236}">
-                <a16:creationId xmlns:a16="http://schemas.microsoft.com/office/drawing/2014/main" id="{3D62D23C-951A-4A41-B99A-454A10364A39}"/>
-              </a:ext>
-            </a:extLst>
-          </p:cNvPr>
-          <p:cNvSpPr>
-            <a:spLocks noGrp="1"/>
-          </p:cNvSpPr>
-          <p:nvPr>
-            <p:ph type="subTitle" idx="1"/>
-          </p:nvPr>
+        <p:txBody>
+          <a:bodyPr vert="horz" lIns="91440" tIns="45720" rIns="91440" bIns="45720" rtlCol="0">
+            <a:noAutofit/>
+          </a:bodyPr>
+          <a:lstStyle>
+            <a:lvl1pPr marL="228600" indent="-228600" algn="l" defTabSz="914400" rtl="0" eaLnBrk="1" latinLnBrk="0" hangingPunct="1">
+              <a:lnSpc>
+                <a:spcPct val="90000"/>
+              </a:lnSpc>
+              <a:spcBef>
+                <a:spcPts val="1000"/>
+              </a:spcBef>
+              <a:buFont typeface="Arial" panose="020B0604020202020204" pitchFamily="34" charset="0"/>
+              <a:buChar char="•"/>
+              <a:defRPr sz="2800" b="0" i="0" kern="1200">
+                <a:solidFill>
+                  <a:schemeClr val="tx1"/>
+                </a:solidFill>
+                <a:latin typeface="Avenir Book" panose="02000503020000020003" pitchFamily="2" charset="0"/>
+                <a:ea typeface="+mn-ea"/>
+                <a:cs typeface="+mn-cs"/>
+              </a:defRPr>
+            </a:lvl1pPr>
+            <a:lvl2pPr marL="685800" indent="-228600" algn="l" defTabSz="914400" rtl="0" eaLnBrk="1" latinLnBrk="0" hangingPunct="1">
+              <a:lnSpc>
+                <a:spcPct val="90000"/>
+              </a:lnSpc>
+              <a:spcBef>
+                <a:spcPts val="500"/>
+              </a:spcBef>
+              <a:buFont typeface="Arial" panose="020B0604020202020204" pitchFamily="34" charset="0"/>
+              <a:buChar char="•"/>
+              <a:defRPr sz="2400" b="0" i="0" kern="1200">
+                <a:solidFill>
+                  <a:schemeClr val="tx1"/>
+                </a:solidFill>
+                <a:latin typeface="Avenir Book" panose="02000503020000020003" pitchFamily="2" charset="0"/>
+                <a:ea typeface="+mn-ea"/>
+                <a:cs typeface="+mn-cs"/>
+              </a:defRPr>
+            </a:lvl2pPr>
+            <a:lvl3pPr marL="1143000" indent="-228600" algn="l" defTabSz="914400" rtl="0" eaLnBrk="1" latinLnBrk="0" hangingPunct="1">
+              <a:lnSpc>
+                <a:spcPct val="90000"/>
+              </a:lnSpc>
+              <a:spcBef>
+                <a:spcPts val="500"/>
+              </a:spcBef>
+              <a:buFont typeface="Arial" panose="020B0604020202020204" pitchFamily="34" charset="0"/>
+              <a:buChar char="•"/>
+              <a:defRPr sz="2000" b="0" i="0" kern="1200">
+                <a:solidFill>
+                  <a:schemeClr val="tx1"/>
+                </a:solidFill>
+                <a:latin typeface="Avenir Book" panose="02000503020000020003" pitchFamily="2" charset="0"/>
+                <a:ea typeface="+mn-ea"/>
+                <a:cs typeface="+mn-cs"/>
+              </a:defRPr>
+            </a:lvl3pPr>
+            <a:lvl4pPr marL="1600200" indent="-228600" algn="l" defTabSz="914400" rtl="0" eaLnBrk="1" latinLnBrk="0" hangingPunct="1">
+              <a:lnSpc>
+                <a:spcPct val="90000"/>
+              </a:lnSpc>
+              <a:spcBef>
+                <a:spcPts val="500"/>
+              </a:spcBef>
+              <a:buFont typeface="Arial" panose="020B0604020202020204" pitchFamily="34" charset="0"/>
+              <a:buChar char="•"/>
+              <a:defRPr sz="1800" b="0" i="0" kern="1200">
+                <a:solidFill>
+                  <a:schemeClr val="tx1"/>
+                </a:solidFill>
+                <a:latin typeface="Avenir Book" panose="02000503020000020003" pitchFamily="2" charset="0"/>
+                <a:ea typeface="+mn-ea"/>
+                <a:cs typeface="+mn-cs"/>
+              </a:defRPr>
+            </a:lvl4pPr>
+            <a:lvl5pPr marL="2057400" indent="-228600" algn="l" defTabSz="914400" rtl="0" eaLnBrk="1" latinLnBrk="0" hangingPunct="1">
+              <a:lnSpc>
+                <a:spcPct val="90000"/>
+              </a:lnSpc>
+              <a:spcBef>
+                <a:spcPts val="500"/>
+              </a:spcBef>
+              <a:buFont typeface="Arial" panose="020B0604020202020204" pitchFamily="34" charset="0"/>
+              <a:buChar char="•"/>
+              <a:defRPr sz="1800" b="0" i="0" kern="1200">
+                <a:solidFill>
+                  <a:schemeClr val="tx1"/>
+                </a:solidFill>
+                <a:latin typeface="Avenir Book" panose="02000503020000020003" pitchFamily="2" charset="0"/>
+                <a:ea typeface="+mn-ea"/>
+                <a:cs typeface="+mn-cs"/>
+              </a:defRPr>
+            </a:lvl5pPr>
+            <a:lvl6pPr marL="2514600" indent="-228600" algn="l" defTabSz="914400" rtl="0" eaLnBrk="1" latinLnBrk="0" hangingPunct="1">
+              <a:lnSpc>
+                <a:spcPct val="90000"/>
+              </a:lnSpc>
+              <a:spcBef>
+                <a:spcPts val="500"/>
+              </a:spcBef>
+              <a:buFont typeface="Arial" panose="020B0604020202020204" pitchFamily="34" charset="0"/>
+              <a:buChar char="•"/>
+              <a:defRPr sz="1800" kern="1200">
+                <a:solidFill>
+                  <a:schemeClr val="tx1"/>
+                </a:solidFill>
+                <a:latin typeface="+mn-lt"/>
+                <a:ea typeface="+mn-ea"/>
+                <a:cs typeface="+mn-cs"/>
+              </a:defRPr>
+            </a:lvl6pPr>
+            <a:lvl7pPr marL="2971800" indent="-228600" algn="l" defTabSz="914400" rtl="0" eaLnBrk="1" latinLnBrk="0" hangingPunct="1">
+              <a:lnSpc>
+                <a:spcPct val="90000"/>
+              </a:lnSpc>
+              <a:spcBef>
+                <a:spcPts val="500"/>
+              </a:spcBef>
+              <a:buFont typeface="Arial" panose="020B0604020202020204" pitchFamily="34" charset="0"/>
+              <a:buChar char="•"/>
+              <a:defRPr sz="1800" kern="1200">
+                <a:solidFill>
+                  <a:schemeClr val="tx1"/>
+                </a:solidFill>
+                <a:latin typeface="+mn-lt"/>
+                <a:ea typeface="+mn-ea"/>
+                <a:cs typeface="+mn-cs"/>
+              </a:defRPr>
+            </a:lvl7pPr>
+            <a:lvl8pPr marL="3429000" indent="-228600" algn="l" defTabSz="914400" rtl="0" eaLnBrk="1" latinLnBrk="0" hangingPunct="1">
+              <a:lnSpc>
+                <a:spcPct val="90000"/>
+              </a:lnSpc>
+              <a:spcBef>
+                <a:spcPts val="500"/>
+              </a:spcBef>
+              <a:buFont typeface="Arial" panose="020B0604020202020204" pitchFamily="34" charset="0"/>
+              <a:buChar char="•"/>
+              <a:defRPr sz="1800" kern="1200">
+                <a:solidFill>
+                  <a:schemeClr val="tx1"/>
+                </a:solidFill>
+                <a:latin typeface="+mn-lt"/>
+                <a:ea typeface="+mn-ea"/>
+                <a:cs typeface="+mn-cs"/>
+              </a:defRPr>
+            </a:lvl8pPr>
+            <a:lvl9pPr marL="3886200" indent="-228600" algn="l" defTabSz="914400" rtl="0" eaLnBrk="1" latinLnBrk="0" hangingPunct="1">
+              <a:lnSpc>
+                <a:spcPct val="90000"/>
+              </a:lnSpc>
+              <a:spcBef>
+                <a:spcPts val="500"/>
+              </a:spcBef>
+              <a:buFont typeface="Arial" panose="020B0604020202020204" pitchFamily="34" charset="0"/>
+              <a:buChar char="•"/>
+              <a:defRPr sz="1800" kern="1200">
+                <a:solidFill>
+                  <a:schemeClr val="tx1"/>
+                </a:solidFill>
+                <a:latin typeface="+mn-lt"/>
+                <a:ea typeface="+mn-ea"/>
+                <a:cs typeface="+mn-cs"/>
+              </a:defRPr>
+            </a:lvl9pPr>
+          </a:lstStyle>
+          <a:p>
+            <a:pPr marL="0" indent="0">
+              <a:buNone/>
+            </a:pPr>
+            <a:r>
+              <a:rPr lang="en-US" sz="4000" dirty="0"/>
+              <a:t>Cost Burden</a:t>
+            </a:r>
+          </a:p>
+        </p:txBody>
+      </p:sp>
+      <p:sp>
+        <p:nvSpPr>
+          <p:cNvPr id="16" name="TextBox 15">
+            <a:extLst>
+              <a:ext uri="{FF2B5EF4-FFF2-40B4-BE49-F238E27FC236}">
+                <a16:creationId xmlns:a16="http://schemas.microsoft.com/office/drawing/2014/main" id="{675C6342-E039-564C-B56F-3C0F749F16AE}"/>
+              </a:ext>
+            </a:extLst>
+          </p:cNvPr>
+          <p:cNvSpPr txBox="1"/>
+          <p:nvPr/>
         </p:nvSpPr>
         <p:spPr>
           <a:xfrm>
-            <a:off x="608280" y="934511"/>
-            <a:ext cx="1783816" cy="442891"/>
+            <a:off x="1109642" y="2268607"/>
+            <a:ext cx="2499402" cy="369332"/>
           </a:xfrm>
+          <a:prstGeom prst="rect">
+            <a:avLst/>
+          </a:prstGeom>
+          <a:noFill/>
         </p:spPr>
         <p:txBody>
-          <a:bodyPr/>
+          <a:bodyPr wrap="none" rtlCol="0">
+            <a:spAutoFit/>
+          </a:bodyPr>
           <a:lstStyle/>
           <a:p>
             <a:r>
-              <a:rPr lang="en-US" dirty="0"/>
-              <a:t>Total #</a:t>
+              <a:rPr lang="en-US" dirty="0">
+                <a:latin typeface="Avenir Book" panose="02000503020000020003" pitchFamily="2" charset="0"/>
+              </a:rPr>
+              <a:t>Indicated by variables:</a:t>
             </a:r>
           </a:p>
         </p:txBody>
@@ -13471,7 +14733,7 @@
 </p:sld>
 </file>
 
-<file path=ppt/slides/slide6.xml><?xml version="1.0" encoding="utf-8"?>
+<file path=ppt/slides/slide7.xml><?xml version="1.0" encoding="utf-8"?>
 <p:sld xmlns:a="http://schemas.openxmlformats.org/drawingml/2006/main" xmlns:r="http://schemas.openxmlformats.org/officeDocument/2006/relationships" xmlns:p="http://schemas.openxmlformats.org/presentationml/2006/main">
   <p:cSld>
     <p:bg>
@@ -13916,7 +15178,7 @@
           <a:bodyPr/>
           <a:lstStyle/>
           <a:p>
-            <a:endParaRPr lang="en-US"/>
+            <a:endParaRPr lang="en-US" dirty="0"/>
           </a:p>
         </p:txBody>
       </p:sp>
@@ -13933,7 +15195,7 @@
 </p:sld>
 </file>
 
-<file path=ppt/slides/slide7.xml><?xml version="1.0" encoding="utf-8"?>
+<file path=ppt/slides/slide8.xml><?xml version="1.0" encoding="utf-8"?>
 <p:sld xmlns:a="http://schemas.openxmlformats.org/drawingml/2006/main" xmlns:r="http://schemas.openxmlformats.org/officeDocument/2006/relationships" xmlns:p="http://schemas.openxmlformats.org/presentationml/2006/main">
   <p:cSld>
     <p:bg>
@@ -14373,12 +15635,17 @@
             <p:ph type="subTitle" idx="1"/>
           </p:nvPr>
         </p:nvSpPr>
-        <p:spPr/>
+        <p:spPr>
+          <a:xfrm>
+            <a:off x="1524000" y="2114550"/>
+            <a:ext cx="5697223" cy="3143250"/>
+          </a:xfrm>
+        </p:spPr>
         <p:txBody>
           <a:bodyPr/>
           <a:lstStyle/>
           <a:p>
-            <a:endParaRPr lang="en-US"/>
+            <a:endParaRPr lang="en-US" dirty="0"/>
           </a:p>
         </p:txBody>
       </p:sp>
@@ -14395,7 +15662,7 @@
 </p:sld>
 </file>
 
-<file path=ppt/slides/slide8.xml><?xml version="1.0" encoding="utf-8"?>
+<file path=ppt/slides/slide9.xml><?xml version="1.0" encoding="utf-8"?>
 <p:sld xmlns:a="http://schemas.openxmlformats.org/drawingml/2006/main" xmlns:r="http://schemas.openxmlformats.org/officeDocument/2006/relationships" xmlns:p="http://schemas.openxmlformats.org/presentationml/2006/main">
   <p:cSld>
     <p:spTree>
@@ -14491,959 +15758,6 @@
   <p:clrMapOvr>
     <a:masterClrMapping/>
   </p:clrMapOvr>
-</p:sld>
-</file>
-
-<file path=ppt/slides/slide9.xml><?xml version="1.0" encoding="utf-8"?>
-<p:sld xmlns:a="http://schemas.openxmlformats.org/drawingml/2006/main" xmlns:r="http://schemas.openxmlformats.org/officeDocument/2006/relationships" xmlns:p="http://schemas.openxmlformats.org/presentationml/2006/main">
-  <p:cSld>
-    <p:bg>
-      <p:bgPr>
-        <a:solidFill>
-          <a:schemeClr val="bg1"/>
-        </a:solidFill>
-        <a:effectLst/>
-      </p:bgPr>
-    </p:bg>
-    <p:spTree>
-      <p:nvGrpSpPr>
-        <p:cNvPr id="1" name=""/>
-        <p:cNvGrpSpPr/>
-        <p:nvPr/>
-      </p:nvGrpSpPr>
-      <p:grpSpPr>
-        <a:xfrm>
-          <a:off x="0" y="0"/>
-          <a:ext cx="0" cy="0"/>
-          <a:chOff x="0" y="0"/>
-          <a:chExt cx="0" cy="0"/>
-        </a:xfrm>
-      </p:grpSpPr>
-      <p:sp useBgFill="1">
-        <p:nvSpPr>
-          <p:cNvPr id="8" name="Rectangle 7">
-            <a:extLst>
-              <a:ext uri="{FF2B5EF4-FFF2-40B4-BE49-F238E27FC236}">
-                <a16:creationId xmlns:a16="http://schemas.microsoft.com/office/drawing/2014/main" id="{081EA652-8C6A-4E69-BEB9-170809474553}"/>
-              </a:ext>
-              <a:ext uri="{C183D7F6-B498-43B3-948B-1728B52AA6E4}">
-                <adec:decorative xmlns:adec="http://schemas.microsoft.com/office/drawing/2017/decorative" val="1"/>
-              </a:ext>
-            </a:extLst>
-          </p:cNvPr>
-          <p:cNvSpPr>
-            <a:spLocks noGrp="1" noRot="1" noChangeAspect="1" noMove="1" noResize="1" noEditPoints="1" noAdjustHandles="1" noChangeArrowheads="1" noChangeShapeType="1" noTextEdit="1"/>
-          </p:cNvSpPr>
-          <p:nvPr>
-            <p:extLst>
-              <p:ext uri="{386F3935-93C4-4BCD-93E2-E3B085C9AB24}">
-                <p16:designElem xmlns:p16="http://schemas.microsoft.com/office/powerpoint/2015/main" val="1"/>
-              </p:ext>
-            </p:extLst>
-          </p:nvPr>
-        </p:nvSpPr>
-        <p:spPr>
-          <a:xfrm>
-            <a:off x="0" y="0"/>
-            <a:ext cx="12192000" cy="6858000"/>
-          </a:xfrm>
-          <a:prstGeom prst="rect">
-            <a:avLst/>
-          </a:prstGeom>
-          <a:ln>
-            <a:noFill/>
-          </a:ln>
-        </p:spPr>
-        <p:style>
-          <a:lnRef idx="2">
-            <a:schemeClr val="accent1">
-              <a:shade val="50000"/>
-            </a:schemeClr>
-          </a:lnRef>
-          <a:fillRef idx="1">
-            <a:schemeClr val="accent1"/>
-          </a:fillRef>
-          <a:effectRef idx="0">
-            <a:schemeClr val="accent1"/>
-          </a:effectRef>
-          <a:fontRef idx="minor">
-            <a:schemeClr val="lt1"/>
-          </a:fontRef>
-        </p:style>
-        <p:txBody>
-          <a:bodyPr rtlCol="0" anchor="ctr"/>
-          <a:lstStyle/>
-          <a:p>
-            <a:pPr algn="ctr"/>
-            <a:endParaRPr lang="en-US">
-              <a:latin typeface="Avenir Book" panose="02000503020000020003" pitchFamily="2" charset="0"/>
-            </a:endParaRPr>
-          </a:p>
-        </p:txBody>
-      </p:sp>
-      <p:sp>
-        <p:nvSpPr>
-          <p:cNvPr id="10" name="Right Triangle 9">
-            <a:extLst>
-              <a:ext uri="{FF2B5EF4-FFF2-40B4-BE49-F238E27FC236}">
-                <a16:creationId xmlns:a16="http://schemas.microsoft.com/office/drawing/2014/main" id="{5298780A-33B9-4EA2-8F67-DE68AD62841B}"/>
-              </a:ext>
-              <a:ext uri="{C183D7F6-B498-43B3-948B-1728B52AA6E4}">
-                <adec:decorative xmlns:adec="http://schemas.microsoft.com/office/drawing/2017/decorative" val="1"/>
-              </a:ext>
-            </a:extLst>
-          </p:cNvPr>
-          <p:cNvSpPr>
-            <a:spLocks noGrp="1" noRot="1" noChangeAspect="1" noMove="1" noResize="1" noEditPoints="1" noAdjustHandles="1" noChangeArrowheads="1" noChangeShapeType="1" noTextEdit="1"/>
-          </p:cNvSpPr>
-          <p:nvPr>
-            <p:extLst>
-              <p:ext uri="{386F3935-93C4-4BCD-93E2-E3B085C9AB24}">
-                <p16:designElem xmlns:p16="http://schemas.microsoft.com/office/powerpoint/2015/main" val="1"/>
-              </p:ext>
-            </p:extLst>
-          </p:nvPr>
-        </p:nvSpPr>
-        <p:spPr>
-          <a:xfrm flipH="1">
-            <a:off x="8576720" y="3335867"/>
-            <a:ext cx="3291840" cy="3200400"/>
-          </a:xfrm>
-          <a:prstGeom prst="rtTriangle">
-            <a:avLst/>
-          </a:prstGeom>
-          <a:solidFill>
-            <a:schemeClr val="accent4"/>
-          </a:solidFill>
-          <a:ln>
-            <a:noFill/>
-          </a:ln>
-        </p:spPr>
-        <p:style>
-          <a:lnRef idx="2">
-            <a:schemeClr val="accent1">
-              <a:shade val="50000"/>
-            </a:schemeClr>
-          </a:lnRef>
-          <a:fillRef idx="1">
-            <a:schemeClr val="accent1"/>
-          </a:fillRef>
-          <a:effectRef idx="0">
-            <a:schemeClr val="accent1"/>
-          </a:effectRef>
-          <a:fontRef idx="minor">
-            <a:schemeClr val="lt1"/>
-          </a:fontRef>
-        </p:style>
-        <p:txBody>
-          <a:bodyPr rtlCol="0" anchor="ctr"/>
-          <a:lstStyle/>
-          <a:p>
-            <a:pPr algn="ctr"/>
-            <a:endParaRPr lang="en-US">
-              <a:latin typeface="Avenir Book" panose="02000503020000020003" pitchFamily="2" charset="0"/>
-            </a:endParaRPr>
-          </a:p>
-        </p:txBody>
-      </p:sp>
-      <p:sp>
-        <p:nvSpPr>
-          <p:cNvPr id="12" name="Rectangle 11">
-            <a:extLst>
-              <a:ext uri="{FF2B5EF4-FFF2-40B4-BE49-F238E27FC236}">
-                <a16:creationId xmlns:a16="http://schemas.microsoft.com/office/drawing/2014/main" id="{7F488E8B-4E1E-4402-8935-D4E6C02615C7}"/>
-              </a:ext>
-              <a:ext uri="{C183D7F6-B498-43B3-948B-1728B52AA6E4}">
-                <adec:decorative xmlns:adec="http://schemas.microsoft.com/office/drawing/2017/decorative" val="1"/>
-              </a:ext>
-            </a:extLst>
-          </p:cNvPr>
-          <p:cNvSpPr>
-            <a:spLocks noGrp="1" noRot="1" noChangeAspect="1" noMove="1" noResize="1" noEditPoints="1" noAdjustHandles="1" noChangeArrowheads="1" noChangeShapeType="1" noTextEdit="1"/>
-          </p:cNvSpPr>
-          <p:nvPr>
-            <p:extLst>
-              <p:ext uri="{386F3935-93C4-4BCD-93E2-E3B085C9AB24}">
-                <p16:designElem xmlns:p16="http://schemas.microsoft.com/office/powerpoint/2015/main" val="1"/>
-              </p:ext>
-            </p:extLst>
-          </p:nvPr>
-        </p:nvSpPr>
-        <p:spPr>
-          <a:xfrm>
-            <a:off x="641774" y="623275"/>
-            <a:ext cx="10905053" cy="5607882"/>
-          </a:xfrm>
-          <a:prstGeom prst="rect">
-            <a:avLst/>
-          </a:prstGeom>
-          <a:noFill/>
-          <a:ln w="19050">
-            <a:solidFill>
-              <a:schemeClr val="tx1">
-                <a:lumMod val="75000"/>
-                <a:lumOff val="25000"/>
-              </a:schemeClr>
-            </a:solidFill>
-          </a:ln>
-        </p:spPr>
-        <p:style>
-          <a:lnRef idx="2">
-            <a:schemeClr val="accent1">
-              <a:shade val="50000"/>
-            </a:schemeClr>
-          </a:lnRef>
-          <a:fillRef idx="1">
-            <a:schemeClr val="accent1"/>
-          </a:fillRef>
-          <a:effectRef idx="0">
-            <a:schemeClr val="accent1"/>
-          </a:effectRef>
-          <a:fontRef idx="minor">
-            <a:schemeClr val="lt1"/>
-          </a:fontRef>
-        </p:style>
-        <p:txBody>
-          <a:bodyPr rtlCol="0" anchor="ctr"/>
-          <a:lstStyle/>
-          <a:p>
-            <a:pPr algn="ctr"/>
-            <a:endParaRPr lang="en-US">
-              <a:latin typeface="Avenir Book" panose="02000503020000020003" pitchFamily="2" charset="0"/>
-            </a:endParaRPr>
-          </a:p>
-        </p:txBody>
-      </p:sp>
-      <p:sp>
-        <p:nvSpPr>
-          <p:cNvPr id="2" name="Title 1">
-            <a:extLst>
-              <a:ext uri="{FF2B5EF4-FFF2-40B4-BE49-F238E27FC236}">
-                <a16:creationId xmlns:a16="http://schemas.microsoft.com/office/drawing/2014/main" id="{C8358615-FA08-0049-BDCE-1FA68B9E7145}"/>
-              </a:ext>
-            </a:extLst>
-          </p:cNvPr>
-          <p:cNvSpPr>
-            <a:spLocks noGrp="1"/>
-          </p:cNvSpPr>
-          <p:nvPr>
-            <p:ph type="title"/>
-          </p:nvPr>
-        </p:nvSpPr>
-        <p:spPr>
-          <a:xfrm>
-            <a:off x="731905" y="2071688"/>
-            <a:ext cx="3256787" cy="1897818"/>
-          </a:xfrm>
-        </p:spPr>
-        <p:txBody>
-          <a:bodyPr>
-            <a:normAutofit/>
-          </a:bodyPr>
-          <a:lstStyle/>
-          <a:p>
-            <a:pPr algn="r"/>
-            <a:r>
-              <a:rPr lang="en-US" sz="3600">
-                <a:latin typeface="Avenir Book" panose="02000503020000020003" pitchFamily="2" charset="0"/>
-              </a:rPr>
-              <a:t>Area of focus / Objective</a:t>
-            </a:r>
-          </a:p>
-        </p:txBody>
-      </p:sp>
-      <p:cxnSp>
-        <p:nvCxnSpPr>
-          <p:cNvPr id="14" name="Straight Connector 13">
-            <a:extLst>
-              <a:ext uri="{FF2B5EF4-FFF2-40B4-BE49-F238E27FC236}">
-                <a16:creationId xmlns:a16="http://schemas.microsoft.com/office/drawing/2014/main" id="{23AAC9B5-8015-485C-ACF9-A750390E9A56}"/>
-              </a:ext>
-              <a:ext uri="{C183D7F6-B498-43B3-948B-1728B52AA6E4}">
-                <adec:decorative xmlns:adec="http://schemas.microsoft.com/office/drawing/2017/decorative" val="1"/>
-              </a:ext>
-            </a:extLst>
-          </p:cNvPr>
-          <p:cNvCxnSpPr>
-            <a:cxnSpLocks noGrp="1" noRot="1" noChangeAspect="1" noMove="1" noResize="1" noEditPoints="1" noAdjustHandles="1" noChangeArrowheads="1" noChangeShapeType="1"/>
-          </p:cNvCxnSpPr>
-          <p:nvPr>
-            <p:extLst>
-              <p:ext uri="{386F3935-93C4-4BCD-93E2-E3B085C9AB24}">
-                <p16:designElem xmlns:p16="http://schemas.microsoft.com/office/powerpoint/2015/main" val="1"/>
-              </p:ext>
-            </p:extLst>
-          </p:nvPr>
-        </p:nvCxnSpPr>
-        <p:spPr>
-          <a:xfrm>
-            <a:off x="4654296" y="1852863"/>
-            <a:ext cx="0" cy="3236495"/>
-          </a:xfrm>
-          <a:prstGeom prst="line">
-            <a:avLst/>
-          </a:prstGeom>
-          <a:ln w="19050" cap="sq">
-            <a:solidFill>
-              <a:schemeClr val="tx1">
-                <a:lumMod val="75000"/>
-                <a:lumOff val="25000"/>
-              </a:schemeClr>
-            </a:solidFill>
-          </a:ln>
-        </p:spPr>
-        <p:style>
-          <a:lnRef idx="1">
-            <a:schemeClr val="accent1"/>
-          </a:lnRef>
-          <a:fillRef idx="0">
-            <a:schemeClr val="accent1"/>
-          </a:fillRef>
-          <a:effectRef idx="0">
-            <a:schemeClr val="accent1"/>
-          </a:effectRef>
-          <a:fontRef idx="minor">
-            <a:schemeClr val="tx1"/>
-          </a:fontRef>
-        </p:style>
-      </p:cxnSp>
-      <p:sp>
-        <p:nvSpPr>
-          <p:cNvPr id="3" name="Content Placeholder 2">
-            <a:extLst>
-              <a:ext uri="{FF2B5EF4-FFF2-40B4-BE49-F238E27FC236}">
-                <a16:creationId xmlns:a16="http://schemas.microsoft.com/office/drawing/2014/main" id="{18E74065-2018-E747-9CDA-4A1EE37E24E2}"/>
-              </a:ext>
-            </a:extLst>
-          </p:cNvPr>
-          <p:cNvSpPr>
-            <a:spLocks noGrp="1"/>
-          </p:cNvSpPr>
-          <p:nvPr>
-            <p:ph idx="1"/>
-          </p:nvPr>
-        </p:nvSpPr>
-        <p:spPr>
-          <a:xfrm>
-            <a:off x="6489184" y="1555737"/>
-            <a:ext cx="4702848" cy="3560260"/>
-          </a:xfrm>
-        </p:spPr>
-        <p:txBody>
-          <a:bodyPr anchor="ctr">
-            <a:normAutofit/>
-          </a:bodyPr>
-          <a:lstStyle/>
-          <a:p>
-            <a:r>
-              <a:rPr lang="en-US" sz="2400">
-                <a:latin typeface="Avenir Book" panose="02000503020000020003" pitchFamily="2" charset="0"/>
-              </a:rPr>
-              <a:t>Socioeconomic Factors impacting Health Status and Functioning</a:t>
-            </a:r>
-          </a:p>
-          <a:p>
-            <a:r>
-              <a:rPr lang="en-US" sz="2400"/>
-              <a:t>Cost-Burden</a:t>
-            </a:r>
-          </a:p>
-          <a:p>
-            <a:r>
-              <a:rPr lang="en-US" sz="2400">
-                <a:latin typeface="Avenir Book" panose="02000503020000020003" pitchFamily="2" charset="0"/>
-              </a:rPr>
-              <a:t>Chronic Conditions and Severity</a:t>
-            </a:r>
-          </a:p>
-          <a:p>
-            <a:endParaRPr lang="en-US" sz="2400"/>
-          </a:p>
-        </p:txBody>
-      </p:sp>
-      <p:pic>
-        <p:nvPicPr>
-          <p:cNvPr id="5" name="Picture 4" descr="Text, letter&#10;&#10;Description automatically generated">
-            <a:extLst>
-              <a:ext uri="{FF2B5EF4-FFF2-40B4-BE49-F238E27FC236}">
-                <a16:creationId xmlns:a16="http://schemas.microsoft.com/office/drawing/2014/main" id="{E3A61E44-92EC-514B-87C6-269F3F4FEC86}"/>
-              </a:ext>
-            </a:extLst>
-          </p:cNvPr>
-          <p:cNvPicPr>
-            <a:picLocks noChangeAspect="1"/>
-          </p:cNvPicPr>
-          <p:nvPr/>
-        </p:nvPicPr>
-        <p:blipFill>
-          <a:blip r:embed="rId3"/>
-          <a:stretch>
-            <a:fillRect/>
-          </a:stretch>
-        </p:blipFill>
-        <p:spPr>
-          <a:xfrm>
-            <a:off x="4610087" y="0"/>
-            <a:ext cx="1716845" cy="6858000"/>
-          </a:xfrm>
-          <a:prstGeom prst="rect">
-            <a:avLst/>
-          </a:prstGeom>
-        </p:spPr>
-      </p:pic>
-      <p:sp>
-        <p:nvSpPr>
-          <p:cNvPr id="6" name="Rectangle 5">
-            <a:extLst>
-              <a:ext uri="{FF2B5EF4-FFF2-40B4-BE49-F238E27FC236}">
-                <a16:creationId xmlns:a16="http://schemas.microsoft.com/office/drawing/2014/main" id="{781BDF40-5BA1-CD45-9B75-37F490C5F694}"/>
-              </a:ext>
-            </a:extLst>
-          </p:cNvPr>
-          <p:cNvSpPr/>
-          <p:nvPr/>
-        </p:nvSpPr>
-        <p:spPr>
-          <a:xfrm>
-            <a:off x="4581774" y="3443287"/>
-            <a:ext cx="1789367" cy="814388"/>
-          </a:xfrm>
-          <a:prstGeom prst="rect">
-            <a:avLst/>
-          </a:prstGeom>
-          <a:noFill/>
-          <a:ln w="57150">
-            <a:solidFill>
-              <a:srgbClr val="FFC001"/>
-            </a:solidFill>
-          </a:ln>
-        </p:spPr>
-        <p:style>
-          <a:lnRef idx="2">
-            <a:schemeClr val="accent1">
-              <a:shade val="50000"/>
-            </a:schemeClr>
-          </a:lnRef>
-          <a:fillRef idx="1">
-            <a:schemeClr val="accent1"/>
-          </a:fillRef>
-          <a:effectRef idx="0">
-            <a:schemeClr val="accent1"/>
-          </a:effectRef>
-          <a:fontRef idx="minor">
-            <a:schemeClr val="lt1"/>
-          </a:fontRef>
-        </p:style>
-        <p:txBody>
-          <a:bodyPr rtlCol="0" anchor="ctr"/>
-          <a:lstStyle/>
-          <a:p>
-            <a:pPr algn="ctr"/>
-            <a:endParaRPr lang="en-US" dirty="0">
-              <a:noFill/>
-              <a:latin typeface="Avenir Book" panose="02000503020000020003" pitchFamily="2" charset="0"/>
-            </a:endParaRPr>
-          </a:p>
-        </p:txBody>
-      </p:sp>
-      <p:sp>
-        <p:nvSpPr>
-          <p:cNvPr id="11" name="Rectangle 10">
-            <a:extLst>
-              <a:ext uri="{FF2B5EF4-FFF2-40B4-BE49-F238E27FC236}">
-                <a16:creationId xmlns:a16="http://schemas.microsoft.com/office/drawing/2014/main" id="{D690F9F6-77FB-5648-B40E-8CAC91D92D87}"/>
-              </a:ext>
-            </a:extLst>
-          </p:cNvPr>
-          <p:cNvSpPr/>
-          <p:nvPr/>
-        </p:nvSpPr>
-        <p:spPr>
-          <a:xfrm>
-            <a:off x="4627297" y="558509"/>
-            <a:ext cx="1699636" cy="814388"/>
-          </a:xfrm>
-          <a:prstGeom prst="rect">
-            <a:avLst/>
-          </a:prstGeom>
-          <a:noFill/>
-          <a:ln w="57150">
-            <a:solidFill>
-              <a:srgbClr val="FFC001"/>
-            </a:solidFill>
-          </a:ln>
-        </p:spPr>
-        <p:style>
-          <a:lnRef idx="2">
-            <a:schemeClr val="accent1">
-              <a:shade val="50000"/>
-            </a:schemeClr>
-          </a:lnRef>
-          <a:fillRef idx="1">
-            <a:schemeClr val="accent1"/>
-          </a:fillRef>
-          <a:effectRef idx="0">
-            <a:schemeClr val="accent1"/>
-          </a:effectRef>
-          <a:fontRef idx="minor">
-            <a:schemeClr val="lt1"/>
-          </a:fontRef>
-        </p:style>
-        <p:txBody>
-          <a:bodyPr rtlCol="0" anchor="ctr"/>
-          <a:lstStyle/>
-          <a:p>
-            <a:pPr algn="ctr"/>
-            <a:endParaRPr lang="en-US" dirty="0">
-              <a:noFill/>
-              <a:latin typeface="Avenir Book" panose="02000503020000020003" pitchFamily="2" charset="0"/>
-            </a:endParaRPr>
-          </a:p>
-        </p:txBody>
-      </p:sp>
-      <p:sp>
-        <p:nvSpPr>
-          <p:cNvPr id="13" name="Rectangle 12">
-            <a:extLst>
-              <a:ext uri="{FF2B5EF4-FFF2-40B4-BE49-F238E27FC236}">
-                <a16:creationId xmlns:a16="http://schemas.microsoft.com/office/drawing/2014/main" id="{326F1E83-8DB5-4241-B046-289D48D96347}"/>
-              </a:ext>
-            </a:extLst>
-          </p:cNvPr>
-          <p:cNvSpPr/>
-          <p:nvPr/>
-        </p:nvSpPr>
-        <p:spPr>
-          <a:xfrm>
-            <a:off x="4573825" y="4548188"/>
-            <a:ext cx="1789367" cy="1428330"/>
-          </a:xfrm>
-          <a:prstGeom prst="rect">
-            <a:avLst/>
-          </a:prstGeom>
-          <a:noFill/>
-          <a:ln w="57150">
-            <a:solidFill>
-              <a:srgbClr val="FFC001"/>
-            </a:solidFill>
-          </a:ln>
-        </p:spPr>
-        <p:style>
-          <a:lnRef idx="2">
-            <a:schemeClr val="accent1">
-              <a:shade val="50000"/>
-            </a:schemeClr>
-          </a:lnRef>
-          <a:fillRef idx="1">
-            <a:schemeClr val="accent1"/>
-          </a:fillRef>
-          <a:effectRef idx="0">
-            <a:schemeClr val="accent1"/>
-          </a:effectRef>
-          <a:fontRef idx="minor">
-            <a:schemeClr val="lt1"/>
-          </a:fontRef>
-        </p:style>
-        <p:txBody>
-          <a:bodyPr rtlCol="0" anchor="ctr"/>
-          <a:lstStyle/>
-          <a:p>
-            <a:pPr algn="ctr"/>
-            <a:endParaRPr lang="en-US" dirty="0">
-              <a:noFill/>
-              <a:latin typeface="Avenir Book" panose="02000503020000020003" pitchFamily="2" charset="0"/>
-            </a:endParaRPr>
-          </a:p>
-        </p:txBody>
-      </p:sp>
-    </p:spTree>
-    <p:extLst>
-      <p:ext uri="{BB962C8B-B14F-4D97-AF65-F5344CB8AC3E}">
-        <p14:creationId xmlns:p14="http://schemas.microsoft.com/office/powerpoint/2010/main" val="2443526348"/>
-      </p:ext>
-    </p:extLst>
-  </p:cSld>
-  <p:clrMapOvr>
-    <a:masterClrMapping/>
-  </p:clrMapOvr>
-  <p:timing>
-    <p:tnLst>
-      <p:par>
-        <p:cTn id="1" dur="indefinite" restart="never" nodeType="tmRoot">
-          <p:childTnLst>
-            <p:seq concurrent="1" nextAc="seek">
-              <p:cTn id="2" dur="indefinite" nodeType="mainSeq">
-                <p:childTnLst>
-                  <p:par>
-                    <p:cTn id="3" fill="hold">
-                      <p:stCondLst>
-                        <p:cond delay="indefinite"/>
-                      </p:stCondLst>
-                      <p:childTnLst>
-                        <p:par>
-                          <p:cTn id="4" fill="hold">
-                            <p:stCondLst>
-                              <p:cond delay="0"/>
-                            </p:stCondLst>
-                            <p:childTnLst>
-                              <p:par>
-                                <p:cTn id="5" presetID="9" presetClass="entr" presetSubtype="0" fill="hold" grpId="0" nodeType="clickEffect">
-                                  <p:stCondLst>
-                                    <p:cond delay="0"/>
-                                  </p:stCondLst>
-                                  <p:childTnLst>
-                                    <p:set>
-                                      <p:cBhvr>
-                                        <p:cTn id="6" dur="1" fill="hold">
-                                          <p:stCondLst>
-                                            <p:cond delay="0"/>
-                                          </p:stCondLst>
-                                        </p:cTn>
-                                        <p:tgtEl>
-                                          <p:spTgt spid="2"/>
-                                        </p:tgtEl>
-                                        <p:attrNameLst>
-                                          <p:attrName>style.visibility</p:attrName>
-                                        </p:attrNameLst>
-                                      </p:cBhvr>
-                                      <p:to>
-                                        <p:strVal val="visible"/>
-                                      </p:to>
-                                    </p:set>
-                                    <p:animEffect transition="in" filter="dissolve">
-                                      <p:cBhvr>
-                                        <p:cTn id="7" dur="500"/>
-                                        <p:tgtEl>
-                                          <p:spTgt spid="2"/>
-                                        </p:tgtEl>
-                                      </p:cBhvr>
-                                    </p:animEffect>
-                                  </p:childTnLst>
-                                </p:cTn>
-                              </p:par>
-                              <p:par>
-                                <p:cTn id="8" presetID="9" presetClass="entr" presetSubtype="0" fill="hold" grpId="0" nodeType="withEffect">
-                                  <p:stCondLst>
-                                    <p:cond delay="0"/>
-                                  </p:stCondLst>
-                                  <p:childTnLst>
-                                    <p:set>
-                                      <p:cBhvr>
-                                        <p:cTn id="9" dur="1" fill="hold">
-                                          <p:stCondLst>
-                                            <p:cond delay="0"/>
-                                          </p:stCondLst>
-                                        </p:cTn>
-                                        <p:tgtEl>
-                                          <p:spTgt spid="3">
-                                            <p:txEl>
-                                              <p:pRg st="0" end="0"/>
-                                            </p:txEl>
-                                          </p:spTgt>
-                                        </p:tgtEl>
-                                        <p:attrNameLst>
-                                          <p:attrName>style.visibility</p:attrName>
-                                        </p:attrNameLst>
-                                      </p:cBhvr>
-                                      <p:to>
-                                        <p:strVal val="visible"/>
-                                      </p:to>
-                                    </p:set>
-                                    <p:animEffect transition="in" filter="dissolve">
-                                      <p:cBhvr>
-                                        <p:cTn id="10" dur="500"/>
-                                        <p:tgtEl>
-                                          <p:spTgt spid="3">
-                                            <p:txEl>
-                                              <p:pRg st="0" end="0"/>
-                                            </p:txEl>
-                                          </p:spTgt>
-                                        </p:tgtEl>
-                                      </p:cBhvr>
-                                    </p:animEffect>
-                                  </p:childTnLst>
-                                </p:cTn>
-                              </p:par>
-                            </p:childTnLst>
-                          </p:cTn>
-                        </p:par>
-                      </p:childTnLst>
-                    </p:cTn>
-                  </p:par>
-                  <p:par>
-                    <p:cTn id="11" fill="hold">
-                      <p:stCondLst>
-                        <p:cond delay="indefinite"/>
-                      </p:stCondLst>
-                      <p:childTnLst>
-                        <p:par>
-                          <p:cTn id="12" fill="hold">
-                            <p:stCondLst>
-                              <p:cond delay="0"/>
-                            </p:stCondLst>
-                            <p:childTnLst>
-                              <p:par>
-                                <p:cTn id="13" presetID="9" presetClass="entr" presetSubtype="0" fill="hold" grpId="0" nodeType="clickEffect">
-                                  <p:stCondLst>
-                                    <p:cond delay="0"/>
-                                  </p:stCondLst>
-                                  <p:childTnLst>
-                                    <p:set>
-                                      <p:cBhvr>
-                                        <p:cTn id="14" dur="1" fill="hold">
-                                          <p:stCondLst>
-                                            <p:cond delay="0"/>
-                                          </p:stCondLst>
-                                        </p:cTn>
-                                        <p:tgtEl>
-                                          <p:spTgt spid="3">
-                                            <p:txEl>
-                                              <p:pRg st="1" end="1"/>
-                                            </p:txEl>
-                                          </p:spTgt>
-                                        </p:tgtEl>
-                                        <p:attrNameLst>
-                                          <p:attrName>style.visibility</p:attrName>
-                                        </p:attrNameLst>
-                                      </p:cBhvr>
-                                      <p:to>
-                                        <p:strVal val="visible"/>
-                                      </p:to>
-                                    </p:set>
-                                    <p:animEffect transition="in" filter="dissolve">
-                                      <p:cBhvr>
-                                        <p:cTn id="15" dur="500"/>
-                                        <p:tgtEl>
-                                          <p:spTgt spid="3">
-                                            <p:txEl>
-                                              <p:pRg st="1" end="1"/>
-                                            </p:txEl>
-                                          </p:spTgt>
-                                        </p:tgtEl>
-                                      </p:cBhvr>
-                                    </p:animEffect>
-                                  </p:childTnLst>
-                                </p:cTn>
-                              </p:par>
-                            </p:childTnLst>
-                          </p:cTn>
-                        </p:par>
-                      </p:childTnLst>
-                    </p:cTn>
-                  </p:par>
-                  <p:par>
-                    <p:cTn id="16" fill="hold">
-                      <p:stCondLst>
-                        <p:cond delay="indefinite"/>
-                      </p:stCondLst>
-                      <p:childTnLst>
-                        <p:par>
-                          <p:cTn id="17" fill="hold">
-                            <p:stCondLst>
-                              <p:cond delay="0"/>
-                            </p:stCondLst>
-                            <p:childTnLst>
-                              <p:par>
-                                <p:cTn id="18" presetID="9" presetClass="entr" presetSubtype="0" fill="hold" grpId="0" nodeType="clickEffect">
-                                  <p:stCondLst>
-                                    <p:cond delay="0"/>
-                                  </p:stCondLst>
-                                  <p:childTnLst>
-                                    <p:set>
-                                      <p:cBhvr>
-                                        <p:cTn id="19" dur="1" fill="hold">
-                                          <p:stCondLst>
-                                            <p:cond delay="0"/>
-                                          </p:stCondLst>
-                                        </p:cTn>
-                                        <p:tgtEl>
-                                          <p:spTgt spid="3">
-                                            <p:txEl>
-                                              <p:pRg st="2" end="2"/>
-                                            </p:txEl>
-                                          </p:spTgt>
-                                        </p:tgtEl>
-                                        <p:attrNameLst>
-                                          <p:attrName>style.visibility</p:attrName>
-                                        </p:attrNameLst>
-                                      </p:cBhvr>
-                                      <p:to>
-                                        <p:strVal val="visible"/>
-                                      </p:to>
-                                    </p:set>
-                                    <p:animEffect transition="in" filter="dissolve">
-                                      <p:cBhvr>
-                                        <p:cTn id="20" dur="500"/>
-                                        <p:tgtEl>
-                                          <p:spTgt spid="3">
-                                            <p:txEl>
-                                              <p:pRg st="2" end="2"/>
-                                            </p:txEl>
-                                          </p:spTgt>
-                                        </p:tgtEl>
-                                      </p:cBhvr>
-                                    </p:animEffect>
-                                  </p:childTnLst>
-                                </p:cTn>
-                              </p:par>
-                            </p:childTnLst>
-                          </p:cTn>
-                        </p:par>
-                      </p:childTnLst>
-                    </p:cTn>
-                  </p:par>
-                  <p:par>
-                    <p:cTn id="21" fill="hold">
-                      <p:stCondLst>
-                        <p:cond delay="indefinite"/>
-                      </p:stCondLst>
-                      <p:childTnLst>
-                        <p:par>
-                          <p:cTn id="22" fill="hold">
-                            <p:stCondLst>
-                              <p:cond delay="0"/>
-                            </p:stCondLst>
-                            <p:childTnLst>
-                              <p:par>
-                                <p:cTn id="23" presetID="9" presetClass="entr" presetSubtype="0" fill="hold" grpId="0" nodeType="clickEffect">
-                                  <p:stCondLst>
-                                    <p:cond delay="0"/>
-                                  </p:stCondLst>
-                                  <p:childTnLst>
-                                    <p:set>
-                                      <p:cBhvr>
-                                        <p:cTn id="24" dur="1" fill="hold">
-                                          <p:stCondLst>
-                                            <p:cond delay="0"/>
-                                          </p:stCondLst>
-                                        </p:cTn>
-                                        <p:tgtEl>
-                                          <p:spTgt spid="11"/>
-                                        </p:tgtEl>
-                                        <p:attrNameLst>
-                                          <p:attrName>style.visibility</p:attrName>
-                                        </p:attrNameLst>
-                                      </p:cBhvr>
-                                      <p:to>
-                                        <p:strVal val="visible"/>
-                                      </p:to>
-                                    </p:set>
-                                    <p:animEffect transition="in" filter="dissolve">
-                                      <p:cBhvr>
-                                        <p:cTn id="25" dur="500"/>
-                                        <p:tgtEl>
-                                          <p:spTgt spid="11"/>
-                                        </p:tgtEl>
-                                      </p:cBhvr>
-                                    </p:animEffect>
-                                  </p:childTnLst>
-                                </p:cTn>
-                              </p:par>
-                              <p:par>
-                                <p:cTn id="26" presetID="9" presetClass="entr" presetSubtype="0" fill="hold" grpId="0" nodeType="withEffect">
-                                  <p:stCondLst>
-                                    <p:cond delay="0"/>
-                                  </p:stCondLst>
-                                  <p:childTnLst>
-                                    <p:set>
-                                      <p:cBhvr>
-                                        <p:cTn id="27" dur="1" fill="hold">
-                                          <p:stCondLst>
-                                            <p:cond delay="0"/>
-                                          </p:stCondLst>
-                                        </p:cTn>
-                                        <p:tgtEl>
-                                          <p:spTgt spid="6"/>
-                                        </p:tgtEl>
-                                        <p:attrNameLst>
-                                          <p:attrName>style.visibility</p:attrName>
-                                        </p:attrNameLst>
-                                      </p:cBhvr>
-                                      <p:to>
-                                        <p:strVal val="visible"/>
-                                      </p:to>
-                                    </p:set>
-                                    <p:animEffect transition="in" filter="dissolve">
-                                      <p:cBhvr>
-                                        <p:cTn id="28" dur="500"/>
-                                        <p:tgtEl>
-                                          <p:spTgt spid="6"/>
-                                        </p:tgtEl>
-                                      </p:cBhvr>
-                                    </p:animEffect>
-                                  </p:childTnLst>
-                                </p:cTn>
-                              </p:par>
-                              <p:par>
-                                <p:cTn id="29" presetID="9" presetClass="entr" presetSubtype="0" fill="hold" grpId="0" nodeType="withEffect">
-                                  <p:stCondLst>
-                                    <p:cond delay="0"/>
-                                  </p:stCondLst>
-                                  <p:childTnLst>
-                                    <p:set>
-                                      <p:cBhvr>
-                                        <p:cTn id="30" dur="1" fill="hold">
-                                          <p:stCondLst>
-                                            <p:cond delay="0"/>
-                                          </p:stCondLst>
-                                        </p:cTn>
-                                        <p:tgtEl>
-                                          <p:spTgt spid="13"/>
-                                        </p:tgtEl>
-                                        <p:attrNameLst>
-                                          <p:attrName>style.visibility</p:attrName>
-                                        </p:attrNameLst>
-                                      </p:cBhvr>
-                                      <p:to>
-                                        <p:strVal val="visible"/>
-                                      </p:to>
-                                    </p:set>
-                                    <p:animEffect transition="in" filter="dissolve">
-                                      <p:cBhvr>
-                                        <p:cTn id="31" dur="500"/>
-                                        <p:tgtEl>
-                                          <p:spTgt spid="13"/>
-                                        </p:tgtEl>
-                                      </p:cBhvr>
-                                    </p:animEffect>
-                                  </p:childTnLst>
-                                </p:cTn>
-                              </p:par>
-                            </p:childTnLst>
-                          </p:cTn>
-                        </p:par>
-                      </p:childTnLst>
-                    </p:cTn>
-                  </p:par>
-                </p:childTnLst>
-              </p:cTn>
-              <p:prevCondLst>
-                <p:cond evt="onPrev" delay="0">
-                  <p:tgtEl>
-                    <p:sldTgt/>
-                  </p:tgtEl>
-                </p:cond>
-              </p:prevCondLst>
-              <p:nextCondLst>
-                <p:cond evt="onNext" delay="0">
-                  <p:tgtEl>
-                    <p:sldTgt/>
-                  </p:tgtEl>
-                </p:cond>
-              </p:nextCondLst>
-            </p:seq>
-          </p:childTnLst>
-        </p:cTn>
-      </p:par>
-    </p:tnLst>
-    <p:bldLst>
-      <p:bldP spid="2" grpId="0"/>
-      <p:bldP spid="3" grpId="0" build="p"/>
-      <p:bldP spid="6" grpId="0" animBg="1"/>
-      <p:bldP spid="11" grpId="0" animBg="1"/>
-      <p:bldP spid="13" grpId="0" animBg="1"/>
-    </p:bldLst>
-  </p:timing>
 </p:sld>
 </file>
 

--- a/ALY6160GroupFINAL.pptx
+++ b/ALY6160GroupFINAL.pptx
@@ -5,7 +5,7 @@
     <p:sldMasterId id="2147483648" r:id="rId1"/>
   </p:sldMasterIdLst>
   <p:notesMasterIdLst>
-    <p:notesMasterId r:id="rId20"/>
+    <p:notesMasterId r:id="rId22"/>
   </p:notesMasterIdLst>
   <p:sldIdLst>
     <p:sldId id="264" r:id="rId2"/>
@@ -20,12 +20,14 @@
     <p:sldId id="259" r:id="rId11"/>
     <p:sldId id="268" r:id="rId12"/>
     <p:sldId id="273" r:id="rId13"/>
-    <p:sldId id="265" r:id="rId14"/>
-    <p:sldId id="269" r:id="rId15"/>
-    <p:sldId id="274" r:id="rId16"/>
-    <p:sldId id="261" r:id="rId17"/>
-    <p:sldId id="262" r:id="rId18"/>
-    <p:sldId id="263" r:id="rId19"/>
+    <p:sldId id="275" r:id="rId14"/>
+    <p:sldId id="276" r:id="rId15"/>
+    <p:sldId id="265" r:id="rId16"/>
+    <p:sldId id="269" r:id="rId17"/>
+    <p:sldId id="274" r:id="rId18"/>
+    <p:sldId id="261" r:id="rId19"/>
+    <p:sldId id="262" r:id="rId20"/>
+    <p:sldId id="263" r:id="rId21"/>
   </p:sldIdLst>
   <p:sldSz cx="12192000" cy="6858000"/>
   <p:notesSz cx="6858000" cy="9144000"/>
@@ -149,6 +151,8 @@
           <p14:sldIdLst>
             <p14:sldId id="268"/>
             <p14:sldId id="273"/>
+            <p14:sldId id="275"/>
+            <p14:sldId id="276"/>
             <p14:sldId id="265"/>
             <p14:sldId id="269"/>
             <p14:sldId id="274"/>
@@ -518,7 +522,7 @@
             <a:fld id="{80180EA8-2363-6546-9295-3AB8E8213896}" type="datetimeFigureOut">
               <a:rPr lang="en-US" smtClean="0"/>
               <a:pPr/>
-              <a:t>2/21/21</a:t>
+              <a:t>2/23/21</a:t>
             </a:fld>
             <a:endParaRPr lang="en-US"/>
           </a:p>
@@ -1032,7 +1036,7 @@
             <a:fld id="{05D96418-AAE0-0248-8664-955F16523268}" type="slidenum">
               <a:rPr lang="en-US" smtClean="0"/>
               <a:pPr/>
-              <a:t>15</a:t>
+              <a:t>17</a:t>
             </a:fld>
             <a:endParaRPr lang="en-US"/>
           </a:p>
@@ -1120,7 +1124,7 @@
             <a:fld id="{05D96418-AAE0-0248-8664-955F16523268}" type="slidenum">
               <a:rPr lang="en-US" smtClean="0"/>
               <a:pPr/>
-              <a:t>16</a:t>
+              <a:t>18</a:t>
             </a:fld>
             <a:endParaRPr lang="en-US"/>
           </a:p>
@@ -1214,7 +1218,7 @@
             <a:fld id="{05D96418-AAE0-0248-8664-955F16523268}" type="slidenum">
               <a:rPr lang="en-US" smtClean="0"/>
               <a:pPr/>
-              <a:t>17</a:t>
+              <a:t>19</a:t>
             </a:fld>
             <a:endParaRPr lang="en-US"/>
           </a:p>
@@ -1316,7 +1320,7 @@
             <a:fld id="{05D96418-AAE0-0248-8664-955F16523268}" type="slidenum">
               <a:rPr lang="en-US" smtClean="0"/>
               <a:pPr/>
-              <a:t>18</a:t>
+              <a:t>20</a:t>
             </a:fld>
             <a:endParaRPr lang="en-US"/>
           </a:p>
@@ -1380,31 +1384,31 @@
           <a:lstStyle/>
           <a:p>
             <a:r>
-              <a:rPr lang="en-US"/>
+              <a:rPr lang="en-US" dirty="0"/>
               <a:t>MCBS PUF (public use file) variables : </a:t>
             </a:r>
           </a:p>
           <a:p>
             <a:r>
-              <a:rPr lang="en-US"/>
+              <a:rPr lang="en-US" dirty="0"/>
               <a:t>Total 673  - Although not all available for Fall, Winter and Summer = 239 variables</a:t>
             </a:r>
           </a:p>
           <a:p>
             <a:r>
-              <a:rPr lang="en-US"/>
+              <a:rPr lang="en-US" dirty="0"/>
               <a:t>Randomly generated IDs to protect identity of patients - but also prevent multi-year time series analyses</a:t>
             </a:r>
           </a:p>
           <a:p>
             <a:r>
-              <a:rPr lang="en-US"/>
+              <a:rPr lang="en-US" dirty="0"/>
               <a:t>No Geographic identifiers</a:t>
             </a:r>
           </a:p>
           <a:p>
             <a:r>
-              <a:rPr lang="en-US"/>
+              <a:rPr lang="en-US" dirty="0"/>
               <a:t>Populations Weights</a:t>
             </a:r>
           </a:p>
@@ -2119,7 +2123,7 @@
             <a:fld id="{05D96418-AAE0-0248-8664-955F16523268}" type="slidenum">
               <a:rPr lang="en-US" smtClean="0"/>
               <a:pPr/>
-              <a:t>14</a:t>
+              <a:t>16</a:t>
             </a:fld>
             <a:endParaRPr lang="en-US"/>
           </a:p>
@@ -2285,7 +2289,7 @@
           <a:p>
             <a:fld id="{013BFEAD-1BEF-244B-B3CC-6137F4E9A449}" type="datetimeFigureOut">
               <a:rPr lang="en-US" smtClean="0"/>
-              <a:t>2/21/21</a:t>
+              <a:t>2/23/21</a:t>
             </a:fld>
             <a:endParaRPr lang="en-US"/>
           </a:p>
@@ -2483,7 +2487,7 @@
           <a:p>
             <a:fld id="{013BFEAD-1BEF-244B-B3CC-6137F4E9A449}" type="datetimeFigureOut">
               <a:rPr lang="en-US" smtClean="0"/>
-              <a:t>2/21/21</a:t>
+              <a:t>2/23/21</a:t>
             </a:fld>
             <a:endParaRPr lang="en-US"/>
           </a:p>
@@ -2691,7 +2695,7 @@
           <a:p>
             <a:fld id="{013BFEAD-1BEF-244B-B3CC-6137F4E9A449}" type="datetimeFigureOut">
               <a:rPr lang="en-US" smtClean="0"/>
-              <a:t>2/21/21</a:t>
+              <a:t>2/23/21</a:t>
             </a:fld>
             <a:endParaRPr lang="en-US"/>
           </a:p>
@@ -2889,7 +2893,7 @@
           <a:p>
             <a:fld id="{013BFEAD-1BEF-244B-B3CC-6137F4E9A449}" type="datetimeFigureOut">
               <a:rPr lang="en-US" smtClean="0"/>
-              <a:t>2/21/21</a:t>
+              <a:t>2/23/21</a:t>
             </a:fld>
             <a:endParaRPr lang="en-US"/>
           </a:p>
@@ -3164,7 +3168,7 @@
           <a:p>
             <a:fld id="{013BFEAD-1BEF-244B-B3CC-6137F4E9A449}" type="datetimeFigureOut">
               <a:rPr lang="en-US" smtClean="0"/>
-              <a:t>2/21/21</a:t>
+              <a:t>2/23/21</a:t>
             </a:fld>
             <a:endParaRPr lang="en-US"/>
           </a:p>
@@ -3429,7 +3433,7 @@
           <a:p>
             <a:fld id="{013BFEAD-1BEF-244B-B3CC-6137F4E9A449}" type="datetimeFigureOut">
               <a:rPr lang="en-US" smtClean="0"/>
-              <a:t>2/21/21</a:t>
+              <a:t>2/23/21</a:t>
             </a:fld>
             <a:endParaRPr lang="en-US"/>
           </a:p>
@@ -3841,7 +3845,7 @@
           <a:p>
             <a:fld id="{013BFEAD-1BEF-244B-B3CC-6137F4E9A449}" type="datetimeFigureOut">
               <a:rPr lang="en-US" smtClean="0"/>
-              <a:t>2/21/21</a:t>
+              <a:t>2/23/21</a:t>
             </a:fld>
             <a:endParaRPr lang="en-US"/>
           </a:p>
@@ -3982,7 +3986,7 @@
           <a:p>
             <a:fld id="{013BFEAD-1BEF-244B-B3CC-6137F4E9A449}" type="datetimeFigureOut">
               <a:rPr lang="en-US" smtClean="0"/>
-              <a:t>2/21/21</a:t>
+              <a:t>2/23/21</a:t>
             </a:fld>
             <a:endParaRPr lang="en-US"/>
           </a:p>
@@ -4095,7 +4099,7 @@
           <a:p>
             <a:fld id="{013BFEAD-1BEF-244B-B3CC-6137F4E9A449}" type="datetimeFigureOut">
               <a:rPr lang="en-US" smtClean="0"/>
-              <a:t>2/21/21</a:t>
+              <a:t>2/23/21</a:t>
             </a:fld>
             <a:endParaRPr lang="en-US"/>
           </a:p>
@@ -4406,7 +4410,7 @@
           <a:p>
             <a:fld id="{013BFEAD-1BEF-244B-B3CC-6137F4E9A449}" type="datetimeFigureOut">
               <a:rPr lang="en-US" smtClean="0"/>
-              <a:t>2/21/21</a:t>
+              <a:t>2/23/21</a:t>
             </a:fld>
             <a:endParaRPr lang="en-US"/>
           </a:p>
@@ -4694,7 +4698,7 @@
           <a:p>
             <a:fld id="{013BFEAD-1BEF-244B-B3CC-6137F4E9A449}" type="datetimeFigureOut">
               <a:rPr lang="en-US" smtClean="0"/>
-              <a:t>2/21/21</a:t>
+              <a:t>2/23/21</a:t>
             </a:fld>
             <a:endParaRPr lang="en-US"/>
           </a:p>
@@ -4937,7 +4941,7 @@
             <a:fld id="{013BFEAD-1BEF-244B-B3CC-6137F4E9A449}" type="datetimeFigureOut">
               <a:rPr lang="en-US" smtClean="0"/>
               <a:pPr/>
-              <a:t>2/21/21</a:t>
+              <a:t>2/23/21</a:t>
             </a:fld>
             <a:endParaRPr lang="en-US"/>
           </a:p>
@@ -7851,6 +7855,182 @@
       </p:grpSpPr>
       <p:sp>
         <p:nvSpPr>
+          <p:cNvPr id="2" name="Title 1">
+            <a:extLst>
+              <a:ext uri="{FF2B5EF4-FFF2-40B4-BE49-F238E27FC236}">
+                <a16:creationId xmlns:a16="http://schemas.microsoft.com/office/drawing/2014/main" id="{4E9613BB-E8AF-1044-8934-9630A84C0395}"/>
+              </a:ext>
+            </a:extLst>
+          </p:cNvPr>
+          <p:cNvSpPr>
+            <a:spLocks noGrp="1"/>
+          </p:cNvSpPr>
+          <p:nvPr>
+            <p:ph type="title"/>
+          </p:nvPr>
+        </p:nvSpPr>
+        <p:spPr/>
+        <p:txBody>
+          <a:bodyPr/>
+          <a:lstStyle/>
+          <a:p>
+            <a:r>
+              <a:rPr lang="en-US" dirty="0"/>
+              <a:t>XGBoost Model</a:t>
+            </a:r>
+          </a:p>
+        </p:txBody>
+      </p:sp>
+      <p:sp>
+        <p:nvSpPr>
+          <p:cNvPr id="3" name="Content Placeholder 2">
+            <a:extLst>
+              <a:ext uri="{FF2B5EF4-FFF2-40B4-BE49-F238E27FC236}">
+                <a16:creationId xmlns:a16="http://schemas.microsoft.com/office/drawing/2014/main" id="{ED5141AA-CF96-E347-AE54-8750BBFE3642}"/>
+              </a:ext>
+            </a:extLst>
+          </p:cNvPr>
+          <p:cNvSpPr>
+            <a:spLocks noGrp="1"/>
+          </p:cNvSpPr>
+          <p:nvPr>
+            <p:ph idx="1"/>
+          </p:nvPr>
+        </p:nvSpPr>
+        <p:spPr/>
+        <p:txBody>
+          <a:bodyPr/>
+          <a:lstStyle/>
+          <a:p>
+            <a:endParaRPr lang="en-US"/>
+          </a:p>
+        </p:txBody>
+      </p:sp>
+    </p:spTree>
+    <p:extLst>
+      <p:ext uri="{BB962C8B-B14F-4D97-AF65-F5344CB8AC3E}">
+        <p14:creationId xmlns:p14="http://schemas.microsoft.com/office/powerpoint/2010/main" val="18254828"/>
+      </p:ext>
+    </p:extLst>
+  </p:cSld>
+  <p:clrMapOvr>
+    <a:masterClrMapping/>
+  </p:clrMapOvr>
+</p:sld>
+</file>
+
+<file path=ppt/slides/slide14.xml><?xml version="1.0" encoding="utf-8"?>
+<p:sld xmlns:a="http://schemas.openxmlformats.org/drawingml/2006/main" xmlns:r="http://schemas.openxmlformats.org/officeDocument/2006/relationships" xmlns:p="http://schemas.openxmlformats.org/presentationml/2006/main">
+  <p:cSld>
+    <p:spTree>
+      <p:nvGrpSpPr>
+        <p:cNvPr id="1" name=""/>
+        <p:cNvGrpSpPr/>
+        <p:nvPr/>
+      </p:nvGrpSpPr>
+      <p:grpSpPr>
+        <a:xfrm>
+          <a:off x="0" y="0"/>
+          <a:ext cx="0" cy="0"/>
+          <a:chOff x="0" y="0"/>
+          <a:chExt cx="0" cy="0"/>
+        </a:xfrm>
+      </p:grpSpPr>
+      <p:sp>
+        <p:nvSpPr>
+          <p:cNvPr id="2" name="Title 1">
+            <a:extLst>
+              <a:ext uri="{FF2B5EF4-FFF2-40B4-BE49-F238E27FC236}">
+                <a16:creationId xmlns:a16="http://schemas.microsoft.com/office/drawing/2014/main" id="{838E7910-1AE3-BF41-B625-BF6423C5E3DA}"/>
+              </a:ext>
+            </a:extLst>
+          </p:cNvPr>
+          <p:cNvSpPr>
+            <a:spLocks noGrp="1"/>
+          </p:cNvSpPr>
+          <p:nvPr>
+            <p:ph type="title"/>
+          </p:nvPr>
+        </p:nvSpPr>
+        <p:spPr>
+          <a:xfrm>
+            <a:off x="838200" y="186209"/>
+            <a:ext cx="10515600" cy="1325563"/>
+          </a:xfrm>
+        </p:spPr>
+        <p:txBody>
+          <a:bodyPr/>
+          <a:lstStyle/>
+          <a:p>
+            <a:pPr algn="ctr"/>
+            <a:r>
+              <a:rPr lang="en-US" dirty="0"/>
+              <a:t>Feature Importance</a:t>
+            </a:r>
+          </a:p>
+        </p:txBody>
+      </p:sp>
+      <p:pic>
+        <p:nvPicPr>
+          <p:cNvPr id="4" name="Picture 3">
+            <a:extLst>
+              <a:ext uri="{FF2B5EF4-FFF2-40B4-BE49-F238E27FC236}">
+                <a16:creationId xmlns:a16="http://schemas.microsoft.com/office/drawing/2014/main" id="{9A354B23-1587-EA47-8BD5-F0D9495D0572}"/>
+              </a:ext>
+            </a:extLst>
+          </p:cNvPr>
+          <p:cNvPicPr>
+            <a:picLocks noChangeAspect="1"/>
+          </p:cNvPicPr>
+          <p:nvPr/>
+        </p:nvPicPr>
+        <p:blipFill rotWithShape="1">
+          <a:blip r:embed="rId2"/>
+          <a:srcRect l="741" r="1295" b="1757"/>
+          <a:stretch/>
+        </p:blipFill>
+        <p:spPr>
+          <a:xfrm>
+            <a:off x="1979112" y="1273777"/>
+            <a:ext cx="8417492" cy="5252283"/>
+          </a:xfrm>
+          <a:prstGeom prst="rect">
+            <a:avLst/>
+          </a:prstGeom>
+        </p:spPr>
+      </p:pic>
+    </p:spTree>
+    <p:extLst>
+      <p:ext uri="{BB962C8B-B14F-4D97-AF65-F5344CB8AC3E}">
+        <p14:creationId xmlns:p14="http://schemas.microsoft.com/office/powerpoint/2010/main" val="3949254343"/>
+      </p:ext>
+    </p:extLst>
+  </p:cSld>
+  <p:clrMapOvr>
+    <a:masterClrMapping/>
+  </p:clrMapOvr>
+</p:sld>
+</file>
+
+<file path=ppt/slides/slide15.xml><?xml version="1.0" encoding="utf-8"?>
+<p:sld xmlns:a="http://schemas.openxmlformats.org/drawingml/2006/main" xmlns:r="http://schemas.openxmlformats.org/officeDocument/2006/relationships" xmlns:p="http://schemas.openxmlformats.org/presentationml/2006/main">
+  <p:cSld>
+    <p:spTree>
+      <p:nvGrpSpPr>
+        <p:cNvPr id="1" name=""/>
+        <p:cNvGrpSpPr/>
+        <p:nvPr/>
+      </p:nvGrpSpPr>
+      <p:grpSpPr>
+        <a:xfrm>
+          <a:off x="0" y="0"/>
+          <a:ext cx="0" cy="0"/>
+          <a:chOff x="0" y="0"/>
+          <a:chExt cx="0" cy="0"/>
+        </a:xfrm>
+      </p:grpSpPr>
+      <p:sp>
+        <p:nvSpPr>
           <p:cNvPr id="5" name="Title 4">
             <a:extLst>
               <a:ext uri="{FF2B5EF4-FFF2-40B4-BE49-F238E27FC236}">
@@ -7936,7 +8116,7 @@
 </p:sld>
 </file>
 
-<file path=ppt/slides/slide14.xml><?xml version="1.0" encoding="utf-8"?>
+<file path=ppt/slides/slide16.xml><?xml version="1.0" encoding="utf-8"?>
 <p:sld xmlns:a="http://schemas.openxmlformats.org/drawingml/2006/main" xmlns:r="http://schemas.openxmlformats.org/officeDocument/2006/relationships" xmlns:p="http://schemas.openxmlformats.org/presentationml/2006/main">
   <p:cSld>
     <p:bg>
@@ -8389,7 +8569,7 @@
 </p:sld>
 </file>
 
-<file path=ppt/slides/slide15.xml><?xml version="1.0" encoding="utf-8"?>
+<file path=ppt/slides/slide17.xml><?xml version="1.0" encoding="utf-8"?>
 <p:sld xmlns:a="http://schemas.openxmlformats.org/drawingml/2006/main" xmlns:r="http://schemas.openxmlformats.org/officeDocument/2006/relationships" xmlns:p="http://schemas.openxmlformats.org/presentationml/2006/main">
   <p:cSld>
     <p:bg>
@@ -8891,7 +9071,7 @@
 </p:sld>
 </file>
 
-<file path=ppt/slides/slide16.xml><?xml version="1.0" encoding="utf-8"?>
+<file path=ppt/slides/slide18.xml><?xml version="1.0" encoding="utf-8"?>
 <p:sld xmlns:a="http://schemas.openxmlformats.org/drawingml/2006/main" xmlns:r="http://schemas.openxmlformats.org/officeDocument/2006/relationships" xmlns:p="http://schemas.openxmlformats.org/presentationml/2006/main">
   <p:cSld>
     <p:spTree>
@@ -9373,7 +9553,7 @@
 </p:sld>
 </file>
 
-<file path=ppt/slides/slide17.xml><?xml version="1.0" encoding="utf-8"?>
+<file path=ppt/slides/slide19.xml><?xml version="1.0" encoding="utf-8"?>
 <p:sld xmlns:a="http://schemas.openxmlformats.org/drawingml/2006/main" xmlns:r="http://schemas.openxmlformats.org/officeDocument/2006/relationships" xmlns:p="http://schemas.openxmlformats.org/presentationml/2006/main">
   <p:cSld>
     <p:bg>
@@ -10063,494 +10243,6 @@
     <p:extLst>
       <p:ext uri="{BB962C8B-B14F-4D97-AF65-F5344CB8AC3E}">
         <p14:creationId xmlns:p14="http://schemas.microsoft.com/office/powerpoint/2010/main" val="162178625"/>
-      </p:ext>
-    </p:extLst>
-  </p:cSld>
-  <p:clrMapOvr>
-    <a:masterClrMapping/>
-  </p:clrMapOvr>
-</p:sld>
-</file>
-
-<file path=ppt/slides/slide18.xml><?xml version="1.0" encoding="utf-8"?>
-<p:sld xmlns:a="http://schemas.openxmlformats.org/drawingml/2006/main" xmlns:r="http://schemas.openxmlformats.org/officeDocument/2006/relationships" xmlns:p="http://schemas.openxmlformats.org/presentationml/2006/main">
-  <p:cSld>
-    <p:bg>
-      <p:bgPr>
-        <a:solidFill>
-          <a:schemeClr val="bg1"/>
-        </a:solidFill>
-        <a:effectLst/>
-      </p:bgPr>
-    </p:bg>
-    <p:spTree>
-      <p:nvGrpSpPr>
-        <p:cNvPr id="1" name=""/>
-        <p:cNvGrpSpPr/>
-        <p:nvPr/>
-      </p:nvGrpSpPr>
-      <p:grpSpPr>
-        <a:xfrm>
-          <a:off x="0" y="0"/>
-          <a:ext cx="0" cy="0"/>
-          <a:chOff x="0" y="0"/>
-          <a:chExt cx="0" cy="0"/>
-        </a:xfrm>
-      </p:grpSpPr>
-      <p:sp useBgFill="1">
-        <p:nvSpPr>
-          <p:cNvPr id="17" name="Rectangle 7">
-            <a:extLst>
-              <a:ext uri="{FF2B5EF4-FFF2-40B4-BE49-F238E27FC236}">
-                <a16:creationId xmlns:a16="http://schemas.microsoft.com/office/drawing/2014/main" id="{A7895A40-19A4-42D6-9D30-DBC1E8002635}"/>
-              </a:ext>
-              <a:ext uri="{C183D7F6-B498-43B3-948B-1728B52AA6E4}">
-                <adec:decorative xmlns:adec="http://schemas.microsoft.com/office/drawing/2017/decorative" val="1"/>
-              </a:ext>
-            </a:extLst>
-          </p:cNvPr>
-          <p:cNvSpPr>
-            <a:spLocks noGrp="1" noRot="1" noChangeAspect="1" noMove="1" noResize="1" noEditPoints="1" noAdjustHandles="1" noChangeArrowheads="1" noChangeShapeType="1" noTextEdit="1"/>
-          </p:cNvSpPr>
-          <p:nvPr>
-            <p:extLst>
-              <p:ext uri="{386F3935-93C4-4BCD-93E2-E3B085C9AB24}">
-                <p16:designElem xmlns:p16="http://schemas.microsoft.com/office/powerpoint/2015/main" val="1"/>
-              </p:ext>
-            </p:extLst>
-          </p:nvPr>
-        </p:nvSpPr>
-        <p:spPr>
-          <a:xfrm>
-            <a:off x="0" y="0"/>
-            <a:ext cx="12191999" cy="6857365"/>
-          </a:xfrm>
-          <a:prstGeom prst="rect">
-            <a:avLst/>
-          </a:prstGeom>
-          <a:ln>
-            <a:noFill/>
-          </a:ln>
-        </p:spPr>
-        <p:style>
-          <a:lnRef idx="2">
-            <a:schemeClr val="accent1">
-              <a:shade val="50000"/>
-            </a:schemeClr>
-          </a:lnRef>
-          <a:fillRef idx="1">
-            <a:schemeClr val="accent1"/>
-          </a:fillRef>
-          <a:effectRef idx="0">
-            <a:schemeClr val="accent1"/>
-          </a:effectRef>
-          <a:fontRef idx="minor">
-            <a:schemeClr val="lt1"/>
-          </a:fontRef>
-        </p:style>
-        <p:txBody>
-          <a:bodyPr rtlCol="0" anchor="ctr"/>
-          <a:lstStyle/>
-          <a:p>
-            <a:pPr algn="ctr"/>
-            <a:endParaRPr lang="en-US">
-              <a:latin typeface="Avenir Book" panose="02000503020000020003" pitchFamily="2" charset="0"/>
-            </a:endParaRPr>
-          </a:p>
-        </p:txBody>
-      </p:sp>
-      <p:sp>
-        <p:nvSpPr>
-          <p:cNvPr id="18" name="Rectangle 9">
-            <a:extLst>
-              <a:ext uri="{FF2B5EF4-FFF2-40B4-BE49-F238E27FC236}">
-                <a16:creationId xmlns:a16="http://schemas.microsoft.com/office/drawing/2014/main" id="{02F429C4-ABC9-46FC-818A-B5429CDE4A96}"/>
-              </a:ext>
-              <a:ext uri="{C183D7F6-B498-43B3-948B-1728B52AA6E4}">
-                <adec:decorative xmlns:adec="http://schemas.microsoft.com/office/drawing/2017/decorative" val="1"/>
-              </a:ext>
-            </a:extLst>
-          </p:cNvPr>
-          <p:cNvSpPr>
-            <a:spLocks noGrp="1" noRot="1" noChangeAspect="1" noMove="1" noResize="1" noEditPoints="1" noAdjustHandles="1" noChangeArrowheads="1" noChangeShapeType="1" noTextEdit="1"/>
-          </p:cNvSpPr>
-          <p:nvPr>
-            <p:extLst>
-              <p:ext uri="{386F3935-93C4-4BCD-93E2-E3B085C9AB24}">
-                <p16:designElem xmlns:p16="http://schemas.microsoft.com/office/powerpoint/2015/main" val="1"/>
-              </p:ext>
-            </p:extLst>
-          </p:nvPr>
-        </p:nvSpPr>
-        <p:spPr>
-          <a:xfrm rot="5400000">
-            <a:off x="-1270325" y="3369273"/>
-            <a:ext cx="3200400" cy="152382"/>
-          </a:xfrm>
-          <a:prstGeom prst="rect">
-            <a:avLst/>
-          </a:prstGeom>
-          <a:solidFill>
-            <a:schemeClr val="accent4"/>
-          </a:solidFill>
-          <a:ln>
-            <a:noFill/>
-          </a:ln>
-        </p:spPr>
-        <p:style>
-          <a:lnRef idx="2">
-            <a:schemeClr val="accent1">
-              <a:shade val="50000"/>
-            </a:schemeClr>
-          </a:lnRef>
-          <a:fillRef idx="1">
-            <a:schemeClr val="accent1"/>
-          </a:fillRef>
-          <a:effectRef idx="0">
-            <a:schemeClr val="accent1"/>
-          </a:effectRef>
-          <a:fontRef idx="minor">
-            <a:schemeClr val="lt1"/>
-          </a:fontRef>
-        </p:style>
-        <p:txBody>
-          <a:bodyPr rtlCol="0" anchor="ctr"/>
-          <a:lstStyle/>
-          <a:p>
-            <a:pPr algn="ctr"/>
-            <a:endParaRPr lang="en-US">
-              <a:latin typeface="Avenir Book" panose="02000503020000020003" pitchFamily="2" charset="0"/>
-            </a:endParaRPr>
-          </a:p>
-        </p:txBody>
-      </p:sp>
-      <p:sp>
-        <p:nvSpPr>
-          <p:cNvPr id="19" name="Rectangle 11">
-            <a:extLst>
-              <a:ext uri="{FF2B5EF4-FFF2-40B4-BE49-F238E27FC236}">
-                <a16:creationId xmlns:a16="http://schemas.microsoft.com/office/drawing/2014/main" id="{2CEF98E4-3709-4952-8F42-2305CCE34FA3}"/>
-              </a:ext>
-              <a:ext uri="{C183D7F6-B498-43B3-948B-1728B52AA6E4}">
-                <adec:decorative xmlns:adec="http://schemas.microsoft.com/office/drawing/2017/decorative" val="1"/>
-              </a:ext>
-            </a:extLst>
-          </p:cNvPr>
-          <p:cNvSpPr>
-            <a:spLocks noGrp="1" noRot="1" noChangeAspect="1" noMove="1" noResize="1" noEditPoints="1" noAdjustHandles="1" noChangeArrowheads="1" noChangeShapeType="1" noTextEdit="1"/>
-          </p:cNvSpPr>
-          <p:nvPr>
-            <p:extLst>
-              <p:ext uri="{386F3935-93C4-4BCD-93E2-E3B085C9AB24}">
-                <p16:designElem xmlns:p16="http://schemas.microsoft.com/office/powerpoint/2015/main" val="1"/>
-              </p:ext>
-            </p:extLst>
-          </p:nvPr>
-        </p:nvSpPr>
-        <p:spPr>
-          <a:xfrm rot="16200000">
-            <a:off x="6374475" y="1040470"/>
-            <a:ext cx="6858003" cy="4777047"/>
-          </a:xfrm>
-          <a:prstGeom prst="rect">
-            <a:avLst/>
-          </a:prstGeom>
-          <a:solidFill>
-            <a:schemeClr val="accent4"/>
-          </a:solidFill>
-          <a:ln>
-            <a:noFill/>
-          </a:ln>
-        </p:spPr>
-        <p:style>
-          <a:lnRef idx="2">
-            <a:schemeClr val="accent1">
-              <a:shade val="50000"/>
-            </a:schemeClr>
-          </a:lnRef>
-          <a:fillRef idx="1">
-            <a:schemeClr val="accent1"/>
-          </a:fillRef>
-          <a:effectRef idx="0">
-            <a:schemeClr val="accent1"/>
-          </a:effectRef>
-          <a:fontRef idx="minor">
-            <a:schemeClr val="lt1"/>
-          </a:fontRef>
-        </p:style>
-        <p:txBody>
-          <a:bodyPr rtlCol="0" anchor="ctr"/>
-          <a:lstStyle/>
-          <a:p>
-            <a:pPr algn="ctr"/>
-            <a:endParaRPr lang="en-US">
-              <a:latin typeface="Avenir Book" panose="02000503020000020003" pitchFamily="2" charset="0"/>
-            </a:endParaRPr>
-          </a:p>
-        </p:txBody>
-      </p:sp>
-      <p:sp>
-        <p:nvSpPr>
-          <p:cNvPr id="20" name="Rectangle 13">
-            <a:extLst>
-              <a:ext uri="{FF2B5EF4-FFF2-40B4-BE49-F238E27FC236}">
-                <a16:creationId xmlns:a16="http://schemas.microsoft.com/office/drawing/2014/main" id="{F10BCCF5-D685-47FF-B675-647EAEB72C8E}"/>
-              </a:ext>
-              <a:ext uri="{C183D7F6-B498-43B3-948B-1728B52AA6E4}">
-                <adec:decorative xmlns:adec="http://schemas.microsoft.com/office/drawing/2017/decorative" val="1"/>
-              </a:ext>
-            </a:extLst>
-          </p:cNvPr>
-          <p:cNvSpPr>
-            <a:spLocks noGrp="1" noRot="1" noChangeAspect="1" noMove="1" noResize="1" noEditPoints="1" noAdjustHandles="1" noChangeArrowheads="1" noChangeShapeType="1" noTextEdit="1"/>
-          </p:cNvSpPr>
-          <p:nvPr>
-            <p:extLst>
-              <p:ext uri="{386F3935-93C4-4BCD-93E2-E3B085C9AB24}">
-                <p16:designElem xmlns:p16="http://schemas.microsoft.com/office/powerpoint/2015/main" val="1"/>
-              </p:ext>
-            </p:extLst>
-          </p:nvPr>
-        </p:nvSpPr>
-        <p:spPr>
-          <a:xfrm>
-            <a:off x="387914" y="857786"/>
-            <a:ext cx="11067024" cy="5208932"/>
-          </a:xfrm>
-          <a:prstGeom prst="rect">
-            <a:avLst/>
-          </a:prstGeom>
-          <a:solidFill>
-            <a:schemeClr val="bg1"/>
-          </a:solidFill>
-          <a:ln>
-            <a:noFill/>
-          </a:ln>
-          <a:effectLst>
-            <a:outerShdw blurRad="139700" dist="127000" dir="5400000" algn="t" rotWithShape="0">
-              <a:prstClr val="black">
-                <a:alpha val="15000"/>
-              </a:prstClr>
-            </a:outerShdw>
-          </a:effectLst>
-        </p:spPr>
-        <p:style>
-          <a:lnRef idx="2">
-            <a:schemeClr val="accent1">
-              <a:shade val="50000"/>
-            </a:schemeClr>
-          </a:lnRef>
-          <a:fillRef idx="1">
-            <a:schemeClr val="accent1"/>
-          </a:fillRef>
-          <a:effectRef idx="0">
-            <a:schemeClr val="accent1"/>
-          </a:effectRef>
-          <a:fontRef idx="minor">
-            <a:schemeClr val="lt1"/>
-          </a:fontRef>
-        </p:style>
-        <p:txBody>
-          <a:bodyPr rtlCol="0" anchor="ctr"/>
-          <a:lstStyle/>
-          <a:p>
-            <a:pPr algn="ctr"/>
-            <a:endParaRPr lang="en-US">
-              <a:latin typeface="Avenir Book" panose="02000503020000020003" pitchFamily="2" charset="0"/>
-            </a:endParaRPr>
-          </a:p>
-        </p:txBody>
-      </p:sp>
-      <p:sp>
-        <p:nvSpPr>
-          <p:cNvPr id="2" name="Title 1">
-            <a:extLst>
-              <a:ext uri="{FF2B5EF4-FFF2-40B4-BE49-F238E27FC236}">
-                <a16:creationId xmlns:a16="http://schemas.microsoft.com/office/drawing/2014/main" id="{D311D184-299F-4749-B6FA-63D30057CBD2}"/>
-              </a:ext>
-            </a:extLst>
-          </p:cNvPr>
-          <p:cNvSpPr>
-            <a:spLocks noGrp="1"/>
-          </p:cNvSpPr>
-          <p:nvPr>
-            <p:ph type="title"/>
-          </p:nvPr>
-        </p:nvSpPr>
-        <p:spPr>
-          <a:xfrm>
-            <a:off x="659750" y="4539441"/>
-            <a:ext cx="9910296" cy="1281734"/>
-          </a:xfrm>
-        </p:spPr>
-        <p:txBody>
-          <a:bodyPr vert="horz" lIns="91440" tIns="45720" rIns="91440" bIns="45720" rtlCol="0" anchor="t">
-            <a:normAutofit/>
-          </a:bodyPr>
-          <a:lstStyle/>
-          <a:p>
-            <a:r>
-              <a:rPr lang="en-US" sz="8000" kern="1200">
-                <a:solidFill>
-                  <a:schemeClr val="tx1"/>
-                </a:solidFill>
-                <a:ea typeface="+mj-ea"/>
-                <a:cs typeface="+mj-cs"/>
-              </a:rPr>
-              <a:t>References:</a:t>
-            </a:r>
-          </a:p>
-        </p:txBody>
-      </p:sp>
-      <p:sp>
-        <p:nvSpPr>
-          <p:cNvPr id="3" name="Content Placeholder 2">
-            <a:extLst>
-              <a:ext uri="{FF2B5EF4-FFF2-40B4-BE49-F238E27FC236}">
-                <a16:creationId xmlns:a16="http://schemas.microsoft.com/office/drawing/2014/main" id="{1ACB774A-001C-434C-BDDA-4B33A0AD54D1}"/>
-              </a:ext>
-            </a:extLst>
-          </p:cNvPr>
-          <p:cNvSpPr>
-            <a:spLocks noGrp="1"/>
-          </p:cNvSpPr>
-          <p:nvPr>
-            <p:ph idx="1"/>
-          </p:nvPr>
-        </p:nvSpPr>
-        <p:spPr>
-          <a:xfrm>
-            <a:off x="987688" y="1553518"/>
-            <a:ext cx="9910295" cy="1281733"/>
-          </a:xfrm>
-        </p:spPr>
-        <p:txBody>
-          <a:bodyPr vert="horz" lIns="91440" tIns="45720" rIns="91440" bIns="45720" rtlCol="0" anchor="b">
-            <a:normAutofit fontScale="92500" lnSpcReduction="20000"/>
-          </a:bodyPr>
-          <a:lstStyle/>
-          <a:p>
-            <a:pPr marL="0" indent="0">
-              <a:lnSpc>
-                <a:spcPct val="100000"/>
-              </a:lnSpc>
-              <a:spcBef>
-                <a:spcPts val="0"/>
-              </a:spcBef>
-              <a:buNone/>
-            </a:pPr>
-            <a:r>
-              <a:rPr lang="en-US" sz="2400">
-                <a:latin typeface="Avenir Book"/>
-              </a:rPr>
-              <a:t>Centers for Medicare &amp; Medicaid Services (September 22, 2020). </a:t>
-            </a:r>
-            <a:r>
-              <a:rPr lang="en-US" sz="2400" i="1">
-                <a:latin typeface="Avenir Book"/>
-              </a:rPr>
-              <a:t>DATA USER’S GUIDE: PUBLIC USE FILE</a:t>
-            </a:r>
-            <a:r>
-              <a:rPr lang="en-US" sz="2400">
-                <a:latin typeface="Avenir Book"/>
-              </a:rPr>
-              <a:t>. </a:t>
-            </a:r>
-          </a:p>
-          <a:p>
-            <a:pPr marL="0" indent="0">
-              <a:lnSpc>
-                <a:spcPct val="100000"/>
-              </a:lnSpc>
-              <a:spcBef>
-                <a:spcPts val="0"/>
-              </a:spcBef>
-              <a:buNone/>
-            </a:pPr>
-            <a:r>
-              <a:rPr lang="en-US" sz="2400">
-                <a:latin typeface="Avenir Book"/>
-                <a:hlinkClick r:id="rId3"/>
-              </a:rPr>
-              <a:t>https://www.medicare.gov/what-medicare-covers/your-medicare-coverage-choices/whats-medicare</a:t>
-            </a:r>
-            <a:endParaRPr lang="en-US">
-              <a:ea typeface="+mn-ea"/>
-              <a:cs typeface="+mn-cs"/>
-            </a:endParaRPr>
-          </a:p>
-        </p:txBody>
-      </p:sp>
-      <p:sp>
-        <p:nvSpPr>
-          <p:cNvPr id="16" name="Rectangle 15">
-            <a:extLst>
-              <a:ext uri="{FF2B5EF4-FFF2-40B4-BE49-F238E27FC236}">
-                <a16:creationId xmlns:a16="http://schemas.microsoft.com/office/drawing/2014/main" id="{B0EE8A42-107A-4D4C-8D56-BBAE95C7FC0D}"/>
-              </a:ext>
-              <a:ext uri="{C183D7F6-B498-43B3-948B-1728B52AA6E4}">
-                <adec:decorative xmlns:adec="http://schemas.microsoft.com/office/drawing/2017/decorative" val="1"/>
-              </a:ext>
-            </a:extLst>
-          </p:cNvPr>
-          <p:cNvSpPr>
-            <a:spLocks noGrp="1" noRot="1" noChangeAspect="1" noMove="1" noResize="1" noEditPoints="1" noAdjustHandles="1" noChangeArrowheads="1" noChangeShapeType="1" noTextEdit="1"/>
-          </p:cNvSpPr>
-          <p:nvPr>
-            <p:extLst>
-              <p:ext uri="{386F3935-93C4-4BCD-93E2-E3B085C9AB24}">
-                <p16:designElem xmlns:p16="http://schemas.microsoft.com/office/powerpoint/2015/main" val="1"/>
-              </p:ext>
-            </p:extLst>
-          </p:nvPr>
-        </p:nvSpPr>
-        <p:spPr>
-          <a:xfrm rot="5400000">
-            <a:off x="-1524009" y="3366125"/>
-            <a:ext cx="3200400" cy="152382"/>
-          </a:xfrm>
-          <a:prstGeom prst="rect">
-            <a:avLst/>
-          </a:prstGeom>
-          <a:solidFill>
-            <a:schemeClr val="accent4"/>
-          </a:solidFill>
-          <a:ln>
-            <a:noFill/>
-          </a:ln>
-        </p:spPr>
-        <p:style>
-          <a:lnRef idx="2">
-            <a:schemeClr val="accent1">
-              <a:shade val="50000"/>
-            </a:schemeClr>
-          </a:lnRef>
-          <a:fillRef idx="1">
-            <a:schemeClr val="accent1"/>
-          </a:fillRef>
-          <a:effectRef idx="0">
-            <a:schemeClr val="accent1"/>
-          </a:effectRef>
-          <a:fontRef idx="minor">
-            <a:schemeClr val="lt1"/>
-          </a:fontRef>
-        </p:style>
-        <p:txBody>
-          <a:bodyPr rtlCol="0" anchor="ctr"/>
-          <a:lstStyle/>
-          <a:p>
-            <a:pPr algn="ctr"/>
-            <a:endParaRPr lang="en-US">
-              <a:latin typeface="Avenir Book" panose="02000503020000020003" pitchFamily="2" charset="0"/>
-            </a:endParaRPr>
-          </a:p>
-        </p:txBody>
-      </p:sp>
-    </p:spTree>
-    <p:extLst>
-      <p:ext uri="{BB962C8B-B14F-4D97-AF65-F5344CB8AC3E}">
-        <p14:creationId xmlns:p14="http://schemas.microsoft.com/office/powerpoint/2010/main" val="488172068"/>
       </p:ext>
     </p:extLst>
   </p:cSld>
@@ -11328,6 +11020,494 @@
       </p:par>
     </p:tnLst>
   </p:timing>
+</p:sld>
+</file>
+
+<file path=ppt/slides/slide20.xml><?xml version="1.0" encoding="utf-8"?>
+<p:sld xmlns:a="http://schemas.openxmlformats.org/drawingml/2006/main" xmlns:r="http://schemas.openxmlformats.org/officeDocument/2006/relationships" xmlns:p="http://schemas.openxmlformats.org/presentationml/2006/main">
+  <p:cSld>
+    <p:bg>
+      <p:bgPr>
+        <a:solidFill>
+          <a:schemeClr val="bg1"/>
+        </a:solidFill>
+        <a:effectLst/>
+      </p:bgPr>
+    </p:bg>
+    <p:spTree>
+      <p:nvGrpSpPr>
+        <p:cNvPr id="1" name=""/>
+        <p:cNvGrpSpPr/>
+        <p:nvPr/>
+      </p:nvGrpSpPr>
+      <p:grpSpPr>
+        <a:xfrm>
+          <a:off x="0" y="0"/>
+          <a:ext cx="0" cy="0"/>
+          <a:chOff x="0" y="0"/>
+          <a:chExt cx="0" cy="0"/>
+        </a:xfrm>
+      </p:grpSpPr>
+      <p:sp useBgFill="1">
+        <p:nvSpPr>
+          <p:cNvPr id="17" name="Rectangle 7">
+            <a:extLst>
+              <a:ext uri="{FF2B5EF4-FFF2-40B4-BE49-F238E27FC236}">
+                <a16:creationId xmlns:a16="http://schemas.microsoft.com/office/drawing/2014/main" id="{A7895A40-19A4-42D6-9D30-DBC1E8002635}"/>
+              </a:ext>
+              <a:ext uri="{C183D7F6-B498-43B3-948B-1728B52AA6E4}">
+                <adec:decorative xmlns:adec="http://schemas.microsoft.com/office/drawing/2017/decorative" val="1"/>
+              </a:ext>
+            </a:extLst>
+          </p:cNvPr>
+          <p:cNvSpPr>
+            <a:spLocks noGrp="1" noRot="1" noChangeAspect="1" noMove="1" noResize="1" noEditPoints="1" noAdjustHandles="1" noChangeArrowheads="1" noChangeShapeType="1" noTextEdit="1"/>
+          </p:cNvSpPr>
+          <p:nvPr>
+            <p:extLst>
+              <p:ext uri="{386F3935-93C4-4BCD-93E2-E3B085C9AB24}">
+                <p16:designElem xmlns:p16="http://schemas.microsoft.com/office/powerpoint/2015/main" val="1"/>
+              </p:ext>
+            </p:extLst>
+          </p:nvPr>
+        </p:nvSpPr>
+        <p:spPr>
+          <a:xfrm>
+            <a:off x="0" y="0"/>
+            <a:ext cx="12191999" cy="6857365"/>
+          </a:xfrm>
+          <a:prstGeom prst="rect">
+            <a:avLst/>
+          </a:prstGeom>
+          <a:ln>
+            <a:noFill/>
+          </a:ln>
+        </p:spPr>
+        <p:style>
+          <a:lnRef idx="2">
+            <a:schemeClr val="accent1">
+              <a:shade val="50000"/>
+            </a:schemeClr>
+          </a:lnRef>
+          <a:fillRef idx="1">
+            <a:schemeClr val="accent1"/>
+          </a:fillRef>
+          <a:effectRef idx="0">
+            <a:schemeClr val="accent1"/>
+          </a:effectRef>
+          <a:fontRef idx="minor">
+            <a:schemeClr val="lt1"/>
+          </a:fontRef>
+        </p:style>
+        <p:txBody>
+          <a:bodyPr rtlCol="0" anchor="ctr"/>
+          <a:lstStyle/>
+          <a:p>
+            <a:pPr algn="ctr"/>
+            <a:endParaRPr lang="en-US">
+              <a:latin typeface="Avenir Book" panose="02000503020000020003" pitchFamily="2" charset="0"/>
+            </a:endParaRPr>
+          </a:p>
+        </p:txBody>
+      </p:sp>
+      <p:sp>
+        <p:nvSpPr>
+          <p:cNvPr id="18" name="Rectangle 9">
+            <a:extLst>
+              <a:ext uri="{FF2B5EF4-FFF2-40B4-BE49-F238E27FC236}">
+                <a16:creationId xmlns:a16="http://schemas.microsoft.com/office/drawing/2014/main" id="{02F429C4-ABC9-46FC-818A-B5429CDE4A96}"/>
+              </a:ext>
+              <a:ext uri="{C183D7F6-B498-43B3-948B-1728B52AA6E4}">
+                <adec:decorative xmlns:adec="http://schemas.microsoft.com/office/drawing/2017/decorative" val="1"/>
+              </a:ext>
+            </a:extLst>
+          </p:cNvPr>
+          <p:cNvSpPr>
+            <a:spLocks noGrp="1" noRot="1" noChangeAspect="1" noMove="1" noResize="1" noEditPoints="1" noAdjustHandles="1" noChangeArrowheads="1" noChangeShapeType="1" noTextEdit="1"/>
+          </p:cNvSpPr>
+          <p:nvPr>
+            <p:extLst>
+              <p:ext uri="{386F3935-93C4-4BCD-93E2-E3B085C9AB24}">
+                <p16:designElem xmlns:p16="http://schemas.microsoft.com/office/powerpoint/2015/main" val="1"/>
+              </p:ext>
+            </p:extLst>
+          </p:nvPr>
+        </p:nvSpPr>
+        <p:spPr>
+          <a:xfrm rot="5400000">
+            <a:off x="-1270325" y="3369273"/>
+            <a:ext cx="3200400" cy="152382"/>
+          </a:xfrm>
+          <a:prstGeom prst="rect">
+            <a:avLst/>
+          </a:prstGeom>
+          <a:solidFill>
+            <a:schemeClr val="accent4"/>
+          </a:solidFill>
+          <a:ln>
+            <a:noFill/>
+          </a:ln>
+        </p:spPr>
+        <p:style>
+          <a:lnRef idx="2">
+            <a:schemeClr val="accent1">
+              <a:shade val="50000"/>
+            </a:schemeClr>
+          </a:lnRef>
+          <a:fillRef idx="1">
+            <a:schemeClr val="accent1"/>
+          </a:fillRef>
+          <a:effectRef idx="0">
+            <a:schemeClr val="accent1"/>
+          </a:effectRef>
+          <a:fontRef idx="minor">
+            <a:schemeClr val="lt1"/>
+          </a:fontRef>
+        </p:style>
+        <p:txBody>
+          <a:bodyPr rtlCol="0" anchor="ctr"/>
+          <a:lstStyle/>
+          <a:p>
+            <a:pPr algn="ctr"/>
+            <a:endParaRPr lang="en-US">
+              <a:latin typeface="Avenir Book" panose="02000503020000020003" pitchFamily="2" charset="0"/>
+            </a:endParaRPr>
+          </a:p>
+        </p:txBody>
+      </p:sp>
+      <p:sp>
+        <p:nvSpPr>
+          <p:cNvPr id="19" name="Rectangle 11">
+            <a:extLst>
+              <a:ext uri="{FF2B5EF4-FFF2-40B4-BE49-F238E27FC236}">
+                <a16:creationId xmlns:a16="http://schemas.microsoft.com/office/drawing/2014/main" id="{2CEF98E4-3709-4952-8F42-2305CCE34FA3}"/>
+              </a:ext>
+              <a:ext uri="{C183D7F6-B498-43B3-948B-1728B52AA6E4}">
+                <adec:decorative xmlns:adec="http://schemas.microsoft.com/office/drawing/2017/decorative" val="1"/>
+              </a:ext>
+            </a:extLst>
+          </p:cNvPr>
+          <p:cNvSpPr>
+            <a:spLocks noGrp="1" noRot="1" noChangeAspect="1" noMove="1" noResize="1" noEditPoints="1" noAdjustHandles="1" noChangeArrowheads="1" noChangeShapeType="1" noTextEdit="1"/>
+          </p:cNvSpPr>
+          <p:nvPr>
+            <p:extLst>
+              <p:ext uri="{386F3935-93C4-4BCD-93E2-E3B085C9AB24}">
+                <p16:designElem xmlns:p16="http://schemas.microsoft.com/office/powerpoint/2015/main" val="1"/>
+              </p:ext>
+            </p:extLst>
+          </p:nvPr>
+        </p:nvSpPr>
+        <p:spPr>
+          <a:xfrm rot="16200000">
+            <a:off x="6374475" y="1040470"/>
+            <a:ext cx="6858003" cy="4777047"/>
+          </a:xfrm>
+          <a:prstGeom prst="rect">
+            <a:avLst/>
+          </a:prstGeom>
+          <a:solidFill>
+            <a:schemeClr val="accent4"/>
+          </a:solidFill>
+          <a:ln>
+            <a:noFill/>
+          </a:ln>
+        </p:spPr>
+        <p:style>
+          <a:lnRef idx="2">
+            <a:schemeClr val="accent1">
+              <a:shade val="50000"/>
+            </a:schemeClr>
+          </a:lnRef>
+          <a:fillRef idx="1">
+            <a:schemeClr val="accent1"/>
+          </a:fillRef>
+          <a:effectRef idx="0">
+            <a:schemeClr val="accent1"/>
+          </a:effectRef>
+          <a:fontRef idx="minor">
+            <a:schemeClr val="lt1"/>
+          </a:fontRef>
+        </p:style>
+        <p:txBody>
+          <a:bodyPr rtlCol="0" anchor="ctr"/>
+          <a:lstStyle/>
+          <a:p>
+            <a:pPr algn="ctr"/>
+            <a:endParaRPr lang="en-US">
+              <a:latin typeface="Avenir Book" panose="02000503020000020003" pitchFamily="2" charset="0"/>
+            </a:endParaRPr>
+          </a:p>
+        </p:txBody>
+      </p:sp>
+      <p:sp>
+        <p:nvSpPr>
+          <p:cNvPr id="20" name="Rectangle 13">
+            <a:extLst>
+              <a:ext uri="{FF2B5EF4-FFF2-40B4-BE49-F238E27FC236}">
+                <a16:creationId xmlns:a16="http://schemas.microsoft.com/office/drawing/2014/main" id="{F10BCCF5-D685-47FF-B675-647EAEB72C8E}"/>
+              </a:ext>
+              <a:ext uri="{C183D7F6-B498-43B3-948B-1728B52AA6E4}">
+                <adec:decorative xmlns:adec="http://schemas.microsoft.com/office/drawing/2017/decorative" val="1"/>
+              </a:ext>
+            </a:extLst>
+          </p:cNvPr>
+          <p:cNvSpPr>
+            <a:spLocks noGrp="1" noRot="1" noChangeAspect="1" noMove="1" noResize="1" noEditPoints="1" noAdjustHandles="1" noChangeArrowheads="1" noChangeShapeType="1" noTextEdit="1"/>
+          </p:cNvSpPr>
+          <p:nvPr>
+            <p:extLst>
+              <p:ext uri="{386F3935-93C4-4BCD-93E2-E3B085C9AB24}">
+                <p16:designElem xmlns:p16="http://schemas.microsoft.com/office/powerpoint/2015/main" val="1"/>
+              </p:ext>
+            </p:extLst>
+          </p:nvPr>
+        </p:nvSpPr>
+        <p:spPr>
+          <a:xfrm>
+            <a:off x="387914" y="857786"/>
+            <a:ext cx="11067024" cy="5208932"/>
+          </a:xfrm>
+          <a:prstGeom prst="rect">
+            <a:avLst/>
+          </a:prstGeom>
+          <a:solidFill>
+            <a:schemeClr val="bg1"/>
+          </a:solidFill>
+          <a:ln>
+            <a:noFill/>
+          </a:ln>
+          <a:effectLst>
+            <a:outerShdw blurRad="139700" dist="127000" dir="5400000" algn="t" rotWithShape="0">
+              <a:prstClr val="black">
+                <a:alpha val="15000"/>
+              </a:prstClr>
+            </a:outerShdw>
+          </a:effectLst>
+        </p:spPr>
+        <p:style>
+          <a:lnRef idx="2">
+            <a:schemeClr val="accent1">
+              <a:shade val="50000"/>
+            </a:schemeClr>
+          </a:lnRef>
+          <a:fillRef idx="1">
+            <a:schemeClr val="accent1"/>
+          </a:fillRef>
+          <a:effectRef idx="0">
+            <a:schemeClr val="accent1"/>
+          </a:effectRef>
+          <a:fontRef idx="minor">
+            <a:schemeClr val="lt1"/>
+          </a:fontRef>
+        </p:style>
+        <p:txBody>
+          <a:bodyPr rtlCol="0" anchor="ctr"/>
+          <a:lstStyle/>
+          <a:p>
+            <a:pPr algn="ctr"/>
+            <a:endParaRPr lang="en-US">
+              <a:latin typeface="Avenir Book" panose="02000503020000020003" pitchFamily="2" charset="0"/>
+            </a:endParaRPr>
+          </a:p>
+        </p:txBody>
+      </p:sp>
+      <p:sp>
+        <p:nvSpPr>
+          <p:cNvPr id="2" name="Title 1">
+            <a:extLst>
+              <a:ext uri="{FF2B5EF4-FFF2-40B4-BE49-F238E27FC236}">
+                <a16:creationId xmlns:a16="http://schemas.microsoft.com/office/drawing/2014/main" id="{D311D184-299F-4749-B6FA-63D30057CBD2}"/>
+              </a:ext>
+            </a:extLst>
+          </p:cNvPr>
+          <p:cNvSpPr>
+            <a:spLocks noGrp="1"/>
+          </p:cNvSpPr>
+          <p:nvPr>
+            <p:ph type="title"/>
+          </p:nvPr>
+        </p:nvSpPr>
+        <p:spPr>
+          <a:xfrm>
+            <a:off x="659750" y="4539441"/>
+            <a:ext cx="9910296" cy="1281734"/>
+          </a:xfrm>
+        </p:spPr>
+        <p:txBody>
+          <a:bodyPr vert="horz" lIns="91440" tIns="45720" rIns="91440" bIns="45720" rtlCol="0" anchor="t">
+            <a:normAutofit/>
+          </a:bodyPr>
+          <a:lstStyle/>
+          <a:p>
+            <a:r>
+              <a:rPr lang="en-US" sz="8000" kern="1200">
+                <a:solidFill>
+                  <a:schemeClr val="tx1"/>
+                </a:solidFill>
+                <a:ea typeface="+mj-ea"/>
+                <a:cs typeface="+mj-cs"/>
+              </a:rPr>
+              <a:t>References:</a:t>
+            </a:r>
+          </a:p>
+        </p:txBody>
+      </p:sp>
+      <p:sp>
+        <p:nvSpPr>
+          <p:cNvPr id="3" name="Content Placeholder 2">
+            <a:extLst>
+              <a:ext uri="{FF2B5EF4-FFF2-40B4-BE49-F238E27FC236}">
+                <a16:creationId xmlns:a16="http://schemas.microsoft.com/office/drawing/2014/main" id="{1ACB774A-001C-434C-BDDA-4B33A0AD54D1}"/>
+              </a:ext>
+            </a:extLst>
+          </p:cNvPr>
+          <p:cNvSpPr>
+            <a:spLocks noGrp="1"/>
+          </p:cNvSpPr>
+          <p:nvPr>
+            <p:ph idx="1"/>
+          </p:nvPr>
+        </p:nvSpPr>
+        <p:spPr>
+          <a:xfrm>
+            <a:off x="987688" y="1553518"/>
+            <a:ext cx="9910295" cy="1281733"/>
+          </a:xfrm>
+        </p:spPr>
+        <p:txBody>
+          <a:bodyPr vert="horz" lIns="91440" tIns="45720" rIns="91440" bIns="45720" rtlCol="0" anchor="b">
+            <a:normAutofit fontScale="92500" lnSpcReduction="20000"/>
+          </a:bodyPr>
+          <a:lstStyle/>
+          <a:p>
+            <a:pPr marL="0" indent="0">
+              <a:lnSpc>
+                <a:spcPct val="100000"/>
+              </a:lnSpc>
+              <a:spcBef>
+                <a:spcPts val="0"/>
+              </a:spcBef>
+              <a:buNone/>
+            </a:pPr>
+            <a:r>
+              <a:rPr lang="en-US" sz="2400">
+                <a:latin typeface="Avenir Book"/>
+              </a:rPr>
+              <a:t>Centers for Medicare &amp; Medicaid Services (September 22, 2020). </a:t>
+            </a:r>
+            <a:r>
+              <a:rPr lang="en-US" sz="2400" i="1">
+                <a:latin typeface="Avenir Book"/>
+              </a:rPr>
+              <a:t>DATA USER’S GUIDE: PUBLIC USE FILE</a:t>
+            </a:r>
+            <a:r>
+              <a:rPr lang="en-US" sz="2400">
+                <a:latin typeface="Avenir Book"/>
+              </a:rPr>
+              <a:t>. </a:t>
+            </a:r>
+          </a:p>
+          <a:p>
+            <a:pPr marL="0" indent="0">
+              <a:lnSpc>
+                <a:spcPct val="100000"/>
+              </a:lnSpc>
+              <a:spcBef>
+                <a:spcPts val="0"/>
+              </a:spcBef>
+              <a:buNone/>
+            </a:pPr>
+            <a:r>
+              <a:rPr lang="en-US" sz="2400">
+                <a:latin typeface="Avenir Book"/>
+                <a:hlinkClick r:id="rId3"/>
+              </a:rPr>
+              <a:t>https://www.medicare.gov/what-medicare-covers/your-medicare-coverage-choices/whats-medicare</a:t>
+            </a:r>
+            <a:endParaRPr lang="en-US">
+              <a:ea typeface="+mn-ea"/>
+              <a:cs typeface="+mn-cs"/>
+            </a:endParaRPr>
+          </a:p>
+        </p:txBody>
+      </p:sp>
+      <p:sp>
+        <p:nvSpPr>
+          <p:cNvPr id="16" name="Rectangle 15">
+            <a:extLst>
+              <a:ext uri="{FF2B5EF4-FFF2-40B4-BE49-F238E27FC236}">
+                <a16:creationId xmlns:a16="http://schemas.microsoft.com/office/drawing/2014/main" id="{B0EE8A42-107A-4D4C-8D56-BBAE95C7FC0D}"/>
+              </a:ext>
+              <a:ext uri="{C183D7F6-B498-43B3-948B-1728B52AA6E4}">
+                <adec:decorative xmlns:adec="http://schemas.microsoft.com/office/drawing/2017/decorative" val="1"/>
+              </a:ext>
+            </a:extLst>
+          </p:cNvPr>
+          <p:cNvSpPr>
+            <a:spLocks noGrp="1" noRot="1" noChangeAspect="1" noMove="1" noResize="1" noEditPoints="1" noAdjustHandles="1" noChangeArrowheads="1" noChangeShapeType="1" noTextEdit="1"/>
+          </p:cNvSpPr>
+          <p:nvPr>
+            <p:extLst>
+              <p:ext uri="{386F3935-93C4-4BCD-93E2-E3B085C9AB24}">
+                <p16:designElem xmlns:p16="http://schemas.microsoft.com/office/powerpoint/2015/main" val="1"/>
+              </p:ext>
+            </p:extLst>
+          </p:nvPr>
+        </p:nvSpPr>
+        <p:spPr>
+          <a:xfrm rot="5400000">
+            <a:off x="-1524009" y="3366125"/>
+            <a:ext cx="3200400" cy="152382"/>
+          </a:xfrm>
+          <a:prstGeom prst="rect">
+            <a:avLst/>
+          </a:prstGeom>
+          <a:solidFill>
+            <a:schemeClr val="accent4"/>
+          </a:solidFill>
+          <a:ln>
+            <a:noFill/>
+          </a:ln>
+        </p:spPr>
+        <p:style>
+          <a:lnRef idx="2">
+            <a:schemeClr val="accent1">
+              <a:shade val="50000"/>
+            </a:schemeClr>
+          </a:lnRef>
+          <a:fillRef idx="1">
+            <a:schemeClr val="accent1"/>
+          </a:fillRef>
+          <a:effectRef idx="0">
+            <a:schemeClr val="accent1"/>
+          </a:effectRef>
+          <a:fontRef idx="minor">
+            <a:schemeClr val="lt1"/>
+          </a:fontRef>
+        </p:style>
+        <p:txBody>
+          <a:bodyPr rtlCol="0" anchor="ctr"/>
+          <a:lstStyle/>
+          <a:p>
+            <a:pPr algn="ctr"/>
+            <a:endParaRPr lang="en-US">
+              <a:latin typeface="Avenir Book" panose="02000503020000020003" pitchFamily="2" charset="0"/>
+            </a:endParaRPr>
+          </a:p>
+        </p:txBody>
+      </p:sp>
+    </p:spTree>
+    <p:extLst>
+      <p:ext uri="{BB962C8B-B14F-4D97-AF65-F5344CB8AC3E}">
+        <p14:creationId xmlns:p14="http://schemas.microsoft.com/office/powerpoint/2010/main" val="488172068"/>
+      </p:ext>
+    </p:extLst>
+  </p:cSld>
+  <p:clrMapOvr>
+    <a:masterClrMapping/>
+  </p:clrMapOvr>
 </p:sld>
 </file>
 
@@ -13388,8 +13568,8 @@
         </p:blipFill>
         <p:spPr>
           <a:xfrm>
-            <a:off x="0" y="5232400"/>
-            <a:ext cx="4457700" cy="1625600"/>
+            <a:off x="0" y="6231156"/>
+            <a:ext cx="1718921" cy="626843"/>
           </a:xfrm>
           <a:prstGeom prst="rect">
             <a:avLst/>
@@ -13454,6 +13634,47 @@
             <a:r>
               <a:rPr lang="en-US" dirty="0"/>
               <a:t>Total #</a:t>
+            </a:r>
+          </a:p>
+        </p:txBody>
+      </p:sp>
+      <p:sp>
+        <p:nvSpPr>
+          <p:cNvPr id="3" name="TextBox 2">
+            <a:extLst>
+              <a:ext uri="{FF2B5EF4-FFF2-40B4-BE49-F238E27FC236}">
+                <a16:creationId xmlns:a16="http://schemas.microsoft.com/office/drawing/2014/main" id="{974FA245-DF8C-9247-BEF6-3A1D72E0116E}"/>
+              </a:ext>
+            </a:extLst>
+          </p:cNvPr>
+          <p:cNvSpPr txBox="1"/>
+          <p:nvPr/>
+        </p:nvSpPr>
+        <p:spPr>
+          <a:xfrm>
+            <a:off x="3291147" y="1664591"/>
+            <a:ext cx="5101739" cy="923330"/>
+          </a:xfrm>
+          <a:prstGeom prst="rect">
+            <a:avLst/>
+          </a:prstGeom>
+          <a:noFill/>
+        </p:spPr>
+        <p:txBody>
+          <a:bodyPr wrap="square" rtlCol="0">
+            <a:spAutoFit/>
+          </a:bodyPr>
+          <a:lstStyle/>
+          <a:p>
+            <a:r>
+              <a:rPr lang="en-US" dirty="0"/>
+              <a:t>ACC_HCDELAY: Last year ever delay in care due to cost</a:t>
+            </a:r>
+          </a:p>
+          <a:p>
+            <a:r>
+              <a:rPr lang="en-US" dirty="0"/>
+              <a:t>ACC_PAYPROB: Problem paying medical bills </a:t>
             </a:r>
           </a:p>
         </p:txBody>
@@ -13887,8 +14108,8 @@
         </p:blipFill>
         <p:spPr>
           <a:xfrm>
-            <a:off x="0" y="5232400"/>
-            <a:ext cx="4457700" cy="1625600"/>
+            <a:off x="0" y="6231156"/>
+            <a:ext cx="1718921" cy="626843"/>
           </a:xfrm>
           <a:prstGeom prst="rect">
             <a:avLst/>
@@ -13911,15 +14132,67 @@
             <p:ph type="subTitle" idx="1"/>
           </p:nvPr>
         </p:nvSpPr>
-        <p:spPr/>
+        <p:spPr>
+          <a:xfrm>
+            <a:off x="641774" y="1358372"/>
+            <a:ext cx="9569026" cy="3874028"/>
+          </a:xfrm>
+        </p:spPr>
         <p:txBody>
           <a:bodyPr/>
           <a:lstStyle/>
           <a:p>
-            <a:endParaRPr lang="en-US"/>
-          </a:p>
-        </p:txBody>
-      </p:sp>
+            <a:pPr marL="457200" indent="-457200" algn="just">
+              <a:buFont typeface="+mj-lt"/>
+              <a:buAutoNum type="arabicPeriod"/>
+            </a:pPr>
+            <a:r>
+              <a:rPr lang="en-US" dirty="0"/>
+              <a:t>Simplified variables</a:t>
+            </a:r>
+          </a:p>
+          <a:p>
+            <a:pPr marL="457200" indent="-457200" algn="just">
+              <a:buFont typeface="+mj-lt"/>
+              <a:buAutoNum type="arabicPeriod"/>
+            </a:pPr>
+            <a:r>
+              <a:rPr lang="en-US" dirty="0"/>
+              <a:t>Cleaning non-response</a:t>
+            </a:r>
+          </a:p>
+        </p:txBody>
+      </p:sp>
+      <p:pic>
+        <p:nvPicPr>
+          <p:cNvPr id="3" name="Picture 2">
+            <a:extLst>
+              <a:ext uri="{FF2B5EF4-FFF2-40B4-BE49-F238E27FC236}">
+                <a16:creationId xmlns:a16="http://schemas.microsoft.com/office/drawing/2014/main" id="{12344D9D-6346-8B41-86A4-819122EA92C7}"/>
+              </a:ext>
+            </a:extLst>
+          </p:cNvPr>
+          <p:cNvPicPr>
+            <a:picLocks noChangeAspect="1"/>
+          </p:cNvPicPr>
+          <p:nvPr/>
+        </p:nvPicPr>
+        <p:blipFill>
+          <a:blip r:embed="rId4"/>
+          <a:stretch>
+            <a:fillRect/>
+          </a:stretch>
+        </p:blipFill>
+        <p:spPr>
+          <a:xfrm>
+            <a:off x="791517" y="2109585"/>
+            <a:ext cx="6603403" cy="594048"/>
+          </a:xfrm>
+          <a:prstGeom prst="rect">
+            <a:avLst/>
+          </a:prstGeom>
+        </p:spPr>
+      </p:pic>
     </p:spTree>
     <p:extLst>
       <p:ext uri="{BB962C8B-B14F-4D97-AF65-F5344CB8AC3E}">

--- a/ALY6160GroupFINAL.pptx
+++ b/ALY6160GroupFINAL.pptx
@@ -5,7 +5,7 @@
     <p:sldMasterId id="2147483648" r:id="rId1"/>
   </p:sldMasterIdLst>
   <p:notesMasterIdLst>
-    <p:notesMasterId r:id="rId21"/>
+    <p:notesMasterId r:id="rId29"/>
   </p:notesMasterIdLst>
   <p:sldIdLst>
     <p:sldId id="264" r:id="rId2"/>
@@ -17,16 +17,24 @@
     <p:sldId id="271" r:id="rId8"/>
     <p:sldId id="272" r:id="rId9"/>
     <p:sldId id="267" r:id="rId10"/>
-    <p:sldId id="259" r:id="rId11"/>
-    <p:sldId id="268" r:id="rId12"/>
-    <p:sldId id="273" r:id="rId13"/>
-    <p:sldId id="265" r:id="rId14"/>
-    <p:sldId id="269" r:id="rId15"/>
-    <p:sldId id="274" r:id="rId16"/>
-    <p:sldId id="261" r:id="rId17"/>
-    <p:sldId id="275" r:id="rId18"/>
-    <p:sldId id="262" r:id="rId19"/>
-    <p:sldId id="263" r:id="rId20"/>
+    <p:sldId id="277" r:id="rId11"/>
+    <p:sldId id="279" r:id="rId12"/>
+    <p:sldId id="278" r:id="rId13"/>
+    <p:sldId id="280" r:id="rId14"/>
+    <p:sldId id="276" r:id="rId15"/>
+    <p:sldId id="259" r:id="rId16"/>
+    <p:sldId id="268" r:id="rId17"/>
+    <p:sldId id="281" r:id="rId18"/>
+    <p:sldId id="273" r:id="rId19"/>
+    <p:sldId id="265" r:id="rId20"/>
+    <p:sldId id="283" r:id="rId21"/>
+    <p:sldId id="284" r:id="rId22"/>
+    <p:sldId id="269" r:id="rId23"/>
+    <p:sldId id="274" r:id="rId24"/>
+    <p:sldId id="261" r:id="rId25"/>
+    <p:sldId id="275" r:id="rId26"/>
+    <p:sldId id="262" r:id="rId27"/>
+    <p:sldId id="263" r:id="rId28"/>
   </p:sldIdLst>
   <p:sldSz cx="12192000" cy="6858000"/>
   <p:notesSz cx="6858000" cy="9144000"/>
@@ -143,14 +151,22 @@
         <p14:section name="EDA" id="{661D1B6F-E724-B143-ABDC-9F33F988C310}">
           <p14:sldIdLst>
             <p14:sldId id="267"/>
+            <p14:sldId id="277"/>
+            <p14:sldId id="279"/>
+            <p14:sldId id="278"/>
+            <p14:sldId id="280"/>
+            <p14:sldId id="276"/>
             <p14:sldId id="259"/>
           </p14:sldIdLst>
         </p14:section>
         <p14:section name="Models" id="{6A74665D-E742-8948-8B3D-564E51599AC3}">
           <p14:sldIdLst>
             <p14:sldId id="268"/>
+            <p14:sldId id="281"/>
             <p14:sldId id="273"/>
             <p14:sldId id="265"/>
+            <p14:sldId id="283"/>
+            <p14:sldId id="284"/>
             <p14:sldId id="269"/>
             <p14:sldId id="274"/>
           </p14:sldIdLst>
@@ -992,26 +1008,39 @@
           <a:lstStyle/>
           <a:p>
             <a:r>
-              <a:rPr lang="en-US"/>
-              <a:t>Specifically: Medicaid and health insurance coverage</a:t>
-            </a:r>
-          </a:p>
-          <a:p>
-            <a:r>
-              <a:rPr lang="en-US"/>
-              <a:t>Years enrolled in Medicaid</a:t>
-            </a:r>
-          </a:p>
-          <a:p>
-            <a:r>
-              <a:rPr lang="en-US"/>
-              <a:t>Chronic Conditions -&gt; Severity</a:t>
-            </a:r>
-          </a:p>
-          <a:p>
-            <a:r>
-              <a:rPr lang="en-US"/>
-              <a:t>Cost burden - impact of socio-economic situation on Health Status and Functioning</a:t>
+              <a:rPr lang="en-US" dirty="0"/>
+              <a:t>#Income below Federal Poverty level by </a:t>
+            </a:r>
+            <a:r>
+              <a:rPr lang="en-US" dirty="0" err="1"/>
+              <a:t>yeats</a:t>
+            </a:r>
+            <a:r>
+              <a:rPr lang="en-US" dirty="0"/>
+              <a:t> in </a:t>
+            </a:r>
+            <a:r>
+              <a:rPr lang="en-US" dirty="0" err="1"/>
+              <a:t>MedADV</a:t>
+            </a:r>
+            <a:endParaRPr lang="en-US" dirty="0"/>
+          </a:p>
+          <a:p>
+            <a:endParaRPr lang="en-US" dirty="0"/>
+          </a:p>
+          <a:p>
+            <a:r>
+              <a:rPr lang="en-US" dirty="0"/>
+              <a:t>#Income below Poverty Line by Insurance Type</a:t>
+            </a:r>
+          </a:p>
+          <a:p>
+            <a:endParaRPr lang="en-US" dirty="0"/>
+          </a:p>
+          <a:p>
+            <a:r>
+              <a:rPr lang="en-US" dirty="0"/>
+              <a:t>#Income below Poverty Line by Insurance Type</a:t>
             </a:r>
           </a:p>
         </p:txBody>
@@ -1034,7 +1063,7 @@
             <a:fld id="{05D96418-AAE0-0248-8664-955F16523268}" type="slidenum">
               <a:rPr lang="en-US" smtClean="0"/>
               <a:pPr/>
-              <a:t>15</a:t>
+              <a:t>13</a:t>
             </a:fld>
             <a:endParaRPr lang="en-US"/>
           </a:p>
@@ -1043,7 +1072,7 @@
     </p:spTree>
     <p:extLst>
       <p:ext uri="{BB962C8B-B14F-4D97-AF65-F5344CB8AC3E}">
-        <p14:creationId xmlns:p14="http://schemas.microsoft.com/office/powerpoint/2010/main" val="4235830549"/>
+        <p14:creationId xmlns:p14="http://schemas.microsoft.com/office/powerpoint/2010/main" val="345023774"/>
       </p:ext>
     </p:extLst>
   </p:cSld>
@@ -1098,8 +1127,8 @@
           <a:lstStyle/>
           <a:p>
             <a:r>
-              <a:rPr lang="en-US"/>
-              <a:t>As noted earlier, to protect beneficiary privacy, variables, such as those related to geography and costs for example, were removed. Limiting our </a:t>
+              <a:rPr lang="en-US" dirty="0"/>
+              <a:t>Unsupervised learning</a:t>
             </a:r>
           </a:p>
         </p:txBody>
@@ -1122,7 +1151,7 @@
             <a:fld id="{05D96418-AAE0-0248-8664-955F16523268}" type="slidenum">
               <a:rPr lang="en-US" smtClean="0"/>
               <a:pPr/>
-              <a:t>16</a:t>
+              <a:t>15</a:t>
             </a:fld>
             <a:endParaRPr lang="en-US"/>
           </a:p>
@@ -1131,7 +1160,7 @@
     </p:spTree>
     <p:extLst>
       <p:ext uri="{BB962C8B-B14F-4D97-AF65-F5344CB8AC3E}">
-        <p14:creationId xmlns:p14="http://schemas.microsoft.com/office/powerpoint/2010/main" val="2586225515"/>
+        <p14:creationId xmlns:p14="http://schemas.microsoft.com/office/powerpoint/2010/main" val="1243611931"/>
       </p:ext>
     </p:extLst>
   </p:cSld>
@@ -1185,10 +1214,7 @@
           <a:bodyPr/>
           <a:lstStyle/>
           <a:p>
-            <a:r>
-              <a:rPr lang="en-US"/>
-              <a:t>As noted earlier, to protect beneficiary privacy, variables, such as those related to geography and costs for example, were removed. Limiting our </a:t>
-            </a:r>
+            <a:endParaRPr lang="en-US"/>
           </a:p>
         </p:txBody>
       </p:sp>
@@ -1210,7 +1236,7 @@
             <a:fld id="{05D96418-AAE0-0248-8664-955F16523268}" type="slidenum">
               <a:rPr lang="en-US" smtClean="0"/>
               <a:pPr/>
-              <a:t>17</a:t>
+              <a:t>16</a:t>
             </a:fld>
             <a:endParaRPr lang="en-US"/>
           </a:p>
@@ -1219,7 +1245,7 @@
     </p:spTree>
     <p:extLst>
       <p:ext uri="{BB962C8B-B14F-4D97-AF65-F5344CB8AC3E}">
-        <p14:creationId xmlns:p14="http://schemas.microsoft.com/office/powerpoint/2010/main" val="2455496933"/>
+        <p14:creationId xmlns:p14="http://schemas.microsoft.com/office/powerpoint/2010/main" val="619635200"/>
       </p:ext>
     </p:extLst>
   </p:cSld>
@@ -1273,15 +1299,6 @@
           <a:bodyPr/>
           <a:lstStyle/>
           <a:p>
-            <a:r>
-              <a:rPr lang="en-US">
-                <a:latin typeface="Avenir Book"/>
-              </a:rPr>
-              <a:t>References :</a:t>
-            </a:r>
-            <a:endParaRPr lang="en-US"/>
-          </a:p>
-          <a:p>
             <a:endParaRPr lang="en-US"/>
           </a:p>
         </p:txBody>
@@ -1304,7 +1321,7 @@
             <a:fld id="{05D96418-AAE0-0248-8664-955F16523268}" type="slidenum">
               <a:rPr lang="en-US" smtClean="0"/>
               <a:pPr/>
-              <a:t>18</a:t>
+              <a:t>17</a:t>
             </a:fld>
             <a:endParaRPr lang="en-US"/>
           </a:p>
@@ -1313,7 +1330,7 @@
     </p:spTree>
     <p:extLst>
       <p:ext uri="{BB962C8B-B14F-4D97-AF65-F5344CB8AC3E}">
-        <p14:creationId xmlns:p14="http://schemas.microsoft.com/office/powerpoint/2010/main" val="2693704567"/>
+        <p14:creationId xmlns:p14="http://schemas.microsoft.com/office/powerpoint/2010/main" val="4020880442"/>
       </p:ext>
     </p:extLst>
   </p:cSld>
@@ -1367,24 +1384,7 @@
           <a:bodyPr/>
           <a:lstStyle/>
           <a:p>
-            <a:pPr marL="0" marR="0" lvl="0" indent="0" algn="l" defTabSz="914400" rtl="0" eaLnBrk="1" fontAlgn="auto" latinLnBrk="0" hangingPunct="1">
-              <a:lnSpc>
-                <a:spcPct val="100000"/>
-              </a:lnSpc>
-              <a:spcBef>
-                <a:spcPts val="0"/>
-              </a:spcBef>
-              <a:spcAft>
-                <a:spcPts val="0"/>
-              </a:spcAft>
-              <a:buClrTx/>
-              <a:buSzTx/>
-              <a:buFontTx/>
-              <a:buNone/>
-              <a:tabLst/>
-              <a:defRPr/>
-            </a:pPr>
-            <a:endParaRPr lang="en-US" b="0"/>
+            <a:endParaRPr lang="en-US"/>
           </a:p>
         </p:txBody>
       </p:sp>
@@ -1406,7 +1406,7 @@
             <a:fld id="{05D96418-AAE0-0248-8664-955F16523268}" type="slidenum">
               <a:rPr lang="en-US" smtClean="0"/>
               <a:pPr/>
-              <a:t>19</a:t>
+              <a:t>18</a:t>
             </a:fld>
             <a:endParaRPr lang="en-US"/>
           </a:p>
@@ -1415,7 +1415,480 @@
     </p:spTree>
     <p:extLst>
       <p:ext uri="{BB962C8B-B14F-4D97-AF65-F5344CB8AC3E}">
-        <p14:creationId xmlns:p14="http://schemas.microsoft.com/office/powerpoint/2010/main" val="2948656027"/>
+        <p14:creationId xmlns:p14="http://schemas.microsoft.com/office/powerpoint/2010/main" val="3136201165"/>
+      </p:ext>
+    </p:extLst>
+  </p:cSld>
+  <p:clrMapOvr>
+    <a:masterClrMapping/>
+  </p:clrMapOvr>
+</p:notes>
+</file>
+
+<file path=ppt/notesSlides/notesSlide15.xml><?xml version="1.0" encoding="utf-8"?>
+<p:notes xmlns:a="http://schemas.openxmlformats.org/drawingml/2006/main" xmlns:r="http://schemas.openxmlformats.org/officeDocument/2006/relationships" xmlns:p="http://schemas.openxmlformats.org/presentationml/2006/main">
+  <p:cSld>
+    <p:spTree>
+      <p:nvGrpSpPr>
+        <p:cNvPr id="1" name=""/>
+        <p:cNvGrpSpPr/>
+        <p:nvPr/>
+      </p:nvGrpSpPr>
+      <p:grpSpPr>
+        <a:xfrm>
+          <a:off x="0" y="0"/>
+          <a:ext cx="0" cy="0"/>
+          <a:chOff x="0" y="0"/>
+          <a:chExt cx="0" cy="0"/>
+        </a:xfrm>
+      </p:grpSpPr>
+      <p:sp>
+        <p:nvSpPr>
+          <p:cNvPr id="2" name="Slide Image Placeholder 1"/>
+          <p:cNvSpPr>
+            <a:spLocks noGrp="1" noRot="1" noChangeAspect="1"/>
+          </p:cNvSpPr>
+          <p:nvPr>
+            <p:ph type="sldImg"/>
+          </p:nvPr>
+        </p:nvSpPr>
+        <p:spPr/>
+      </p:sp>
+      <p:sp>
+        <p:nvSpPr>
+          <p:cNvPr id="3" name="Notes Placeholder 2"/>
+          <p:cNvSpPr>
+            <a:spLocks noGrp="1"/>
+          </p:cNvSpPr>
+          <p:nvPr>
+            <p:ph type="body" idx="1"/>
+          </p:nvPr>
+        </p:nvSpPr>
+        <p:spPr/>
+        <p:txBody>
+          <a:bodyPr/>
+          <a:lstStyle/>
+          <a:p>
+            <a:endParaRPr lang="en-US"/>
+          </a:p>
+        </p:txBody>
+      </p:sp>
+      <p:sp>
+        <p:nvSpPr>
+          <p:cNvPr id="4" name="Slide Number Placeholder 3"/>
+          <p:cNvSpPr>
+            <a:spLocks noGrp="1"/>
+          </p:cNvSpPr>
+          <p:nvPr>
+            <p:ph type="sldNum" sz="quarter" idx="5"/>
+          </p:nvPr>
+        </p:nvSpPr>
+        <p:spPr/>
+        <p:txBody>
+          <a:bodyPr/>
+          <a:lstStyle/>
+          <a:p>
+            <a:fld id="{05D96418-AAE0-0248-8664-955F16523268}" type="slidenum">
+              <a:rPr lang="en-US" smtClean="0"/>
+              <a:pPr/>
+              <a:t>20</a:t>
+            </a:fld>
+            <a:endParaRPr lang="en-US"/>
+          </a:p>
+        </p:txBody>
+      </p:sp>
+    </p:spTree>
+    <p:extLst>
+      <p:ext uri="{BB962C8B-B14F-4D97-AF65-F5344CB8AC3E}">
+        <p14:creationId xmlns:p14="http://schemas.microsoft.com/office/powerpoint/2010/main" val="3955793014"/>
+      </p:ext>
+    </p:extLst>
+  </p:cSld>
+  <p:clrMapOvr>
+    <a:masterClrMapping/>
+  </p:clrMapOvr>
+</p:notes>
+</file>
+
+<file path=ppt/notesSlides/notesSlide16.xml><?xml version="1.0" encoding="utf-8"?>
+<p:notes xmlns:a="http://schemas.openxmlformats.org/drawingml/2006/main" xmlns:r="http://schemas.openxmlformats.org/officeDocument/2006/relationships" xmlns:p="http://schemas.openxmlformats.org/presentationml/2006/main">
+  <p:cSld>
+    <p:spTree>
+      <p:nvGrpSpPr>
+        <p:cNvPr id="1" name=""/>
+        <p:cNvGrpSpPr/>
+        <p:nvPr/>
+      </p:nvGrpSpPr>
+      <p:grpSpPr>
+        <a:xfrm>
+          <a:off x="0" y="0"/>
+          <a:ext cx="0" cy="0"/>
+          <a:chOff x="0" y="0"/>
+          <a:chExt cx="0" cy="0"/>
+        </a:xfrm>
+      </p:grpSpPr>
+      <p:sp>
+        <p:nvSpPr>
+          <p:cNvPr id="2" name="Slide Image Placeholder 1"/>
+          <p:cNvSpPr>
+            <a:spLocks noGrp="1" noRot="1" noChangeAspect="1"/>
+          </p:cNvSpPr>
+          <p:nvPr>
+            <p:ph type="sldImg"/>
+          </p:nvPr>
+        </p:nvSpPr>
+        <p:spPr/>
+      </p:sp>
+      <p:sp>
+        <p:nvSpPr>
+          <p:cNvPr id="3" name="Notes Placeholder 2"/>
+          <p:cNvSpPr>
+            <a:spLocks noGrp="1"/>
+          </p:cNvSpPr>
+          <p:nvPr>
+            <p:ph type="body" idx="1"/>
+          </p:nvPr>
+        </p:nvSpPr>
+        <p:spPr/>
+        <p:txBody>
+          <a:bodyPr/>
+          <a:lstStyle/>
+          <a:p>
+            <a:r>
+              <a:rPr lang="en-US"/>
+              <a:t>Specifically: Medicaid and health insurance coverage</a:t>
+            </a:r>
+          </a:p>
+          <a:p>
+            <a:r>
+              <a:rPr lang="en-US"/>
+              <a:t>Years enrolled in Medicaid</a:t>
+            </a:r>
+          </a:p>
+          <a:p>
+            <a:r>
+              <a:rPr lang="en-US"/>
+              <a:t>Chronic Conditions -&gt; Severity</a:t>
+            </a:r>
+          </a:p>
+          <a:p>
+            <a:r>
+              <a:rPr lang="en-US"/>
+              <a:t>Cost burden - impact of socio-economic situation on Health Status and Functioning</a:t>
+            </a:r>
+          </a:p>
+        </p:txBody>
+      </p:sp>
+      <p:sp>
+        <p:nvSpPr>
+          <p:cNvPr id="4" name="Slide Number Placeholder 3"/>
+          <p:cNvSpPr>
+            <a:spLocks noGrp="1"/>
+          </p:cNvSpPr>
+          <p:nvPr>
+            <p:ph type="sldNum" sz="quarter" idx="5"/>
+          </p:nvPr>
+        </p:nvSpPr>
+        <p:spPr/>
+        <p:txBody>
+          <a:bodyPr/>
+          <a:lstStyle/>
+          <a:p>
+            <a:fld id="{05D96418-AAE0-0248-8664-955F16523268}" type="slidenum">
+              <a:rPr lang="en-US" smtClean="0"/>
+              <a:pPr/>
+              <a:t>22</a:t>
+            </a:fld>
+            <a:endParaRPr lang="en-US"/>
+          </a:p>
+        </p:txBody>
+      </p:sp>
+    </p:spTree>
+    <p:extLst>
+      <p:ext uri="{BB962C8B-B14F-4D97-AF65-F5344CB8AC3E}">
+        <p14:creationId xmlns:p14="http://schemas.microsoft.com/office/powerpoint/2010/main" val="3945365590"/>
+      </p:ext>
+    </p:extLst>
+  </p:cSld>
+  <p:clrMapOvr>
+    <a:masterClrMapping/>
+  </p:clrMapOvr>
+</p:notes>
+</file>
+
+<file path=ppt/notesSlides/notesSlide17.xml><?xml version="1.0" encoding="utf-8"?>
+<p:notes xmlns:a="http://schemas.openxmlformats.org/drawingml/2006/main" xmlns:r="http://schemas.openxmlformats.org/officeDocument/2006/relationships" xmlns:p="http://schemas.openxmlformats.org/presentationml/2006/main">
+  <p:cSld>
+    <p:spTree>
+      <p:nvGrpSpPr>
+        <p:cNvPr id="1" name=""/>
+        <p:cNvGrpSpPr/>
+        <p:nvPr/>
+      </p:nvGrpSpPr>
+      <p:grpSpPr>
+        <a:xfrm>
+          <a:off x="0" y="0"/>
+          <a:ext cx="0" cy="0"/>
+          <a:chOff x="0" y="0"/>
+          <a:chExt cx="0" cy="0"/>
+        </a:xfrm>
+      </p:grpSpPr>
+      <p:sp>
+        <p:nvSpPr>
+          <p:cNvPr id="2" name="Slide Image Placeholder 1"/>
+          <p:cNvSpPr>
+            <a:spLocks noGrp="1" noRot="1" noChangeAspect="1"/>
+          </p:cNvSpPr>
+          <p:nvPr>
+            <p:ph type="sldImg"/>
+          </p:nvPr>
+        </p:nvSpPr>
+        <p:spPr/>
+      </p:sp>
+      <p:sp>
+        <p:nvSpPr>
+          <p:cNvPr id="3" name="Notes Placeholder 2"/>
+          <p:cNvSpPr>
+            <a:spLocks noGrp="1"/>
+          </p:cNvSpPr>
+          <p:nvPr>
+            <p:ph type="body" idx="1"/>
+          </p:nvPr>
+        </p:nvSpPr>
+        <p:spPr/>
+        <p:txBody>
+          <a:bodyPr/>
+          <a:lstStyle/>
+          <a:p>
+            <a:r>
+              <a:rPr lang="en-US"/>
+              <a:t>Specifically: Medicaid and health insurance coverage</a:t>
+            </a:r>
+          </a:p>
+          <a:p>
+            <a:r>
+              <a:rPr lang="en-US"/>
+              <a:t>Years enrolled in Medicaid</a:t>
+            </a:r>
+          </a:p>
+          <a:p>
+            <a:r>
+              <a:rPr lang="en-US"/>
+              <a:t>Chronic Conditions -&gt; Severity</a:t>
+            </a:r>
+          </a:p>
+          <a:p>
+            <a:r>
+              <a:rPr lang="en-US"/>
+              <a:t>Cost burden - impact of socio-economic situation on Health Status and Functioning</a:t>
+            </a:r>
+          </a:p>
+        </p:txBody>
+      </p:sp>
+      <p:sp>
+        <p:nvSpPr>
+          <p:cNvPr id="4" name="Slide Number Placeholder 3"/>
+          <p:cNvSpPr>
+            <a:spLocks noGrp="1"/>
+          </p:cNvSpPr>
+          <p:nvPr>
+            <p:ph type="sldNum" sz="quarter" idx="5"/>
+          </p:nvPr>
+        </p:nvSpPr>
+        <p:spPr/>
+        <p:txBody>
+          <a:bodyPr/>
+          <a:lstStyle/>
+          <a:p>
+            <a:fld id="{05D96418-AAE0-0248-8664-955F16523268}" type="slidenum">
+              <a:rPr lang="en-US" smtClean="0"/>
+              <a:pPr/>
+              <a:t>23</a:t>
+            </a:fld>
+            <a:endParaRPr lang="en-US"/>
+          </a:p>
+        </p:txBody>
+      </p:sp>
+    </p:spTree>
+    <p:extLst>
+      <p:ext uri="{BB962C8B-B14F-4D97-AF65-F5344CB8AC3E}">
+        <p14:creationId xmlns:p14="http://schemas.microsoft.com/office/powerpoint/2010/main" val="4235830549"/>
+      </p:ext>
+    </p:extLst>
+  </p:cSld>
+  <p:clrMapOvr>
+    <a:masterClrMapping/>
+  </p:clrMapOvr>
+</p:notes>
+</file>
+
+<file path=ppt/notesSlides/notesSlide18.xml><?xml version="1.0" encoding="utf-8"?>
+<p:notes xmlns:a="http://schemas.openxmlformats.org/drawingml/2006/main" xmlns:r="http://schemas.openxmlformats.org/officeDocument/2006/relationships" xmlns:p="http://schemas.openxmlformats.org/presentationml/2006/main">
+  <p:cSld>
+    <p:spTree>
+      <p:nvGrpSpPr>
+        <p:cNvPr id="1" name=""/>
+        <p:cNvGrpSpPr/>
+        <p:nvPr/>
+      </p:nvGrpSpPr>
+      <p:grpSpPr>
+        <a:xfrm>
+          <a:off x="0" y="0"/>
+          <a:ext cx="0" cy="0"/>
+          <a:chOff x="0" y="0"/>
+          <a:chExt cx="0" cy="0"/>
+        </a:xfrm>
+      </p:grpSpPr>
+      <p:sp>
+        <p:nvSpPr>
+          <p:cNvPr id="2" name="Slide Image Placeholder 1"/>
+          <p:cNvSpPr>
+            <a:spLocks noGrp="1" noRot="1" noChangeAspect="1"/>
+          </p:cNvSpPr>
+          <p:nvPr>
+            <p:ph type="sldImg"/>
+          </p:nvPr>
+        </p:nvSpPr>
+        <p:spPr/>
+      </p:sp>
+      <p:sp>
+        <p:nvSpPr>
+          <p:cNvPr id="3" name="Notes Placeholder 2"/>
+          <p:cNvSpPr>
+            <a:spLocks noGrp="1"/>
+          </p:cNvSpPr>
+          <p:nvPr>
+            <p:ph type="body" idx="1"/>
+          </p:nvPr>
+        </p:nvSpPr>
+        <p:spPr/>
+        <p:txBody>
+          <a:bodyPr/>
+          <a:lstStyle/>
+          <a:p>
+            <a:r>
+              <a:rPr lang="en-US"/>
+              <a:t>As noted earlier, to protect beneficiary privacy, variables, such as those related to geography and costs for example, were removed. Limiting our </a:t>
+            </a:r>
+          </a:p>
+        </p:txBody>
+      </p:sp>
+      <p:sp>
+        <p:nvSpPr>
+          <p:cNvPr id="4" name="Slide Number Placeholder 3"/>
+          <p:cNvSpPr>
+            <a:spLocks noGrp="1"/>
+          </p:cNvSpPr>
+          <p:nvPr>
+            <p:ph type="sldNum" sz="quarter" idx="5"/>
+          </p:nvPr>
+        </p:nvSpPr>
+        <p:spPr/>
+        <p:txBody>
+          <a:bodyPr/>
+          <a:lstStyle/>
+          <a:p>
+            <a:fld id="{05D96418-AAE0-0248-8664-955F16523268}" type="slidenum">
+              <a:rPr lang="en-US" smtClean="0"/>
+              <a:pPr/>
+              <a:t>24</a:t>
+            </a:fld>
+            <a:endParaRPr lang="en-US"/>
+          </a:p>
+        </p:txBody>
+      </p:sp>
+    </p:spTree>
+    <p:extLst>
+      <p:ext uri="{BB962C8B-B14F-4D97-AF65-F5344CB8AC3E}">
+        <p14:creationId xmlns:p14="http://schemas.microsoft.com/office/powerpoint/2010/main" val="2586225515"/>
+      </p:ext>
+    </p:extLst>
+  </p:cSld>
+  <p:clrMapOvr>
+    <a:masterClrMapping/>
+  </p:clrMapOvr>
+</p:notes>
+</file>
+
+<file path=ppt/notesSlides/notesSlide19.xml><?xml version="1.0" encoding="utf-8"?>
+<p:notes xmlns:a="http://schemas.openxmlformats.org/drawingml/2006/main" xmlns:r="http://schemas.openxmlformats.org/officeDocument/2006/relationships" xmlns:p="http://schemas.openxmlformats.org/presentationml/2006/main">
+  <p:cSld>
+    <p:spTree>
+      <p:nvGrpSpPr>
+        <p:cNvPr id="1" name=""/>
+        <p:cNvGrpSpPr/>
+        <p:nvPr/>
+      </p:nvGrpSpPr>
+      <p:grpSpPr>
+        <a:xfrm>
+          <a:off x="0" y="0"/>
+          <a:ext cx="0" cy="0"/>
+          <a:chOff x="0" y="0"/>
+          <a:chExt cx="0" cy="0"/>
+        </a:xfrm>
+      </p:grpSpPr>
+      <p:sp>
+        <p:nvSpPr>
+          <p:cNvPr id="2" name="Slide Image Placeholder 1"/>
+          <p:cNvSpPr>
+            <a:spLocks noGrp="1" noRot="1" noChangeAspect="1"/>
+          </p:cNvSpPr>
+          <p:nvPr>
+            <p:ph type="sldImg"/>
+          </p:nvPr>
+        </p:nvSpPr>
+        <p:spPr/>
+      </p:sp>
+      <p:sp>
+        <p:nvSpPr>
+          <p:cNvPr id="3" name="Notes Placeholder 2"/>
+          <p:cNvSpPr>
+            <a:spLocks noGrp="1"/>
+          </p:cNvSpPr>
+          <p:nvPr>
+            <p:ph type="body" idx="1"/>
+          </p:nvPr>
+        </p:nvSpPr>
+        <p:spPr/>
+        <p:txBody>
+          <a:bodyPr/>
+          <a:lstStyle/>
+          <a:p>
+            <a:r>
+              <a:rPr lang="en-US"/>
+              <a:t>As noted earlier, to protect beneficiary privacy, variables, such as those related to geography and costs for example, were removed. Limiting our </a:t>
+            </a:r>
+          </a:p>
+        </p:txBody>
+      </p:sp>
+      <p:sp>
+        <p:nvSpPr>
+          <p:cNvPr id="4" name="Slide Number Placeholder 3"/>
+          <p:cNvSpPr>
+            <a:spLocks noGrp="1"/>
+          </p:cNvSpPr>
+          <p:nvPr>
+            <p:ph type="sldNum" sz="quarter" idx="5"/>
+          </p:nvPr>
+        </p:nvSpPr>
+        <p:spPr/>
+        <p:txBody>
+          <a:bodyPr/>
+          <a:lstStyle/>
+          <a:p>
+            <a:fld id="{05D96418-AAE0-0248-8664-955F16523268}" type="slidenum">
+              <a:rPr lang="en-US" smtClean="0"/>
+              <a:pPr/>
+              <a:t>25</a:t>
+            </a:fld>
+            <a:endParaRPr lang="en-US"/>
+          </a:p>
+        </p:txBody>
+      </p:sp>
+    </p:spTree>
+    <p:extLst>
+      <p:ext uri="{BB962C8B-B14F-4D97-AF65-F5344CB8AC3E}">
+        <p14:creationId xmlns:p14="http://schemas.microsoft.com/office/powerpoint/2010/main" val="2455496933"/>
       </p:ext>
     </p:extLst>
   </p:cSld>
@@ -1531,6 +2004,202 @@
 </p:notes>
 </file>
 
+<file path=ppt/notesSlides/notesSlide20.xml><?xml version="1.0" encoding="utf-8"?>
+<p:notes xmlns:a="http://schemas.openxmlformats.org/drawingml/2006/main" xmlns:r="http://schemas.openxmlformats.org/officeDocument/2006/relationships" xmlns:p="http://schemas.openxmlformats.org/presentationml/2006/main">
+  <p:cSld>
+    <p:spTree>
+      <p:nvGrpSpPr>
+        <p:cNvPr id="1" name=""/>
+        <p:cNvGrpSpPr/>
+        <p:nvPr/>
+      </p:nvGrpSpPr>
+      <p:grpSpPr>
+        <a:xfrm>
+          <a:off x="0" y="0"/>
+          <a:ext cx="0" cy="0"/>
+          <a:chOff x="0" y="0"/>
+          <a:chExt cx="0" cy="0"/>
+        </a:xfrm>
+      </p:grpSpPr>
+      <p:sp>
+        <p:nvSpPr>
+          <p:cNvPr id="2" name="Slide Image Placeholder 1"/>
+          <p:cNvSpPr>
+            <a:spLocks noGrp="1" noRot="1" noChangeAspect="1"/>
+          </p:cNvSpPr>
+          <p:nvPr>
+            <p:ph type="sldImg"/>
+          </p:nvPr>
+        </p:nvSpPr>
+        <p:spPr/>
+      </p:sp>
+      <p:sp>
+        <p:nvSpPr>
+          <p:cNvPr id="3" name="Notes Placeholder 2"/>
+          <p:cNvSpPr>
+            <a:spLocks noGrp="1"/>
+          </p:cNvSpPr>
+          <p:nvPr>
+            <p:ph type="body" idx="1"/>
+          </p:nvPr>
+        </p:nvSpPr>
+        <p:spPr/>
+        <p:txBody>
+          <a:bodyPr/>
+          <a:lstStyle/>
+          <a:p>
+            <a:r>
+              <a:rPr lang="en-US">
+                <a:latin typeface="Avenir Book"/>
+              </a:rPr>
+              <a:t>References :</a:t>
+            </a:r>
+            <a:endParaRPr lang="en-US"/>
+          </a:p>
+          <a:p>
+            <a:endParaRPr lang="en-US"/>
+          </a:p>
+        </p:txBody>
+      </p:sp>
+      <p:sp>
+        <p:nvSpPr>
+          <p:cNvPr id="4" name="Slide Number Placeholder 3"/>
+          <p:cNvSpPr>
+            <a:spLocks noGrp="1"/>
+          </p:cNvSpPr>
+          <p:nvPr>
+            <p:ph type="sldNum" sz="quarter" idx="5"/>
+          </p:nvPr>
+        </p:nvSpPr>
+        <p:spPr/>
+        <p:txBody>
+          <a:bodyPr/>
+          <a:lstStyle/>
+          <a:p>
+            <a:fld id="{05D96418-AAE0-0248-8664-955F16523268}" type="slidenum">
+              <a:rPr lang="en-US" smtClean="0"/>
+              <a:pPr/>
+              <a:t>26</a:t>
+            </a:fld>
+            <a:endParaRPr lang="en-US"/>
+          </a:p>
+        </p:txBody>
+      </p:sp>
+    </p:spTree>
+    <p:extLst>
+      <p:ext uri="{BB962C8B-B14F-4D97-AF65-F5344CB8AC3E}">
+        <p14:creationId xmlns:p14="http://schemas.microsoft.com/office/powerpoint/2010/main" val="2693704567"/>
+      </p:ext>
+    </p:extLst>
+  </p:cSld>
+  <p:clrMapOvr>
+    <a:masterClrMapping/>
+  </p:clrMapOvr>
+</p:notes>
+</file>
+
+<file path=ppt/notesSlides/notesSlide21.xml><?xml version="1.0" encoding="utf-8"?>
+<p:notes xmlns:a="http://schemas.openxmlformats.org/drawingml/2006/main" xmlns:r="http://schemas.openxmlformats.org/officeDocument/2006/relationships" xmlns:p="http://schemas.openxmlformats.org/presentationml/2006/main">
+  <p:cSld>
+    <p:spTree>
+      <p:nvGrpSpPr>
+        <p:cNvPr id="1" name=""/>
+        <p:cNvGrpSpPr/>
+        <p:nvPr/>
+      </p:nvGrpSpPr>
+      <p:grpSpPr>
+        <a:xfrm>
+          <a:off x="0" y="0"/>
+          <a:ext cx="0" cy="0"/>
+          <a:chOff x="0" y="0"/>
+          <a:chExt cx="0" cy="0"/>
+        </a:xfrm>
+      </p:grpSpPr>
+      <p:sp>
+        <p:nvSpPr>
+          <p:cNvPr id="2" name="Slide Image Placeholder 1"/>
+          <p:cNvSpPr>
+            <a:spLocks noGrp="1" noRot="1" noChangeAspect="1"/>
+          </p:cNvSpPr>
+          <p:nvPr>
+            <p:ph type="sldImg"/>
+          </p:nvPr>
+        </p:nvSpPr>
+        <p:spPr/>
+      </p:sp>
+      <p:sp>
+        <p:nvSpPr>
+          <p:cNvPr id="3" name="Notes Placeholder 2"/>
+          <p:cNvSpPr>
+            <a:spLocks noGrp="1"/>
+          </p:cNvSpPr>
+          <p:nvPr>
+            <p:ph type="body" idx="1"/>
+          </p:nvPr>
+        </p:nvSpPr>
+        <p:spPr/>
+        <p:txBody>
+          <a:bodyPr/>
+          <a:lstStyle/>
+          <a:p>
+            <a:pPr marL="0" marR="0" lvl="0" indent="0" algn="l" defTabSz="914400" rtl="0" eaLnBrk="1" fontAlgn="auto" latinLnBrk="0" hangingPunct="1">
+              <a:lnSpc>
+                <a:spcPct val="100000"/>
+              </a:lnSpc>
+              <a:spcBef>
+                <a:spcPts val="0"/>
+              </a:spcBef>
+              <a:spcAft>
+                <a:spcPts val="0"/>
+              </a:spcAft>
+              <a:buClrTx/>
+              <a:buSzTx/>
+              <a:buFontTx/>
+              <a:buNone/>
+              <a:tabLst/>
+              <a:defRPr/>
+            </a:pPr>
+            <a:endParaRPr lang="en-US" b="0"/>
+          </a:p>
+        </p:txBody>
+      </p:sp>
+      <p:sp>
+        <p:nvSpPr>
+          <p:cNvPr id="4" name="Slide Number Placeholder 3"/>
+          <p:cNvSpPr>
+            <a:spLocks noGrp="1"/>
+          </p:cNvSpPr>
+          <p:nvPr>
+            <p:ph type="sldNum" sz="quarter" idx="5"/>
+          </p:nvPr>
+        </p:nvSpPr>
+        <p:spPr/>
+        <p:txBody>
+          <a:bodyPr/>
+          <a:lstStyle/>
+          <a:p>
+            <a:fld id="{05D96418-AAE0-0248-8664-955F16523268}" type="slidenum">
+              <a:rPr lang="en-US" smtClean="0"/>
+              <a:pPr/>
+              <a:t>27</a:t>
+            </a:fld>
+            <a:endParaRPr lang="en-US"/>
+          </a:p>
+        </p:txBody>
+      </p:sp>
+    </p:spTree>
+    <p:extLst>
+      <p:ext uri="{BB962C8B-B14F-4D97-AF65-F5344CB8AC3E}">
+        <p14:creationId xmlns:p14="http://schemas.microsoft.com/office/powerpoint/2010/main" val="2948656027"/>
+      </p:ext>
+    </p:extLst>
+  </p:cSld>
+  <p:clrMapOvr>
+    <a:masterClrMapping/>
+  </p:clrMapOvr>
+</p:notes>
+</file>
+
 <file path=ppt/notesSlides/notesSlide3.xml><?xml version="1.0" encoding="utf-8"?>
 <p:notes xmlns:a="http://schemas.openxmlformats.org/drawingml/2006/main" xmlns:r="http://schemas.openxmlformats.org/officeDocument/2006/relationships" xmlns:p="http://schemas.openxmlformats.org/presentationml/2006/main">
   <p:cSld>
@@ -1576,31 +2245,31 @@
           <a:lstStyle/>
           <a:p>
             <a:r>
-              <a:rPr lang="en-US"/>
+              <a:rPr lang="en-US" dirty="0"/>
               <a:t>MCBS PUF (public use file) variables : </a:t>
             </a:r>
           </a:p>
           <a:p>
             <a:r>
-              <a:rPr lang="en-US"/>
+              <a:rPr lang="en-US" dirty="0"/>
               <a:t>Total 673  - Although not all available for Fall, Winter and Summer = 239 variables</a:t>
             </a:r>
           </a:p>
           <a:p>
             <a:r>
-              <a:rPr lang="en-US"/>
+              <a:rPr lang="en-US" dirty="0"/>
               <a:t>Randomly generated IDs to protect identity of patients - but also prevent multi-year time series analyses</a:t>
             </a:r>
           </a:p>
           <a:p>
             <a:r>
-              <a:rPr lang="en-US"/>
+              <a:rPr lang="en-US" dirty="0"/>
               <a:t>No Geographic identifiers</a:t>
             </a:r>
           </a:p>
           <a:p>
             <a:r>
-              <a:rPr lang="en-US"/>
+              <a:rPr lang="en-US" dirty="0"/>
               <a:t>Populations Weights</a:t>
             </a:r>
           </a:p>
@@ -1883,7 +2552,16 @@
           <a:p>
             <a:r>
               <a:rPr lang="en-US" dirty="0"/>
-              <a:t>Unsupervised learning</a:t>
+              <a:t>The first plot describes the distribution of disabled and elderly groups by their insurance type.</a:t>
+            </a:r>
+          </a:p>
+          <a:p>
+            <a:endParaRPr lang="en-US" dirty="0"/>
+          </a:p>
+          <a:p>
+            <a:r>
+              <a:rPr lang="en-US" dirty="0"/>
+              <a:t>The second describes the breakdown of whether a beneficiary experiences delay in healthcare due to cost by the age class.</a:t>
             </a:r>
           </a:p>
         </p:txBody>
@@ -1906,7 +2584,7 @@
             <a:fld id="{05D96418-AAE0-0248-8664-955F16523268}" type="slidenum">
               <a:rPr lang="en-US" smtClean="0"/>
               <a:pPr/>
-              <a:t>10</a:t>
+              <a:t>9</a:t>
             </a:fld>
             <a:endParaRPr lang="en-US"/>
           </a:p>
@@ -1915,7 +2593,7 @@
     </p:spTree>
     <p:extLst>
       <p:ext uri="{BB962C8B-B14F-4D97-AF65-F5344CB8AC3E}">
-        <p14:creationId xmlns:p14="http://schemas.microsoft.com/office/powerpoint/2010/main" val="1243611931"/>
+        <p14:creationId xmlns:p14="http://schemas.microsoft.com/office/powerpoint/2010/main" val="150498767"/>
       </p:ext>
     </p:extLst>
   </p:cSld>
@@ -1969,7 +2647,7 @@
           <a:bodyPr/>
           <a:lstStyle/>
           <a:p>
-            <a:endParaRPr lang="en-US"/>
+            <a:endParaRPr lang="en-US" dirty="0"/>
           </a:p>
         </p:txBody>
       </p:sp>
@@ -1991,7 +2669,7 @@
             <a:fld id="{05D96418-AAE0-0248-8664-955F16523268}" type="slidenum">
               <a:rPr lang="en-US" smtClean="0"/>
               <a:pPr/>
-              <a:t>11</a:t>
+              <a:t>10</a:t>
             </a:fld>
             <a:endParaRPr lang="en-US"/>
           </a:p>
@@ -2000,7 +2678,7 @@
     </p:spTree>
     <p:extLst>
       <p:ext uri="{BB962C8B-B14F-4D97-AF65-F5344CB8AC3E}">
-        <p14:creationId xmlns:p14="http://schemas.microsoft.com/office/powerpoint/2010/main" val="619635200"/>
+        <p14:creationId xmlns:p14="http://schemas.microsoft.com/office/powerpoint/2010/main" val="3574331352"/>
       </p:ext>
     </p:extLst>
   </p:cSld>
@@ -2054,7 +2732,41 @@
           <a:bodyPr/>
           <a:lstStyle/>
           <a:p>
-            <a:endParaRPr lang="en-US"/>
+            <a:r>
+              <a:rPr lang="en-US" dirty="0"/>
+              <a:t>#Income below Federal Poverty level by </a:t>
+            </a:r>
+            <a:r>
+              <a:rPr lang="en-US" dirty="0" err="1"/>
+              <a:t>yeats</a:t>
+            </a:r>
+            <a:r>
+              <a:rPr lang="en-US" dirty="0"/>
+              <a:t> in </a:t>
+            </a:r>
+            <a:r>
+              <a:rPr lang="en-US" dirty="0" err="1"/>
+              <a:t>MedADV</a:t>
+            </a:r>
+            <a:endParaRPr lang="en-US" dirty="0"/>
+          </a:p>
+          <a:p>
+            <a:endParaRPr lang="en-US" dirty="0"/>
+          </a:p>
+          <a:p>
+            <a:r>
+              <a:rPr lang="en-US" dirty="0"/>
+              <a:t>#Income below Poverty Line by Insurance Type</a:t>
+            </a:r>
+          </a:p>
+          <a:p>
+            <a:endParaRPr lang="en-US" dirty="0"/>
+          </a:p>
+          <a:p>
+            <a:r>
+              <a:rPr lang="en-US" dirty="0"/>
+              <a:t>#Income below Poverty Line by Insurance Type</a:t>
+            </a:r>
           </a:p>
         </p:txBody>
       </p:sp>
@@ -2076,7 +2788,7 @@
             <a:fld id="{05D96418-AAE0-0248-8664-955F16523268}" type="slidenum">
               <a:rPr lang="en-US" smtClean="0"/>
               <a:pPr/>
-              <a:t>12</a:t>
+              <a:t>11</a:t>
             </a:fld>
             <a:endParaRPr lang="en-US"/>
           </a:p>
@@ -2085,7 +2797,7 @@
     </p:spTree>
     <p:extLst>
       <p:ext uri="{BB962C8B-B14F-4D97-AF65-F5344CB8AC3E}">
-        <p14:creationId xmlns:p14="http://schemas.microsoft.com/office/powerpoint/2010/main" val="3136201165"/>
+        <p14:creationId xmlns:p14="http://schemas.microsoft.com/office/powerpoint/2010/main" val="3330246757"/>
       </p:ext>
     </p:extLst>
   </p:cSld>
@@ -2140,26 +2852,39 @@
           <a:lstStyle/>
           <a:p>
             <a:r>
-              <a:rPr lang="en-US"/>
-              <a:t>Specifically: Medicaid and health insurance coverage</a:t>
-            </a:r>
-          </a:p>
-          <a:p>
-            <a:r>
-              <a:rPr lang="en-US"/>
-              <a:t>Years enrolled in Medicaid</a:t>
-            </a:r>
-          </a:p>
-          <a:p>
-            <a:r>
-              <a:rPr lang="en-US"/>
-              <a:t>Chronic Conditions -&gt; Severity</a:t>
-            </a:r>
-          </a:p>
-          <a:p>
-            <a:r>
-              <a:rPr lang="en-US"/>
-              <a:t>Cost burden - impact of socio-economic situation on Health Status and Functioning</a:t>
+              <a:rPr lang="en-US" dirty="0"/>
+              <a:t>#Income below Federal Poverty level by </a:t>
+            </a:r>
+            <a:r>
+              <a:rPr lang="en-US" dirty="0" err="1"/>
+              <a:t>yeats</a:t>
+            </a:r>
+            <a:r>
+              <a:rPr lang="en-US" dirty="0"/>
+              <a:t> in </a:t>
+            </a:r>
+            <a:r>
+              <a:rPr lang="en-US" dirty="0" err="1"/>
+              <a:t>MedADV</a:t>
+            </a:r>
+            <a:endParaRPr lang="en-US" dirty="0"/>
+          </a:p>
+          <a:p>
+            <a:endParaRPr lang="en-US" dirty="0"/>
+          </a:p>
+          <a:p>
+            <a:r>
+              <a:rPr lang="en-US" dirty="0"/>
+              <a:t>#Income below Poverty Line by Insurance Type</a:t>
+            </a:r>
+          </a:p>
+          <a:p>
+            <a:endParaRPr lang="en-US" dirty="0"/>
+          </a:p>
+          <a:p>
+            <a:r>
+              <a:rPr lang="en-US" dirty="0"/>
+              <a:t>#Income below Poverty Line by Insurance Type</a:t>
             </a:r>
           </a:p>
         </p:txBody>
@@ -2182,7 +2907,7 @@
             <a:fld id="{05D96418-AAE0-0248-8664-955F16523268}" type="slidenum">
               <a:rPr lang="en-US" smtClean="0"/>
               <a:pPr/>
-              <a:t>14</a:t>
+              <a:t>12</a:t>
             </a:fld>
             <a:endParaRPr lang="en-US"/>
           </a:p>
@@ -2191,7 +2916,7 @@
     </p:spTree>
     <p:extLst>
       <p:ext uri="{BB962C8B-B14F-4D97-AF65-F5344CB8AC3E}">
-        <p14:creationId xmlns:p14="http://schemas.microsoft.com/office/powerpoint/2010/main" val="3945365590"/>
+        <p14:creationId xmlns:p14="http://schemas.microsoft.com/office/powerpoint/2010/main" val="4265167271"/>
       </p:ext>
     </p:extLst>
   </p:cSld>
@@ -5461,7 +6186,7 @@
               <a:rPr lang="en-US" sz="4800" dirty="0"/>
             </a:br>
             <a:r>
-              <a:rPr lang="en-US" sz="4800" b="1" dirty="0">
+              <a:rPr lang="en-US" sz="4800" dirty="0">
                 <a:ea typeface="+mj-lt"/>
                 <a:cs typeface="+mj-lt"/>
               </a:rPr>
@@ -6437,6 +7162,757 @@
       </p:grpSpPr>
       <p:sp useBgFill="1">
         <p:nvSpPr>
+          <p:cNvPr id="20" name="Rectangle 11">
+            <a:extLst>
+              <a:ext uri="{FF2B5EF4-FFF2-40B4-BE49-F238E27FC236}">
+                <a16:creationId xmlns:a16="http://schemas.microsoft.com/office/drawing/2014/main" id="{99ED5833-B85B-4103-8A3B-CAB0308E6C15}"/>
+              </a:ext>
+              <a:ext uri="{C183D7F6-B498-43B3-948B-1728B52AA6E4}">
+                <adec:decorative xmlns:adec="http://schemas.microsoft.com/office/drawing/2017/decorative" val="1"/>
+              </a:ext>
+            </a:extLst>
+          </p:cNvPr>
+          <p:cNvSpPr>
+            <a:spLocks noGrp="1" noRot="1" noChangeAspect="1" noMove="1" noResize="1" noEditPoints="1" noAdjustHandles="1" noChangeArrowheads="1" noChangeShapeType="1" noTextEdit="1"/>
+          </p:cNvSpPr>
+          <p:nvPr>
+            <p:extLst>
+              <p:ext uri="{386F3935-93C4-4BCD-93E2-E3B085C9AB24}">
+                <p16:designElem xmlns:p16="http://schemas.microsoft.com/office/powerpoint/2015/main" val="1"/>
+              </p:ext>
+            </p:extLst>
+          </p:nvPr>
+        </p:nvSpPr>
+        <p:spPr>
+          <a:xfrm>
+            <a:off x="-1" y="0"/>
+            <a:ext cx="12188952" cy="6858000"/>
+          </a:xfrm>
+          <a:prstGeom prst="rect">
+            <a:avLst/>
+          </a:prstGeom>
+          <a:ln>
+            <a:noFill/>
+          </a:ln>
+        </p:spPr>
+        <p:style>
+          <a:lnRef idx="2">
+            <a:schemeClr val="accent1">
+              <a:shade val="50000"/>
+            </a:schemeClr>
+          </a:lnRef>
+          <a:fillRef idx="1">
+            <a:schemeClr val="accent1"/>
+          </a:fillRef>
+          <a:effectRef idx="0">
+            <a:schemeClr val="accent1"/>
+          </a:effectRef>
+          <a:fontRef idx="minor">
+            <a:schemeClr val="lt1"/>
+          </a:fontRef>
+        </p:style>
+        <p:txBody>
+          <a:bodyPr rtlCol="0" anchor="ctr"/>
+          <a:lstStyle/>
+          <a:p>
+            <a:pPr algn="ctr"/>
+            <a:endParaRPr lang="en-US" dirty="0">
+              <a:latin typeface="Avenir Book" panose="02000503020000020003" pitchFamily="2" charset="0"/>
+            </a:endParaRPr>
+          </a:p>
+        </p:txBody>
+      </p:sp>
+      <p:sp>
+        <p:nvSpPr>
+          <p:cNvPr id="2" name="Title 1">
+            <a:extLst>
+              <a:ext uri="{FF2B5EF4-FFF2-40B4-BE49-F238E27FC236}">
+                <a16:creationId xmlns:a16="http://schemas.microsoft.com/office/drawing/2014/main" id="{1C78A668-E0F4-46F9-A1EC-6F16111EB07D}"/>
+              </a:ext>
+            </a:extLst>
+          </p:cNvPr>
+          <p:cNvSpPr>
+            <a:spLocks noGrp="1"/>
+          </p:cNvSpPr>
+          <p:nvPr>
+            <p:ph type="title"/>
+          </p:nvPr>
+        </p:nvSpPr>
+        <p:spPr>
+          <a:xfrm>
+            <a:off x="1196656" y="0"/>
+            <a:ext cx="9795638" cy="1114380"/>
+          </a:xfrm>
+        </p:spPr>
+        <p:txBody>
+          <a:bodyPr vert="horz" lIns="91440" tIns="45720" rIns="91440" bIns="45720" rtlCol="0" anchor="b">
+            <a:normAutofit/>
+          </a:bodyPr>
+          <a:lstStyle/>
+          <a:p>
+            <a:pPr algn="ctr"/>
+            <a:r>
+              <a:rPr lang="en-US" sz="5200" dirty="0"/>
+              <a:t>Age and variables of interest</a:t>
+            </a:r>
+          </a:p>
+        </p:txBody>
+      </p:sp>
+      <p:pic>
+        <p:nvPicPr>
+          <p:cNvPr id="4" name="Picture 3" descr="Chart, bar chart&#10;&#10;Description automatically generated">
+            <a:extLst>
+              <a:ext uri="{FF2B5EF4-FFF2-40B4-BE49-F238E27FC236}">
+                <a16:creationId xmlns:a16="http://schemas.microsoft.com/office/drawing/2014/main" id="{065EEA89-98E9-7C48-86B7-A9639E9CB1E4}"/>
+              </a:ext>
+            </a:extLst>
+          </p:cNvPr>
+          <p:cNvPicPr>
+            <a:picLocks noChangeAspect="1"/>
+          </p:cNvPicPr>
+          <p:nvPr/>
+        </p:nvPicPr>
+        <p:blipFill>
+          <a:blip r:embed="rId3"/>
+          <a:stretch>
+            <a:fillRect/>
+          </a:stretch>
+        </p:blipFill>
+        <p:spPr>
+          <a:xfrm>
+            <a:off x="257174" y="1628752"/>
+            <a:ext cx="7639844" cy="4714875"/>
+          </a:xfrm>
+          <a:prstGeom prst="rect">
+            <a:avLst/>
+          </a:prstGeom>
+        </p:spPr>
+      </p:pic>
+    </p:spTree>
+    <p:extLst>
+      <p:ext uri="{BB962C8B-B14F-4D97-AF65-F5344CB8AC3E}">
+        <p14:creationId xmlns:p14="http://schemas.microsoft.com/office/powerpoint/2010/main" val="901088500"/>
+      </p:ext>
+    </p:extLst>
+  </p:cSld>
+  <p:clrMapOvr>
+    <a:masterClrMapping/>
+  </p:clrMapOvr>
+</p:sld>
+</file>
+
+<file path=ppt/slides/slide11.xml><?xml version="1.0" encoding="utf-8"?>
+<p:sld xmlns:a="http://schemas.openxmlformats.org/drawingml/2006/main" xmlns:r="http://schemas.openxmlformats.org/officeDocument/2006/relationships" xmlns:p="http://schemas.openxmlformats.org/presentationml/2006/main">
+  <p:cSld>
+    <p:bg>
+      <p:bgPr>
+        <a:solidFill>
+          <a:schemeClr val="bg1"/>
+        </a:solidFill>
+        <a:effectLst/>
+      </p:bgPr>
+    </p:bg>
+    <p:spTree>
+      <p:nvGrpSpPr>
+        <p:cNvPr id="1" name=""/>
+        <p:cNvGrpSpPr/>
+        <p:nvPr/>
+      </p:nvGrpSpPr>
+      <p:grpSpPr>
+        <a:xfrm>
+          <a:off x="0" y="0"/>
+          <a:ext cx="0" cy="0"/>
+          <a:chOff x="0" y="0"/>
+          <a:chExt cx="0" cy="0"/>
+        </a:xfrm>
+      </p:grpSpPr>
+      <p:sp useBgFill="1">
+        <p:nvSpPr>
+          <p:cNvPr id="20" name="Rectangle 11">
+            <a:extLst>
+              <a:ext uri="{FF2B5EF4-FFF2-40B4-BE49-F238E27FC236}">
+                <a16:creationId xmlns:a16="http://schemas.microsoft.com/office/drawing/2014/main" id="{99ED5833-B85B-4103-8A3B-CAB0308E6C15}"/>
+              </a:ext>
+              <a:ext uri="{C183D7F6-B498-43B3-948B-1728B52AA6E4}">
+                <adec:decorative xmlns:adec="http://schemas.microsoft.com/office/drawing/2017/decorative" val="1"/>
+              </a:ext>
+            </a:extLst>
+          </p:cNvPr>
+          <p:cNvSpPr>
+            <a:spLocks noGrp="1" noRot="1" noChangeAspect="1" noMove="1" noResize="1" noEditPoints="1" noAdjustHandles="1" noChangeArrowheads="1" noChangeShapeType="1" noTextEdit="1"/>
+          </p:cNvSpPr>
+          <p:nvPr>
+            <p:extLst>
+              <p:ext uri="{386F3935-93C4-4BCD-93E2-E3B085C9AB24}">
+                <p16:designElem xmlns:p16="http://schemas.microsoft.com/office/powerpoint/2015/main" val="1"/>
+              </p:ext>
+            </p:extLst>
+          </p:nvPr>
+        </p:nvSpPr>
+        <p:spPr>
+          <a:xfrm>
+            <a:off x="-1" y="0"/>
+            <a:ext cx="12188952" cy="6858000"/>
+          </a:xfrm>
+          <a:prstGeom prst="rect">
+            <a:avLst/>
+          </a:prstGeom>
+          <a:ln>
+            <a:noFill/>
+          </a:ln>
+        </p:spPr>
+        <p:style>
+          <a:lnRef idx="2">
+            <a:schemeClr val="accent1">
+              <a:shade val="50000"/>
+            </a:schemeClr>
+          </a:lnRef>
+          <a:fillRef idx="1">
+            <a:schemeClr val="accent1"/>
+          </a:fillRef>
+          <a:effectRef idx="0">
+            <a:schemeClr val="accent1"/>
+          </a:effectRef>
+          <a:fontRef idx="minor">
+            <a:schemeClr val="lt1"/>
+          </a:fontRef>
+        </p:style>
+        <p:txBody>
+          <a:bodyPr rtlCol="0" anchor="ctr"/>
+          <a:lstStyle/>
+          <a:p>
+            <a:pPr algn="ctr"/>
+            <a:endParaRPr lang="en-US" dirty="0">
+              <a:latin typeface="Avenir Book" panose="02000503020000020003" pitchFamily="2" charset="0"/>
+            </a:endParaRPr>
+          </a:p>
+        </p:txBody>
+      </p:sp>
+      <p:sp>
+        <p:nvSpPr>
+          <p:cNvPr id="2" name="Title 1">
+            <a:extLst>
+              <a:ext uri="{FF2B5EF4-FFF2-40B4-BE49-F238E27FC236}">
+                <a16:creationId xmlns:a16="http://schemas.microsoft.com/office/drawing/2014/main" id="{1C78A668-E0F4-46F9-A1EC-6F16111EB07D}"/>
+              </a:ext>
+            </a:extLst>
+          </p:cNvPr>
+          <p:cNvSpPr>
+            <a:spLocks noGrp="1"/>
+          </p:cNvSpPr>
+          <p:nvPr>
+            <p:ph type="title"/>
+          </p:nvPr>
+        </p:nvSpPr>
+        <p:spPr>
+          <a:xfrm>
+            <a:off x="1196656" y="0"/>
+            <a:ext cx="9795638" cy="1114380"/>
+          </a:xfrm>
+        </p:spPr>
+        <p:txBody>
+          <a:bodyPr vert="horz" lIns="91440" tIns="45720" rIns="91440" bIns="45720" rtlCol="0" anchor="b">
+            <a:normAutofit/>
+          </a:bodyPr>
+          <a:lstStyle/>
+          <a:p>
+            <a:pPr algn="ctr"/>
+            <a:endParaRPr lang="en-US" sz="5200" dirty="0"/>
+          </a:p>
+        </p:txBody>
+      </p:sp>
+      <p:pic>
+        <p:nvPicPr>
+          <p:cNvPr id="5" name="Picture 4" descr="Chart, bar chart&#10;&#10;Description automatically generated">
+            <a:extLst>
+              <a:ext uri="{FF2B5EF4-FFF2-40B4-BE49-F238E27FC236}">
+                <a16:creationId xmlns:a16="http://schemas.microsoft.com/office/drawing/2014/main" id="{B30A845B-1D05-BA4F-9BA5-38C1D7CC3A1C}"/>
+              </a:ext>
+            </a:extLst>
+          </p:cNvPr>
+          <p:cNvPicPr>
+            <a:picLocks noChangeAspect="1"/>
+          </p:cNvPicPr>
+          <p:nvPr/>
+        </p:nvPicPr>
+        <p:blipFill>
+          <a:blip r:embed="rId3"/>
+          <a:stretch>
+            <a:fillRect/>
+          </a:stretch>
+        </p:blipFill>
+        <p:spPr>
+          <a:xfrm>
+            <a:off x="1828800" y="1315757"/>
+            <a:ext cx="8980487" cy="5542243"/>
+          </a:xfrm>
+          <a:prstGeom prst="rect">
+            <a:avLst/>
+          </a:prstGeom>
+        </p:spPr>
+      </p:pic>
+    </p:spTree>
+    <p:extLst>
+      <p:ext uri="{BB962C8B-B14F-4D97-AF65-F5344CB8AC3E}">
+        <p14:creationId xmlns:p14="http://schemas.microsoft.com/office/powerpoint/2010/main" val="176575383"/>
+      </p:ext>
+    </p:extLst>
+  </p:cSld>
+  <p:clrMapOvr>
+    <a:masterClrMapping/>
+  </p:clrMapOvr>
+</p:sld>
+</file>
+
+<file path=ppt/slides/slide12.xml><?xml version="1.0" encoding="utf-8"?>
+<p:sld xmlns:a="http://schemas.openxmlformats.org/drawingml/2006/main" xmlns:r="http://schemas.openxmlformats.org/officeDocument/2006/relationships" xmlns:p="http://schemas.openxmlformats.org/presentationml/2006/main">
+  <p:cSld>
+    <p:bg>
+      <p:bgPr>
+        <a:solidFill>
+          <a:schemeClr val="bg1"/>
+        </a:solidFill>
+        <a:effectLst/>
+      </p:bgPr>
+    </p:bg>
+    <p:spTree>
+      <p:nvGrpSpPr>
+        <p:cNvPr id="1" name=""/>
+        <p:cNvGrpSpPr/>
+        <p:nvPr/>
+      </p:nvGrpSpPr>
+      <p:grpSpPr>
+        <a:xfrm>
+          <a:off x="0" y="0"/>
+          <a:ext cx="0" cy="0"/>
+          <a:chOff x="0" y="0"/>
+          <a:chExt cx="0" cy="0"/>
+        </a:xfrm>
+      </p:grpSpPr>
+      <p:sp useBgFill="1">
+        <p:nvSpPr>
+          <p:cNvPr id="20" name="Rectangle 11">
+            <a:extLst>
+              <a:ext uri="{FF2B5EF4-FFF2-40B4-BE49-F238E27FC236}">
+                <a16:creationId xmlns:a16="http://schemas.microsoft.com/office/drawing/2014/main" id="{99ED5833-B85B-4103-8A3B-CAB0308E6C15}"/>
+              </a:ext>
+              <a:ext uri="{C183D7F6-B498-43B3-948B-1728B52AA6E4}">
+                <adec:decorative xmlns:adec="http://schemas.microsoft.com/office/drawing/2017/decorative" val="1"/>
+              </a:ext>
+            </a:extLst>
+          </p:cNvPr>
+          <p:cNvSpPr>
+            <a:spLocks noGrp="1" noRot="1" noChangeAspect="1" noMove="1" noResize="1" noEditPoints="1" noAdjustHandles="1" noChangeArrowheads="1" noChangeShapeType="1" noTextEdit="1"/>
+          </p:cNvSpPr>
+          <p:nvPr>
+            <p:extLst>
+              <p:ext uri="{386F3935-93C4-4BCD-93E2-E3B085C9AB24}">
+                <p16:designElem xmlns:p16="http://schemas.microsoft.com/office/powerpoint/2015/main" val="1"/>
+              </p:ext>
+            </p:extLst>
+          </p:nvPr>
+        </p:nvSpPr>
+        <p:spPr>
+          <a:xfrm>
+            <a:off x="-1" y="0"/>
+            <a:ext cx="12188952" cy="6858000"/>
+          </a:xfrm>
+          <a:prstGeom prst="rect">
+            <a:avLst/>
+          </a:prstGeom>
+          <a:ln>
+            <a:noFill/>
+          </a:ln>
+        </p:spPr>
+        <p:style>
+          <a:lnRef idx="2">
+            <a:schemeClr val="accent1">
+              <a:shade val="50000"/>
+            </a:schemeClr>
+          </a:lnRef>
+          <a:fillRef idx="1">
+            <a:schemeClr val="accent1"/>
+          </a:fillRef>
+          <a:effectRef idx="0">
+            <a:schemeClr val="accent1"/>
+          </a:effectRef>
+          <a:fontRef idx="minor">
+            <a:schemeClr val="lt1"/>
+          </a:fontRef>
+        </p:style>
+        <p:txBody>
+          <a:bodyPr rtlCol="0" anchor="ctr"/>
+          <a:lstStyle/>
+          <a:p>
+            <a:pPr algn="ctr"/>
+            <a:endParaRPr lang="en-US" dirty="0">
+              <a:latin typeface="Avenir Book" panose="02000503020000020003" pitchFamily="2" charset="0"/>
+            </a:endParaRPr>
+          </a:p>
+        </p:txBody>
+      </p:sp>
+      <p:sp>
+        <p:nvSpPr>
+          <p:cNvPr id="2" name="Title 1">
+            <a:extLst>
+              <a:ext uri="{FF2B5EF4-FFF2-40B4-BE49-F238E27FC236}">
+                <a16:creationId xmlns:a16="http://schemas.microsoft.com/office/drawing/2014/main" id="{1C78A668-E0F4-46F9-A1EC-6F16111EB07D}"/>
+              </a:ext>
+            </a:extLst>
+          </p:cNvPr>
+          <p:cNvSpPr>
+            <a:spLocks noGrp="1"/>
+          </p:cNvSpPr>
+          <p:nvPr>
+            <p:ph type="title"/>
+          </p:nvPr>
+        </p:nvSpPr>
+        <p:spPr>
+          <a:xfrm>
+            <a:off x="1196656" y="0"/>
+            <a:ext cx="9795638" cy="1114380"/>
+          </a:xfrm>
+        </p:spPr>
+        <p:txBody>
+          <a:bodyPr vert="horz" lIns="91440" tIns="45720" rIns="91440" bIns="45720" rtlCol="0" anchor="b">
+            <a:normAutofit/>
+          </a:bodyPr>
+          <a:lstStyle/>
+          <a:p>
+            <a:pPr algn="ctr"/>
+            <a:endParaRPr lang="en-US" sz="5200" dirty="0"/>
+          </a:p>
+        </p:txBody>
+      </p:sp>
+      <p:pic>
+        <p:nvPicPr>
+          <p:cNvPr id="5" name="Picture 4" descr="Chart, bar chart&#10;&#10;Description automatically generated">
+            <a:extLst>
+              <a:ext uri="{FF2B5EF4-FFF2-40B4-BE49-F238E27FC236}">
+                <a16:creationId xmlns:a16="http://schemas.microsoft.com/office/drawing/2014/main" id="{B30A845B-1D05-BA4F-9BA5-38C1D7CC3A1C}"/>
+              </a:ext>
+            </a:extLst>
+          </p:cNvPr>
+          <p:cNvPicPr>
+            <a:picLocks noChangeAspect="1"/>
+          </p:cNvPicPr>
+          <p:nvPr/>
+        </p:nvPicPr>
+        <p:blipFill>
+          <a:blip r:embed="rId3"/>
+          <a:stretch>
+            <a:fillRect/>
+          </a:stretch>
+        </p:blipFill>
+        <p:spPr>
+          <a:xfrm>
+            <a:off x="0" y="1215068"/>
+            <a:ext cx="8980487" cy="5542243"/>
+          </a:xfrm>
+          <a:prstGeom prst="rect">
+            <a:avLst/>
+          </a:prstGeom>
+        </p:spPr>
+      </p:pic>
+      <p:pic>
+        <p:nvPicPr>
+          <p:cNvPr id="7" name="Picture 6" descr="Chart, bar chart&#10;&#10;Description automatically generated">
+            <a:extLst>
+              <a:ext uri="{FF2B5EF4-FFF2-40B4-BE49-F238E27FC236}">
+                <a16:creationId xmlns:a16="http://schemas.microsoft.com/office/drawing/2014/main" id="{9198E16B-5BA1-8B47-AC00-3677F0FA96E2}"/>
+              </a:ext>
+            </a:extLst>
+          </p:cNvPr>
+          <p:cNvPicPr>
+            <a:picLocks noChangeAspect="1"/>
+          </p:cNvPicPr>
+          <p:nvPr/>
+        </p:nvPicPr>
+        <p:blipFill>
+          <a:blip r:embed="rId4"/>
+          <a:stretch>
+            <a:fillRect/>
+          </a:stretch>
+        </p:blipFill>
+        <p:spPr>
+          <a:xfrm>
+            <a:off x="539750" y="0"/>
+            <a:ext cx="11112500" cy="6858000"/>
+          </a:xfrm>
+          <a:prstGeom prst="rect">
+            <a:avLst/>
+          </a:prstGeom>
+        </p:spPr>
+      </p:pic>
+    </p:spTree>
+    <p:extLst>
+      <p:ext uri="{BB962C8B-B14F-4D97-AF65-F5344CB8AC3E}">
+        <p14:creationId xmlns:p14="http://schemas.microsoft.com/office/powerpoint/2010/main" val="3687897220"/>
+      </p:ext>
+    </p:extLst>
+  </p:cSld>
+  <p:clrMapOvr>
+    <a:masterClrMapping/>
+  </p:clrMapOvr>
+</p:sld>
+</file>
+
+<file path=ppt/slides/slide13.xml><?xml version="1.0" encoding="utf-8"?>
+<p:sld xmlns:a="http://schemas.openxmlformats.org/drawingml/2006/main" xmlns:r="http://schemas.openxmlformats.org/officeDocument/2006/relationships" xmlns:p="http://schemas.openxmlformats.org/presentationml/2006/main">
+  <p:cSld>
+    <p:bg>
+      <p:bgPr>
+        <a:solidFill>
+          <a:schemeClr val="bg1"/>
+        </a:solidFill>
+        <a:effectLst/>
+      </p:bgPr>
+    </p:bg>
+    <p:spTree>
+      <p:nvGrpSpPr>
+        <p:cNvPr id="1" name=""/>
+        <p:cNvGrpSpPr/>
+        <p:nvPr/>
+      </p:nvGrpSpPr>
+      <p:grpSpPr>
+        <a:xfrm>
+          <a:off x="0" y="0"/>
+          <a:ext cx="0" cy="0"/>
+          <a:chOff x="0" y="0"/>
+          <a:chExt cx="0" cy="0"/>
+        </a:xfrm>
+      </p:grpSpPr>
+      <p:sp useBgFill="1">
+        <p:nvSpPr>
+          <p:cNvPr id="20" name="Rectangle 11">
+            <a:extLst>
+              <a:ext uri="{FF2B5EF4-FFF2-40B4-BE49-F238E27FC236}">
+                <a16:creationId xmlns:a16="http://schemas.microsoft.com/office/drawing/2014/main" id="{99ED5833-B85B-4103-8A3B-CAB0308E6C15}"/>
+              </a:ext>
+              <a:ext uri="{C183D7F6-B498-43B3-948B-1728B52AA6E4}">
+                <adec:decorative xmlns:adec="http://schemas.microsoft.com/office/drawing/2017/decorative" val="1"/>
+              </a:ext>
+            </a:extLst>
+          </p:cNvPr>
+          <p:cNvSpPr>
+            <a:spLocks noGrp="1" noRot="1" noChangeAspect="1" noMove="1" noResize="1" noEditPoints="1" noAdjustHandles="1" noChangeArrowheads="1" noChangeShapeType="1" noTextEdit="1"/>
+          </p:cNvSpPr>
+          <p:nvPr>
+            <p:extLst>
+              <p:ext uri="{386F3935-93C4-4BCD-93E2-E3B085C9AB24}">
+                <p16:designElem xmlns:p16="http://schemas.microsoft.com/office/powerpoint/2015/main" val="1"/>
+              </p:ext>
+            </p:extLst>
+          </p:nvPr>
+        </p:nvSpPr>
+        <p:spPr>
+          <a:xfrm>
+            <a:off x="-1" y="0"/>
+            <a:ext cx="12188952" cy="6858000"/>
+          </a:xfrm>
+          <a:prstGeom prst="rect">
+            <a:avLst/>
+          </a:prstGeom>
+          <a:ln>
+            <a:noFill/>
+          </a:ln>
+        </p:spPr>
+        <p:style>
+          <a:lnRef idx="2">
+            <a:schemeClr val="accent1">
+              <a:shade val="50000"/>
+            </a:schemeClr>
+          </a:lnRef>
+          <a:fillRef idx="1">
+            <a:schemeClr val="accent1"/>
+          </a:fillRef>
+          <a:effectRef idx="0">
+            <a:schemeClr val="accent1"/>
+          </a:effectRef>
+          <a:fontRef idx="minor">
+            <a:schemeClr val="lt1"/>
+          </a:fontRef>
+        </p:style>
+        <p:txBody>
+          <a:bodyPr rtlCol="0" anchor="ctr"/>
+          <a:lstStyle/>
+          <a:p>
+            <a:pPr algn="ctr"/>
+            <a:endParaRPr lang="en-US" dirty="0">
+              <a:latin typeface="Avenir Book" panose="02000503020000020003" pitchFamily="2" charset="0"/>
+            </a:endParaRPr>
+          </a:p>
+        </p:txBody>
+      </p:sp>
+      <p:pic>
+        <p:nvPicPr>
+          <p:cNvPr id="4" name="Picture 3" descr="Chart, bar chart&#10;&#10;Description automatically generated">
+            <a:extLst>
+              <a:ext uri="{FF2B5EF4-FFF2-40B4-BE49-F238E27FC236}">
+                <a16:creationId xmlns:a16="http://schemas.microsoft.com/office/drawing/2014/main" id="{5DE17F41-3A91-3748-86E7-9741710615F7}"/>
+              </a:ext>
+            </a:extLst>
+          </p:cNvPr>
+          <p:cNvPicPr>
+            <a:picLocks noChangeAspect="1"/>
+          </p:cNvPicPr>
+          <p:nvPr/>
+        </p:nvPicPr>
+        <p:blipFill>
+          <a:blip r:embed="rId3"/>
+          <a:stretch>
+            <a:fillRect/>
+          </a:stretch>
+        </p:blipFill>
+        <p:spPr>
+          <a:xfrm>
+            <a:off x="1382775" y="1006434"/>
+            <a:ext cx="9423400" cy="5815584"/>
+          </a:xfrm>
+          <a:prstGeom prst="rect">
+            <a:avLst/>
+          </a:prstGeom>
+        </p:spPr>
+      </p:pic>
+    </p:spTree>
+    <p:extLst>
+      <p:ext uri="{BB962C8B-B14F-4D97-AF65-F5344CB8AC3E}">
+        <p14:creationId xmlns:p14="http://schemas.microsoft.com/office/powerpoint/2010/main" val="1644839791"/>
+      </p:ext>
+    </p:extLst>
+  </p:cSld>
+  <p:clrMapOvr>
+    <a:masterClrMapping/>
+  </p:clrMapOvr>
+</p:sld>
+</file>
+
+<file path=ppt/slides/slide14.xml><?xml version="1.0" encoding="utf-8"?>
+<p:sld xmlns:a="http://schemas.openxmlformats.org/drawingml/2006/main" xmlns:r="http://schemas.openxmlformats.org/officeDocument/2006/relationships" xmlns:p="http://schemas.openxmlformats.org/presentationml/2006/main">
+  <p:cSld>
+    <p:spTree>
+      <p:nvGrpSpPr>
+        <p:cNvPr id="1" name=""/>
+        <p:cNvGrpSpPr/>
+        <p:nvPr/>
+      </p:nvGrpSpPr>
+      <p:grpSpPr>
+        <a:xfrm>
+          <a:off x="0" y="0"/>
+          <a:ext cx="0" cy="0"/>
+          <a:chOff x="0" y="0"/>
+          <a:chExt cx="0" cy="0"/>
+        </a:xfrm>
+      </p:grpSpPr>
+      <p:pic>
+        <p:nvPicPr>
+          <p:cNvPr id="5" name="Picture 4" descr="Chart, scatter chart&#10;&#10;Description automatically generated">
+            <a:extLst>
+              <a:ext uri="{FF2B5EF4-FFF2-40B4-BE49-F238E27FC236}">
+                <a16:creationId xmlns:a16="http://schemas.microsoft.com/office/drawing/2014/main" id="{282A26C8-B504-0749-966C-A32E71217D06}"/>
+              </a:ext>
+            </a:extLst>
+          </p:cNvPr>
+          <p:cNvPicPr>
+            <a:picLocks noChangeAspect="1"/>
+          </p:cNvPicPr>
+          <p:nvPr/>
+        </p:nvPicPr>
+        <p:blipFill>
+          <a:blip r:embed="rId2"/>
+          <a:stretch>
+            <a:fillRect/>
+          </a:stretch>
+        </p:blipFill>
+        <p:spPr>
+          <a:xfrm>
+            <a:off x="2674438" y="365125"/>
+            <a:ext cx="10520862" cy="6492875"/>
+          </a:xfrm>
+          <a:prstGeom prst="rect">
+            <a:avLst/>
+          </a:prstGeom>
+        </p:spPr>
+      </p:pic>
+      <p:sp>
+        <p:nvSpPr>
+          <p:cNvPr id="2" name="Title 1">
+            <a:extLst>
+              <a:ext uri="{FF2B5EF4-FFF2-40B4-BE49-F238E27FC236}">
+                <a16:creationId xmlns:a16="http://schemas.microsoft.com/office/drawing/2014/main" id="{1C78A668-E0F4-46F9-A1EC-6F16111EB07D}"/>
+              </a:ext>
+            </a:extLst>
+          </p:cNvPr>
+          <p:cNvSpPr>
+            <a:spLocks noGrp="1"/>
+          </p:cNvSpPr>
+          <p:nvPr>
+            <p:ph type="title"/>
+          </p:nvPr>
+        </p:nvSpPr>
+        <p:spPr>
+          <a:xfrm>
+            <a:off x="299671" y="4394200"/>
+            <a:ext cx="3572242" cy="440192"/>
+          </a:xfrm>
+        </p:spPr>
+        <p:txBody>
+          <a:bodyPr>
+            <a:normAutofit fontScale="90000"/>
+          </a:bodyPr>
+          <a:lstStyle/>
+          <a:p>
+            <a:pPr algn="ctr"/>
+            <a:r>
+              <a:rPr lang="en-US" dirty="0">
+                <a:latin typeface="Avenir Light"/>
+              </a:rPr>
+              <a:t>Correlation Between Demographics and Problems with Access to Care</a:t>
+            </a:r>
+            <a:endParaRPr lang="en-US" dirty="0"/>
+          </a:p>
+        </p:txBody>
+      </p:sp>
+    </p:spTree>
+    <p:extLst>
+      <p:ext uri="{BB962C8B-B14F-4D97-AF65-F5344CB8AC3E}">
+        <p14:creationId xmlns:p14="http://schemas.microsoft.com/office/powerpoint/2010/main" val="3435892388"/>
+      </p:ext>
+    </p:extLst>
+  </p:cSld>
+  <p:clrMapOvr>
+    <a:masterClrMapping/>
+  </p:clrMapOvr>
+</p:sld>
+</file>
+
+<file path=ppt/slides/slide15.xml><?xml version="1.0" encoding="utf-8"?>
+<p:sld xmlns:a="http://schemas.openxmlformats.org/drawingml/2006/main" xmlns:r="http://schemas.openxmlformats.org/officeDocument/2006/relationships" xmlns:p="http://schemas.openxmlformats.org/presentationml/2006/main">
+  <p:cSld>
+    <p:bg>
+      <p:bgPr>
+        <a:solidFill>
+          <a:schemeClr val="bg1"/>
+        </a:solidFill>
+        <a:effectLst/>
+      </p:bgPr>
+    </p:bg>
+    <p:spTree>
+      <p:nvGrpSpPr>
+        <p:cNvPr id="1" name=""/>
+        <p:cNvGrpSpPr/>
+        <p:nvPr/>
+      </p:nvGrpSpPr>
+      <p:grpSpPr>
+        <a:xfrm>
+          <a:off x="0" y="0"/>
+          <a:ext cx="0" cy="0"/>
+          <a:chOff x="0" y="0"/>
+          <a:chExt cx="0" cy="0"/>
+        </a:xfrm>
+      </p:grpSpPr>
+      <p:sp useBgFill="1">
+        <p:nvSpPr>
           <p:cNvPr id="8" name="Rectangle 7">
             <a:extLst>
               <a:ext uri="{FF2B5EF4-FFF2-40B4-BE49-F238E27FC236}">
@@ -6659,10 +8135,6 @@
           <a:lstStyle/>
           <a:p>
             <a:pPr algn="r"/>
-            <a:r>
-              <a:rPr lang="en-US" sz="3600" dirty="0"/>
-              <a:t>Clustering</a:t>
-            </a:r>
             <a:br>
               <a:rPr lang="en-US" sz="3600" dirty="0"/>
             </a:br>
@@ -6875,7 +8347,7 @@
 </p:sld>
 </file>
 
-<file path=ppt/slides/slide11.xml><?xml version="1.0" encoding="utf-8"?>
+<file path=ppt/slides/slide16.xml><?xml version="1.0" encoding="utf-8"?>
 <p:sld xmlns:a="http://schemas.openxmlformats.org/drawingml/2006/main" xmlns:r="http://schemas.openxmlformats.org/officeDocument/2006/relationships" xmlns:p="http://schemas.openxmlformats.org/presentationml/2006/main">
   <p:cSld>
     <p:bg>
@@ -7113,8 +8585,8 @@
         </p:nvSpPr>
         <p:spPr>
           <a:xfrm>
-            <a:off x="1075767" y="1188637"/>
-            <a:ext cx="2988234" cy="4480726"/>
+            <a:off x="641774" y="1188637"/>
+            <a:ext cx="3422227" cy="4480726"/>
           </a:xfrm>
         </p:spPr>
         <p:txBody>
@@ -7126,7 +8598,14 @@
             <a:pPr algn="r"/>
             <a:r>
               <a:rPr lang="en-US" sz="3600" dirty="0"/>
-              <a:t>Model </a:t>
+              <a:t>Model</a:t>
+            </a:r>
+            <a:br>
+              <a:rPr lang="en-US" sz="3600" dirty="0"/>
+            </a:br>
+            <a:r>
+              <a:rPr lang="en-US" sz="3600" dirty="0"/>
+              <a:t>Random Forest on ACC_HCDELAY </a:t>
             </a:r>
           </a:p>
         </p:txBody>
@@ -7369,7 +8848,7 @@
 </p:sld>
 </file>
 
-<file path=ppt/slides/slide12.xml><?xml version="1.0" encoding="utf-8"?>
+<file path=ppt/slides/slide17.xml><?xml version="1.0" encoding="utf-8"?>
 <p:sld xmlns:a="http://schemas.openxmlformats.org/drawingml/2006/main" xmlns:r="http://schemas.openxmlformats.org/officeDocument/2006/relationships" xmlns:p="http://schemas.openxmlformats.org/presentationml/2006/main">
   <p:cSld>
     <p:bg>
@@ -7607,6 +9086,515 @@
         </p:nvSpPr>
         <p:spPr>
           <a:xfrm>
+            <a:off x="641774" y="1188637"/>
+            <a:ext cx="3422227" cy="4480726"/>
+          </a:xfrm>
+        </p:spPr>
+        <p:txBody>
+          <a:bodyPr>
+            <a:normAutofit/>
+          </a:bodyPr>
+          <a:lstStyle/>
+          <a:p>
+            <a:pPr algn="r"/>
+            <a:r>
+              <a:rPr lang="en-US" sz="3600" dirty="0"/>
+              <a:t>Model</a:t>
+            </a:r>
+            <a:br>
+              <a:rPr lang="en-US" sz="3600" dirty="0"/>
+            </a:br>
+            <a:r>
+              <a:rPr lang="en-US" sz="3600" dirty="0"/>
+              <a:t>Random Forest on </a:t>
+            </a:r>
+            <a:r>
+              <a:rPr lang="en-US" sz="3600" dirty="0" err="1"/>
+              <a:t>costburden</a:t>
+            </a:r>
+            <a:r>
+              <a:rPr lang="en-US" sz="3600" dirty="0"/>
+              <a:t> </a:t>
+            </a:r>
+          </a:p>
+        </p:txBody>
+      </p:sp>
+      <p:cxnSp>
+        <p:nvCxnSpPr>
+          <p:cNvPr id="14" name="Straight Connector 13">
+            <a:extLst>
+              <a:ext uri="{FF2B5EF4-FFF2-40B4-BE49-F238E27FC236}">
+                <a16:creationId xmlns:a16="http://schemas.microsoft.com/office/drawing/2014/main" id="{23AAC9B5-8015-485C-ACF9-A750390E9A56}"/>
+              </a:ext>
+              <a:ext uri="{C183D7F6-B498-43B3-948B-1728B52AA6E4}">
+                <adec:decorative xmlns:adec="http://schemas.microsoft.com/office/drawing/2017/decorative" val="1"/>
+              </a:ext>
+            </a:extLst>
+          </p:cNvPr>
+          <p:cNvCxnSpPr>
+            <a:cxnSpLocks noGrp="1" noRot="1" noChangeAspect="1" noMove="1" noResize="1" noEditPoints="1" noAdjustHandles="1" noChangeArrowheads="1" noChangeShapeType="1"/>
+          </p:cNvCxnSpPr>
+          <p:nvPr>
+            <p:extLst>
+              <p:ext uri="{386F3935-93C4-4BCD-93E2-E3B085C9AB24}">
+                <p16:designElem xmlns:p16="http://schemas.microsoft.com/office/powerpoint/2015/main" val="1"/>
+              </p:ext>
+            </p:extLst>
+          </p:nvPr>
+        </p:nvCxnSpPr>
+        <p:spPr>
+          <a:xfrm>
+            <a:off x="4654296" y="1852863"/>
+            <a:ext cx="0" cy="3236495"/>
+          </a:xfrm>
+          <a:prstGeom prst="line">
+            <a:avLst/>
+          </a:prstGeom>
+          <a:ln w="19050" cap="sq">
+            <a:solidFill>
+              <a:schemeClr val="tx1">
+                <a:lumMod val="75000"/>
+                <a:lumOff val="25000"/>
+              </a:schemeClr>
+            </a:solidFill>
+          </a:ln>
+        </p:spPr>
+        <p:style>
+          <a:lnRef idx="1">
+            <a:schemeClr val="accent1"/>
+          </a:lnRef>
+          <a:fillRef idx="0">
+            <a:schemeClr val="accent1"/>
+          </a:fillRef>
+          <a:effectRef idx="0">
+            <a:schemeClr val="accent1"/>
+          </a:effectRef>
+          <a:fontRef idx="minor">
+            <a:schemeClr val="tx1"/>
+          </a:fontRef>
+        </p:style>
+      </p:cxnSp>
+      <p:sp>
+        <p:nvSpPr>
+          <p:cNvPr id="3" name="Content Placeholder 2">
+            <a:extLst>
+              <a:ext uri="{FF2B5EF4-FFF2-40B4-BE49-F238E27FC236}">
+                <a16:creationId xmlns:a16="http://schemas.microsoft.com/office/drawing/2014/main" id="{18E74065-2018-E747-9CDA-4A1EE37E24E2}"/>
+              </a:ext>
+            </a:extLst>
+          </p:cNvPr>
+          <p:cNvSpPr>
+            <a:spLocks noGrp="1"/>
+          </p:cNvSpPr>
+          <p:nvPr>
+            <p:ph idx="1"/>
+          </p:nvPr>
+        </p:nvSpPr>
+        <p:spPr>
+          <a:xfrm>
+            <a:off x="5176292" y="1443716"/>
+            <a:ext cx="5729431" cy="4512760"/>
+          </a:xfrm>
+        </p:spPr>
+        <p:txBody>
+          <a:bodyPr anchor="ctr">
+            <a:normAutofit/>
+          </a:bodyPr>
+          <a:lstStyle/>
+          <a:p>
+            <a:pPr>
+              <a:lnSpc>
+                <a:spcPct val="200000"/>
+              </a:lnSpc>
+            </a:pPr>
+            <a:endParaRPr lang="en-US" sz="2200" dirty="0">
+              <a:latin typeface="Avenir Book"/>
+            </a:endParaRPr>
+          </a:p>
+          <a:p>
+            <a:pPr>
+              <a:lnSpc>
+                <a:spcPct val="200000"/>
+              </a:lnSpc>
+            </a:pPr>
+            <a:endParaRPr lang="en-US" sz="2200" dirty="0"/>
+          </a:p>
+          <a:p>
+            <a:endParaRPr lang="en-US" sz="2400" dirty="0"/>
+          </a:p>
+        </p:txBody>
+      </p:sp>
+      <p:sp>
+        <p:nvSpPr>
+          <p:cNvPr id="4" name="TextBox 3">
+            <a:extLst>
+              <a:ext uri="{FF2B5EF4-FFF2-40B4-BE49-F238E27FC236}">
+                <a16:creationId xmlns:a16="http://schemas.microsoft.com/office/drawing/2014/main" id="{082733F2-D761-EA40-9693-284FE1DCDDC0}"/>
+              </a:ext>
+            </a:extLst>
+          </p:cNvPr>
+          <p:cNvSpPr txBox="1"/>
+          <p:nvPr/>
+        </p:nvSpPr>
+        <p:spPr>
+          <a:xfrm>
+            <a:off x="5357813" y="2128838"/>
+            <a:ext cx="2185855" cy="369332"/>
+          </a:xfrm>
+          <a:prstGeom prst="rect">
+            <a:avLst/>
+          </a:prstGeom>
+          <a:noFill/>
+        </p:spPr>
+        <p:txBody>
+          <a:bodyPr wrap="none" rtlCol="0">
+            <a:spAutoFit/>
+          </a:bodyPr>
+          <a:lstStyle/>
+          <a:p>
+            <a:r>
+              <a:rPr lang="en-US" dirty="0">
+                <a:latin typeface="Avenir Book" panose="02000503020000020003" pitchFamily="2" charset="0"/>
+              </a:rPr>
+              <a:t>Correlation analysis</a:t>
+            </a:r>
+          </a:p>
+        </p:txBody>
+      </p:sp>
+    </p:spTree>
+    <p:extLst>
+      <p:ext uri="{BB962C8B-B14F-4D97-AF65-F5344CB8AC3E}">
+        <p14:creationId xmlns:p14="http://schemas.microsoft.com/office/powerpoint/2010/main" val="1893371184"/>
+      </p:ext>
+    </p:extLst>
+  </p:cSld>
+  <p:clrMapOvr>
+    <a:masterClrMapping/>
+  </p:clrMapOvr>
+  <p:timing>
+    <p:tnLst>
+      <p:par>
+        <p:cTn id="1" dur="indefinite" restart="never" nodeType="tmRoot">
+          <p:childTnLst>
+            <p:seq concurrent="1" nextAc="seek">
+              <p:cTn id="2" dur="indefinite" nodeType="mainSeq">
+                <p:childTnLst>
+                  <p:par>
+                    <p:cTn id="3" fill="hold">
+                      <p:stCondLst>
+                        <p:cond delay="indefinite"/>
+                      </p:stCondLst>
+                      <p:childTnLst>
+                        <p:par>
+                          <p:cTn id="4" fill="hold">
+                            <p:stCondLst>
+                              <p:cond delay="0"/>
+                            </p:stCondLst>
+                            <p:childTnLst>
+                              <p:par>
+                                <p:cTn id="5" presetID="1" presetClass="entr" presetSubtype="0" fill="hold" grpId="0" nodeType="clickEffect" nodePh="1">
+                                  <p:stCondLst>
+                                    <p:cond delay="0"/>
+                                  </p:stCondLst>
+                                  <p:endCondLst>
+                                    <p:cond evt="begin" delay="0">
+                                      <p:tn val="5"/>
+                                    </p:cond>
+                                  </p:endCondLst>
+                                  <p:childTnLst>
+                                    <p:set>
+                                      <p:cBhvr>
+                                        <p:cTn id="6" dur="1" fill="hold">
+                                          <p:stCondLst>
+                                            <p:cond delay="0"/>
+                                          </p:stCondLst>
+                                        </p:cTn>
+                                        <p:tgtEl>
+                                          <p:spTgt spid="3"/>
+                                        </p:tgtEl>
+                                        <p:attrNameLst>
+                                          <p:attrName>style.visibility</p:attrName>
+                                        </p:attrNameLst>
+                                      </p:cBhvr>
+                                      <p:to>
+                                        <p:strVal val="visible"/>
+                                      </p:to>
+                                    </p:set>
+                                  </p:childTnLst>
+                                </p:cTn>
+                              </p:par>
+                            </p:childTnLst>
+                          </p:cTn>
+                        </p:par>
+                      </p:childTnLst>
+                    </p:cTn>
+                  </p:par>
+                </p:childTnLst>
+              </p:cTn>
+              <p:prevCondLst>
+                <p:cond evt="onPrev" delay="0">
+                  <p:tgtEl>
+                    <p:sldTgt/>
+                  </p:tgtEl>
+                </p:cond>
+              </p:prevCondLst>
+              <p:nextCondLst>
+                <p:cond evt="onNext" delay="0">
+                  <p:tgtEl>
+                    <p:sldTgt/>
+                  </p:tgtEl>
+                </p:cond>
+              </p:nextCondLst>
+            </p:seq>
+          </p:childTnLst>
+        </p:cTn>
+      </p:par>
+    </p:tnLst>
+    <p:bldLst>
+      <p:bldP spid="3" grpId="0"/>
+    </p:bldLst>
+  </p:timing>
+</p:sld>
+</file>
+
+<file path=ppt/slides/slide18.xml><?xml version="1.0" encoding="utf-8"?>
+<p:sld xmlns:a="http://schemas.openxmlformats.org/drawingml/2006/main" xmlns:r="http://schemas.openxmlformats.org/officeDocument/2006/relationships" xmlns:p="http://schemas.openxmlformats.org/presentationml/2006/main">
+  <p:cSld>
+    <p:bg>
+      <p:bgPr>
+        <a:solidFill>
+          <a:schemeClr val="bg1"/>
+        </a:solidFill>
+        <a:effectLst/>
+      </p:bgPr>
+    </p:bg>
+    <p:spTree>
+      <p:nvGrpSpPr>
+        <p:cNvPr id="1" name=""/>
+        <p:cNvGrpSpPr/>
+        <p:nvPr/>
+      </p:nvGrpSpPr>
+      <p:grpSpPr>
+        <a:xfrm>
+          <a:off x="0" y="0"/>
+          <a:ext cx="0" cy="0"/>
+          <a:chOff x="0" y="0"/>
+          <a:chExt cx="0" cy="0"/>
+        </a:xfrm>
+      </p:grpSpPr>
+      <p:sp useBgFill="1">
+        <p:nvSpPr>
+          <p:cNvPr id="8" name="Rectangle 7">
+            <a:extLst>
+              <a:ext uri="{FF2B5EF4-FFF2-40B4-BE49-F238E27FC236}">
+                <a16:creationId xmlns:a16="http://schemas.microsoft.com/office/drawing/2014/main" id="{081EA652-8C6A-4E69-BEB9-170809474553}"/>
+              </a:ext>
+              <a:ext uri="{C183D7F6-B498-43B3-948B-1728B52AA6E4}">
+                <adec:decorative xmlns:adec="http://schemas.microsoft.com/office/drawing/2017/decorative" val="1"/>
+              </a:ext>
+            </a:extLst>
+          </p:cNvPr>
+          <p:cNvSpPr>
+            <a:spLocks noGrp="1" noRot="1" noChangeAspect="1" noMove="1" noResize="1" noEditPoints="1" noAdjustHandles="1" noChangeArrowheads="1" noChangeShapeType="1" noTextEdit="1"/>
+          </p:cNvSpPr>
+          <p:nvPr>
+            <p:extLst>
+              <p:ext uri="{386F3935-93C4-4BCD-93E2-E3B085C9AB24}">
+                <p16:designElem xmlns:p16="http://schemas.microsoft.com/office/powerpoint/2015/main" val="1"/>
+              </p:ext>
+            </p:extLst>
+          </p:nvPr>
+        </p:nvSpPr>
+        <p:spPr>
+          <a:xfrm>
+            <a:off x="0" y="0"/>
+            <a:ext cx="12192000" cy="6858000"/>
+          </a:xfrm>
+          <a:prstGeom prst="rect">
+            <a:avLst/>
+          </a:prstGeom>
+          <a:ln>
+            <a:noFill/>
+          </a:ln>
+        </p:spPr>
+        <p:style>
+          <a:lnRef idx="2">
+            <a:schemeClr val="accent1">
+              <a:shade val="50000"/>
+            </a:schemeClr>
+          </a:lnRef>
+          <a:fillRef idx="1">
+            <a:schemeClr val="accent1"/>
+          </a:fillRef>
+          <a:effectRef idx="0">
+            <a:schemeClr val="accent1"/>
+          </a:effectRef>
+          <a:fontRef idx="minor">
+            <a:schemeClr val="lt1"/>
+          </a:fontRef>
+        </p:style>
+        <p:txBody>
+          <a:bodyPr rtlCol="0" anchor="ctr"/>
+          <a:lstStyle/>
+          <a:p>
+            <a:pPr algn="ctr"/>
+            <a:endParaRPr lang="en-US">
+              <a:latin typeface="Avenir Book" panose="02000503020000020003" pitchFamily="2" charset="0"/>
+            </a:endParaRPr>
+          </a:p>
+        </p:txBody>
+      </p:sp>
+      <p:sp>
+        <p:nvSpPr>
+          <p:cNvPr id="10" name="Right Triangle 9">
+            <a:extLst>
+              <a:ext uri="{FF2B5EF4-FFF2-40B4-BE49-F238E27FC236}">
+                <a16:creationId xmlns:a16="http://schemas.microsoft.com/office/drawing/2014/main" id="{5298780A-33B9-4EA2-8F67-DE68AD62841B}"/>
+              </a:ext>
+              <a:ext uri="{C183D7F6-B498-43B3-948B-1728B52AA6E4}">
+                <adec:decorative xmlns:adec="http://schemas.microsoft.com/office/drawing/2017/decorative" val="1"/>
+              </a:ext>
+            </a:extLst>
+          </p:cNvPr>
+          <p:cNvSpPr>
+            <a:spLocks noGrp="1" noRot="1" noChangeAspect="1" noMove="1" noResize="1" noEditPoints="1" noAdjustHandles="1" noChangeArrowheads="1" noChangeShapeType="1" noTextEdit="1"/>
+          </p:cNvSpPr>
+          <p:nvPr>
+            <p:extLst>
+              <p:ext uri="{386F3935-93C4-4BCD-93E2-E3B085C9AB24}">
+                <p16:designElem xmlns:p16="http://schemas.microsoft.com/office/powerpoint/2015/main" val="1"/>
+              </p:ext>
+            </p:extLst>
+          </p:nvPr>
+        </p:nvSpPr>
+        <p:spPr>
+          <a:xfrm flipH="1">
+            <a:off x="8576720" y="3335867"/>
+            <a:ext cx="3291840" cy="3200400"/>
+          </a:xfrm>
+          <a:prstGeom prst="rtTriangle">
+            <a:avLst/>
+          </a:prstGeom>
+          <a:solidFill>
+            <a:schemeClr val="accent4"/>
+          </a:solidFill>
+          <a:ln>
+            <a:noFill/>
+          </a:ln>
+        </p:spPr>
+        <p:style>
+          <a:lnRef idx="2">
+            <a:schemeClr val="accent1">
+              <a:shade val="50000"/>
+            </a:schemeClr>
+          </a:lnRef>
+          <a:fillRef idx="1">
+            <a:schemeClr val="accent1"/>
+          </a:fillRef>
+          <a:effectRef idx="0">
+            <a:schemeClr val="accent1"/>
+          </a:effectRef>
+          <a:fontRef idx="minor">
+            <a:schemeClr val="lt1"/>
+          </a:fontRef>
+        </p:style>
+        <p:txBody>
+          <a:bodyPr rtlCol="0" anchor="ctr"/>
+          <a:lstStyle/>
+          <a:p>
+            <a:pPr algn="ctr"/>
+            <a:endParaRPr lang="en-US">
+              <a:latin typeface="Avenir Book" panose="02000503020000020003" pitchFamily="2" charset="0"/>
+            </a:endParaRPr>
+          </a:p>
+        </p:txBody>
+      </p:sp>
+      <p:sp>
+        <p:nvSpPr>
+          <p:cNvPr id="12" name="Rectangle 11">
+            <a:extLst>
+              <a:ext uri="{FF2B5EF4-FFF2-40B4-BE49-F238E27FC236}">
+                <a16:creationId xmlns:a16="http://schemas.microsoft.com/office/drawing/2014/main" id="{7F488E8B-4E1E-4402-8935-D4E6C02615C7}"/>
+              </a:ext>
+              <a:ext uri="{C183D7F6-B498-43B3-948B-1728B52AA6E4}">
+                <adec:decorative xmlns:adec="http://schemas.microsoft.com/office/drawing/2017/decorative" val="1"/>
+              </a:ext>
+            </a:extLst>
+          </p:cNvPr>
+          <p:cNvSpPr>
+            <a:spLocks noGrp="1" noRot="1" noChangeAspect="1" noMove="1" noResize="1" noEditPoints="1" noAdjustHandles="1" noChangeArrowheads="1" noChangeShapeType="1" noTextEdit="1"/>
+          </p:cNvSpPr>
+          <p:nvPr>
+            <p:extLst>
+              <p:ext uri="{386F3935-93C4-4BCD-93E2-E3B085C9AB24}">
+                <p16:designElem xmlns:p16="http://schemas.microsoft.com/office/powerpoint/2015/main" val="1"/>
+              </p:ext>
+            </p:extLst>
+          </p:nvPr>
+        </p:nvSpPr>
+        <p:spPr>
+          <a:xfrm>
+            <a:off x="641774" y="623275"/>
+            <a:ext cx="10905053" cy="5607882"/>
+          </a:xfrm>
+          <a:prstGeom prst="rect">
+            <a:avLst/>
+          </a:prstGeom>
+          <a:noFill/>
+          <a:ln w="19050">
+            <a:solidFill>
+              <a:schemeClr val="tx1">
+                <a:lumMod val="75000"/>
+                <a:lumOff val="25000"/>
+              </a:schemeClr>
+            </a:solidFill>
+          </a:ln>
+        </p:spPr>
+        <p:style>
+          <a:lnRef idx="2">
+            <a:schemeClr val="accent1">
+              <a:shade val="50000"/>
+            </a:schemeClr>
+          </a:lnRef>
+          <a:fillRef idx="1">
+            <a:schemeClr val="accent1"/>
+          </a:fillRef>
+          <a:effectRef idx="0">
+            <a:schemeClr val="accent1"/>
+          </a:effectRef>
+          <a:fontRef idx="minor">
+            <a:schemeClr val="lt1"/>
+          </a:fontRef>
+        </p:style>
+        <p:txBody>
+          <a:bodyPr rtlCol="0" anchor="ctr"/>
+          <a:lstStyle/>
+          <a:p>
+            <a:pPr algn="ctr"/>
+            <a:endParaRPr lang="en-US">
+              <a:latin typeface="Avenir Book" panose="02000503020000020003" pitchFamily="2" charset="0"/>
+            </a:endParaRPr>
+          </a:p>
+        </p:txBody>
+      </p:sp>
+      <p:sp>
+        <p:nvSpPr>
+          <p:cNvPr id="2" name="Title 1">
+            <a:extLst>
+              <a:ext uri="{FF2B5EF4-FFF2-40B4-BE49-F238E27FC236}">
+                <a16:creationId xmlns:a16="http://schemas.microsoft.com/office/drawing/2014/main" id="{C8358615-FA08-0049-BDCE-1FA68B9E7145}"/>
+              </a:ext>
+            </a:extLst>
+          </p:cNvPr>
+          <p:cNvSpPr>
+            <a:spLocks noGrp="1"/>
+          </p:cNvSpPr>
+          <p:nvPr>
+            <p:ph type="title"/>
+          </p:nvPr>
+        </p:nvSpPr>
+        <p:spPr>
+          <a:xfrm>
             <a:off x="1075767" y="1188637"/>
             <a:ext cx="2988234" cy="4480726"/>
           </a:xfrm>
@@ -7620,7 +9608,7 @@
             <a:pPr algn="r"/>
             <a:r>
               <a:rPr lang="en-US" sz="3600" dirty="0"/>
-              <a:t>Model 2</a:t>
+              <a:t>SVM (RBF)</a:t>
             </a:r>
           </a:p>
         </p:txBody>
@@ -7903,7 +9891,7 @@
 </p:sld>
 </file>
 
-<file path=ppt/slides/slide13.xml><?xml version="1.0" encoding="utf-8"?>
+<file path=ppt/slides/slide19.xml><?xml version="1.0" encoding="utf-8"?>
 <p:sld xmlns:a="http://schemas.openxmlformats.org/drawingml/2006/main" xmlns:r="http://schemas.openxmlformats.org/officeDocument/2006/relationships" xmlns:p="http://schemas.openxmlformats.org/presentationml/2006/main">
   <p:cSld>
     <p:spTree>
@@ -7961,7 +9949,1315 @@
 </p:sld>
 </file>
 
-<file path=ppt/slides/slide14.xml><?xml version="1.0" encoding="utf-8"?>
+<file path=ppt/slides/slide2.xml><?xml version="1.0" encoding="utf-8"?>
+<p:sld xmlns:a="http://schemas.openxmlformats.org/drawingml/2006/main" xmlns:r="http://schemas.openxmlformats.org/officeDocument/2006/relationships" xmlns:p="http://schemas.openxmlformats.org/presentationml/2006/main">
+  <p:cSld>
+    <p:bg>
+      <p:bgPr>
+        <a:solidFill>
+          <a:schemeClr val="bg1"/>
+        </a:solidFill>
+        <a:effectLst/>
+      </p:bgPr>
+    </p:bg>
+    <p:spTree>
+      <p:nvGrpSpPr>
+        <p:cNvPr id="1" name=""/>
+        <p:cNvGrpSpPr/>
+        <p:nvPr/>
+      </p:nvGrpSpPr>
+      <p:grpSpPr>
+        <a:xfrm>
+          <a:off x="0" y="0"/>
+          <a:ext cx="0" cy="0"/>
+          <a:chOff x="0" y="0"/>
+          <a:chExt cx="0" cy="0"/>
+        </a:xfrm>
+      </p:grpSpPr>
+      <p:sp useBgFill="1">
+        <p:nvSpPr>
+          <p:cNvPr id="11" name="Rectangle 10">
+            <a:extLst>
+              <a:ext uri="{FF2B5EF4-FFF2-40B4-BE49-F238E27FC236}">
+                <a16:creationId xmlns:a16="http://schemas.microsoft.com/office/drawing/2014/main" id="{3AD318CC-E2A8-4E27-9548-A047A78999B1}"/>
+              </a:ext>
+              <a:ext uri="{C183D7F6-B498-43B3-948B-1728B52AA6E4}">
+                <adec:decorative xmlns:adec="http://schemas.microsoft.com/office/drawing/2017/decorative" val="1"/>
+              </a:ext>
+            </a:extLst>
+          </p:cNvPr>
+          <p:cNvSpPr>
+            <a:spLocks noGrp="1" noRot="1" noChangeAspect="1" noMove="1" noResize="1" noEditPoints="1" noAdjustHandles="1" noChangeArrowheads="1" noChangeShapeType="1" noTextEdit="1"/>
+          </p:cNvSpPr>
+          <p:nvPr>
+            <p:extLst>
+              <p:ext uri="{386F3935-93C4-4BCD-93E2-E3B085C9AB24}">
+                <p16:designElem xmlns:p16="http://schemas.microsoft.com/office/powerpoint/2015/main" val="1"/>
+              </p:ext>
+            </p:extLst>
+          </p:nvPr>
+        </p:nvSpPr>
+        <p:spPr>
+          <a:xfrm>
+            <a:off x="0" y="0"/>
+            <a:ext cx="12191999" cy="6857365"/>
+          </a:xfrm>
+          <a:prstGeom prst="rect">
+            <a:avLst/>
+          </a:prstGeom>
+          <a:ln>
+            <a:noFill/>
+          </a:ln>
+        </p:spPr>
+        <p:style>
+          <a:lnRef idx="2">
+            <a:schemeClr val="accent1">
+              <a:shade val="50000"/>
+            </a:schemeClr>
+          </a:lnRef>
+          <a:fillRef idx="1">
+            <a:schemeClr val="accent1"/>
+          </a:fillRef>
+          <a:effectRef idx="0">
+            <a:schemeClr val="accent1"/>
+          </a:effectRef>
+          <a:fontRef idx="minor">
+            <a:schemeClr val="lt1"/>
+          </a:fontRef>
+        </p:style>
+        <p:txBody>
+          <a:bodyPr rtlCol="0" anchor="ctr"/>
+          <a:lstStyle/>
+          <a:p>
+            <a:pPr algn="ctr"/>
+            <a:endParaRPr lang="en-US">
+              <a:latin typeface="Avenir Book" panose="02000503020000020003" pitchFamily="2" charset="0"/>
+            </a:endParaRPr>
+          </a:p>
+        </p:txBody>
+      </p:sp>
+      <p:sp>
+        <p:nvSpPr>
+          <p:cNvPr id="4" name="Title 3">
+            <a:extLst>
+              <a:ext uri="{FF2B5EF4-FFF2-40B4-BE49-F238E27FC236}">
+                <a16:creationId xmlns:a16="http://schemas.microsoft.com/office/drawing/2014/main" id="{4462A4C9-D231-B14A-B8F1-934B68BD48F3}"/>
+              </a:ext>
+            </a:extLst>
+          </p:cNvPr>
+          <p:cNvSpPr>
+            <a:spLocks noGrp="1"/>
+          </p:cNvSpPr>
+          <p:nvPr>
+            <p:ph type="title"/>
+          </p:nvPr>
+        </p:nvSpPr>
+        <p:spPr>
+          <a:xfrm>
+            <a:off x="645065" y="1463040"/>
+            <a:ext cx="3796306" cy="2690949"/>
+          </a:xfrm>
+        </p:spPr>
+        <p:txBody>
+          <a:bodyPr vert="horz" lIns="91440" tIns="45720" rIns="91440" bIns="45720" rtlCol="0" anchor="t">
+            <a:normAutofit/>
+          </a:bodyPr>
+          <a:lstStyle/>
+          <a:p>
+            <a:r>
+              <a:rPr lang="en-US" sz="4800" kern="1200" dirty="0">
+                <a:solidFill>
+                  <a:schemeClr val="accent1">
+                    <a:lumMod val="50000"/>
+                  </a:schemeClr>
+                </a:solidFill>
+                <a:ea typeface="+mj-ea"/>
+                <a:cs typeface="+mj-cs"/>
+              </a:rPr>
+              <a:t>Table of Contents</a:t>
+            </a:r>
+          </a:p>
+        </p:txBody>
+      </p:sp>
+      <p:grpSp>
+        <p:nvGrpSpPr>
+          <p:cNvPr id="13" name="Group 12">
+            <a:extLst>
+              <a:ext uri="{FF2B5EF4-FFF2-40B4-BE49-F238E27FC236}">
+                <a16:creationId xmlns:a16="http://schemas.microsoft.com/office/drawing/2014/main" id="{B14B560F-9DD7-4302-A60B-EBD3EF59B073}"/>
+              </a:ext>
+              <a:ext uri="{C183D7F6-B498-43B3-948B-1728B52AA6E4}">
+                <adec:decorative xmlns:adec="http://schemas.microsoft.com/office/drawing/2017/decorative" val="1"/>
+              </a:ext>
+            </a:extLst>
+          </p:cNvPr>
+          <p:cNvGrpSpPr>
+            <a:grpSpLocks noGrp="1" noUngrp="1" noRot="1" noChangeAspect="1" noMove="1" noResize="1"/>
+          </p:cNvGrpSpPr>
+          <p:nvPr>
+            <p:extLst>
+              <p:ext uri="{386F3935-93C4-4BCD-93E2-E3B085C9AB24}">
+                <p16:designElem xmlns:p16="http://schemas.microsoft.com/office/powerpoint/2015/main" val="1"/>
+              </p:ext>
+            </p:extLst>
+          </p:nvPr>
+        </p:nvGrpSpPr>
+        <p:grpSpPr>
+          <a:xfrm>
+            <a:off x="209667" y="4415246"/>
+            <a:ext cx="11982332" cy="2087795"/>
+            <a:chOff x="143163" y="5763486"/>
+            <a:chExt cx="11982332" cy="739555"/>
+          </a:xfrm>
+        </p:grpSpPr>
+        <p:sp>
+          <p:nvSpPr>
+            <p:cNvPr id="14" name="Rectangle 13">
+              <a:extLst>
+                <a:ext uri="{FF2B5EF4-FFF2-40B4-BE49-F238E27FC236}">
+                  <a16:creationId xmlns:a16="http://schemas.microsoft.com/office/drawing/2014/main" id="{3A9A4357-BD1D-4622-A4FE-766E6AB8DE84}"/>
+                </a:ext>
+                <a:ext uri="{C183D7F6-B498-43B3-948B-1728B52AA6E4}">
+                  <adec:decorative xmlns:adec="http://schemas.microsoft.com/office/drawing/2017/decorative" val="1"/>
+                </a:ext>
+              </a:extLst>
+            </p:cNvPr>
+            <p:cNvSpPr/>
+            <p:nvPr>
+              <p:extLst>
+                <p:ext uri="{386F3935-93C4-4BCD-93E2-E3B085C9AB24}">
+                  <p16:designElem xmlns:p16="http://schemas.microsoft.com/office/powerpoint/2015/main" val="1"/>
+                </p:ext>
+              </p:extLst>
+            </p:nvPr>
+          </p:nvSpPr>
+          <p:spPr>
+            <a:xfrm flipH="1" flipV="1">
+              <a:off x="357444" y="5763486"/>
+              <a:ext cx="11768051" cy="739555"/>
+            </a:xfrm>
+            <a:prstGeom prst="rect">
+              <a:avLst/>
+            </a:prstGeom>
+            <a:solidFill>
+              <a:schemeClr val="accent4"/>
+            </a:solidFill>
+            <a:ln>
+              <a:noFill/>
+            </a:ln>
+          </p:spPr>
+          <p:style>
+            <a:lnRef idx="2">
+              <a:schemeClr val="accent1">
+                <a:shade val="50000"/>
+              </a:schemeClr>
+            </a:lnRef>
+            <a:fillRef idx="1">
+              <a:schemeClr val="accent1"/>
+            </a:fillRef>
+            <a:effectRef idx="0">
+              <a:schemeClr val="accent1"/>
+            </a:effectRef>
+            <a:fontRef idx="minor">
+              <a:schemeClr val="lt1"/>
+            </a:fontRef>
+          </p:style>
+          <p:txBody>
+            <a:bodyPr rtlCol="0" anchor="ctr"/>
+            <a:lstStyle/>
+            <a:p>
+              <a:pPr algn="ctr"/>
+              <a:endParaRPr lang="en-US">
+                <a:latin typeface="Avenir Book" panose="02000503020000020003" pitchFamily="2" charset="0"/>
+              </a:endParaRPr>
+            </a:p>
+          </p:txBody>
+        </p:sp>
+        <p:cxnSp>
+          <p:nvCxnSpPr>
+            <p:cNvPr id="28" name="Straight Connector 14">
+              <a:extLst>
+                <a:ext uri="{FF2B5EF4-FFF2-40B4-BE49-F238E27FC236}">
+                  <a16:creationId xmlns:a16="http://schemas.microsoft.com/office/drawing/2014/main" id="{C21D6966-343E-49AC-A026-D2497E0C3CA1}"/>
+                </a:ext>
+                <a:ext uri="{C183D7F6-B498-43B3-948B-1728B52AA6E4}">
+                  <adec:decorative xmlns:adec="http://schemas.microsoft.com/office/drawing/2017/decorative" val="1"/>
+                </a:ext>
+              </a:extLst>
+            </p:cNvPr>
+            <p:cNvCxnSpPr>
+              <a:cxnSpLocks/>
+            </p:cNvCxnSpPr>
+            <p:nvPr>
+              <p:extLst>
+                <p:ext uri="{386F3935-93C4-4BCD-93E2-E3B085C9AB24}">
+                  <p16:designElem xmlns:p16="http://schemas.microsoft.com/office/powerpoint/2015/main" val="1"/>
+                </p:ext>
+              </p:extLst>
+            </p:nvPr>
+          </p:nvCxnSpPr>
+          <p:spPr>
+            <a:xfrm flipH="1">
+              <a:off x="143163" y="5763486"/>
+              <a:ext cx="1" cy="739555"/>
+            </a:xfrm>
+            <a:prstGeom prst="line">
+              <a:avLst/>
+            </a:prstGeom>
+            <a:ln w="177800">
+              <a:solidFill>
+                <a:schemeClr val="accent4"/>
+              </a:solidFill>
+            </a:ln>
+          </p:spPr>
+          <p:style>
+            <a:lnRef idx="1">
+              <a:schemeClr val="accent1"/>
+            </a:lnRef>
+            <a:fillRef idx="0">
+              <a:schemeClr val="accent1"/>
+            </a:fillRef>
+            <a:effectRef idx="0">
+              <a:schemeClr val="accent1"/>
+            </a:effectRef>
+            <a:fontRef idx="minor">
+              <a:schemeClr val="tx1"/>
+            </a:fontRef>
+          </p:style>
+        </p:cxnSp>
+      </p:grpSp>
+      <p:sp>
+        <p:nvSpPr>
+          <p:cNvPr id="29" name="Rectangle 16">
+            <a:extLst>
+              <a:ext uri="{FF2B5EF4-FFF2-40B4-BE49-F238E27FC236}">
+                <a16:creationId xmlns:a16="http://schemas.microsoft.com/office/drawing/2014/main" id="{2C1BBA94-3F40-40AA-8BB9-E69E25E537C1}"/>
+              </a:ext>
+              <a:ext uri="{C183D7F6-B498-43B3-948B-1728B52AA6E4}">
+                <adec:decorative xmlns:adec="http://schemas.microsoft.com/office/drawing/2017/decorative" val="1"/>
+              </a:ext>
+            </a:extLst>
+          </p:cNvPr>
+          <p:cNvSpPr>
+            <a:spLocks noGrp="1" noRot="1" noChangeAspect="1" noMove="1" noResize="1" noEditPoints="1" noAdjustHandles="1" noChangeArrowheads="1" noChangeShapeType="1" noTextEdit="1"/>
+          </p:cNvSpPr>
+          <p:nvPr>
+            <p:extLst>
+              <p:ext uri="{386F3935-93C4-4BCD-93E2-E3B085C9AB24}">
+                <p16:designElem xmlns:p16="http://schemas.microsoft.com/office/powerpoint/2015/main" val="1"/>
+              </p:ext>
+            </p:extLst>
+          </p:nvPr>
+        </p:nvSpPr>
+        <p:spPr>
+          <a:xfrm>
+            <a:off x="5133706" y="587829"/>
+            <a:ext cx="6505300" cy="5682342"/>
+          </a:xfrm>
+          <a:prstGeom prst="rect">
+            <a:avLst/>
+          </a:prstGeom>
+          <a:solidFill>
+            <a:schemeClr val="bg1"/>
+          </a:solidFill>
+          <a:ln>
+            <a:noFill/>
+          </a:ln>
+          <a:effectLst>
+            <a:outerShdw blurRad="139700" dist="127000" dir="5400000" algn="t" rotWithShape="0">
+              <a:prstClr val="black">
+                <a:alpha val="15000"/>
+              </a:prstClr>
+            </a:outerShdw>
+          </a:effectLst>
+        </p:spPr>
+        <p:style>
+          <a:lnRef idx="2">
+            <a:schemeClr val="accent1">
+              <a:shade val="50000"/>
+            </a:schemeClr>
+          </a:lnRef>
+          <a:fillRef idx="1">
+            <a:schemeClr val="accent1"/>
+          </a:fillRef>
+          <a:effectRef idx="0">
+            <a:schemeClr val="accent1"/>
+          </a:effectRef>
+          <a:fontRef idx="minor">
+            <a:schemeClr val="lt1"/>
+          </a:fontRef>
+        </p:style>
+        <p:txBody>
+          <a:bodyPr rtlCol="0" anchor="ctr"/>
+          <a:lstStyle/>
+          <a:p>
+            <a:pPr algn="ctr"/>
+            <a:endParaRPr lang="en-US">
+              <a:latin typeface="Avenir Book" panose="02000503020000020003" pitchFamily="2" charset="0"/>
+            </a:endParaRPr>
+          </a:p>
+        </p:txBody>
+      </p:sp>
+      <p:sp>
+        <p:nvSpPr>
+          <p:cNvPr id="6" name="Text Placeholder 5">
+            <a:extLst>
+              <a:ext uri="{FF2B5EF4-FFF2-40B4-BE49-F238E27FC236}">
+                <a16:creationId xmlns:a16="http://schemas.microsoft.com/office/drawing/2014/main" id="{22B87E37-04AC-D240-89FF-52C34054913A}"/>
+              </a:ext>
+            </a:extLst>
+          </p:cNvPr>
+          <p:cNvSpPr>
+            <a:spLocks noGrp="1"/>
+          </p:cNvSpPr>
+          <p:nvPr>
+            <p:ph type="body" sz="half" idx="2"/>
+          </p:nvPr>
+        </p:nvSpPr>
+        <p:spPr>
+          <a:xfrm>
+            <a:off x="5343374" y="1021667"/>
+            <a:ext cx="5855232" cy="2959741"/>
+          </a:xfrm>
+        </p:spPr>
+        <p:txBody>
+          <a:bodyPr vert="horz" lIns="91440" tIns="45720" rIns="91440" bIns="45720" rtlCol="0" anchor="t">
+            <a:normAutofit/>
+          </a:bodyPr>
+          <a:lstStyle/>
+          <a:p>
+            <a:pPr marL="342900" indent="-342900">
+              <a:lnSpc>
+                <a:spcPct val="150000"/>
+              </a:lnSpc>
+              <a:buFont typeface="Arial" panose="020B0604020202020204" pitchFamily="34" charset="0"/>
+              <a:buChar char="•"/>
+            </a:pPr>
+            <a:r>
+              <a:rPr lang="en-US" sz="2400" b="1" dirty="0">
+                <a:solidFill>
+                  <a:schemeClr val="accent1">
+                    <a:lumMod val="50000"/>
+                  </a:schemeClr>
+                </a:solidFill>
+              </a:rPr>
+              <a:t>Background</a:t>
+            </a:r>
+          </a:p>
+          <a:p>
+            <a:pPr marL="342900" indent="-342900">
+              <a:lnSpc>
+                <a:spcPct val="150000"/>
+              </a:lnSpc>
+              <a:buFont typeface="Arial" panose="020B0604020202020204" pitchFamily="34" charset="0"/>
+              <a:buChar char="•"/>
+            </a:pPr>
+            <a:r>
+              <a:rPr lang="en-US" sz="2400" b="1" dirty="0">
+                <a:solidFill>
+                  <a:schemeClr val="accent1">
+                    <a:lumMod val="50000"/>
+                  </a:schemeClr>
+                </a:solidFill>
+              </a:rPr>
+              <a:t>Exploratory Data Analysis</a:t>
+            </a:r>
+          </a:p>
+          <a:p>
+            <a:pPr marL="342900" indent="-342900">
+              <a:lnSpc>
+                <a:spcPct val="150000"/>
+              </a:lnSpc>
+              <a:buFont typeface="Arial" panose="020B0604020202020204" pitchFamily="34" charset="0"/>
+              <a:buChar char="•"/>
+            </a:pPr>
+            <a:r>
+              <a:rPr lang="en-US" sz="2400" b="1" dirty="0">
+                <a:solidFill>
+                  <a:schemeClr val="accent1">
+                    <a:lumMod val="50000"/>
+                  </a:schemeClr>
+                </a:solidFill>
+              </a:rPr>
+              <a:t>Models: KNN, SVM, </a:t>
+            </a:r>
+            <a:r>
+              <a:rPr lang="en-US" sz="2400" b="1" dirty="0" err="1">
+                <a:solidFill>
+                  <a:schemeClr val="accent1">
+                    <a:lumMod val="50000"/>
+                  </a:schemeClr>
+                </a:solidFill>
+              </a:rPr>
+              <a:t>XgBoost</a:t>
+            </a:r>
+            <a:r>
+              <a:rPr lang="en-US" sz="2400" b="1" dirty="0">
+                <a:solidFill>
+                  <a:schemeClr val="accent1">
+                    <a:lumMod val="50000"/>
+                  </a:schemeClr>
+                </a:solidFill>
+              </a:rPr>
+              <a:t>, SVM</a:t>
+            </a:r>
+          </a:p>
+          <a:p>
+            <a:pPr marL="342900" indent="-342900">
+              <a:lnSpc>
+                <a:spcPct val="150000"/>
+              </a:lnSpc>
+              <a:buFont typeface="Arial" panose="020B0604020202020204" pitchFamily="34" charset="0"/>
+              <a:buChar char="•"/>
+            </a:pPr>
+            <a:r>
+              <a:rPr lang="en-US" sz="2400" b="1" dirty="0">
+                <a:solidFill>
+                  <a:schemeClr val="accent1">
+                    <a:lumMod val="50000"/>
+                  </a:schemeClr>
+                </a:solidFill>
+              </a:rPr>
+              <a:t>Results &amp; Model Comparison</a:t>
+            </a:r>
+          </a:p>
+        </p:txBody>
+      </p:sp>
+      <p:pic>
+        <p:nvPicPr>
+          <p:cNvPr id="24" name="Picture 23" descr="Logo, company name&#10;&#10;Description automatically generated">
+            <a:extLst>
+              <a:ext uri="{FF2B5EF4-FFF2-40B4-BE49-F238E27FC236}">
+                <a16:creationId xmlns:a16="http://schemas.microsoft.com/office/drawing/2014/main" id="{B733AADF-B6B5-284F-B15E-B72AB8330862}"/>
+              </a:ext>
+            </a:extLst>
+          </p:cNvPr>
+          <p:cNvPicPr>
+            <a:picLocks noChangeAspect="1"/>
+          </p:cNvPicPr>
+          <p:nvPr/>
+        </p:nvPicPr>
+        <p:blipFill>
+          <a:blip r:embed="rId2"/>
+          <a:stretch>
+            <a:fillRect/>
+          </a:stretch>
+        </p:blipFill>
+        <p:spPr>
+          <a:xfrm>
+            <a:off x="6589905" y="4598203"/>
+            <a:ext cx="3806156" cy="1388000"/>
+          </a:xfrm>
+          <a:prstGeom prst="rect">
+            <a:avLst/>
+          </a:prstGeom>
+        </p:spPr>
+      </p:pic>
+    </p:spTree>
+    <p:extLst>
+      <p:ext uri="{BB962C8B-B14F-4D97-AF65-F5344CB8AC3E}">
+        <p14:creationId xmlns:p14="http://schemas.microsoft.com/office/powerpoint/2010/main" val="395357542"/>
+      </p:ext>
+    </p:extLst>
+  </p:cSld>
+  <p:clrMapOvr>
+    <a:masterClrMapping/>
+  </p:clrMapOvr>
+  <p:timing>
+    <p:tnLst>
+      <p:par>
+        <p:cTn id="1" dur="indefinite" restart="never" nodeType="tmRoot">
+          <p:childTnLst>
+            <p:seq concurrent="1" nextAc="seek">
+              <p:cTn id="2" dur="indefinite" nodeType="mainSeq">
+                <p:childTnLst>
+                  <p:par>
+                    <p:cTn id="3" fill="hold">
+                      <p:stCondLst>
+                        <p:cond delay="indefinite"/>
+                      </p:stCondLst>
+                      <p:childTnLst>
+                        <p:par>
+                          <p:cTn id="4" fill="hold">
+                            <p:stCondLst>
+                              <p:cond delay="0"/>
+                            </p:stCondLst>
+                            <p:childTnLst>
+                              <p:par>
+                                <p:cTn id="5" presetID="9" presetClass="entr" presetSubtype="0" fill="hold" nodeType="clickEffect">
+                                  <p:stCondLst>
+                                    <p:cond delay="0"/>
+                                  </p:stCondLst>
+                                  <p:childTnLst>
+                                    <p:set>
+                                      <p:cBhvr>
+                                        <p:cTn id="6" dur="1" fill="hold">
+                                          <p:stCondLst>
+                                            <p:cond delay="0"/>
+                                          </p:stCondLst>
+                                        </p:cTn>
+                                        <p:tgtEl>
+                                          <p:spTgt spid="6">
+                                            <p:txEl>
+                                              <p:pRg st="0" end="0"/>
+                                            </p:txEl>
+                                          </p:spTgt>
+                                        </p:tgtEl>
+                                        <p:attrNameLst>
+                                          <p:attrName>style.visibility</p:attrName>
+                                        </p:attrNameLst>
+                                      </p:cBhvr>
+                                      <p:to>
+                                        <p:strVal val="visible"/>
+                                      </p:to>
+                                    </p:set>
+                                    <p:animEffect transition="in" filter="dissolve">
+                                      <p:cBhvr>
+                                        <p:cTn id="7" dur="500"/>
+                                        <p:tgtEl>
+                                          <p:spTgt spid="6">
+                                            <p:txEl>
+                                              <p:pRg st="0" end="0"/>
+                                            </p:txEl>
+                                          </p:spTgt>
+                                        </p:tgtEl>
+                                      </p:cBhvr>
+                                    </p:animEffect>
+                                  </p:childTnLst>
+                                </p:cTn>
+                              </p:par>
+                            </p:childTnLst>
+                          </p:cTn>
+                        </p:par>
+                      </p:childTnLst>
+                    </p:cTn>
+                  </p:par>
+                  <p:par>
+                    <p:cTn id="8" fill="hold">
+                      <p:stCondLst>
+                        <p:cond delay="indefinite"/>
+                      </p:stCondLst>
+                      <p:childTnLst>
+                        <p:par>
+                          <p:cTn id="9" fill="hold">
+                            <p:stCondLst>
+                              <p:cond delay="0"/>
+                            </p:stCondLst>
+                            <p:childTnLst>
+                              <p:par>
+                                <p:cTn id="10" presetID="9" presetClass="entr" presetSubtype="0" fill="hold" nodeType="clickEffect">
+                                  <p:stCondLst>
+                                    <p:cond delay="0"/>
+                                  </p:stCondLst>
+                                  <p:childTnLst>
+                                    <p:set>
+                                      <p:cBhvr>
+                                        <p:cTn id="11" dur="1" fill="hold">
+                                          <p:stCondLst>
+                                            <p:cond delay="0"/>
+                                          </p:stCondLst>
+                                        </p:cTn>
+                                        <p:tgtEl>
+                                          <p:spTgt spid="6">
+                                            <p:txEl>
+                                              <p:pRg st="1" end="1"/>
+                                            </p:txEl>
+                                          </p:spTgt>
+                                        </p:tgtEl>
+                                        <p:attrNameLst>
+                                          <p:attrName>style.visibility</p:attrName>
+                                        </p:attrNameLst>
+                                      </p:cBhvr>
+                                      <p:to>
+                                        <p:strVal val="visible"/>
+                                      </p:to>
+                                    </p:set>
+                                    <p:animEffect transition="in" filter="dissolve">
+                                      <p:cBhvr>
+                                        <p:cTn id="12" dur="500"/>
+                                        <p:tgtEl>
+                                          <p:spTgt spid="6">
+                                            <p:txEl>
+                                              <p:pRg st="1" end="1"/>
+                                            </p:txEl>
+                                          </p:spTgt>
+                                        </p:tgtEl>
+                                      </p:cBhvr>
+                                    </p:animEffect>
+                                  </p:childTnLst>
+                                </p:cTn>
+                              </p:par>
+                            </p:childTnLst>
+                          </p:cTn>
+                        </p:par>
+                      </p:childTnLst>
+                    </p:cTn>
+                  </p:par>
+                  <p:par>
+                    <p:cTn id="13" fill="hold">
+                      <p:stCondLst>
+                        <p:cond delay="indefinite"/>
+                      </p:stCondLst>
+                      <p:childTnLst>
+                        <p:par>
+                          <p:cTn id="14" fill="hold">
+                            <p:stCondLst>
+                              <p:cond delay="0"/>
+                            </p:stCondLst>
+                            <p:childTnLst>
+                              <p:par>
+                                <p:cTn id="15" presetID="9" presetClass="entr" presetSubtype="0" fill="hold" nodeType="clickEffect">
+                                  <p:stCondLst>
+                                    <p:cond delay="0"/>
+                                  </p:stCondLst>
+                                  <p:childTnLst>
+                                    <p:set>
+                                      <p:cBhvr>
+                                        <p:cTn id="16" dur="1" fill="hold">
+                                          <p:stCondLst>
+                                            <p:cond delay="0"/>
+                                          </p:stCondLst>
+                                        </p:cTn>
+                                        <p:tgtEl>
+                                          <p:spTgt spid="6">
+                                            <p:txEl>
+                                              <p:pRg st="2" end="2"/>
+                                            </p:txEl>
+                                          </p:spTgt>
+                                        </p:tgtEl>
+                                        <p:attrNameLst>
+                                          <p:attrName>style.visibility</p:attrName>
+                                        </p:attrNameLst>
+                                      </p:cBhvr>
+                                      <p:to>
+                                        <p:strVal val="visible"/>
+                                      </p:to>
+                                    </p:set>
+                                    <p:animEffect transition="in" filter="dissolve">
+                                      <p:cBhvr>
+                                        <p:cTn id="17" dur="500"/>
+                                        <p:tgtEl>
+                                          <p:spTgt spid="6">
+                                            <p:txEl>
+                                              <p:pRg st="2" end="2"/>
+                                            </p:txEl>
+                                          </p:spTgt>
+                                        </p:tgtEl>
+                                      </p:cBhvr>
+                                    </p:animEffect>
+                                  </p:childTnLst>
+                                </p:cTn>
+                              </p:par>
+                            </p:childTnLst>
+                          </p:cTn>
+                        </p:par>
+                      </p:childTnLst>
+                    </p:cTn>
+                  </p:par>
+                  <p:par>
+                    <p:cTn id="18" fill="hold">
+                      <p:stCondLst>
+                        <p:cond delay="indefinite"/>
+                      </p:stCondLst>
+                      <p:childTnLst>
+                        <p:par>
+                          <p:cTn id="19" fill="hold">
+                            <p:stCondLst>
+                              <p:cond delay="0"/>
+                            </p:stCondLst>
+                            <p:childTnLst>
+                              <p:par>
+                                <p:cTn id="20" presetID="9" presetClass="entr" presetSubtype="0" fill="hold" nodeType="clickEffect">
+                                  <p:stCondLst>
+                                    <p:cond delay="0"/>
+                                  </p:stCondLst>
+                                  <p:childTnLst>
+                                    <p:set>
+                                      <p:cBhvr>
+                                        <p:cTn id="21" dur="1" fill="hold">
+                                          <p:stCondLst>
+                                            <p:cond delay="0"/>
+                                          </p:stCondLst>
+                                        </p:cTn>
+                                        <p:tgtEl>
+                                          <p:spTgt spid="6">
+                                            <p:txEl>
+                                              <p:pRg st="3" end="3"/>
+                                            </p:txEl>
+                                          </p:spTgt>
+                                        </p:tgtEl>
+                                        <p:attrNameLst>
+                                          <p:attrName>style.visibility</p:attrName>
+                                        </p:attrNameLst>
+                                      </p:cBhvr>
+                                      <p:to>
+                                        <p:strVal val="visible"/>
+                                      </p:to>
+                                    </p:set>
+                                    <p:animEffect transition="in" filter="dissolve">
+                                      <p:cBhvr>
+                                        <p:cTn id="22" dur="500"/>
+                                        <p:tgtEl>
+                                          <p:spTgt spid="6">
+                                            <p:txEl>
+                                              <p:pRg st="3" end="3"/>
+                                            </p:txEl>
+                                          </p:spTgt>
+                                        </p:tgtEl>
+                                      </p:cBhvr>
+                                    </p:animEffect>
+                                  </p:childTnLst>
+                                </p:cTn>
+                              </p:par>
+                            </p:childTnLst>
+                          </p:cTn>
+                        </p:par>
+                      </p:childTnLst>
+                    </p:cTn>
+                  </p:par>
+                </p:childTnLst>
+              </p:cTn>
+              <p:prevCondLst>
+                <p:cond evt="onPrev" delay="0">
+                  <p:tgtEl>
+                    <p:sldTgt/>
+                  </p:tgtEl>
+                </p:cond>
+              </p:prevCondLst>
+              <p:nextCondLst>
+                <p:cond evt="onNext" delay="0">
+                  <p:tgtEl>
+                    <p:sldTgt/>
+                  </p:tgtEl>
+                </p:cond>
+              </p:nextCondLst>
+            </p:seq>
+          </p:childTnLst>
+        </p:cTn>
+      </p:par>
+    </p:tnLst>
+  </p:timing>
+</p:sld>
+</file>
+
+<file path=ppt/slides/slide20.xml><?xml version="1.0" encoding="utf-8"?>
+<p:sld xmlns:a="http://schemas.openxmlformats.org/drawingml/2006/main" xmlns:r="http://schemas.openxmlformats.org/officeDocument/2006/relationships" xmlns:p="http://schemas.openxmlformats.org/presentationml/2006/main">
+  <p:cSld>
+    <p:bg>
+      <p:bgPr>
+        <a:solidFill>
+          <a:schemeClr val="bg1"/>
+        </a:solidFill>
+        <a:effectLst/>
+      </p:bgPr>
+    </p:bg>
+    <p:spTree>
+      <p:nvGrpSpPr>
+        <p:cNvPr id="1" name=""/>
+        <p:cNvGrpSpPr/>
+        <p:nvPr/>
+      </p:nvGrpSpPr>
+      <p:grpSpPr>
+        <a:xfrm>
+          <a:off x="0" y="0"/>
+          <a:ext cx="0" cy="0"/>
+          <a:chOff x="0" y="0"/>
+          <a:chExt cx="0" cy="0"/>
+        </a:xfrm>
+      </p:grpSpPr>
+      <p:sp useBgFill="1">
+        <p:nvSpPr>
+          <p:cNvPr id="8" name="Rectangle 7">
+            <a:extLst>
+              <a:ext uri="{FF2B5EF4-FFF2-40B4-BE49-F238E27FC236}">
+                <a16:creationId xmlns:a16="http://schemas.microsoft.com/office/drawing/2014/main" id="{081EA652-8C6A-4E69-BEB9-170809474553}"/>
+              </a:ext>
+              <a:ext uri="{C183D7F6-B498-43B3-948B-1728B52AA6E4}">
+                <adec:decorative xmlns:adec="http://schemas.microsoft.com/office/drawing/2017/decorative" val="1"/>
+              </a:ext>
+            </a:extLst>
+          </p:cNvPr>
+          <p:cNvSpPr>
+            <a:spLocks noGrp="1" noRot="1" noChangeAspect="1" noMove="1" noResize="1" noEditPoints="1" noAdjustHandles="1" noChangeArrowheads="1" noChangeShapeType="1" noTextEdit="1"/>
+          </p:cNvSpPr>
+          <p:nvPr>
+            <p:extLst>
+              <p:ext uri="{386F3935-93C4-4BCD-93E2-E3B085C9AB24}">
+                <p16:designElem xmlns:p16="http://schemas.microsoft.com/office/powerpoint/2015/main" val="1"/>
+              </p:ext>
+            </p:extLst>
+          </p:nvPr>
+        </p:nvSpPr>
+        <p:spPr>
+          <a:xfrm>
+            <a:off x="0" y="0"/>
+            <a:ext cx="12192000" cy="6858000"/>
+          </a:xfrm>
+          <a:prstGeom prst="rect">
+            <a:avLst/>
+          </a:prstGeom>
+          <a:ln>
+            <a:noFill/>
+          </a:ln>
+        </p:spPr>
+        <p:style>
+          <a:lnRef idx="2">
+            <a:schemeClr val="accent1">
+              <a:shade val="50000"/>
+            </a:schemeClr>
+          </a:lnRef>
+          <a:fillRef idx="1">
+            <a:schemeClr val="accent1"/>
+          </a:fillRef>
+          <a:effectRef idx="0">
+            <a:schemeClr val="accent1"/>
+          </a:effectRef>
+          <a:fontRef idx="minor">
+            <a:schemeClr val="lt1"/>
+          </a:fontRef>
+        </p:style>
+        <p:txBody>
+          <a:bodyPr rtlCol="0" anchor="ctr"/>
+          <a:lstStyle/>
+          <a:p>
+            <a:pPr algn="ctr"/>
+            <a:endParaRPr lang="en-US">
+              <a:latin typeface="Avenir Book" panose="02000503020000020003" pitchFamily="2" charset="0"/>
+            </a:endParaRPr>
+          </a:p>
+        </p:txBody>
+      </p:sp>
+      <p:sp>
+        <p:nvSpPr>
+          <p:cNvPr id="10" name="Right Triangle 9">
+            <a:extLst>
+              <a:ext uri="{FF2B5EF4-FFF2-40B4-BE49-F238E27FC236}">
+                <a16:creationId xmlns:a16="http://schemas.microsoft.com/office/drawing/2014/main" id="{5298780A-33B9-4EA2-8F67-DE68AD62841B}"/>
+              </a:ext>
+              <a:ext uri="{C183D7F6-B498-43B3-948B-1728B52AA6E4}">
+                <adec:decorative xmlns:adec="http://schemas.microsoft.com/office/drawing/2017/decorative" val="1"/>
+              </a:ext>
+            </a:extLst>
+          </p:cNvPr>
+          <p:cNvSpPr>
+            <a:spLocks noGrp="1" noRot="1" noChangeAspect="1" noMove="1" noResize="1" noEditPoints="1" noAdjustHandles="1" noChangeArrowheads="1" noChangeShapeType="1" noTextEdit="1"/>
+          </p:cNvSpPr>
+          <p:nvPr>
+            <p:extLst>
+              <p:ext uri="{386F3935-93C4-4BCD-93E2-E3B085C9AB24}">
+                <p16:designElem xmlns:p16="http://schemas.microsoft.com/office/powerpoint/2015/main" val="1"/>
+              </p:ext>
+            </p:extLst>
+          </p:nvPr>
+        </p:nvSpPr>
+        <p:spPr>
+          <a:xfrm flipH="1">
+            <a:off x="8576720" y="3335867"/>
+            <a:ext cx="3291840" cy="3200400"/>
+          </a:xfrm>
+          <a:prstGeom prst="rtTriangle">
+            <a:avLst/>
+          </a:prstGeom>
+          <a:solidFill>
+            <a:schemeClr val="accent4"/>
+          </a:solidFill>
+          <a:ln>
+            <a:noFill/>
+          </a:ln>
+        </p:spPr>
+        <p:style>
+          <a:lnRef idx="2">
+            <a:schemeClr val="accent1">
+              <a:shade val="50000"/>
+            </a:schemeClr>
+          </a:lnRef>
+          <a:fillRef idx="1">
+            <a:schemeClr val="accent1"/>
+          </a:fillRef>
+          <a:effectRef idx="0">
+            <a:schemeClr val="accent1"/>
+          </a:effectRef>
+          <a:fontRef idx="minor">
+            <a:schemeClr val="lt1"/>
+          </a:fontRef>
+        </p:style>
+        <p:txBody>
+          <a:bodyPr rtlCol="0" anchor="ctr"/>
+          <a:lstStyle/>
+          <a:p>
+            <a:pPr algn="ctr"/>
+            <a:endParaRPr lang="en-US">
+              <a:latin typeface="Avenir Book" panose="02000503020000020003" pitchFamily="2" charset="0"/>
+            </a:endParaRPr>
+          </a:p>
+        </p:txBody>
+      </p:sp>
+      <p:sp>
+        <p:nvSpPr>
+          <p:cNvPr id="12" name="Rectangle 11">
+            <a:extLst>
+              <a:ext uri="{FF2B5EF4-FFF2-40B4-BE49-F238E27FC236}">
+                <a16:creationId xmlns:a16="http://schemas.microsoft.com/office/drawing/2014/main" id="{7F488E8B-4E1E-4402-8935-D4E6C02615C7}"/>
+              </a:ext>
+              <a:ext uri="{C183D7F6-B498-43B3-948B-1728B52AA6E4}">
+                <adec:decorative xmlns:adec="http://schemas.microsoft.com/office/drawing/2017/decorative" val="1"/>
+              </a:ext>
+            </a:extLst>
+          </p:cNvPr>
+          <p:cNvSpPr>
+            <a:spLocks noGrp="1" noRot="1" noChangeAspect="1" noMove="1" noResize="1" noEditPoints="1" noAdjustHandles="1" noChangeArrowheads="1" noChangeShapeType="1" noTextEdit="1"/>
+          </p:cNvSpPr>
+          <p:nvPr>
+            <p:extLst>
+              <p:ext uri="{386F3935-93C4-4BCD-93E2-E3B085C9AB24}">
+                <p16:designElem xmlns:p16="http://schemas.microsoft.com/office/powerpoint/2015/main" val="1"/>
+              </p:ext>
+            </p:extLst>
+          </p:nvPr>
+        </p:nvSpPr>
+        <p:spPr>
+          <a:xfrm>
+            <a:off x="641774" y="623275"/>
+            <a:ext cx="10905053" cy="5607882"/>
+          </a:xfrm>
+          <a:prstGeom prst="rect">
+            <a:avLst/>
+          </a:prstGeom>
+          <a:noFill/>
+          <a:ln w="19050">
+            <a:solidFill>
+              <a:schemeClr val="tx1">
+                <a:lumMod val="75000"/>
+                <a:lumOff val="25000"/>
+              </a:schemeClr>
+            </a:solidFill>
+          </a:ln>
+        </p:spPr>
+        <p:style>
+          <a:lnRef idx="2">
+            <a:schemeClr val="accent1">
+              <a:shade val="50000"/>
+            </a:schemeClr>
+          </a:lnRef>
+          <a:fillRef idx="1">
+            <a:schemeClr val="accent1"/>
+          </a:fillRef>
+          <a:effectRef idx="0">
+            <a:schemeClr val="accent1"/>
+          </a:effectRef>
+          <a:fontRef idx="minor">
+            <a:schemeClr val="lt1"/>
+          </a:fontRef>
+        </p:style>
+        <p:txBody>
+          <a:bodyPr rtlCol="0" anchor="ctr"/>
+          <a:lstStyle/>
+          <a:p>
+            <a:pPr algn="ctr"/>
+            <a:endParaRPr lang="en-US">
+              <a:latin typeface="Avenir Book" panose="02000503020000020003" pitchFamily="2" charset="0"/>
+            </a:endParaRPr>
+          </a:p>
+        </p:txBody>
+      </p:sp>
+      <p:sp>
+        <p:nvSpPr>
+          <p:cNvPr id="2" name="Title 1">
+            <a:extLst>
+              <a:ext uri="{FF2B5EF4-FFF2-40B4-BE49-F238E27FC236}">
+                <a16:creationId xmlns:a16="http://schemas.microsoft.com/office/drawing/2014/main" id="{C8358615-FA08-0049-BDCE-1FA68B9E7145}"/>
+              </a:ext>
+            </a:extLst>
+          </p:cNvPr>
+          <p:cNvSpPr>
+            <a:spLocks noGrp="1"/>
+          </p:cNvSpPr>
+          <p:nvPr>
+            <p:ph type="title"/>
+          </p:nvPr>
+        </p:nvSpPr>
+        <p:spPr>
+          <a:xfrm>
+            <a:off x="1075767" y="1188637"/>
+            <a:ext cx="2988234" cy="4480726"/>
+          </a:xfrm>
+        </p:spPr>
+        <p:txBody>
+          <a:bodyPr>
+            <a:normAutofit/>
+          </a:bodyPr>
+          <a:lstStyle/>
+          <a:p>
+            <a:pPr algn="r"/>
+            <a:r>
+              <a:rPr lang="en-US" sz="3600" dirty="0" err="1"/>
+              <a:t>XgBoost</a:t>
+            </a:r>
+            <a:endParaRPr lang="en-US" sz="3600" dirty="0"/>
+          </a:p>
+        </p:txBody>
+      </p:sp>
+      <p:cxnSp>
+        <p:nvCxnSpPr>
+          <p:cNvPr id="14" name="Straight Connector 13">
+            <a:extLst>
+              <a:ext uri="{FF2B5EF4-FFF2-40B4-BE49-F238E27FC236}">
+                <a16:creationId xmlns:a16="http://schemas.microsoft.com/office/drawing/2014/main" id="{23AAC9B5-8015-485C-ACF9-A750390E9A56}"/>
+              </a:ext>
+              <a:ext uri="{C183D7F6-B498-43B3-948B-1728B52AA6E4}">
+                <adec:decorative xmlns:adec="http://schemas.microsoft.com/office/drawing/2017/decorative" val="1"/>
+              </a:ext>
+            </a:extLst>
+          </p:cNvPr>
+          <p:cNvCxnSpPr>
+            <a:cxnSpLocks noGrp="1" noRot="1" noChangeAspect="1" noMove="1" noResize="1" noEditPoints="1" noAdjustHandles="1" noChangeArrowheads="1" noChangeShapeType="1"/>
+          </p:cNvCxnSpPr>
+          <p:nvPr>
+            <p:extLst>
+              <p:ext uri="{386F3935-93C4-4BCD-93E2-E3B085C9AB24}">
+                <p16:designElem xmlns:p16="http://schemas.microsoft.com/office/powerpoint/2015/main" val="1"/>
+              </p:ext>
+            </p:extLst>
+          </p:nvPr>
+        </p:nvCxnSpPr>
+        <p:spPr>
+          <a:xfrm>
+            <a:off x="4654296" y="1852863"/>
+            <a:ext cx="0" cy="3236495"/>
+          </a:xfrm>
+          <a:prstGeom prst="line">
+            <a:avLst/>
+          </a:prstGeom>
+          <a:ln w="19050" cap="sq">
+            <a:solidFill>
+              <a:schemeClr val="tx1">
+                <a:lumMod val="75000"/>
+                <a:lumOff val="25000"/>
+              </a:schemeClr>
+            </a:solidFill>
+          </a:ln>
+        </p:spPr>
+        <p:style>
+          <a:lnRef idx="1">
+            <a:schemeClr val="accent1"/>
+          </a:lnRef>
+          <a:fillRef idx="0">
+            <a:schemeClr val="accent1"/>
+          </a:fillRef>
+          <a:effectRef idx="0">
+            <a:schemeClr val="accent1"/>
+          </a:effectRef>
+          <a:fontRef idx="minor">
+            <a:schemeClr val="tx1"/>
+          </a:fontRef>
+        </p:style>
+      </p:cxnSp>
+      <p:sp>
+        <p:nvSpPr>
+          <p:cNvPr id="3" name="Content Placeholder 2">
+            <a:extLst>
+              <a:ext uri="{FF2B5EF4-FFF2-40B4-BE49-F238E27FC236}">
+                <a16:creationId xmlns:a16="http://schemas.microsoft.com/office/drawing/2014/main" id="{18E74065-2018-E747-9CDA-4A1EE37E24E2}"/>
+              </a:ext>
+            </a:extLst>
+          </p:cNvPr>
+          <p:cNvSpPr>
+            <a:spLocks noGrp="1"/>
+          </p:cNvSpPr>
+          <p:nvPr>
+            <p:ph idx="1"/>
+          </p:nvPr>
+        </p:nvSpPr>
+        <p:spPr>
+          <a:xfrm>
+            <a:off x="5176292" y="1443716"/>
+            <a:ext cx="5729431" cy="4512760"/>
+          </a:xfrm>
+        </p:spPr>
+        <p:txBody>
+          <a:bodyPr anchor="ctr">
+            <a:normAutofit/>
+          </a:bodyPr>
+          <a:lstStyle/>
+          <a:p>
+            <a:pPr>
+              <a:lnSpc>
+                <a:spcPct val="200000"/>
+              </a:lnSpc>
+            </a:pPr>
+            <a:endParaRPr lang="en-US" sz="2200" dirty="0">
+              <a:latin typeface="Avenir Book"/>
+            </a:endParaRPr>
+          </a:p>
+          <a:p>
+            <a:pPr>
+              <a:lnSpc>
+                <a:spcPct val="200000"/>
+              </a:lnSpc>
+            </a:pPr>
+            <a:endParaRPr lang="en-US" sz="2200" dirty="0"/>
+          </a:p>
+          <a:p>
+            <a:endParaRPr lang="en-US" sz="2400" dirty="0"/>
+          </a:p>
+        </p:txBody>
+      </p:sp>
+    </p:spTree>
+    <p:extLst>
+      <p:ext uri="{BB962C8B-B14F-4D97-AF65-F5344CB8AC3E}">
+        <p14:creationId xmlns:p14="http://schemas.microsoft.com/office/powerpoint/2010/main" val="3240735792"/>
+      </p:ext>
+    </p:extLst>
+  </p:cSld>
+  <p:clrMapOvr>
+    <a:masterClrMapping/>
+  </p:clrMapOvr>
+  <p:timing>
+    <p:tnLst>
+      <p:par>
+        <p:cTn id="1" dur="indefinite" restart="never" nodeType="tmRoot">
+          <p:childTnLst>
+            <p:seq concurrent="1" nextAc="seek">
+              <p:cTn id="2" dur="indefinite" nodeType="mainSeq">
+                <p:childTnLst>
+                  <p:par>
+                    <p:cTn id="3" fill="hold">
+                      <p:stCondLst>
+                        <p:cond delay="indefinite"/>
+                      </p:stCondLst>
+                      <p:childTnLst>
+                        <p:par>
+                          <p:cTn id="4" fill="hold">
+                            <p:stCondLst>
+                              <p:cond delay="0"/>
+                            </p:stCondLst>
+                            <p:childTnLst>
+                              <p:par>
+                                <p:cTn id="5" presetID="1" presetClass="entr" presetSubtype="0" fill="hold" grpId="0" nodeType="clickEffect" nodePh="1">
+                                  <p:stCondLst>
+                                    <p:cond delay="0"/>
+                                  </p:stCondLst>
+                                  <p:endCondLst>
+                                    <p:cond evt="begin" delay="0">
+                                      <p:tn val="5"/>
+                                    </p:cond>
+                                  </p:endCondLst>
+                                  <p:childTnLst>
+                                    <p:set>
+                                      <p:cBhvr>
+                                        <p:cTn id="6" dur="1" fill="hold">
+                                          <p:stCondLst>
+                                            <p:cond delay="0"/>
+                                          </p:stCondLst>
+                                        </p:cTn>
+                                        <p:tgtEl>
+                                          <p:spTgt spid="3"/>
+                                        </p:tgtEl>
+                                        <p:attrNameLst>
+                                          <p:attrName>style.visibility</p:attrName>
+                                        </p:attrNameLst>
+                                      </p:cBhvr>
+                                      <p:to>
+                                        <p:strVal val="visible"/>
+                                      </p:to>
+                                    </p:set>
+                                  </p:childTnLst>
+                                </p:cTn>
+                              </p:par>
+                            </p:childTnLst>
+                          </p:cTn>
+                        </p:par>
+                      </p:childTnLst>
+                    </p:cTn>
+                  </p:par>
+                </p:childTnLst>
+              </p:cTn>
+              <p:prevCondLst>
+                <p:cond evt="onPrev" delay="0">
+                  <p:tgtEl>
+                    <p:sldTgt/>
+                  </p:tgtEl>
+                </p:cond>
+              </p:prevCondLst>
+              <p:nextCondLst>
+                <p:cond evt="onNext" delay="0">
+                  <p:tgtEl>
+                    <p:sldTgt/>
+                  </p:tgtEl>
+                </p:cond>
+              </p:nextCondLst>
+            </p:seq>
+          </p:childTnLst>
+        </p:cTn>
+      </p:par>
+    </p:tnLst>
+    <p:bldLst>
+      <p:bldP spid="3" grpId="0"/>
+    </p:bldLst>
+  </p:timing>
+</p:sld>
+</file>
+
+<file path=ppt/slides/slide21.xml><?xml version="1.0" encoding="utf-8"?>
+<p:sld xmlns:a="http://schemas.openxmlformats.org/drawingml/2006/main" xmlns:r="http://schemas.openxmlformats.org/officeDocument/2006/relationships" xmlns:p="http://schemas.openxmlformats.org/presentationml/2006/main">
+  <p:cSld>
+    <p:spTree>
+      <p:nvGrpSpPr>
+        <p:cNvPr id="1" name=""/>
+        <p:cNvGrpSpPr/>
+        <p:nvPr/>
+      </p:nvGrpSpPr>
+      <p:grpSpPr>
+        <a:xfrm>
+          <a:off x="0" y="0"/>
+          <a:ext cx="0" cy="0"/>
+          <a:chOff x="0" y="0"/>
+          <a:chExt cx="0" cy="0"/>
+        </a:xfrm>
+      </p:grpSpPr>
+      <p:sp>
+        <p:nvSpPr>
+          <p:cNvPr id="5" name="Title 4">
+            <a:extLst>
+              <a:ext uri="{FF2B5EF4-FFF2-40B4-BE49-F238E27FC236}">
+                <a16:creationId xmlns:a16="http://schemas.microsoft.com/office/drawing/2014/main" id="{8C0EE0AB-5D58-B84D-BC8D-F76BDC29C7BB}"/>
+              </a:ext>
+            </a:extLst>
+          </p:cNvPr>
+          <p:cNvSpPr>
+            <a:spLocks noGrp="1"/>
+          </p:cNvSpPr>
+          <p:nvPr>
+            <p:ph type="title"/>
+          </p:nvPr>
+        </p:nvSpPr>
+        <p:spPr/>
+        <p:txBody>
+          <a:bodyPr/>
+          <a:lstStyle/>
+          <a:p>
+            <a:r>
+              <a:rPr lang="en-US"/>
+              <a:t>Feature Importance</a:t>
+            </a:r>
+            <a:endParaRPr lang="en-US" dirty="0"/>
+          </a:p>
+        </p:txBody>
+      </p:sp>
+    </p:spTree>
+    <p:extLst>
+      <p:ext uri="{BB962C8B-B14F-4D97-AF65-F5344CB8AC3E}">
+        <p14:creationId xmlns:p14="http://schemas.microsoft.com/office/powerpoint/2010/main" val="3083160062"/>
+      </p:ext>
+    </p:extLst>
+  </p:cSld>
+  <p:clrMapOvr>
+    <a:masterClrMapping/>
+  </p:clrMapOvr>
+</p:sld>
+</file>
+
+<file path=ppt/slides/slide22.xml><?xml version="1.0" encoding="utf-8"?>
 <p:sld xmlns:a="http://schemas.openxmlformats.org/drawingml/2006/main" xmlns:r="http://schemas.openxmlformats.org/officeDocument/2006/relationships" xmlns:p="http://schemas.openxmlformats.org/presentationml/2006/main">
   <p:cSld>
     <p:bg>
@@ -8414,7 +11710,7 @@
 </p:sld>
 </file>
 
-<file path=ppt/slides/slide15.xml><?xml version="1.0" encoding="utf-8"?>
+<file path=ppt/slides/slide23.xml><?xml version="1.0" encoding="utf-8"?>
 <p:sld xmlns:a="http://schemas.openxmlformats.org/drawingml/2006/main" xmlns:r="http://schemas.openxmlformats.org/officeDocument/2006/relationships" xmlns:p="http://schemas.openxmlformats.org/presentationml/2006/main">
   <p:cSld>
     <p:bg>
@@ -8916,7 +12212,7 @@
 </p:sld>
 </file>
 
-<file path=ppt/slides/slide16.xml><?xml version="1.0" encoding="utf-8"?>
+<file path=ppt/slides/slide24.xml><?xml version="1.0" encoding="utf-8"?>
 <p:sld xmlns:a="http://schemas.openxmlformats.org/drawingml/2006/main" xmlns:r="http://schemas.openxmlformats.org/officeDocument/2006/relationships" xmlns:p="http://schemas.openxmlformats.org/presentationml/2006/main">
   <p:cSld>
     <p:spTree>
@@ -9262,7 +12558,7 @@
 </p:sld>
 </file>
 
-<file path=ppt/slides/slide17.xml><?xml version="1.0" encoding="utf-8"?>
+<file path=ppt/slides/slide25.xml><?xml version="1.0" encoding="utf-8"?>
 <p:sld xmlns:a="http://schemas.openxmlformats.org/drawingml/2006/main" xmlns:r="http://schemas.openxmlformats.org/officeDocument/2006/relationships" xmlns:p="http://schemas.openxmlformats.org/presentationml/2006/main">
   <p:cSld>
     <p:spTree>
@@ -9744,7 +13040,7 @@
 </p:sld>
 </file>
 
-<file path=ppt/slides/slide18.xml><?xml version="1.0" encoding="utf-8"?>
+<file path=ppt/slides/slide26.xml><?xml version="1.0" encoding="utf-8"?>
 <p:sld xmlns:a="http://schemas.openxmlformats.org/drawingml/2006/main" xmlns:r="http://schemas.openxmlformats.org/officeDocument/2006/relationships" xmlns:p="http://schemas.openxmlformats.org/presentationml/2006/main">
   <p:cSld>
     <p:bg>
@@ -10443,7 +13739,7 @@
 </p:sld>
 </file>
 
-<file path=ppt/slides/slide19.xml><?xml version="1.0" encoding="utf-8"?>
+<file path=ppt/slides/slide27.xml><?xml version="1.0" encoding="utf-8"?>
 <p:sld xmlns:a="http://schemas.openxmlformats.org/drawingml/2006/main" xmlns:r="http://schemas.openxmlformats.org/officeDocument/2006/relationships" xmlns:p="http://schemas.openxmlformats.org/presentationml/2006/main">
   <p:cSld>
     <p:bg>
@@ -10761,7 +14057,7 @@
           <a:lstStyle/>
           <a:p>
             <a:r>
-              <a:rPr lang="en-US" sz="8000" kern="1200">
+              <a:rPr lang="en-US" sz="8000" kern="1200" dirty="0">
                 <a:solidFill>
                   <a:schemeClr val="tx1"/>
                 </a:solidFill>
@@ -10791,13 +14087,13 @@
         </p:nvSpPr>
         <p:spPr>
           <a:xfrm>
-            <a:off x="987688" y="1553518"/>
-            <a:ext cx="9910295" cy="1281733"/>
+            <a:off x="987688" y="857156"/>
+            <a:ext cx="9910295" cy="3681655"/>
           </a:xfrm>
         </p:spPr>
         <p:txBody>
           <a:bodyPr vert="horz" lIns="91440" tIns="45720" rIns="91440" bIns="45720" rtlCol="0" anchor="b">
-            <a:normAutofit fontScale="92500" lnSpcReduction="20000"/>
+            <a:noAutofit/>
           </a:bodyPr>
           <a:lstStyle/>
           <a:p>
@@ -10811,19 +14107,19 @@
               <a:buNone/>
             </a:pPr>
             <a:r>
-              <a:rPr lang="en-US" sz="2400">
+              <a:rPr lang="en-US" sz="2000" dirty="0">
                 <a:latin typeface="Avenir Book"/>
               </a:rPr>
-              <a:t>Centers for Medicare &amp; Medicaid Services (September 22, 2020). </a:t>
-            </a:r>
-            <a:r>
-              <a:rPr lang="en-US" sz="2400" i="1">
+              <a:t>Centers for Medicare &amp; Medicaid Services (2020, September 22). </a:t>
+            </a:r>
+            <a:r>
+              <a:rPr lang="en-US" sz="2000" i="1" dirty="0">
                 <a:latin typeface="Avenir Book"/>
               </a:rPr>
               <a:t>DATA USER’S GUIDE: PUBLIC USE FILE</a:t>
             </a:r>
             <a:r>
-              <a:rPr lang="en-US" sz="2400">
+              <a:rPr lang="en-US" sz="2000" dirty="0">
                 <a:latin typeface="Avenir Book"/>
               </a:rPr>
               <a:t>. </a:t>
@@ -10840,16 +14136,121 @@
               <a:buNone/>
             </a:pPr>
             <a:r>
-              <a:rPr lang="en-US" sz="2400">
+              <a:rPr lang="en-US" sz="2000" dirty="0">
                 <a:latin typeface="Avenir Book"/>
                 <a:hlinkClick r:id="rId3"/>
               </a:rPr>
               <a:t>https://www.medicare.gov/what-medicare-covers/your-medicare-coverage-choices/whats-medicare</a:t>
             </a:r>
-            <a:endParaRPr lang="en-US">
+            <a:endParaRPr lang="en-US" sz="2000" dirty="0">
+              <a:latin typeface="Avenir Book"/>
+            </a:endParaRPr>
+          </a:p>
+          <a:p>
+            <a:pPr marL="0" indent="0">
+              <a:lnSpc>
+                <a:spcPct val="100000"/>
+              </a:lnSpc>
+              <a:spcBef>
+                <a:spcPts val="0"/>
+              </a:spcBef>
+              <a:buNone/>
+            </a:pPr>
+            <a:endParaRPr lang="en-US" sz="2000" dirty="0">
+              <a:latin typeface="Avenir Book"/>
               <a:ea typeface="+mn-ea"/>
               <a:cs typeface="+mn-cs"/>
             </a:endParaRPr>
+          </a:p>
+          <a:p>
+            <a:pPr marL="0" indent="0">
+              <a:lnSpc>
+                <a:spcPct val="100000"/>
+              </a:lnSpc>
+              <a:spcBef>
+                <a:spcPts val="0"/>
+              </a:spcBef>
+              <a:buNone/>
+            </a:pPr>
+            <a:r>
+              <a:rPr lang="en-US" sz="2000" dirty="0"/>
+              <a:t>Ramsey, S. et al. (2020). Chapter 30 - Economic Burdens and Access to Care Barriers for the Older Cancer Patient. In </a:t>
+            </a:r>
+            <a:r>
+              <a:rPr lang="en-US" sz="2000" i="1" dirty="0"/>
+              <a:t>Management of Cancer in the Older Patient</a:t>
+            </a:r>
+            <a:r>
+              <a:rPr lang="en-US" sz="2000" dirty="0"/>
+              <a:t>. W.B. Saunders.</a:t>
+            </a:r>
+          </a:p>
+          <a:p>
+            <a:pPr marL="0" indent="0">
+              <a:lnSpc>
+                <a:spcPct val="100000"/>
+              </a:lnSpc>
+              <a:spcBef>
+                <a:spcPts val="0"/>
+              </a:spcBef>
+              <a:buNone/>
+            </a:pPr>
+            <a:endParaRPr lang="en-US" sz="2000" dirty="0"/>
+          </a:p>
+          <a:p>
+            <a:pPr marL="0" indent="0">
+              <a:lnSpc>
+                <a:spcPct val="100000"/>
+              </a:lnSpc>
+              <a:spcBef>
+                <a:spcPts val="0"/>
+              </a:spcBef>
+              <a:buNone/>
+            </a:pPr>
+            <a:r>
+              <a:rPr lang="en-US" sz="2000" dirty="0"/>
+              <a:t>Hunter, W.G., </a:t>
+            </a:r>
+            <a:r>
+              <a:rPr lang="en-US" sz="2000" dirty="0" err="1"/>
+              <a:t>Hesson</a:t>
+            </a:r>
+            <a:r>
+              <a:rPr lang="en-US" sz="2000" dirty="0"/>
+              <a:t>, A., Davis, J.K. </a:t>
+            </a:r>
+            <a:r>
+              <a:rPr lang="en-US" sz="2000" i="1" dirty="0"/>
+              <a:t>et al.</a:t>
+            </a:r>
+            <a:r>
+              <a:rPr lang="en-US" sz="2000" dirty="0"/>
+              <a:t> (2016). Patient-physician discussions about costs: definitions and impact on cost conversation incidence estimates. </a:t>
+            </a:r>
+            <a:r>
+              <a:rPr lang="en-US" sz="2000" i="1" dirty="0"/>
+              <a:t>BMC Health Serv Res</a:t>
+            </a:r>
+            <a:r>
+              <a:rPr lang="en-US" sz="2000" dirty="0"/>
+              <a:t> </a:t>
+            </a:r>
+            <a:r>
+              <a:rPr lang="en-US" sz="2000" b="1" dirty="0"/>
+              <a:t>16, </a:t>
+            </a:r>
+            <a:r>
+              <a:rPr lang="en-US" sz="2000" dirty="0"/>
+              <a:t>108 https://</a:t>
+            </a:r>
+            <a:r>
+              <a:rPr lang="en-US" sz="2000" dirty="0" err="1"/>
+              <a:t>doi.org</a:t>
+            </a:r>
+            <a:r>
+              <a:rPr lang="en-US" sz="2000" dirty="0"/>
+              <a:t>/10.1186/s12913-016-1353-2</a:t>
+            </a:r>
           </a:p>
         </p:txBody>
       </p:sp>
@@ -10928,777 +14329,6 @@
   <p:clrMapOvr>
     <a:masterClrMapping/>
   </p:clrMapOvr>
-</p:sld>
-</file>
-
-<file path=ppt/slides/slide2.xml><?xml version="1.0" encoding="utf-8"?>
-<p:sld xmlns:a="http://schemas.openxmlformats.org/drawingml/2006/main" xmlns:r="http://schemas.openxmlformats.org/officeDocument/2006/relationships" xmlns:p="http://schemas.openxmlformats.org/presentationml/2006/main">
-  <p:cSld>
-    <p:bg>
-      <p:bgPr>
-        <a:solidFill>
-          <a:schemeClr val="bg1"/>
-        </a:solidFill>
-        <a:effectLst/>
-      </p:bgPr>
-    </p:bg>
-    <p:spTree>
-      <p:nvGrpSpPr>
-        <p:cNvPr id="1" name=""/>
-        <p:cNvGrpSpPr/>
-        <p:nvPr/>
-      </p:nvGrpSpPr>
-      <p:grpSpPr>
-        <a:xfrm>
-          <a:off x="0" y="0"/>
-          <a:ext cx="0" cy="0"/>
-          <a:chOff x="0" y="0"/>
-          <a:chExt cx="0" cy="0"/>
-        </a:xfrm>
-      </p:grpSpPr>
-      <p:sp useBgFill="1">
-        <p:nvSpPr>
-          <p:cNvPr id="11" name="Rectangle 10">
-            <a:extLst>
-              <a:ext uri="{FF2B5EF4-FFF2-40B4-BE49-F238E27FC236}">
-                <a16:creationId xmlns:a16="http://schemas.microsoft.com/office/drawing/2014/main" id="{3AD318CC-E2A8-4E27-9548-A047A78999B1}"/>
-              </a:ext>
-              <a:ext uri="{C183D7F6-B498-43B3-948B-1728B52AA6E4}">
-                <adec:decorative xmlns:adec="http://schemas.microsoft.com/office/drawing/2017/decorative" val="1"/>
-              </a:ext>
-            </a:extLst>
-          </p:cNvPr>
-          <p:cNvSpPr>
-            <a:spLocks noGrp="1" noRot="1" noChangeAspect="1" noMove="1" noResize="1" noEditPoints="1" noAdjustHandles="1" noChangeArrowheads="1" noChangeShapeType="1" noTextEdit="1"/>
-          </p:cNvSpPr>
-          <p:nvPr>
-            <p:extLst>
-              <p:ext uri="{386F3935-93C4-4BCD-93E2-E3B085C9AB24}">
-                <p16:designElem xmlns:p16="http://schemas.microsoft.com/office/powerpoint/2015/main" val="1"/>
-              </p:ext>
-            </p:extLst>
-          </p:nvPr>
-        </p:nvSpPr>
-        <p:spPr>
-          <a:xfrm>
-            <a:off x="0" y="0"/>
-            <a:ext cx="12191999" cy="6857365"/>
-          </a:xfrm>
-          <a:prstGeom prst="rect">
-            <a:avLst/>
-          </a:prstGeom>
-          <a:ln>
-            <a:noFill/>
-          </a:ln>
-        </p:spPr>
-        <p:style>
-          <a:lnRef idx="2">
-            <a:schemeClr val="accent1">
-              <a:shade val="50000"/>
-            </a:schemeClr>
-          </a:lnRef>
-          <a:fillRef idx="1">
-            <a:schemeClr val="accent1"/>
-          </a:fillRef>
-          <a:effectRef idx="0">
-            <a:schemeClr val="accent1"/>
-          </a:effectRef>
-          <a:fontRef idx="minor">
-            <a:schemeClr val="lt1"/>
-          </a:fontRef>
-        </p:style>
-        <p:txBody>
-          <a:bodyPr rtlCol="0" anchor="ctr"/>
-          <a:lstStyle/>
-          <a:p>
-            <a:pPr algn="ctr"/>
-            <a:endParaRPr lang="en-US">
-              <a:latin typeface="Avenir Book" panose="02000503020000020003" pitchFamily="2" charset="0"/>
-            </a:endParaRPr>
-          </a:p>
-        </p:txBody>
-      </p:sp>
-      <p:sp>
-        <p:nvSpPr>
-          <p:cNvPr id="4" name="Title 3">
-            <a:extLst>
-              <a:ext uri="{FF2B5EF4-FFF2-40B4-BE49-F238E27FC236}">
-                <a16:creationId xmlns:a16="http://schemas.microsoft.com/office/drawing/2014/main" id="{4462A4C9-D231-B14A-B8F1-934B68BD48F3}"/>
-              </a:ext>
-            </a:extLst>
-          </p:cNvPr>
-          <p:cNvSpPr>
-            <a:spLocks noGrp="1"/>
-          </p:cNvSpPr>
-          <p:nvPr>
-            <p:ph type="title"/>
-          </p:nvPr>
-        </p:nvSpPr>
-        <p:spPr>
-          <a:xfrm>
-            <a:off x="645065" y="1463040"/>
-            <a:ext cx="3796306" cy="2690949"/>
-          </a:xfrm>
-        </p:spPr>
-        <p:txBody>
-          <a:bodyPr vert="horz" lIns="91440" tIns="45720" rIns="91440" bIns="45720" rtlCol="0" anchor="t">
-            <a:normAutofit/>
-          </a:bodyPr>
-          <a:lstStyle/>
-          <a:p>
-            <a:r>
-              <a:rPr lang="en-US" sz="4800" kern="1200" dirty="0">
-                <a:solidFill>
-                  <a:schemeClr val="accent1">
-                    <a:lumMod val="50000"/>
-                  </a:schemeClr>
-                </a:solidFill>
-                <a:ea typeface="+mj-ea"/>
-                <a:cs typeface="+mj-cs"/>
-              </a:rPr>
-              <a:t>Table of Contents</a:t>
-            </a:r>
-          </a:p>
-        </p:txBody>
-      </p:sp>
-      <p:grpSp>
-        <p:nvGrpSpPr>
-          <p:cNvPr id="13" name="Group 12">
-            <a:extLst>
-              <a:ext uri="{FF2B5EF4-FFF2-40B4-BE49-F238E27FC236}">
-                <a16:creationId xmlns:a16="http://schemas.microsoft.com/office/drawing/2014/main" id="{B14B560F-9DD7-4302-A60B-EBD3EF59B073}"/>
-              </a:ext>
-              <a:ext uri="{C183D7F6-B498-43B3-948B-1728B52AA6E4}">
-                <adec:decorative xmlns:adec="http://schemas.microsoft.com/office/drawing/2017/decorative" val="1"/>
-              </a:ext>
-            </a:extLst>
-          </p:cNvPr>
-          <p:cNvGrpSpPr>
-            <a:grpSpLocks noGrp="1" noUngrp="1" noRot="1" noChangeAspect="1" noMove="1" noResize="1"/>
-          </p:cNvGrpSpPr>
-          <p:nvPr>
-            <p:extLst>
-              <p:ext uri="{386F3935-93C4-4BCD-93E2-E3B085C9AB24}">
-                <p16:designElem xmlns:p16="http://schemas.microsoft.com/office/powerpoint/2015/main" val="1"/>
-              </p:ext>
-            </p:extLst>
-          </p:nvPr>
-        </p:nvGrpSpPr>
-        <p:grpSpPr>
-          <a:xfrm>
-            <a:off x="209667" y="4415246"/>
-            <a:ext cx="11982332" cy="2087795"/>
-            <a:chOff x="143163" y="5763486"/>
-            <a:chExt cx="11982332" cy="739555"/>
-          </a:xfrm>
-        </p:grpSpPr>
-        <p:sp>
-          <p:nvSpPr>
-            <p:cNvPr id="14" name="Rectangle 13">
-              <a:extLst>
-                <a:ext uri="{FF2B5EF4-FFF2-40B4-BE49-F238E27FC236}">
-                  <a16:creationId xmlns:a16="http://schemas.microsoft.com/office/drawing/2014/main" id="{3A9A4357-BD1D-4622-A4FE-766E6AB8DE84}"/>
-                </a:ext>
-                <a:ext uri="{C183D7F6-B498-43B3-948B-1728B52AA6E4}">
-                  <adec:decorative xmlns:adec="http://schemas.microsoft.com/office/drawing/2017/decorative" val="1"/>
-                </a:ext>
-              </a:extLst>
-            </p:cNvPr>
-            <p:cNvSpPr/>
-            <p:nvPr>
-              <p:extLst>
-                <p:ext uri="{386F3935-93C4-4BCD-93E2-E3B085C9AB24}">
-                  <p16:designElem xmlns:p16="http://schemas.microsoft.com/office/powerpoint/2015/main" val="1"/>
-                </p:ext>
-              </p:extLst>
-            </p:nvPr>
-          </p:nvSpPr>
-          <p:spPr>
-            <a:xfrm flipH="1" flipV="1">
-              <a:off x="357444" y="5763486"/>
-              <a:ext cx="11768051" cy="739555"/>
-            </a:xfrm>
-            <a:prstGeom prst="rect">
-              <a:avLst/>
-            </a:prstGeom>
-            <a:solidFill>
-              <a:schemeClr val="accent4"/>
-            </a:solidFill>
-            <a:ln>
-              <a:noFill/>
-            </a:ln>
-          </p:spPr>
-          <p:style>
-            <a:lnRef idx="2">
-              <a:schemeClr val="accent1">
-                <a:shade val="50000"/>
-              </a:schemeClr>
-            </a:lnRef>
-            <a:fillRef idx="1">
-              <a:schemeClr val="accent1"/>
-            </a:fillRef>
-            <a:effectRef idx="0">
-              <a:schemeClr val="accent1"/>
-            </a:effectRef>
-            <a:fontRef idx="minor">
-              <a:schemeClr val="lt1"/>
-            </a:fontRef>
-          </p:style>
-          <p:txBody>
-            <a:bodyPr rtlCol="0" anchor="ctr"/>
-            <a:lstStyle/>
-            <a:p>
-              <a:pPr algn="ctr"/>
-              <a:endParaRPr lang="en-US">
-                <a:latin typeface="Avenir Book" panose="02000503020000020003" pitchFamily="2" charset="0"/>
-              </a:endParaRPr>
-            </a:p>
-          </p:txBody>
-        </p:sp>
-        <p:cxnSp>
-          <p:nvCxnSpPr>
-            <p:cNvPr id="28" name="Straight Connector 14">
-              <a:extLst>
-                <a:ext uri="{FF2B5EF4-FFF2-40B4-BE49-F238E27FC236}">
-                  <a16:creationId xmlns:a16="http://schemas.microsoft.com/office/drawing/2014/main" id="{C21D6966-343E-49AC-A026-D2497E0C3CA1}"/>
-                </a:ext>
-                <a:ext uri="{C183D7F6-B498-43B3-948B-1728B52AA6E4}">
-                  <adec:decorative xmlns:adec="http://schemas.microsoft.com/office/drawing/2017/decorative" val="1"/>
-                </a:ext>
-              </a:extLst>
-            </p:cNvPr>
-            <p:cNvCxnSpPr>
-              <a:cxnSpLocks/>
-            </p:cNvCxnSpPr>
-            <p:nvPr>
-              <p:extLst>
-                <p:ext uri="{386F3935-93C4-4BCD-93E2-E3B085C9AB24}">
-                  <p16:designElem xmlns:p16="http://schemas.microsoft.com/office/powerpoint/2015/main" val="1"/>
-                </p:ext>
-              </p:extLst>
-            </p:nvPr>
-          </p:nvCxnSpPr>
-          <p:spPr>
-            <a:xfrm flipH="1">
-              <a:off x="143163" y="5763486"/>
-              <a:ext cx="1" cy="739555"/>
-            </a:xfrm>
-            <a:prstGeom prst="line">
-              <a:avLst/>
-            </a:prstGeom>
-            <a:ln w="177800">
-              <a:solidFill>
-                <a:schemeClr val="accent4"/>
-              </a:solidFill>
-            </a:ln>
-          </p:spPr>
-          <p:style>
-            <a:lnRef idx="1">
-              <a:schemeClr val="accent1"/>
-            </a:lnRef>
-            <a:fillRef idx="0">
-              <a:schemeClr val="accent1"/>
-            </a:fillRef>
-            <a:effectRef idx="0">
-              <a:schemeClr val="accent1"/>
-            </a:effectRef>
-            <a:fontRef idx="minor">
-              <a:schemeClr val="tx1"/>
-            </a:fontRef>
-          </p:style>
-        </p:cxnSp>
-      </p:grpSp>
-      <p:sp>
-        <p:nvSpPr>
-          <p:cNvPr id="29" name="Rectangle 16">
-            <a:extLst>
-              <a:ext uri="{FF2B5EF4-FFF2-40B4-BE49-F238E27FC236}">
-                <a16:creationId xmlns:a16="http://schemas.microsoft.com/office/drawing/2014/main" id="{2C1BBA94-3F40-40AA-8BB9-E69E25E537C1}"/>
-              </a:ext>
-              <a:ext uri="{C183D7F6-B498-43B3-948B-1728B52AA6E4}">
-                <adec:decorative xmlns:adec="http://schemas.microsoft.com/office/drawing/2017/decorative" val="1"/>
-              </a:ext>
-            </a:extLst>
-          </p:cNvPr>
-          <p:cNvSpPr>
-            <a:spLocks noGrp="1" noRot="1" noChangeAspect="1" noMove="1" noResize="1" noEditPoints="1" noAdjustHandles="1" noChangeArrowheads="1" noChangeShapeType="1" noTextEdit="1"/>
-          </p:cNvSpPr>
-          <p:nvPr>
-            <p:extLst>
-              <p:ext uri="{386F3935-93C4-4BCD-93E2-E3B085C9AB24}">
-                <p16:designElem xmlns:p16="http://schemas.microsoft.com/office/powerpoint/2015/main" val="1"/>
-              </p:ext>
-            </p:extLst>
-          </p:nvPr>
-        </p:nvSpPr>
-        <p:spPr>
-          <a:xfrm>
-            <a:off x="5133706" y="587829"/>
-            <a:ext cx="6505300" cy="5682342"/>
-          </a:xfrm>
-          <a:prstGeom prst="rect">
-            <a:avLst/>
-          </a:prstGeom>
-          <a:solidFill>
-            <a:schemeClr val="bg1"/>
-          </a:solidFill>
-          <a:ln>
-            <a:noFill/>
-          </a:ln>
-          <a:effectLst>
-            <a:outerShdw blurRad="139700" dist="127000" dir="5400000" algn="t" rotWithShape="0">
-              <a:prstClr val="black">
-                <a:alpha val="15000"/>
-              </a:prstClr>
-            </a:outerShdw>
-          </a:effectLst>
-        </p:spPr>
-        <p:style>
-          <a:lnRef idx="2">
-            <a:schemeClr val="accent1">
-              <a:shade val="50000"/>
-            </a:schemeClr>
-          </a:lnRef>
-          <a:fillRef idx="1">
-            <a:schemeClr val="accent1"/>
-          </a:fillRef>
-          <a:effectRef idx="0">
-            <a:schemeClr val="accent1"/>
-          </a:effectRef>
-          <a:fontRef idx="minor">
-            <a:schemeClr val="lt1"/>
-          </a:fontRef>
-        </p:style>
-        <p:txBody>
-          <a:bodyPr rtlCol="0" anchor="ctr"/>
-          <a:lstStyle/>
-          <a:p>
-            <a:pPr algn="ctr"/>
-            <a:endParaRPr lang="en-US">
-              <a:latin typeface="Avenir Book" panose="02000503020000020003" pitchFamily="2" charset="0"/>
-            </a:endParaRPr>
-          </a:p>
-        </p:txBody>
-      </p:sp>
-      <p:sp>
-        <p:nvSpPr>
-          <p:cNvPr id="6" name="Text Placeholder 5">
-            <a:extLst>
-              <a:ext uri="{FF2B5EF4-FFF2-40B4-BE49-F238E27FC236}">
-                <a16:creationId xmlns:a16="http://schemas.microsoft.com/office/drawing/2014/main" id="{22B87E37-04AC-D240-89FF-52C34054913A}"/>
-              </a:ext>
-            </a:extLst>
-          </p:cNvPr>
-          <p:cNvSpPr>
-            <a:spLocks noGrp="1"/>
-          </p:cNvSpPr>
-          <p:nvPr>
-            <p:ph type="body" sz="half" idx="2"/>
-          </p:nvPr>
-        </p:nvSpPr>
-        <p:spPr>
-          <a:xfrm>
-            <a:off x="5343374" y="1021667"/>
-            <a:ext cx="5855232" cy="2959741"/>
-          </a:xfrm>
-        </p:spPr>
-        <p:txBody>
-          <a:bodyPr vert="horz" lIns="91440" tIns="45720" rIns="91440" bIns="45720" rtlCol="0" anchor="t">
-            <a:normAutofit/>
-          </a:bodyPr>
-          <a:lstStyle/>
-          <a:p>
-            <a:pPr marL="342900" indent="-342900">
-              <a:lnSpc>
-                <a:spcPct val="150000"/>
-              </a:lnSpc>
-              <a:buFont typeface="Arial" panose="020B0604020202020204" pitchFamily="34" charset="0"/>
-              <a:buChar char="•"/>
-            </a:pPr>
-            <a:r>
-              <a:rPr lang="en-US" sz="2400" b="1" dirty="0">
-                <a:solidFill>
-                  <a:schemeClr val="accent1">
-                    <a:lumMod val="50000"/>
-                  </a:schemeClr>
-                </a:solidFill>
-              </a:rPr>
-              <a:t>Background</a:t>
-            </a:r>
-          </a:p>
-          <a:p>
-            <a:pPr marL="342900" indent="-342900">
-              <a:lnSpc>
-                <a:spcPct val="150000"/>
-              </a:lnSpc>
-              <a:buFont typeface="Arial" panose="020B0604020202020204" pitchFamily="34" charset="0"/>
-              <a:buChar char="•"/>
-            </a:pPr>
-            <a:r>
-              <a:rPr lang="en-US" sz="2400" b="1" dirty="0">
-                <a:solidFill>
-                  <a:schemeClr val="accent1">
-                    <a:lumMod val="50000"/>
-                  </a:schemeClr>
-                </a:solidFill>
-              </a:rPr>
-              <a:t>Exploratory Data Analysis</a:t>
-            </a:r>
-          </a:p>
-          <a:p>
-            <a:pPr marL="342900" indent="-342900">
-              <a:lnSpc>
-                <a:spcPct val="150000"/>
-              </a:lnSpc>
-              <a:buFont typeface="Arial" panose="020B0604020202020204" pitchFamily="34" charset="0"/>
-              <a:buChar char="•"/>
-            </a:pPr>
-            <a:r>
-              <a:rPr lang="en-US" sz="2400" b="1" dirty="0">
-                <a:solidFill>
-                  <a:schemeClr val="accent1">
-                    <a:lumMod val="50000"/>
-                  </a:schemeClr>
-                </a:solidFill>
-              </a:rPr>
-              <a:t>Models</a:t>
-            </a:r>
-          </a:p>
-          <a:p>
-            <a:pPr marL="342900" indent="-342900">
-              <a:lnSpc>
-                <a:spcPct val="150000"/>
-              </a:lnSpc>
-              <a:buFont typeface="Arial" panose="020B0604020202020204" pitchFamily="34" charset="0"/>
-              <a:buChar char="•"/>
-            </a:pPr>
-            <a:r>
-              <a:rPr lang="en-US" sz="2400" b="1" dirty="0">
-                <a:solidFill>
-                  <a:schemeClr val="accent1">
-                    <a:lumMod val="50000"/>
-                  </a:schemeClr>
-                </a:solidFill>
-              </a:rPr>
-              <a:t>Conclusion</a:t>
-            </a:r>
-          </a:p>
-        </p:txBody>
-      </p:sp>
-      <p:pic>
-        <p:nvPicPr>
-          <p:cNvPr id="24" name="Picture 23" descr="Logo, company name&#10;&#10;Description automatically generated">
-            <a:extLst>
-              <a:ext uri="{FF2B5EF4-FFF2-40B4-BE49-F238E27FC236}">
-                <a16:creationId xmlns:a16="http://schemas.microsoft.com/office/drawing/2014/main" id="{B733AADF-B6B5-284F-B15E-B72AB8330862}"/>
-              </a:ext>
-            </a:extLst>
-          </p:cNvPr>
-          <p:cNvPicPr>
-            <a:picLocks noChangeAspect="1"/>
-          </p:cNvPicPr>
-          <p:nvPr/>
-        </p:nvPicPr>
-        <p:blipFill>
-          <a:blip r:embed="rId2"/>
-          <a:stretch>
-            <a:fillRect/>
-          </a:stretch>
-        </p:blipFill>
-        <p:spPr>
-          <a:xfrm>
-            <a:off x="6589905" y="4598203"/>
-            <a:ext cx="3806156" cy="1388000"/>
-          </a:xfrm>
-          <a:prstGeom prst="rect">
-            <a:avLst/>
-          </a:prstGeom>
-        </p:spPr>
-      </p:pic>
-    </p:spTree>
-    <p:extLst>
-      <p:ext uri="{BB962C8B-B14F-4D97-AF65-F5344CB8AC3E}">
-        <p14:creationId xmlns:p14="http://schemas.microsoft.com/office/powerpoint/2010/main" val="395357542"/>
-      </p:ext>
-    </p:extLst>
-  </p:cSld>
-  <p:clrMapOvr>
-    <a:masterClrMapping/>
-  </p:clrMapOvr>
-  <p:timing>
-    <p:tnLst>
-      <p:par>
-        <p:cTn id="1" dur="indefinite" restart="never" nodeType="tmRoot">
-          <p:childTnLst>
-            <p:seq concurrent="1" nextAc="seek">
-              <p:cTn id="2" dur="indefinite" nodeType="mainSeq">
-                <p:childTnLst>
-                  <p:par>
-                    <p:cTn id="3" fill="hold">
-                      <p:stCondLst>
-                        <p:cond delay="indefinite"/>
-                      </p:stCondLst>
-                      <p:childTnLst>
-                        <p:par>
-                          <p:cTn id="4" fill="hold">
-                            <p:stCondLst>
-                              <p:cond delay="0"/>
-                            </p:stCondLst>
-                            <p:childTnLst>
-                              <p:par>
-                                <p:cTn id="5" presetID="9" presetClass="entr" presetSubtype="0" fill="hold" nodeType="clickEffect">
-                                  <p:stCondLst>
-                                    <p:cond delay="0"/>
-                                  </p:stCondLst>
-                                  <p:childTnLst>
-                                    <p:set>
-                                      <p:cBhvr>
-                                        <p:cTn id="6" dur="1" fill="hold">
-                                          <p:stCondLst>
-                                            <p:cond delay="0"/>
-                                          </p:stCondLst>
-                                        </p:cTn>
-                                        <p:tgtEl>
-                                          <p:spTgt spid="6">
-                                            <p:txEl>
-                                              <p:pRg st="0" end="0"/>
-                                            </p:txEl>
-                                          </p:spTgt>
-                                        </p:tgtEl>
-                                        <p:attrNameLst>
-                                          <p:attrName>style.visibility</p:attrName>
-                                        </p:attrNameLst>
-                                      </p:cBhvr>
-                                      <p:to>
-                                        <p:strVal val="visible"/>
-                                      </p:to>
-                                    </p:set>
-                                    <p:animEffect transition="in" filter="dissolve">
-                                      <p:cBhvr>
-                                        <p:cTn id="7" dur="500"/>
-                                        <p:tgtEl>
-                                          <p:spTgt spid="6">
-                                            <p:txEl>
-                                              <p:pRg st="0" end="0"/>
-                                            </p:txEl>
-                                          </p:spTgt>
-                                        </p:tgtEl>
-                                      </p:cBhvr>
-                                    </p:animEffect>
-                                  </p:childTnLst>
-                                </p:cTn>
-                              </p:par>
-                            </p:childTnLst>
-                          </p:cTn>
-                        </p:par>
-                      </p:childTnLst>
-                    </p:cTn>
-                  </p:par>
-                  <p:par>
-                    <p:cTn id="8" fill="hold">
-                      <p:stCondLst>
-                        <p:cond delay="indefinite"/>
-                      </p:stCondLst>
-                      <p:childTnLst>
-                        <p:par>
-                          <p:cTn id="9" fill="hold">
-                            <p:stCondLst>
-                              <p:cond delay="0"/>
-                            </p:stCondLst>
-                            <p:childTnLst>
-                              <p:par>
-                                <p:cTn id="10" presetID="9" presetClass="entr" presetSubtype="0" fill="hold" nodeType="clickEffect">
-                                  <p:stCondLst>
-                                    <p:cond delay="0"/>
-                                  </p:stCondLst>
-                                  <p:childTnLst>
-                                    <p:set>
-                                      <p:cBhvr>
-                                        <p:cTn id="11" dur="1" fill="hold">
-                                          <p:stCondLst>
-                                            <p:cond delay="0"/>
-                                          </p:stCondLst>
-                                        </p:cTn>
-                                        <p:tgtEl>
-                                          <p:spTgt spid="6">
-                                            <p:txEl>
-                                              <p:pRg st="1" end="1"/>
-                                            </p:txEl>
-                                          </p:spTgt>
-                                        </p:tgtEl>
-                                        <p:attrNameLst>
-                                          <p:attrName>style.visibility</p:attrName>
-                                        </p:attrNameLst>
-                                      </p:cBhvr>
-                                      <p:to>
-                                        <p:strVal val="visible"/>
-                                      </p:to>
-                                    </p:set>
-                                    <p:animEffect transition="in" filter="dissolve">
-                                      <p:cBhvr>
-                                        <p:cTn id="12" dur="500"/>
-                                        <p:tgtEl>
-                                          <p:spTgt spid="6">
-                                            <p:txEl>
-                                              <p:pRg st="1" end="1"/>
-                                            </p:txEl>
-                                          </p:spTgt>
-                                        </p:tgtEl>
-                                      </p:cBhvr>
-                                    </p:animEffect>
-                                  </p:childTnLst>
-                                </p:cTn>
-                              </p:par>
-                            </p:childTnLst>
-                          </p:cTn>
-                        </p:par>
-                      </p:childTnLst>
-                    </p:cTn>
-                  </p:par>
-                  <p:par>
-                    <p:cTn id="13" fill="hold">
-                      <p:stCondLst>
-                        <p:cond delay="indefinite"/>
-                      </p:stCondLst>
-                      <p:childTnLst>
-                        <p:par>
-                          <p:cTn id="14" fill="hold">
-                            <p:stCondLst>
-                              <p:cond delay="0"/>
-                            </p:stCondLst>
-                            <p:childTnLst>
-                              <p:par>
-                                <p:cTn id="15" presetID="9" presetClass="entr" presetSubtype="0" fill="hold" nodeType="clickEffect">
-                                  <p:stCondLst>
-                                    <p:cond delay="0"/>
-                                  </p:stCondLst>
-                                  <p:childTnLst>
-                                    <p:set>
-                                      <p:cBhvr>
-                                        <p:cTn id="16" dur="1" fill="hold">
-                                          <p:stCondLst>
-                                            <p:cond delay="0"/>
-                                          </p:stCondLst>
-                                        </p:cTn>
-                                        <p:tgtEl>
-                                          <p:spTgt spid="6">
-                                            <p:txEl>
-                                              <p:pRg st="2" end="2"/>
-                                            </p:txEl>
-                                          </p:spTgt>
-                                        </p:tgtEl>
-                                        <p:attrNameLst>
-                                          <p:attrName>style.visibility</p:attrName>
-                                        </p:attrNameLst>
-                                      </p:cBhvr>
-                                      <p:to>
-                                        <p:strVal val="visible"/>
-                                      </p:to>
-                                    </p:set>
-                                    <p:animEffect transition="in" filter="dissolve">
-                                      <p:cBhvr>
-                                        <p:cTn id="17" dur="500"/>
-                                        <p:tgtEl>
-                                          <p:spTgt spid="6">
-                                            <p:txEl>
-                                              <p:pRg st="2" end="2"/>
-                                            </p:txEl>
-                                          </p:spTgt>
-                                        </p:tgtEl>
-                                      </p:cBhvr>
-                                    </p:animEffect>
-                                  </p:childTnLst>
-                                </p:cTn>
-                              </p:par>
-                            </p:childTnLst>
-                          </p:cTn>
-                        </p:par>
-                      </p:childTnLst>
-                    </p:cTn>
-                  </p:par>
-                  <p:par>
-                    <p:cTn id="18" fill="hold">
-                      <p:stCondLst>
-                        <p:cond delay="indefinite"/>
-                      </p:stCondLst>
-                      <p:childTnLst>
-                        <p:par>
-                          <p:cTn id="19" fill="hold">
-                            <p:stCondLst>
-                              <p:cond delay="0"/>
-                            </p:stCondLst>
-                            <p:childTnLst>
-                              <p:par>
-                                <p:cTn id="20" presetID="9" presetClass="entr" presetSubtype="0" fill="hold" nodeType="clickEffect">
-                                  <p:stCondLst>
-                                    <p:cond delay="0"/>
-                                  </p:stCondLst>
-                                  <p:childTnLst>
-                                    <p:set>
-                                      <p:cBhvr>
-                                        <p:cTn id="21" dur="1" fill="hold">
-                                          <p:stCondLst>
-                                            <p:cond delay="0"/>
-                                          </p:stCondLst>
-                                        </p:cTn>
-                                        <p:tgtEl>
-                                          <p:spTgt spid="6">
-                                            <p:txEl>
-                                              <p:pRg st="3" end="3"/>
-                                            </p:txEl>
-                                          </p:spTgt>
-                                        </p:tgtEl>
-                                        <p:attrNameLst>
-                                          <p:attrName>style.visibility</p:attrName>
-                                        </p:attrNameLst>
-                                      </p:cBhvr>
-                                      <p:to>
-                                        <p:strVal val="visible"/>
-                                      </p:to>
-                                    </p:set>
-                                    <p:animEffect transition="in" filter="dissolve">
-                                      <p:cBhvr>
-                                        <p:cTn id="22" dur="500"/>
-                                        <p:tgtEl>
-                                          <p:spTgt spid="6">
-                                            <p:txEl>
-                                              <p:pRg st="3" end="3"/>
-                                            </p:txEl>
-                                          </p:spTgt>
-                                        </p:tgtEl>
-                                      </p:cBhvr>
-                                    </p:animEffect>
-                                  </p:childTnLst>
-                                </p:cTn>
-                              </p:par>
-                            </p:childTnLst>
-                          </p:cTn>
-                        </p:par>
-                      </p:childTnLst>
-                    </p:cTn>
-                  </p:par>
-                </p:childTnLst>
-              </p:cTn>
-              <p:prevCondLst>
-                <p:cond evt="onPrev" delay="0">
-                  <p:tgtEl>
-                    <p:sldTgt/>
-                  </p:tgtEl>
-                </p:cond>
-              </p:prevCondLst>
-              <p:nextCondLst>
-                <p:cond evt="onNext" delay="0">
-                  <p:tgtEl>
-                    <p:sldTgt/>
-                  </p:tgtEl>
-                </p:cond>
-              </p:nextCondLst>
-            </p:seq>
-          </p:childTnLst>
-        </p:cTn>
-      </p:par>
-    </p:tnLst>
-  </p:timing>
 </p:sld>
 </file>
 
@@ -13789,6 +16419,95 @@
           </a:p>
         </p:txBody>
       </p:sp>
+      <p:sp>
+        <p:nvSpPr>
+          <p:cNvPr id="4" name="TextBox 3">
+            <a:extLst>
+              <a:ext uri="{FF2B5EF4-FFF2-40B4-BE49-F238E27FC236}">
+                <a16:creationId xmlns:a16="http://schemas.microsoft.com/office/drawing/2014/main" id="{DF5253D1-A80A-B147-86CF-A24C3ACB2046}"/>
+              </a:ext>
+            </a:extLst>
+          </p:cNvPr>
+          <p:cNvSpPr txBox="1"/>
+          <p:nvPr/>
+        </p:nvSpPr>
+        <p:spPr>
+          <a:xfrm>
+            <a:off x="5657851" y="3443286"/>
+            <a:ext cx="4914899" cy="2031325"/>
+          </a:xfrm>
+          <a:prstGeom prst="rect">
+            <a:avLst/>
+          </a:prstGeom>
+          <a:noFill/>
+        </p:spPr>
+        <p:txBody>
+          <a:bodyPr wrap="square" rtlCol="0">
+            <a:spAutoFit/>
+          </a:bodyPr>
+          <a:lstStyle/>
+          <a:p>
+            <a:r>
+              <a:rPr lang="en-US" dirty="0">
+                <a:latin typeface="Avenir Book" panose="02000503020000020003" pitchFamily="2" charset="0"/>
+              </a:rPr>
+              <a:t>nearly 1 in 3 Americans are financially burdened by their medical expenses [</a:t>
+            </a:r>
+            <a:r>
+              <a:rPr lang="en-US" dirty="0">
+                <a:latin typeface="Avenir Book" panose="02000503020000020003" pitchFamily="2" charset="0"/>
+                <a:hlinkClick r:id="rId3" tooltip="Cohen RA, Kirzinger WK. Financial burden of medical care: a family perspective. NCHS Data Brief. 2014;142:1–8."/>
+              </a:rPr>
+              <a:t>1</a:t>
+            </a:r>
+            <a:r>
+              <a:rPr lang="en-US" dirty="0">
+                <a:latin typeface="Avenir Book" panose="02000503020000020003" pitchFamily="2" charset="0"/>
+              </a:rPr>
+              <a:t>, </a:t>
+            </a:r>
+            <a:r>
+              <a:rPr lang="en-US" dirty="0">
+                <a:latin typeface="Avenir Book" panose="02000503020000020003" pitchFamily="2" charset="0"/>
+                <a:hlinkClick r:id="rId4" tooltip="Richman IB, Brodie M. A National study of burdensome health care costs among non-elderly Americans. BMC Health Serv Res. 2014;14(1):435. doi:&#10;                    10.1186/1472-6963-14-435&#10;                    &#10;                  ."/>
+              </a:rPr>
+              <a:t>2</a:t>
+            </a:r>
+            <a:r>
+              <a:rPr lang="en-US" dirty="0">
+                <a:latin typeface="Avenir Book" panose="02000503020000020003" pitchFamily="2" charset="0"/>
+              </a:rPr>
+              <a:t>]. Beyond just financial consequences, high out-of-pocket medical costs have been associated with lower quality of life, delayed or forgone care, and increased risk of adverse health outcomes [</a:t>
+            </a:r>
+            <a:r>
+              <a:rPr lang="en-US" dirty="0">
+                <a:latin typeface="Avenir Book" panose="02000503020000020003" pitchFamily="2" charset="0"/>
+                <a:hlinkClick r:id="rId4" tooltip="Richman IB, Brodie M. A National study of burdensome health care costs among non-elderly Americans. BMC Health Serv Res. 2014;14(1):435. doi:&#10;                    10.1186/1472-6963-14-435&#10;                    &#10;                  ."/>
+              </a:rPr>
+              <a:t>2</a:t>
+            </a:r>
+            <a:r>
+              <a:rPr lang="en-US" dirty="0">
+                <a:latin typeface="Avenir Book" panose="02000503020000020003" pitchFamily="2" charset="0"/>
+              </a:rPr>
+              <a:t>–</a:t>
+            </a:r>
+            <a:r>
+              <a:rPr lang="en-US" dirty="0">
+                <a:latin typeface="Avenir Book" panose="02000503020000020003" pitchFamily="2" charset="0"/>
+                <a:hlinkClick r:id="rId5" tooltip="Zafar SY, Abernethy AP. Financial toxicity, Part I: a new name for a growing problem. Oncology (Williston Park, NY). 2013;27(2):80–1–149."/>
+              </a:rPr>
+              <a:t>7</a:t>
+            </a:r>
+            <a:r>
+              <a:rPr lang="en-US" dirty="0">
+                <a:latin typeface="Avenir Book" panose="02000503020000020003" pitchFamily="2" charset="0"/>
+              </a:rPr>
+              <a:t>].</a:t>
+            </a:r>
+          </a:p>
+        </p:txBody>
+      </p:sp>
     </p:spTree>
     <p:extLst>
       <p:ext uri="{BB962C8B-B14F-4D97-AF65-F5344CB8AC3E}">
@@ -14469,7 +17188,7 @@
         </p:nvSpPr>
         <p:spPr>
           <a:xfrm>
-            <a:off x="4842374" y="3214688"/>
+            <a:off x="4631848" y="2301792"/>
             <a:ext cx="5825625" cy="2043112"/>
           </a:xfrm>
         </p:spPr>
@@ -15173,12 +17892,20 @@
             <p:ph type="subTitle" idx="1"/>
           </p:nvPr>
         </p:nvSpPr>
-        <p:spPr/>
+        <p:spPr>
+          <a:xfrm>
+            <a:off x="892387" y="1920751"/>
+            <a:ext cx="9144000" cy="1655762"/>
+          </a:xfrm>
+        </p:spPr>
         <p:txBody>
           <a:bodyPr/>
           <a:lstStyle/>
           <a:p>
-            <a:endParaRPr lang="en-US" dirty="0"/>
+            <a:r>
+              <a:rPr lang="en-US" dirty="0"/>
+              <a:t>Removing NAs from variables of interest if %NA is small</a:t>
+            </a:r>
           </a:p>
         </p:txBody>
       </p:sp>
@@ -15665,6 +18392,14 @@
 <file path=ppt/slides/slide9.xml><?xml version="1.0" encoding="utf-8"?>
 <p:sld xmlns:a="http://schemas.openxmlformats.org/drawingml/2006/main" xmlns:r="http://schemas.openxmlformats.org/officeDocument/2006/relationships" xmlns:p="http://schemas.openxmlformats.org/presentationml/2006/main">
   <p:cSld>
+    <p:bg>
+      <p:bgPr>
+        <a:solidFill>
+          <a:schemeClr val="bg1"/>
+        </a:solidFill>
+        <a:effectLst/>
+      </p:bgPr>
+    </p:bg>
     <p:spTree>
       <p:nvGrpSpPr>
         <p:cNvPr id="1" name=""/>
@@ -15679,51 +18414,110 @@
           <a:chExt cx="0" cy="0"/>
         </a:xfrm>
       </p:grpSpPr>
-      <p:sp>
-        <p:nvSpPr>
-          <p:cNvPr id="2" name="Title 1">
-            <a:extLst>
-              <a:ext uri="{FF2B5EF4-FFF2-40B4-BE49-F238E27FC236}">
-                <a16:creationId xmlns:a16="http://schemas.microsoft.com/office/drawing/2014/main" id="{1C78A668-E0F4-46F9-A1EC-6F16111EB07D}"/>
-              </a:ext>
-            </a:extLst>
-          </p:cNvPr>
-          <p:cNvSpPr>
-            <a:spLocks noGrp="1"/>
-          </p:cNvSpPr>
-          <p:nvPr>
-            <p:ph type="title"/>
+      <p:sp useBgFill="1">
+        <p:nvSpPr>
+          <p:cNvPr id="20" name="Rectangle 11">
+            <a:extLst>
+              <a:ext uri="{FF2B5EF4-FFF2-40B4-BE49-F238E27FC236}">
+                <a16:creationId xmlns:a16="http://schemas.microsoft.com/office/drawing/2014/main" id="{99ED5833-B85B-4103-8A3B-CAB0308E6C15}"/>
+              </a:ext>
+              <a:ext uri="{C183D7F6-B498-43B3-948B-1728B52AA6E4}">
+                <adec:decorative xmlns:adec="http://schemas.microsoft.com/office/drawing/2017/decorative" val="1"/>
+              </a:ext>
+            </a:extLst>
+          </p:cNvPr>
+          <p:cNvSpPr>
+            <a:spLocks noGrp="1" noRot="1" noChangeAspect="1" noMove="1" noResize="1" noEditPoints="1" noAdjustHandles="1" noChangeArrowheads="1" noChangeShapeType="1" noTextEdit="1"/>
+          </p:cNvSpPr>
+          <p:nvPr>
+            <p:extLst>
+              <p:ext uri="{386F3935-93C4-4BCD-93E2-E3B085C9AB24}">
+                <p16:designElem xmlns:p16="http://schemas.microsoft.com/office/powerpoint/2015/main" val="1"/>
+              </p:ext>
+            </p:extLst>
           </p:nvPr>
         </p:nvSpPr>
         <p:spPr>
           <a:xfrm>
-            <a:off x="442546" y="365125"/>
-            <a:ext cx="10515600" cy="440192"/>
+            <a:off x="-1" y="0"/>
+            <a:ext cx="12188952" cy="6858000"/>
+          </a:xfrm>
+          <a:prstGeom prst="rect">
+            <a:avLst/>
+          </a:prstGeom>
+          <a:ln>
+            <a:noFill/>
+          </a:ln>
+        </p:spPr>
+        <p:style>
+          <a:lnRef idx="2">
+            <a:schemeClr val="accent1">
+              <a:shade val="50000"/>
+            </a:schemeClr>
+          </a:lnRef>
+          <a:fillRef idx="1">
+            <a:schemeClr val="accent1"/>
+          </a:fillRef>
+          <a:effectRef idx="0">
+            <a:schemeClr val="accent1"/>
+          </a:effectRef>
+          <a:fontRef idx="minor">
+            <a:schemeClr val="lt1"/>
+          </a:fontRef>
+        </p:style>
+        <p:txBody>
+          <a:bodyPr rtlCol="0" anchor="ctr"/>
+          <a:lstStyle/>
+          <a:p>
+            <a:pPr algn="ctr"/>
+            <a:endParaRPr lang="en-US" dirty="0">
+              <a:latin typeface="Avenir Book" panose="02000503020000020003" pitchFamily="2" charset="0"/>
+            </a:endParaRPr>
+          </a:p>
+        </p:txBody>
+      </p:sp>
+      <p:sp>
+        <p:nvSpPr>
+          <p:cNvPr id="2" name="Title 1">
+            <a:extLst>
+              <a:ext uri="{FF2B5EF4-FFF2-40B4-BE49-F238E27FC236}">
+                <a16:creationId xmlns:a16="http://schemas.microsoft.com/office/drawing/2014/main" id="{1C78A668-E0F4-46F9-A1EC-6F16111EB07D}"/>
+              </a:ext>
+            </a:extLst>
+          </p:cNvPr>
+          <p:cNvSpPr>
+            <a:spLocks noGrp="1"/>
+          </p:cNvSpPr>
+          <p:nvPr>
+            <p:ph type="title"/>
+          </p:nvPr>
+        </p:nvSpPr>
+        <p:spPr>
+          <a:xfrm>
+            <a:off x="1196656" y="305495"/>
+            <a:ext cx="9795638" cy="1114380"/>
           </a:xfrm>
         </p:spPr>
         <p:txBody>
-          <a:bodyPr>
-            <a:normAutofit fontScale="90000"/>
+          <a:bodyPr vert="horz" lIns="91440" tIns="45720" rIns="91440" bIns="45720" rtlCol="0" anchor="b">
+            <a:normAutofit/>
           </a:bodyPr>
           <a:lstStyle/>
           <a:p>
             <a:pPr algn="ctr"/>
             <a:r>
-              <a:rPr lang="en-US">
-                <a:latin typeface="Avenir Light"/>
-              </a:rPr>
-              <a:t>Correlation Between Demographics and Problems with Access to Care</a:t>
-            </a:r>
-            <a:endParaRPr lang="en-US"/>
+              <a:rPr lang="en-US" sz="5200" dirty="0"/>
+              <a:t>Demographics</a:t>
+            </a:r>
           </a:p>
         </p:txBody>
       </p:sp>
       <p:pic>
         <p:nvPicPr>
-          <p:cNvPr id="4" name="Picture 4" descr="Chart, scatter chart&#10;&#10;Description automatically generated">
-            <a:extLst>
-              <a:ext uri="{FF2B5EF4-FFF2-40B4-BE49-F238E27FC236}">
-                <a16:creationId xmlns:a16="http://schemas.microsoft.com/office/drawing/2014/main" id="{406B280B-68C9-4C63-8F33-9ACF55BCFE2F}"/>
+          <p:cNvPr id="5" name="Picture 4" descr="Chart, bar chart&#10;&#10;Description automatically generated">
+            <a:extLst>
+              <a:ext uri="{FF2B5EF4-FFF2-40B4-BE49-F238E27FC236}">
+                <a16:creationId xmlns:a16="http://schemas.microsoft.com/office/drawing/2014/main" id="{A02B80A3-FE82-F740-B3CB-AB7F210652BC}"/>
               </a:ext>
             </a:extLst>
           </p:cNvPr>
@@ -15733,15 +18527,45 @@
           <p:nvPr/>
         </p:nvPicPr>
         <p:blipFill>
-          <a:blip r:embed="rId2"/>
+          <a:blip r:embed="rId3"/>
           <a:stretch>
             <a:fillRect/>
           </a:stretch>
         </p:blipFill>
         <p:spPr>
           <a:xfrm>
-            <a:off x="2743200" y="1200513"/>
-            <a:ext cx="7017657" cy="5619931"/>
+            <a:off x="92539" y="1649279"/>
+            <a:ext cx="6587690" cy="4067899"/>
+          </a:xfrm>
+          <a:prstGeom prst="rect">
+            <a:avLst/>
+          </a:prstGeom>
+        </p:spPr>
+      </p:pic>
+      <p:pic>
+        <p:nvPicPr>
+          <p:cNvPr id="7" name="Picture 6" descr="Chart, bar chart&#10;&#10;Description automatically generated">
+            <a:extLst>
+              <a:ext uri="{FF2B5EF4-FFF2-40B4-BE49-F238E27FC236}">
+                <a16:creationId xmlns:a16="http://schemas.microsoft.com/office/drawing/2014/main" id="{A050CDEC-42EC-0344-AB85-68EF4657B716}"/>
+              </a:ext>
+            </a:extLst>
+          </p:cNvPr>
+          <p:cNvPicPr>
+            <a:picLocks noChangeAspect="1"/>
+          </p:cNvPicPr>
+          <p:nvPr/>
+        </p:nvPicPr>
+        <p:blipFill>
+          <a:blip r:embed="rId4"/>
+          <a:stretch>
+            <a:fillRect/>
+          </a:stretch>
+        </p:blipFill>
+        <p:spPr>
+          <a:xfrm>
+            <a:off x="6680229" y="2370801"/>
+            <a:ext cx="5511771" cy="3403519"/>
           </a:xfrm>
           <a:prstGeom prst="rect">
             <a:avLst/>

--- a/ALY6160GroupFINAL.pptx
+++ b/ALY6160GroupFINAL.pptx
@@ -14,7 +14,7 @@
     <p:sldId id="258" r:id="rId5"/>
     <p:sldId id="260" r:id="rId6"/>
     <p:sldId id="256" r:id="rId7"/>
-    <p:sldId id="271" r:id="rId8"/>
+    <p:sldId id="285" r:id="rId8"/>
     <p:sldId id="272" r:id="rId9"/>
     <p:sldId id="267" r:id="rId10"/>
     <p:sldId id="277" r:id="rId11"/>
@@ -28,7 +28,7 @@
     <p:sldId id="273" r:id="rId19"/>
     <p:sldId id="265" r:id="rId20"/>
     <p:sldId id="283" r:id="rId21"/>
-    <p:sldId id="284" r:id="rId22"/>
+    <p:sldId id="286" r:id="rId22"/>
     <p:sldId id="269" r:id="rId23"/>
     <p:sldId id="274" r:id="rId24"/>
     <p:sldId id="261" r:id="rId25"/>
@@ -144,7 +144,7 @@
             <p14:sldId id="258"/>
             <p14:sldId id="260"/>
             <p14:sldId id="256"/>
-            <p14:sldId id="271"/>
+            <p14:sldId id="285"/>
             <p14:sldId id="272"/>
           </p14:sldIdLst>
         </p14:section>
@@ -166,7 +166,7 @@
             <p14:sldId id="273"/>
             <p14:sldId id="265"/>
             <p14:sldId id="283"/>
-            <p14:sldId id="284"/>
+            <p14:sldId id="286"/>
             <p14:sldId id="269"/>
             <p14:sldId id="274"/>
           </p14:sldIdLst>
@@ -2401,18 +2401,78 @@
           <a:bodyPr/>
           <a:lstStyle/>
           <a:p>
+            <a:pPr marL="0" marR="0" lvl="0" indent="0" algn="r" defTabSz="914400" rtl="0" eaLnBrk="1" fontAlgn="auto" latinLnBrk="0" hangingPunct="1">
+              <a:lnSpc>
+                <a:spcPct val="100000"/>
+              </a:lnSpc>
+              <a:spcBef>
+                <a:spcPts val="0"/>
+              </a:spcBef>
+              <a:spcAft>
+                <a:spcPts val="0"/>
+              </a:spcAft>
+              <a:buClrTx/>
+              <a:buSzTx/>
+              <a:buFontTx/>
+              <a:buNone/>
+              <a:tabLst/>
+              <a:defRPr/>
+            </a:pPr>
             <a:fld id="{05D96418-AAE0-0248-8664-955F16523268}" type="slidenum">
-              <a:rPr lang="en-US" smtClean="0"/>
+              <a:rPr kumimoji="0" lang="en-US" sz="1200" b="0" i="0" u="none" strike="noStrike" kern="1200" cap="none" spc="0" normalizeH="0" baseline="0" noProof="0" smtClean="0">
+                <a:ln>
+                  <a:noFill/>
+                </a:ln>
+                <a:solidFill>
+                  <a:prstClr val="black"/>
+                </a:solidFill>
+                <a:effectLst/>
+                <a:uLnTx/>
+                <a:uFillTx/>
+                <a:latin typeface="Avenir Book" panose="02000503020000020003" pitchFamily="2" charset="0"/>
+                <a:ea typeface="+mn-ea"/>
+                <a:cs typeface="+mn-cs"/>
+              </a:rPr>
+              <a:pPr marL="0" marR="0" lvl="0" indent="0" algn="r" defTabSz="914400" rtl="0" eaLnBrk="1" fontAlgn="auto" latinLnBrk="0" hangingPunct="1">
+                <a:lnSpc>
+                  <a:spcPct val="100000"/>
+                </a:lnSpc>
+                <a:spcBef>
+                  <a:spcPts val="0"/>
+                </a:spcBef>
+                <a:spcAft>
+                  <a:spcPts val="0"/>
+                </a:spcAft>
+                <a:buClrTx/>
+                <a:buSzTx/>
+                <a:buFontTx/>
+                <a:buNone/>
+                <a:tabLst/>
+                <a:defRPr/>
+              </a:pPr>
               <a:t>7</a:t>
             </a:fld>
-            <a:endParaRPr lang="en-US"/>
+            <a:endParaRPr kumimoji="0" lang="en-US" sz="1200" b="0" i="0" u="none" strike="noStrike" kern="1200" cap="none" spc="0" normalizeH="0" baseline="0" noProof="0">
+              <a:ln>
+                <a:noFill/>
+              </a:ln>
+              <a:solidFill>
+                <a:prstClr val="black"/>
+              </a:solidFill>
+              <a:effectLst/>
+              <a:uLnTx/>
+              <a:uFillTx/>
+              <a:latin typeface="Avenir Book" panose="02000503020000020003" pitchFamily="2" charset="0"/>
+              <a:ea typeface="+mn-ea"/>
+              <a:cs typeface="+mn-cs"/>
+            </a:endParaRPr>
           </a:p>
         </p:txBody>
       </p:sp>
     </p:spTree>
     <p:extLst>
       <p:ext uri="{BB962C8B-B14F-4D97-AF65-F5344CB8AC3E}">
-        <p14:creationId xmlns:p14="http://schemas.microsoft.com/office/powerpoint/2010/main" val="2408517661"/>
+        <p14:creationId xmlns:p14="http://schemas.microsoft.com/office/powerpoint/2010/main" val="523272436"/>
       </p:ext>
     </p:extLst>
   </p:cSld>
@@ -11217,10 +11277,10 @@
       </p:grpSpPr>
       <p:sp>
         <p:nvSpPr>
-          <p:cNvPr id="5" name="Title 4">
-            <a:extLst>
-              <a:ext uri="{FF2B5EF4-FFF2-40B4-BE49-F238E27FC236}">
-                <a16:creationId xmlns:a16="http://schemas.microsoft.com/office/drawing/2014/main" id="{8C0EE0AB-5D58-B84D-BC8D-F76BDC29C7BB}"/>
+          <p:cNvPr id="2" name="Title 1">
+            <a:extLst>
+              <a:ext uri="{FF2B5EF4-FFF2-40B4-BE49-F238E27FC236}">
+                <a16:creationId xmlns:a16="http://schemas.microsoft.com/office/drawing/2014/main" id="{838E7910-1AE3-BF41-B625-BF6423C5E3DA}"/>
               </a:ext>
             </a:extLst>
           </p:cNvPr>
@@ -11231,23 +11291,57 @@
             <p:ph type="title"/>
           </p:nvPr>
         </p:nvSpPr>
-        <p:spPr/>
+        <p:spPr>
+          <a:xfrm>
+            <a:off x="838200" y="186209"/>
+            <a:ext cx="10515600" cy="1325563"/>
+          </a:xfrm>
+        </p:spPr>
         <p:txBody>
           <a:bodyPr/>
           <a:lstStyle/>
           <a:p>
-            <a:r>
-              <a:rPr lang="en-US"/>
+            <a:pPr algn="ctr"/>
+            <a:r>
+              <a:rPr lang="en-US" dirty="0"/>
               <a:t>Feature Importance</a:t>
             </a:r>
-            <a:endParaRPr lang="en-US" dirty="0"/>
-          </a:p>
-        </p:txBody>
-      </p:sp>
+          </a:p>
+        </p:txBody>
+      </p:sp>
+      <p:pic>
+        <p:nvPicPr>
+          <p:cNvPr id="4" name="Picture 3">
+            <a:extLst>
+              <a:ext uri="{FF2B5EF4-FFF2-40B4-BE49-F238E27FC236}">
+                <a16:creationId xmlns:a16="http://schemas.microsoft.com/office/drawing/2014/main" id="{9A354B23-1587-EA47-8BD5-F0D9495D0572}"/>
+              </a:ext>
+            </a:extLst>
+          </p:cNvPr>
+          <p:cNvPicPr>
+            <a:picLocks noChangeAspect="1"/>
+          </p:cNvPicPr>
+          <p:nvPr/>
+        </p:nvPicPr>
+        <p:blipFill rotWithShape="1">
+          <a:blip r:embed="rId2"/>
+          <a:srcRect l="741" r="1295" b="1757"/>
+          <a:stretch/>
+        </p:blipFill>
+        <p:spPr>
+          <a:xfrm>
+            <a:off x="1979112" y="1273777"/>
+            <a:ext cx="8417492" cy="5252283"/>
+          </a:xfrm>
+          <a:prstGeom prst="rect">
+            <a:avLst/>
+          </a:prstGeom>
+        </p:spPr>
+      </p:pic>
     </p:spTree>
     <p:extLst>
       <p:ext uri="{BB962C8B-B14F-4D97-AF65-F5344CB8AC3E}">
-        <p14:creationId xmlns:p14="http://schemas.microsoft.com/office/powerpoint/2010/main" val="3083160062"/>
+        <p14:creationId xmlns:p14="http://schemas.microsoft.com/office/powerpoint/2010/main" val="1327684892"/>
       </p:ext>
     </p:extLst>
   </p:cSld>
@@ -17172,36 +17266,6 @@
       </p:sp>
       <p:sp>
         <p:nvSpPr>
-          <p:cNvPr id="13" name="Subtitle 12">
-            <a:extLst>
-              <a:ext uri="{FF2B5EF4-FFF2-40B4-BE49-F238E27FC236}">
-                <a16:creationId xmlns:a16="http://schemas.microsoft.com/office/drawing/2014/main" id="{6A713AF3-82D6-0C44-AE59-C084B12E3975}"/>
-              </a:ext>
-            </a:extLst>
-          </p:cNvPr>
-          <p:cNvSpPr>
-            <a:spLocks noGrp="1"/>
-          </p:cNvSpPr>
-          <p:nvPr>
-            <p:ph type="subTitle" idx="1"/>
-          </p:nvPr>
-        </p:nvSpPr>
-        <p:spPr>
-          <a:xfrm>
-            <a:off x="4631848" y="2301792"/>
-            <a:ext cx="5825625" cy="2043112"/>
-          </a:xfrm>
-        </p:spPr>
-        <p:txBody>
-          <a:bodyPr/>
-          <a:lstStyle/>
-          <a:p>
-            <a:endParaRPr lang="en-US" dirty="0"/>
-          </a:p>
-        </p:txBody>
-      </p:sp>
-      <p:sp>
-        <p:nvSpPr>
           <p:cNvPr id="15" name="Subtitle 6">
             <a:extLst>
               <a:ext uri="{FF2B5EF4-FFF2-40B4-BE49-F238E27FC236}">
@@ -17439,6 +17503,51 @@
           </a:p>
         </p:txBody>
       </p:sp>
+      <p:sp>
+        <p:nvSpPr>
+          <p:cNvPr id="17" name="Subtitle 16">
+            <a:extLst>
+              <a:ext uri="{FF2B5EF4-FFF2-40B4-BE49-F238E27FC236}">
+                <a16:creationId xmlns:a16="http://schemas.microsoft.com/office/drawing/2014/main" id="{8D571D3E-172D-CF43-AF43-EC82C18F61E4}"/>
+              </a:ext>
+            </a:extLst>
+          </p:cNvPr>
+          <p:cNvSpPr txBox="1">
+            <a:spLocks noGrp="1"/>
+          </p:cNvSpPr>
+          <p:nvPr>
+            <p:ph type="subTitle" idx="1"/>
+          </p:nvPr>
+        </p:nvSpPr>
+        <p:spPr>
+          <a:xfrm>
+            <a:off x="4200601" y="1965842"/>
+            <a:ext cx="5879607" cy="1557671"/>
+          </a:xfrm>
+          <a:prstGeom prst="rect">
+            <a:avLst/>
+          </a:prstGeom>
+          <a:noFill/>
+        </p:spPr>
+        <p:txBody>
+          <a:bodyPr wrap="square" rtlCol="0">
+            <a:spAutoFit/>
+          </a:bodyPr>
+          <a:lstStyle/>
+          <a:p>
+            <a:r>
+              <a:rPr lang="en-US" dirty="0"/>
+              <a:t>ACC_HCDELAY: Last year ever delay in care due to cost</a:t>
+            </a:r>
+          </a:p>
+          <a:p>
+            <a:r>
+              <a:rPr lang="en-US" dirty="0"/>
+              <a:t>ACC_PAYPROB: Problem paying medical bills </a:t>
+            </a:r>
+          </a:p>
+        </p:txBody>
+      </p:sp>
     </p:spTree>
     <p:extLst>
       <p:ext uri="{BB962C8B-B14F-4D97-AF65-F5344CB8AC3E}">
@@ -17532,9 +17641,36 @@
           <a:bodyPr rtlCol="0" anchor="ctr"/>
           <a:lstStyle/>
           <a:p>
-            <a:pPr algn="ctr"/>
-            <a:endParaRPr lang="en-US">
+            <a:pPr marL="0" marR="0" lvl="0" indent="0" algn="ctr" defTabSz="914400" rtl="0" eaLnBrk="1" fontAlgn="auto" latinLnBrk="0" hangingPunct="1">
+              <a:lnSpc>
+                <a:spcPct val="100000"/>
+              </a:lnSpc>
+              <a:spcBef>
+                <a:spcPts val="0"/>
+              </a:spcBef>
+              <a:spcAft>
+                <a:spcPts val="0"/>
+              </a:spcAft>
+              <a:buClrTx/>
+              <a:buSzTx/>
+              <a:buFontTx/>
+              <a:buNone/>
+              <a:tabLst/>
+              <a:defRPr/>
+            </a:pPr>
+            <a:endParaRPr kumimoji="0" lang="en-US" sz="1800" b="0" i="0" u="none" strike="noStrike" kern="1200" cap="none" spc="0" normalizeH="0" baseline="0" noProof="0">
+              <a:ln>
+                <a:noFill/>
+              </a:ln>
+              <a:solidFill>
+                <a:prstClr val="white"/>
+              </a:solidFill>
+              <a:effectLst/>
+              <a:uLnTx/>
+              <a:uFillTx/>
               <a:latin typeface="Avenir Book" panose="02000503020000020003" pitchFamily="2" charset="0"/>
+              <a:ea typeface="+mn-ea"/>
+              <a:cs typeface="+mn-cs"/>
             </a:endParaRPr>
           </a:p>
         </p:txBody>
@@ -17670,9 +17806,36 @@
           </a:bodyPr>
           <a:lstStyle/>
           <a:p>
-            <a:pPr algn="ctr"/>
-            <a:endParaRPr lang="en-US">
+            <a:pPr marL="0" marR="0" lvl="0" indent="0" algn="ctr" defTabSz="914400" rtl="0" eaLnBrk="1" fontAlgn="auto" latinLnBrk="0" hangingPunct="1">
+              <a:lnSpc>
+                <a:spcPct val="100000"/>
+              </a:lnSpc>
+              <a:spcBef>
+                <a:spcPts val="0"/>
+              </a:spcBef>
+              <a:spcAft>
+                <a:spcPts val="0"/>
+              </a:spcAft>
+              <a:buClrTx/>
+              <a:buSzTx/>
+              <a:buFontTx/>
+              <a:buNone/>
+              <a:tabLst/>
+              <a:defRPr/>
+            </a:pPr>
+            <a:endParaRPr kumimoji="0" lang="en-US" sz="1800" b="0" i="0" u="none" strike="noStrike" kern="1200" cap="none" spc="0" normalizeH="0" baseline="0" noProof="0">
+              <a:ln>
+                <a:noFill/>
+              </a:ln>
+              <a:solidFill>
+                <a:prstClr val="white"/>
+              </a:solidFill>
+              <a:effectLst/>
+              <a:uLnTx/>
+              <a:uFillTx/>
               <a:latin typeface="Avenir Book" panose="02000503020000020003" pitchFamily="2" charset="0"/>
+              <a:ea typeface="+mn-ea"/>
+              <a:cs typeface="+mn-cs"/>
             </a:endParaRPr>
           </a:p>
         </p:txBody>
@@ -17735,9 +17898,36 @@
           <a:bodyPr rtlCol="0" anchor="ctr"/>
           <a:lstStyle/>
           <a:p>
-            <a:pPr algn="ctr"/>
-            <a:endParaRPr lang="en-US">
+            <a:pPr marL="0" marR="0" lvl="0" indent="0" algn="ctr" defTabSz="914400" rtl="0" eaLnBrk="1" fontAlgn="auto" latinLnBrk="0" hangingPunct="1">
+              <a:lnSpc>
+                <a:spcPct val="100000"/>
+              </a:lnSpc>
+              <a:spcBef>
+                <a:spcPts val="0"/>
+              </a:spcBef>
+              <a:spcAft>
+                <a:spcPts val="0"/>
+              </a:spcAft>
+              <a:buClrTx/>
+              <a:buSzTx/>
+              <a:buFontTx/>
+              <a:buNone/>
+              <a:tabLst/>
+              <a:defRPr/>
+            </a:pPr>
+            <a:endParaRPr kumimoji="0" lang="en-US" sz="1800" b="0" i="0" u="none" strike="noStrike" kern="1200" cap="none" spc="0" normalizeH="0" baseline="0" noProof="0">
+              <a:ln>
+                <a:noFill/>
+              </a:ln>
+              <a:solidFill>
+                <a:prstClr val="white"/>
+              </a:solidFill>
+              <a:effectLst/>
+              <a:uLnTx/>
+              <a:uFillTx/>
               <a:latin typeface="Avenir Book" panose="02000503020000020003" pitchFamily="2" charset="0"/>
+              <a:ea typeface="+mn-ea"/>
+              <a:cs typeface="+mn-cs"/>
             </a:endParaRPr>
           </a:p>
         </p:txBody>
@@ -17803,9 +17993,36 @@
           <a:bodyPr rtlCol="0" anchor="ctr"/>
           <a:lstStyle/>
           <a:p>
-            <a:pPr algn="ctr"/>
-            <a:endParaRPr lang="en-US">
+            <a:pPr marL="0" marR="0" lvl="0" indent="0" algn="ctr" defTabSz="914400" rtl="0" eaLnBrk="1" fontAlgn="auto" latinLnBrk="0" hangingPunct="1">
+              <a:lnSpc>
+                <a:spcPct val="100000"/>
+              </a:lnSpc>
+              <a:spcBef>
+                <a:spcPts val="0"/>
+              </a:spcBef>
+              <a:spcAft>
+                <a:spcPts val="0"/>
+              </a:spcAft>
+              <a:buClrTx/>
+              <a:buSzTx/>
+              <a:buFontTx/>
+              <a:buNone/>
+              <a:tabLst/>
+              <a:defRPr/>
+            </a:pPr>
+            <a:endParaRPr kumimoji="0" lang="en-US" sz="1800" b="0" i="0" u="none" strike="noStrike" kern="1200" cap="none" spc="0" normalizeH="0" baseline="0" noProof="0">
+              <a:ln>
+                <a:noFill/>
+              </a:ln>
+              <a:solidFill>
+                <a:prstClr val="white"/>
+              </a:solidFill>
+              <a:effectLst/>
+              <a:uLnTx/>
+              <a:uFillTx/>
               <a:latin typeface="Avenir Book" panose="02000503020000020003" pitchFamily="2" charset="0"/>
+              <a:ea typeface="+mn-ea"/>
+              <a:cs typeface="+mn-cs"/>
             </a:endParaRPr>
           </a:p>
         </p:txBody>
@@ -17868,8 +18085,8 @@
         </p:blipFill>
         <p:spPr>
           <a:xfrm>
-            <a:off x="0" y="5232400"/>
-            <a:ext cx="4457700" cy="1625600"/>
+            <a:off x="0" y="6231156"/>
+            <a:ext cx="1718921" cy="626843"/>
           </a:xfrm>
           <a:prstGeom prst="rect">
             <a:avLst/>
@@ -17894,25 +18111,69 @@
         </p:nvSpPr>
         <p:spPr>
           <a:xfrm>
-            <a:off x="892387" y="1920751"/>
-            <a:ext cx="9144000" cy="1655762"/>
+            <a:off x="641774" y="1358372"/>
+            <a:ext cx="9569026" cy="3874028"/>
           </a:xfrm>
         </p:spPr>
         <p:txBody>
           <a:bodyPr/>
           <a:lstStyle/>
           <a:p>
+            <a:pPr marL="457200" indent="-457200" algn="just">
+              <a:buFont typeface="+mj-lt"/>
+              <a:buAutoNum type="arabicPeriod"/>
+            </a:pPr>
             <a:r>
               <a:rPr lang="en-US" dirty="0"/>
-              <a:t>Removing NAs from variables of interest if %NA is small</a:t>
-            </a:r>
-          </a:p>
-        </p:txBody>
-      </p:sp>
+              <a:t>Simplified variables</a:t>
+            </a:r>
+          </a:p>
+          <a:p>
+            <a:pPr marL="457200" indent="-457200" algn="just">
+              <a:buFont typeface="+mj-lt"/>
+              <a:buAutoNum type="arabicPeriod"/>
+            </a:pPr>
+            <a:r>
+              <a:rPr lang="en-US" dirty="0"/>
+              <a:t>Cleaning non-response</a:t>
+            </a:r>
+          </a:p>
+        </p:txBody>
+      </p:sp>
+      <p:pic>
+        <p:nvPicPr>
+          <p:cNvPr id="3" name="Picture 2">
+            <a:extLst>
+              <a:ext uri="{FF2B5EF4-FFF2-40B4-BE49-F238E27FC236}">
+                <a16:creationId xmlns:a16="http://schemas.microsoft.com/office/drawing/2014/main" id="{12344D9D-6346-8B41-86A4-819122EA92C7}"/>
+              </a:ext>
+            </a:extLst>
+          </p:cNvPr>
+          <p:cNvPicPr>
+            <a:picLocks noChangeAspect="1"/>
+          </p:cNvPicPr>
+          <p:nvPr/>
+        </p:nvPicPr>
+        <p:blipFill>
+          <a:blip r:embed="rId4"/>
+          <a:stretch>
+            <a:fillRect/>
+          </a:stretch>
+        </p:blipFill>
+        <p:spPr>
+          <a:xfrm>
+            <a:off x="791517" y="2296232"/>
+            <a:ext cx="6603403" cy="594048"/>
+          </a:xfrm>
+          <a:prstGeom prst="rect">
+            <a:avLst/>
+          </a:prstGeom>
+        </p:spPr>
+      </p:pic>
     </p:spTree>
     <p:extLst>
       <p:ext uri="{BB962C8B-B14F-4D97-AF65-F5344CB8AC3E}">
-        <p14:creationId xmlns:p14="http://schemas.microsoft.com/office/powerpoint/2010/main" val="3944524115"/>
+        <p14:creationId xmlns:p14="http://schemas.microsoft.com/office/powerpoint/2010/main" val="1720748627"/>
       </p:ext>
     </p:extLst>
   </p:cSld>
